--- a/doc/test/SyncLab/SyncLab.pptx
+++ b/doc/test/SyncLab/SyncLab.pptx
@@ -8,7 +8,7 @@
     <p:sldMasterId id="2147483684" r:id="rId4"/>
   </p:sldMasterIdLst>
   <p:notesMasterIdLst>
-    <p:notesMasterId r:id="rId44"/>
+    <p:notesMasterId r:id="rId51"/>
   </p:notesMasterIdLst>
   <p:sldIdLst>
     <p:sldId id="287" r:id="rId5"/>
@@ -50,6 +50,13 @@
     <p:sldId id="405" r:id="rId41"/>
     <p:sldId id="407" r:id="rId42"/>
     <p:sldId id="406" r:id="rId43"/>
+    <p:sldId id="413" r:id="rId44"/>
+    <p:sldId id="409" r:id="rId45"/>
+    <p:sldId id="415" r:id="rId46"/>
+    <p:sldId id="414" r:id="rId47"/>
+    <p:sldId id="416" r:id="rId48"/>
+    <p:sldId id="417" r:id="rId49"/>
+    <p:sldId id="418" r:id="rId50"/>
   </p:sldIdLst>
   <p:sldSz cx="9144000" cy="6858000" type="screen4x3"/>
   <p:notesSz cx="6858000" cy="9144000"/>
@@ -214,6 +221,17 @@
             <p14:sldId id="406"/>
           </p14:sldIdLst>
         </p14:section>
+        <p14:section name="Sync PlaceHolder" id="{EF579DF1-B954-4431-9F9D-3FE0AD1B8BF7}">
+          <p14:sldIdLst>
+            <p14:sldId id="413"/>
+            <p14:sldId id="409"/>
+            <p14:sldId id="415"/>
+            <p14:sldId id="414"/>
+            <p14:sldId id="416"/>
+            <p14:sldId id="417"/>
+            <p14:sldId id="418"/>
+          </p14:sldIdLst>
+        </p14:section>
       </p14:sectionLst>
     </p:ext>
     <p:ext uri="{EFAFB233-063F-42B5-8137-9DF3F51BA10A}">
@@ -221,6 +239,1003 @@
     </p:ext>
   </p:extLst>
 </p:presentation>
+</file>
+
+<file path=ppt/revisionInfo.xml><?xml version="1.0" encoding="utf-8"?>
+<p1510:revInfo xmlns:a="http://schemas.openxmlformats.org/drawingml/2006/main" xmlns:r="http://schemas.openxmlformats.org/officeDocument/2006/relationships" xmlns:p1510="http://schemas.microsoft.com/office/powerpoint/2015/10/main"/>
+</file>
+
+<file path=ppt/charts/chart1.xml><?xml version="1.0" encoding="utf-8"?>
+<c:chartSpace xmlns:c="http://schemas.openxmlformats.org/drawingml/2006/chart" xmlns:a="http://schemas.openxmlformats.org/drawingml/2006/main" xmlns:r="http://schemas.openxmlformats.org/officeDocument/2006/relationships" xmlns:c16r2="http://schemas.microsoft.com/office/drawing/2015/06/chart">
+  <c:date1904 val="0"/>
+  <c:lang val="en-US"/>
+  <c:roundedCorners val="0"/>
+  <mc:AlternateContent xmlns:mc="http://schemas.openxmlformats.org/markup-compatibility/2006">
+    <mc:Choice xmlns:c14="http://schemas.microsoft.com/office/drawing/2007/8/2/chart" Requires="c14">
+      <c14:style val="102"/>
+    </mc:Choice>
+    <mc:Fallback>
+      <c:style val="2"/>
+    </mc:Fallback>
+  </mc:AlternateContent>
+  <c:chart>
+    <c:title>
+      <c:overlay val="0"/>
+      <c:spPr>
+        <a:noFill/>
+        <a:ln>
+          <a:noFill/>
+        </a:ln>
+        <a:effectLst/>
+      </c:spPr>
+      <c:txPr>
+        <a:bodyPr rot="0" spcFirstLastPara="1" vertOverflow="ellipsis" vert="horz" wrap="square" anchor="ctr" anchorCtr="1"/>
+        <a:lstStyle/>
+        <a:p>
+          <a:pPr>
+            <a:defRPr sz="1862" b="0" i="0" u="none" strike="noStrike" kern="1200" spc="0" baseline="0">
+              <a:solidFill>
+                <a:schemeClr val="tx1">
+                  <a:lumMod val="65000"/>
+                  <a:lumOff val="35000"/>
+                </a:schemeClr>
+              </a:solidFill>
+              <a:latin typeface="+mn-lt"/>
+              <a:ea typeface="+mn-ea"/>
+              <a:cs typeface="+mn-cs"/>
+            </a:defRPr>
+          </a:pPr>
+          <a:endParaRPr lang="en-US"/>
+        </a:p>
+      </c:txPr>
+    </c:title>
+    <c:autoTitleDeleted val="0"/>
+    <c:plotArea>
+      <c:layout/>
+      <c:barChart>
+        <c:barDir val="col"/>
+        <c:grouping val="clustered"/>
+        <c:varyColors val="0"/>
+        <c:ser>
+          <c:idx val="0"/>
+          <c:order val="0"/>
+          <c:tx>
+            <c:strRef>
+              <c:f>Sheet1!$B$1</c:f>
+              <c:strCache>
+                <c:ptCount val="1"/>
+                <c:pt idx="0">
+                  <c:v>Series 1</c:v>
+                </c:pt>
+              </c:strCache>
+            </c:strRef>
+          </c:tx>
+          <c:spPr>
+            <a:solidFill>
+              <a:schemeClr val="accent1"/>
+            </a:solidFill>
+            <a:ln>
+              <a:noFill/>
+            </a:ln>
+            <a:effectLst/>
+          </c:spPr>
+          <c:invertIfNegative val="0"/>
+          <c:cat>
+            <c:strRef>
+              <c:f>Sheet1!$A$2:$A$5</c:f>
+              <c:strCache>
+                <c:ptCount val="4"/>
+                <c:pt idx="0">
+                  <c:v>Category 1</c:v>
+                </c:pt>
+                <c:pt idx="1">
+                  <c:v>Category 2</c:v>
+                </c:pt>
+                <c:pt idx="2">
+                  <c:v>Category 3</c:v>
+                </c:pt>
+                <c:pt idx="3">
+                  <c:v>Category 4</c:v>
+                </c:pt>
+              </c:strCache>
+            </c:strRef>
+          </c:cat>
+          <c:val>
+            <c:numRef>
+              <c:f>Sheet1!$B$2:$B$5</c:f>
+              <c:numCache>
+                <c:formatCode>General</c:formatCode>
+                <c:ptCount val="4"/>
+                <c:pt idx="0">
+                  <c:v>4.3</c:v>
+                </c:pt>
+                <c:pt idx="1">
+                  <c:v>2.5</c:v>
+                </c:pt>
+                <c:pt idx="2">
+                  <c:v>3.5</c:v>
+                </c:pt>
+                <c:pt idx="3">
+                  <c:v>4.5</c:v>
+                </c:pt>
+              </c:numCache>
+            </c:numRef>
+          </c:val>
+          <c:extLst>
+            <c:ext xmlns:c16="http://schemas.microsoft.com/office/drawing/2014/chart" uri="{C3380CC4-5D6E-409C-BE32-E72D297353CC}">
+              <c16:uniqueId val="{00000000-5D8E-4F72-9858-CF9AC0D532D5}"/>
+            </c:ext>
+          </c:extLst>
+        </c:ser>
+        <c:ser>
+          <c:idx val="1"/>
+          <c:order val="1"/>
+          <c:tx>
+            <c:strRef>
+              <c:f>Sheet1!$C$1</c:f>
+              <c:strCache>
+                <c:ptCount val="1"/>
+                <c:pt idx="0">
+                  <c:v>Series 2</c:v>
+                </c:pt>
+              </c:strCache>
+            </c:strRef>
+          </c:tx>
+          <c:spPr>
+            <a:solidFill>
+              <a:schemeClr val="accent2"/>
+            </a:solidFill>
+            <a:ln>
+              <a:noFill/>
+            </a:ln>
+            <a:effectLst/>
+          </c:spPr>
+          <c:invertIfNegative val="0"/>
+          <c:cat>
+            <c:strRef>
+              <c:f>Sheet1!$A$2:$A$5</c:f>
+              <c:strCache>
+                <c:ptCount val="4"/>
+                <c:pt idx="0">
+                  <c:v>Category 1</c:v>
+                </c:pt>
+                <c:pt idx="1">
+                  <c:v>Category 2</c:v>
+                </c:pt>
+                <c:pt idx="2">
+                  <c:v>Category 3</c:v>
+                </c:pt>
+                <c:pt idx="3">
+                  <c:v>Category 4</c:v>
+                </c:pt>
+              </c:strCache>
+            </c:strRef>
+          </c:cat>
+          <c:val>
+            <c:numRef>
+              <c:f>Sheet1!$C$2:$C$5</c:f>
+              <c:numCache>
+                <c:formatCode>General</c:formatCode>
+                <c:ptCount val="4"/>
+                <c:pt idx="0">
+                  <c:v>2.4</c:v>
+                </c:pt>
+                <c:pt idx="1">
+                  <c:v>4.4000000000000004</c:v>
+                </c:pt>
+                <c:pt idx="2">
+                  <c:v>1.8</c:v>
+                </c:pt>
+                <c:pt idx="3">
+                  <c:v>2.8</c:v>
+                </c:pt>
+              </c:numCache>
+            </c:numRef>
+          </c:val>
+          <c:extLst>
+            <c:ext xmlns:c16="http://schemas.microsoft.com/office/drawing/2014/chart" uri="{C3380CC4-5D6E-409C-BE32-E72D297353CC}">
+              <c16:uniqueId val="{00000001-5D8E-4F72-9858-CF9AC0D532D5}"/>
+            </c:ext>
+          </c:extLst>
+        </c:ser>
+        <c:ser>
+          <c:idx val="2"/>
+          <c:order val="2"/>
+          <c:tx>
+            <c:strRef>
+              <c:f>Sheet1!$D$1</c:f>
+              <c:strCache>
+                <c:ptCount val="1"/>
+                <c:pt idx="0">
+                  <c:v>Series 3</c:v>
+                </c:pt>
+              </c:strCache>
+            </c:strRef>
+          </c:tx>
+          <c:spPr>
+            <a:solidFill>
+              <a:schemeClr val="accent3"/>
+            </a:solidFill>
+            <a:ln>
+              <a:noFill/>
+            </a:ln>
+            <a:effectLst/>
+          </c:spPr>
+          <c:invertIfNegative val="0"/>
+          <c:cat>
+            <c:strRef>
+              <c:f>Sheet1!$A$2:$A$5</c:f>
+              <c:strCache>
+                <c:ptCount val="4"/>
+                <c:pt idx="0">
+                  <c:v>Category 1</c:v>
+                </c:pt>
+                <c:pt idx="1">
+                  <c:v>Category 2</c:v>
+                </c:pt>
+                <c:pt idx="2">
+                  <c:v>Category 3</c:v>
+                </c:pt>
+                <c:pt idx="3">
+                  <c:v>Category 4</c:v>
+                </c:pt>
+              </c:strCache>
+            </c:strRef>
+          </c:cat>
+          <c:val>
+            <c:numRef>
+              <c:f>Sheet1!$D$2:$D$5</c:f>
+              <c:numCache>
+                <c:formatCode>General</c:formatCode>
+                <c:ptCount val="4"/>
+                <c:pt idx="0">
+                  <c:v>2</c:v>
+                </c:pt>
+                <c:pt idx="1">
+                  <c:v>2</c:v>
+                </c:pt>
+                <c:pt idx="2">
+                  <c:v>3</c:v>
+                </c:pt>
+                <c:pt idx="3">
+                  <c:v>5</c:v>
+                </c:pt>
+              </c:numCache>
+            </c:numRef>
+          </c:val>
+          <c:extLst>
+            <c:ext xmlns:c16="http://schemas.microsoft.com/office/drawing/2014/chart" uri="{C3380CC4-5D6E-409C-BE32-E72D297353CC}">
+              <c16:uniqueId val="{00000002-5D8E-4F72-9858-CF9AC0D532D5}"/>
+            </c:ext>
+          </c:extLst>
+        </c:ser>
+        <c:dLbls>
+          <c:showLegendKey val="0"/>
+          <c:showVal val="0"/>
+          <c:showCatName val="0"/>
+          <c:showSerName val="0"/>
+          <c:showPercent val="0"/>
+          <c:showBubbleSize val="0"/>
+        </c:dLbls>
+        <c:gapWidth val="219"/>
+        <c:overlap val="-27"/>
+        <c:axId val="502987840"/>
+        <c:axId val="497302032"/>
+      </c:barChart>
+      <c:catAx>
+        <c:axId val="502987840"/>
+        <c:scaling>
+          <c:orientation val="minMax"/>
+        </c:scaling>
+        <c:delete val="0"/>
+        <c:axPos val="b"/>
+        <c:numFmt formatCode="General" sourceLinked="1"/>
+        <c:majorTickMark val="none"/>
+        <c:minorTickMark val="none"/>
+        <c:tickLblPos val="nextTo"/>
+        <c:spPr>
+          <a:noFill/>
+          <a:ln w="9525" cap="flat" cmpd="sng" algn="ctr">
+            <a:solidFill>
+              <a:schemeClr val="tx1">
+                <a:lumMod val="15000"/>
+                <a:lumOff val="85000"/>
+              </a:schemeClr>
+            </a:solidFill>
+            <a:round/>
+          </a:ln>
+          <a:effectLst/>
+        </c:spPr>
+        <c:txPr>
+          <a:bodyPr rot="-60000000" spcFirstLastPara="1" vertOverflow="ellipsis" vert="horz" wrap="square" anchor="ctr" anchorCtr="1"/>
+          <a:lstStyle/>
+          <a:p>
+            <a:pPr>
+              <a:defRPr sz="1197" b="0" i="0" u="none" strike="noStrike" kern="1200" baseline="0">
+                <a:solidFill>
+                  <a:schemeClr val="tx1">
+                    <a:lumMod val="65000"/>
+                    <a:lumOff val="35000"/>
+                  </a:schemeClr>
+                </a:solidFill>
+                <a:latin typeface="+mn-lt"/>
+                <a:ea typeface="+mn-ea"/>
+                <a:cs typeface="+mn-cs"/>
+              </a:defRPr>
+            </a:pPr>
+            <a:endParaRPr lang="en-US"/>
+          </a:p>
+        </c:txPr>
+        <c:crossAx val="497302032"/>
+        <c:crosses val="autoZero"/>
+        <c:auto val="1"/>
+        <c:lblAlgn val="ctr"/>
+        <c:lblOffset val="100"/>
+        <c:noMultiLvlLbl val="0"/>
+      </c:catAx>
+      <c:valAx>
+        <c:axId val="497302032"/>
+        <c:scaling>
+          <c:orientation val="minMax"/>
+        </c:scaling>
+        <c:delete val="0"/>
+        <c:axPos val="l"/>
+        <c:majorGridlines>
+          <c:spPr>
+            <a:ln w="9525" cap="flat" cmpd="sng" algn="ctr">
+              <a:solidFill>
+                <a:schemeClr val="tx1">
+                  <a:lumMod val="15000"/>
+                  <a:lumOff val="85000"/>
+                </a:schemeClr>
+              </a:solidFill>
+              <a:round/>
+            </a:ln>
+            <a:effectLst/>
+          </c:spPr>
+        </c:majorGridlines>
+        <c:numFmt formatCode="General" sourceLinked="1"/>
+        <c:majorTickMark val="none"/>
+        <c:minorTickMark val="none"/>
+        <c:tickLblPos val="nextTo"/>
+        <c:spPr>
+          <a:noFill/>
+          <a:ln>
+            <a:noFill/>
+          </a:ln>
+          <a:effectLst/>
+        </c:spPr>
+        <c:txPr>
+          <a:bodyPr rot="-60000000" spcFirstLastPara="1" vertOverflow="ellipsis" vert="horz" wrap="square" anchor="ctr" anchorCtr="1"/>
+          <a:lstStyle/>
+          <a:p>
+            <a:pPr>
+              <a:defRPr sz="1197" b="0" i="0" u="none" strike="noStrike" kern="1200" baseline="0">
+                <a:solidFill>
+                  <a:schemeClr val="tx1">
+                    <a:lumMod val="65000"/>
+                    <a:lumOff val="35000"/>
+                  </a:schemeClr>
+                </a:solidFill>
+                <a:latin typeface="+mn-lt"/>
+                <a:ea typeface="+mn-ea"/>
+                <a:cs typeface="+mn-cs"/>
+              </a:defRPr>
+            </a:pPr>
+            <a:endParaRPr lang="en-US"/>
+          </a:p>
+        </c:txPr>
+        <c:crossAx val="502987840"/>
+        <c:crosses val="autoZero"/>
+        <c:crossBetween val="between"/>
+      </c:valAx>
+      <c:spPr>
+        <a:noFill/>
+        <a:ln>
+          <a:noFill/>
+        </a:ln>
+        <a:effectLst/>
+      </c:spPr>
+    </c:plotArea>
+    <c:legend>
+      <c:legendPos val="b"/>
+      <c:overlay val="0"/>
+      <c:spPr>
+        <a:noFill/>
+        <a:ln>
+          <a:noFill/>
+        </a:ln>
+        <a:effectLst/>
+      </c:spPr>
+      <c:txPr>
+        <a:bodyPr rot="0" spcFirstLastPara="1" vertOverflow="ellipsis" vert="horz" wrap="square" anchor="ctr" anchorCtr="1"/>
+        <a:lstStyle/>
+        <a:p>
+          <a:pPr>
+            <a:defRPr sz="1197" b="0" i="0" u="none" strike="noStrike" kern="1200" baseline="0">
+              <a:solidFill>
+                <a:schemeClr val="tx1">
+                  <a:lumMod val="65000"/>
+                  <a:lumOff val="35000"/>
+                </a:schemeClr>
+              </a:solidFill>
+              <a:latin typeface="+mn-lt"/>
+              <a:ea typeface="+mn-ea"/>
+              <a:cs typeface="+mn-cs"/>
+            </a:defRPr>
+          </a:pPr>
+          <a:endParaRPr lang="en-US"/>
+        </a:p>
+      </c:txPr>
+    </c:legend>
+    <c:plotVisOnly val="1"/>
+    <c:dispBlanksAs val="gap"/>
+    <c:showDLblsOverMax val="0"/>
+  </c:chart>
+  <c:spPr>
+    <a:noFill/>
+    <a:ln>
+      <a:noFill/>
+    </a:ln>
+    <a:effectLst/>
+  </c:spPr>
+  <c:txPr>
+    <a:bodyPr/>
+    <a:lstStyle/>
+    <a:p>
+      <a:pPr>
+        <a:defRPr/>
+      </a:pPr>
+      <a:endParaRPr lang="en-US"/>
+    </a:p>
+  </c:txPr>
+  <c:externalData r:id="rId3">
+    <c:autoUpdate val="0"/>
+  </c:externalData>
+</c:chartSpace>
+</file>
+
+<file path=ppt/charts/colors1.xml><?xml version="1.0" encoding="utf-8"?>
+<cs:colorStyle xmlns:cs="http://schemas.microsoft.com/office/drawing/2012/chartStyle" xmlns:a="http://schemas.openxmlformats.org/drawingml/2006/main" meth="cycle" id="10">
+  <a:schemeClr val="accent1"/>
+  <a:schemeClr val="accent2"/>
+  <a:schemeClr val="accent3"/>
+  <a:schemeClr val="accent4"/>
+  <a:schemeClr val="accent5"/>
+  <a:schemeClr val="accent6"/>
+  <cs:variation/>
+  <cs:variation>
+    <a:lumMod val="60000"/>
+  </cs:variation>
+  <cs:variation>
+    <a:lumMod val="80000"/>
+    <a:lumOff val="20000"/>
+  </cs:variation>
+  <cs:variation>
+    <a:lumMod val="80000"/>
+  </cs:variation>
+  <cs:variation>
+    <a:lumMod val="60000"/>
+    <a:lumOff val="40000"/>
+  </cs:variation>
+  <cs:variation>
+    <a:lumMod val="50000"/>
+  </cs:variation>
+  <cs:variation>
+    <a:lumMod val="70000"/>
+    <a:lumOff val="30000"/>
+  </cs:variation>
+  <cs:variation>
+    <a:lumMod val="70000"/>
+  </cs:variation>
+  <cs:variation>
+    <a:lumMod val="50000"/>
+    <a:lumOff val="50000"/>
+  </cs:variation>
+</cs:colorStyle>
+</file>
+
+<file path=ppt/charts/style1.xml><?xml version="1.0" encoding="utf-8"?>
+<cs:chartStyle xmlns:cs="http://schemas.microsoft.com/office/drawing/2012/chartStyle" xmlns:a="http://schemas.openxmlformats.org/drawingml/2006/main" id="201">
+  <cs:axisTitle>
+    <cs:lnRef idx="0"/>
+    <cs:fillRef idx="0"/>
+    <cs:effectRef idx="0"/>
+    <cs:fontRef idx="minor">
+      <a:schemeClr val="tx1">
+        <a:lumMod val="65000"/>
+        <a:lumOff val="35000"/>
+      </a:schemeClr>
+    </cs:fontRef>
+    <cs:defRPr sz="1330" kern="1200"/>
+  </cs:axisTitle>
+  <cs:categoryAxis>
+    <cs:lnRef idx="0"/>
+    <cs:fillRef idx="0"/>
+    <cs:effectRef idx="0"/>
+    <cs:fontRef idx="minor">
+      <a:schemeClr val="tx1">
+        <a:lumMod val="65000"/>
+        <a:lumOff val="35000"/>
+      </a:schemeClr>
+    </cs:fontRef>
+    <cs:spPr>
+      <a:ln w="9525" cap="flat" cmpd="sng" algn="ctr">
+        <a:solidFill>
+          <a:schemeClr val="tx1">
+            <a:lumMod val="15000"/>
+            <a:lumOff val="85000"/>
+          </a:schemeClr>
+        </a:solidFill>
+        <a:round/>
+      </a:ln>
+    </cs:spPr>
+    <cs:defRPr sz="1197" kern="1200"/>
+  </cs:categoryAxis>
+  <cs:chartArea mods="allowNoFillOverride allowNoLineOverride">
+    <cs:lnRef idx="0"/>
+    <cs:fillRef idx="0"/>
+    <cs:effectRef idx="0"/>
+    <cs:fontRef idx="minor">
+      <a:schemeClr val="tx1"/>
+    </cs:fontRef>
+    <cs:spPr>
+      <a:solidFill>
+        <a:schemeClr val="bg1"/>
+      </a:solidFill>
+      <a:ln w="9525" cap="flat" cmpd="sng" algn="ctr">
+        <a:solidFill>
+          <a:schemeClr val="tx1">
+            <a:lumMod val="15000"/>
+            <a:lumOff val="85000"/>
+          </a:schemeClr>
+        </a:solidFill>
+        <a:round/>
+      </a:ln>
+    </cs:spPr>
+    <cs:defRPr sz="1330" kern="1200"/>
+  </cs:chartArea>
+  <cs:dataLabel>
+    <cs:lnRef idx="0"/>
+    <cs:fillRef idx="0"/>
+    <cs:effectRef idx="0"/>
+    <cs:fontRef idx="minor">
+      <a:schemeClr val="tx1">
+        <a:lumMod val="75000"/>
+        <a:lumOff val="25000"/>
+      </a:schemeClr>
+    </cs:fontRef>
+    <cs:defRPr sz="1197" kern="1200"/>
+  </cs:dataLabel>
+  <cs:dataLabelCallout>
+    <cs:lnRef idx="0"/>
+    <cs:fillRef idx="0"/>
+    <cs:effectRef idx="0"/>
+    <cs:fontRef idx="minor">
+      <a:schemeClr val="dk1">
+        <a:lumMod val="65000"/>
+        <a:lumOff val="35000"/>
+      </a:schemeClr>
+    </cs:fontRef>
+    <cs:spPr>
+      <a:solidFill>
+        <a:schemeClr val="lt1"/>
+      </a:solidFill>
+      <a:ln>
+        <a:solidFill>
+          <a:schemeClr val="dk1">
+            <a:lumMod val="25000"/>
+            <a:lumOff val="75000"/>
+          </a:schemeClr>
+        </a:solidFill>
+      </a:ln>
+    </cs:spPr>
+    <cs:defRPr sz="1197" kern="1200"/>
+    <cs:bodyPr rot="0" spcFirstLastPara="1" vertOverflow="clip" horzOverflow="clip" vert="horz" wrap="square" lIns="36576" tIns="18288" rIns="36576" bIns="18288" anchor="ctr" anchorCtr="1">
+      <a:spAutoFit/>
+    </cs:bodyPr>
+  </cs:dataLabelCallout>
+  <cs:dataPoint>
+    <cs:lnRef idx="0"/>
+    <cs:fillRef idx="1">
+      <cs:styleClr val="auto"/>
+    </cs:fillRef>
+    <cs:effectRef idx="0"/>
+    <cs:fontRef idx="minor">
+      <a:schemeClr val="tx1"/>
+    </cs:fontRef>
+  </cs:dataPoint>
+  <cs:dataPoint3D>
+    <cs:lnRef idx="0"/>
+    <cs:fillRef idx="1">
+      <cs:styleClr val="auto"/>
+    </cs:fillRef>
+    <cs:effectRef idx="0"/>
+    <cs:fontRef idx="minor">
+      <a:schemeClr val="tx1"/>
+    </cs:fontRef>
+  </cs:dataPoint3D>
+  <cs:dataPointLine>
+    <cs:lnRef idx="0">
+      <cs:styleClr val="auto"/>
+    </cs:lnRef>
+    <cs:fillRef idx="1"/>
+    <cs:effectRef idx="0"/>
+    <cs:fontRef idx="minor">
+      <a:schemeClr val="tx1"/>
+    </cs:fontRef>
+    <cs:spPr>
+      <a:ln w="28575" cap="rnd">
+        <a:solidFill>
+          <a:schemeClr val="phClr"/>
+        </a:solidFill>
+        <a:round/>
+      </a:ln>
+    </cs:spPr>
+  </cs:dataPointLine>
+  <cs:dataPointMarker>
+    <cs:lnRef idx="0">
+      <cs:styleClr val="auto"/>
+    </cs:lnRef>
+    <cs:fillRef idx="1">
+      <cs:styleClr val="auto"/>
+    </cs:fillRef>
+    <cs:effectRef idx="0"/>
+    <cs:fontRef idx="minor">
+      <a:schemeClr val="tx1"/>
+    </cs:fontRef>
+    <cs:spPr>
+      <a:ln w="9525">
+        <a:solidFill>
+          <a:schemeClr val="phClr"/>
+        </a:solidFill>
+      </a:ln>
+    </cs:spPr>
+  </cs:dataPointMarker>
+  <cs:dataPointMarkerLayout symbol="circle" size="5"/>
+  <cs:dataPointWireframe>
+    <cs:lnRef idx="0">
+      <cs:styleClr val="auto"/>
+    </cs:lnRef>
+    <cs:fillRef idx="1"/>
+    <cs:effectRef idx="0"/>
+    <cs:fontRef idx="minor">
+      <a:schemeClr val="tx1"/>
+    </cs:fontRef>
+    <cs:spPr>
+      <a:ln w="9525" cap="rnd">
+        <a:solidFill>
+          <a:schemeClr val="phClr"/>
+        </a:solidFill>
+        <a:round/>
+      </a:ln>
+    </cs:spPr>
+  </cs:dataPointWireframe>
+  <cs:dataTable>
+    <cs:lnRef idx="0"/>
+    <cs:fillRef idx="0"/>
+    <cs:effectRef idx="0"/>
+    <cs:fontRef idx="minor">
+      <a:schemeClr val="tx1">
+        <a:lumMod val="65000"/>
+        <a:lumOff val="35000"/>
+      </a:schemeClr>
+    </cs:fontRef>
+    <cs:spPr>
+      <a:noFill/>
+      <a:ln w="9525" cap="flat" cmpd="sng" algn="ctr">
+        <a:solidFill>
+          <a:schemeClr val="tx1">
+            <a:lumMod val="15000"/>
+            <a:lumOff val="85000"/>
+          </a:schemeClr>
+        </a:solidFill>
+        <a:round/>
+      </a:ln>
+    </cs:spPr>
+    <cs:defRPr sz="1197" kern="1200"/>
+  </cs:dataTable>
+  <cs:downBar>
+    <cs:lnRef idx="0"/>
+    <cs:fillRef idx="0"/>
+    <cs:effectRef idx="0"/>
+    <cs:fontRef idx="minor">
+      <a:schemeClr val="dk1"/>
+    </cs:fontRef>
+    <cs:spPr>
+      <a:solidFill>
+        <a:schemeClr val="dk1">
+          <a:lumMod val="65000"/>
+          <a:lumOff val="35000"/>
+        </a:schemeClr>
+      </a:solidFill>
+      <a:ln w="9525">
+        <a:solidFill>
+          <a:schemeClr val="tx1">
+            <a:lumMod val="65000"/>
+            <a:lumOff val="35000"/>
+          </a:schemeClr>
+        </a:solidFill>
+      </a:ln>
+    </cs:spPr>
+  </cs:downBar>
+  <cs:dropLine>
+    <cs:lnRef idx="0"/>
+    <cs:fillRef idx="0"/>
+    <cs:effectRef idx="0"/>
+    <cs:fontRef idx="minor">
+      <a:schemeClr val="tx1"/>
+    </cs:fontRef>
+    <cs:spPr>
+      <a:ln w="9525" cap="flat" cmpd="sng" algn="ctr">
+        <a:solidFill>
+          <a:schemeClr val="tx1">
+            <a:lumMod val="35000"/>
+            <a:lumOff val="65000"/>
+          </a:schemeClr>
+        </a:solidFill>
+        <a:round/>
+      </a:ln>
+    </cs:spPr>
+  </cs:dropLine>
+  <cs:errorBar>
+    <cs:lnRef idx="0"/>
+    <cs:fillRef idx="0"/>
+    <cs:effectRef idx="0"/>
+    <cs:fontRef idx="minor">
+      <a:schemeClr val="tx1"/>
+    </cs:fontRef>
+    <cs:spPr>
+      <a:ln w="9525" cap="flat" cmpd="sng" algn="ctr">
+        <a:solidFill>
+          <a:schemeClr val="tx1">
+            <a:lumMod val="65000"/>
+            <a:lumOff val="35000"/>
+          </a:schemeClr>
+        </a:solidFill>
+        <a:round/>
+      </a:ln>
+    </cs:spPr>
+  </cs:errorBar>
+  <cs:floor>
+    <cs:lnRef idx="0"/>
+    <cs:fillRef idx="0"/>
+    <cs:effectRef idx="0"/>
+    <cs:fontRef idx="minor">
+      <a:schemeClr val="tx1"/>
+    </cs:fontRef>
+    <cs:spPr>
+      <a:noFill/>
+      <a:ln>
+        <a:noFill/>
+      </a:ln>
+    </cs:spPr>
+  </cs:floor>
+  <cs:gridlineMajor>
+    <cs:lnRef idx="0"/>
+    <cs:fillRef idx="0"/>
+    <cs:effectRef idx="0"/>
+    <cs:fontRef idx="minor">
+      <a:schemeClr val="tx1"/>
+    </cs:fontRef>
+    <cs:spPr>
+      <a:ln w="9525" cap="flat" cmpd="sng" algn="ctr">
+        <a:solidFill>
+          <a:schemeClr val="tx1">
+            <a:lumMod val="15000"/>
+            <a:lumOff val="85000"/>
+          </a:schemeClr>
+        </a:solidFill>
+        <a:round/>
+      </a:ln>
+    </cs:spPr>
+  </cs:gridlineMajor>
+  <cs:gridlineMinor>
+    <cs:lnRef idx="0"/>
+    <cs:fillRef idx="0"/>
+    <cs:effectRef idx="0"/>
+    <cs:fontRef idx="minor">
+      <a:schemeClr val="tx1"/>
+    </cs:fontRef>
+    <cs:spPr>
+      <a:ln w="9525" cap="flat" cmpd="sng" algn="ctr">
+        <a:solidFill>
+          <a:schemeClr val="tx1">
+            <a:lumMod val="5000"/>
+            <a:lumOff val="95000"/>
+          </a:schemeClr>
+        </a:solidFill>
+        <a:round/>
+      </a:ln>
+    </cs:spPr>
+  </cs:gridlineMinor>
+  <cs:hiLoLine>
+    <cs:lnRef idx="0"/>
+    <cs:fillRef idx="0"/>
+    <cs:effectRef idx="0"/>
+    <cs:fontRef idx="minor">
+      <a:schemeClr val="tx1"/>
+    </cs:fontRef>
+    <cs:spPr>
+      <a:ln w="9525" cap="flat" cmpd="sng" algn="ctr">
+        <a:solidFill>
+          <a:schemeClr val="tx1">
+            <a:lumMod val="75000"/>
+            <a:lumOff val="25000"/>
+          </a:schemeClr>
+        </a:solidFill>
+        <a:round/>
+      </a:ln>
+    </cs:spPr>
+  </cs:hiLoLine>
+  <cs:leaderLine>
+    <cs:lnRef idx="0"/>
+    <cs:fillRef idx="0"/>
+    <cs:effectRef idx="0"/>
+    <cs:fontRef idx="minor">
+      <a:schemeClr val="tx1"/>
+    </cs:fontRef>
+    <cs:spPr>
+      <a:ln w="9525" cap="flat" cmpd="sng" algn="ctr">
+        <a:solidFill>
+          <a:schemeClr val="tx1">
+            <a:lumMod val="35000"/>
+            <a:lumOff val="65000"/>
+          </a:schemeClr>
+        </a:solidFill>
+        <a:round/>
+      </a:ln>
+    </cs:spPr>
+  </cs:leaderLine>
+  <cs:legend>
+    <cs:lnRef idx="0"/>
+    <cs:fillRef idx="0"/>
+    <cs:effectRef idx="0"/>
+    <cs:fontRef idx="minor">
+      <a:schemeClr val="tx1">
+        <a:lumMod val="65000"/>
+        <a:lumOff val="35000"/>
+      </a:schemeClr>
+    </cs:fontRef>
+    <cs:defRPr sz="1197" kern="1200"/>
+  </cs:legend>
+  <cs:plotArea mods="allowNoFillOverride allowNoLineOverride">
+    <cs:lnRef idx="0"/>
+    <cs:fillRef idx="0"/>
+    <cs:effectRef idx="0"/>
+    <cs:fontRef idx="minor">
+      <a:schemeClr val="tx1"/>
+    </cs:fontRef>
+  </cs:plotArea>
+  <cs:plotArea3D mods="allowNoFillOverride allowNoLineOverride">
+    <cs:lnRef idx="0"/>
+    <cs:fillRef idx="0"/>
+    <cs:effectRef idx="0"/>
+    <cs:fontRef idx="minor">
+      <a:schemeClr val="tx1"/>
+    </cs:fontRef>
+  </cs:plotArea3D>
+  <cs:seriesAxis>
+    <cs:lnRef idx="0"/>
+    <cs:fillRef idx="0"/>
+    <cs:effectRef idx="0"/>
+    <cs:fontRef idx="minor">
+      <a:schemeClr val="tx1">
+        <a:lumMod val="65000"/>
+        <a:lumOff val="35000"/>
+      </a:schemeClr>
+    </cs:fontRef>
+    <cs:defRPr sz="1197" kern="1200"/>
+  </cs:seriesAxis>
+  <cs:seriesLine>
+    <cs:lnRef idx="0"/>
+    <cs:fillRef idx="0"/>
+    <cs:effectRef idx="0"/>
+    <cs:fontRef idx="minor">
+      <a:schemeClr val="tx1"/>
+    </cs:fontRef>
+    <cs:spPr>
+      <a:ln w="9525" cap="flat" cmpd="sng" algn="ctr">
+        <a:solidFill>
+          <a:schemeClr val="tx1">
+            <a:lumMod val="35000"/>
+            <a:lumOff val="65000"/>
+          </a:schemeClr>
+        </a:solidFill>
+        <a:round/>
+      </a:ln>
+    </cs:spPr>
+  </cs:seriesLine>
+  <cs:title>
+    <cs:lnRef idx="0"/>
+    <cs:fillRef idx="0"/>
+    <cs:effectRef idx="0"/>
+    <cs:fontRef idx="minor">
+      <a:schemeClr val="tx1">
+        <a:lumMod val="65000"/>
+        <a:lumOff val="35000"/>
+      </a:schemeClr>
+    </cs:fontRef>
+    <cs:defRPr sz="1862" b="0" kern="1200" spc="0" baseline="0"/>
+  </cs:title>
+  <cs:trendline>
+    <cs:lnRef idx="0">
+      <cs:styleClr val="auto"/>
+    </cs:lnRef>
+    <cs:fillRef idx="0"/>
+    <cs:effectRef idx="0"/>
+    <cs:fontRef idx="minor">
+      <a:schemeClr val="tx1"/>
+    </cs:fontRef>
+    <cs:spPr>
+      <a:ln w="19050" cap="rnd">
+        <a:solidFill>
+          <a:schemeClr val="phClr"/>
+        </a:solidFill>
+        <a:prstDash val="sysDot"/>
+      </a:ln>
+    </cs:spPr>
+  </cs:trendline>
+  <cs:trendlineLabel>
+    <cs:lnRef idx="0"/>
+    <cs:fillRef idx="0"/>
+    <cs:effectRef idx="0"/>
+    <cs:fontRef idx="minor">
+      <a:schemeClr val="tx1">
+        <a:lumMod val="65000"/>
+        <a:lumOff val="35000"/>
+      </a:schemeClr>
+    </cs:fontRef>
+    <cs:defRPr sz="1197" kern="1200"/>
+  </cs:trendlineLabel>
+  <cs:upBar>
+    <cs:lnRef idx="0"/>
+    <cs:fillRef idx="0"/>
+    <cs:effectRef idx="0"/>
+    <cs:fontRef idx="minor">
+      <a:schemeClr val="dk1"/>
+    </cs:fontRef>
+    <cs:spPr>
+      <a:solidFill>
+        <a:schemeClr val="lt1"/>
+      </a:solidFill>
+      <a:ln w="9525">
+        <a:solidFill>
+          <a:schemeClr val="tx1">
+            <a:lumMod val="15000"/>
+            <a:lumOff val="85000"/>
+          </a:schemeClr>
+        </a:solidFill>
+      </a:ln>
+    </cs:spPr>
+  </cs:upBar>
+  <cs:valueAxis>
+    <cs:lnRef idx="0"/>
+    <cs:fillRef idx="0"/>
+    <cs:effectRef idx="0"/>
+    <cs:fontRef idx="minor">
+      <a:schemeClr val="tx1">
+        <a:lumMod val="65000"/>
+        <a:lumOff val="35000"/>
+      </a:schemeClr>
+    </cs:fontRef>
+    <cs:defRPr sz="1197" kern="1200"/>
+  </cs:valueAxis>
+  <cs:wall>
+    <cs:lnRef idx="0"/>
+    <cs:fillRef idx="0"/>
+    <cs:effectRef idx="0"/>
+    <cs:fontRef idx="minor">
+      <a:schemeClr val="tx1"/>
+    </cs:fontRef>
+    <cs:spPr>
+      <a:noFill/>
+      <a:ln>
+        <a:noFill/>
+      </a:ln>
+    </cs:spPr>
+  </cs:wall>
+</cs:chartStyle>
 </file>
 
 <file path=ppt/notesMasters/notesMaster1.xml><?xml version="1.0" encoding="utf-8"?>
@@ -305,7 +1320,7 @@
           <a:p>
             <a:fld id="{43E32005-3A63-48D2-8C73-BF5F95786EBD}" type="datetimeFigureOut">
               <a:rPr lang="en-US" smtClean="0"/>
-              <a:t>5/29/2017</a:t>
+              <a:t>1/31/2018</a:t>
             </a:fld>
             <a:endParaRPr lang="en-US"/>
           </a:p>
@@ -369,38 +1384,37 @@
           <a:p>
             <a:pPr lvl="0"/>
             <a:r>
-              <a:rPr lang="en-US" smtClean="0"/>
+              <a:rPr lang="en-US"/>
               <a:t>Click to edit Master text styles</a:t>
             </a:r>
           </a:p>
           <a:p>
             <a:pPr lvl="1"/>
             <a:r>
-              <a:rPr lang="en-US" smtClean="0"/>
+              <a:rPr lang="en-US"/>
               <a:t>Second level</a:t>
             </a:r>
           </a:p>
           <a:p>
             <a:pPr lvl="2"/>
             <a:r>
-              <a:rPr lang="en-US" smtClean="0"/>
+              <a:rPr lang="en-US"/>
               <a:t>Third level</a:t>
             </a:r>
           </a:p>
           <a:p>
             <a:pPr lvl="3"/>
             <a:r>
-              <a:rPr lang="en-US" smtClean="0"/>
+              <a:rPr lang="en-US"/>
               <a:t>Fourth level</a:t>
             </a:r>
           </a:p>
           <a:p>
             <a:pPr lvl="4"/>
             <a:r>
-              <a:rPr lang="en-US" smtClean="0"/>
+              <a:rPr lang="en-US"/>
               <a:t>Fifth level</a:t>
             </a:r>
-            <a:endParaRPr lang="en-US"/>
           </a:p>
         </p:txBody>
       </p:sp>
@@ -618,10 +1632,9 @@
           <a:lstStyle/>
           <a:p>
             <a:r>
-              <a:rPr lang="en-US" dirty="0" smtClean="0"/>
+              <a:rPr lang="en-US" dirty="0"/>
               <a:t>Original Shapes</a:t>
             </a:r>
-            <a:endParaRPr lang="en-US" dirty="0"/>
           </a:p>
         </p:txBody>
       </p:sp>
@@ -706,14 +1719,14 @@
           <a:lstStyle/>
           <a:p>
             <a:r>
-              <a:rPr lang="en-US" dirty="0" smtClean="0"/>
+              <a:rPr lang="en-US" dirty="0"/>
               <a:t>Sync Gradient Fill. We want to</a:t>
             </a:r>
             <a:r>
-              <a:rPr lang="en-US" baseline="0" dirty="0" smtClean="0"/>
+              <a:rPr lang="en-US" baseline="0" dirty="0"/>
               <a:t> ensure that 2 gradient stops can be copied</a:t>
             </a:r>
-            <a:endParaRPr lang="en-US" dirty="0" smtClean="0"/>
+            <a:endParaRPr lang="en-US" dirty="0"/>
           </a:p>
           <a:p>
             <a:pPr marL="0" marR="0" lvl="0" indent="0" algn="l" defTabSz="914400" rtl="0" eaLnBrk="1" fontAlgn="auto" latinLnBrk="0" hangingPunct="1">
@@ -734,14 +1747,14 @@
               <a:defRPr/>
             </a:pPr>
             <a:r>
-              <a:rPr lang="en-US" dirty="0" smtClean="0"/>
+              <a:rPr lang="en-US" dirty="0"/>
               <a:t>Copy fill from the first column, forth</a:t>
             </a:r>
             <a:r>
-              <a:rPr lang="en-US" baseline="0" dirty="0" smtClean="0"/>
+              <a:rPr lang="en-US" baseline="0" dirty="0"/>
               <a:t> shape to the large blue shape.</a:t>
             </a:r>
-            <a:endParaRPr lang="en-US" dirty="0" smtClean="0"/>
+            <a:endParaRPr lang="en-US" dirty="0"/>
           </a:p>
         </p:txBody>
       </p:sp>
@@ -826,14 +1839,14 @@
           <a:lstStyle/>
           <a:p>
             <a:r>
-              <a:rPr lang="en-US" dirty="0" smtClean="0"/>
+              <a:rPr lang="en-US" dirty="0"/>
               <a:t>Sync Gradient Fill. We want to</a:t>
             </a:r>
             <a:r>
-              <a:rPr lang="en-US" baseline="0" dirty="0" smtClean="0"/>
+              <a:rPr lang="en-US" baseline="0" dirty="0"/>
               <a:t> ensure that diagonal gradients (multiple of 45) can be copied</a:t>
             </a:r>
-            <a:endParaRPr lang="en-US" dirty="0" smtClean="0"/>
+            <a:endParaRPr lang="en-US" dirty="0"/>
           </a:p>
           <a:p>
             <a:pPr marL="0" marR="0" lvl="0" indent="0" algn="l" defTabSz="914400" rtl="0" eaLnBrk="1" fontAlgn="auto" latinLnBrk="0" hangingPunct="1">
@@ -854,22 +1867,22 @@
               <a:defRPr/>
             </a:pPr>
             <a:r>
-              <a:rPr lang="en-US" dirty="0" smtClean="0"/>
+              <a:rPr lang="en-US" dirty="0"/>
               <a:t>Copy fill from the second</a:t>
             </a:r>
             <a:r>
-              <a:rPr lang="en-US" baseline="0" dirty="0" smtClean="0"/>
+              <a:rPr lang="en-US" baseline="0" dirty="0"/>
               <a:t> column</a:t>
             </a:r>
             <a:r>
-              <a:rPr lang="en-US" dirty="0" smtClean="0"/>
+              <a:rPr lang="en-US" dirty="0"/>
               <a:t>, first</a:t>
             </a:r>
             <a:r>
-              <a:rPr lang="en-US" baseline="0" dirty="0" smtClean="0"/>
+              <a:rPr lang="en-US" baseline="0" dirty="0"/>
               <a:t> shape to the large blue shape.</a:t>
             </a:r>
-            <a:endParaRPr lang="en-US" dirty="0" smtClean="0"/>
+            <a:endParaRPr lang="en-US" dirty="0"/>
           </a:p>
         </p:txBody>
       </p:sp>
@@ -954,14 +1967,14 @@
           <a:lstStyle/>
           <a:p>
             <a:r>
-              <a:rPr lang="en-US" dirty="0" smtClean="0"/>
+              <a:rPr lang="en-US" dirty="0"/>
               <a:t>Sync Gradient Fill. We want to</a:t>
             </a:r>
             <a:r>
-              <a:rPr lang="en-US" baseline="0" dirty="0" smtClean="0"/>
+              <a:rPr lang="en-US" baseline="0" dirty="0"/>
               <a:t> ensure that rectangular gradients can be copied</a:t>
             </a:r>
-            <a:endParaRPr lang="en-US" dirty="0" smtClean="0"/>
+            <a:endParaRPr lang="en-US" dirty="0"/>
           </a:p>
           <a:p>
             <a:pPr marL="0" marR="0" lvl="0" indent="0" algn="l" defTabSz="914400" rtl="0" eaLnBrk="1" fontAlgn="auto" latinLnBrk="0" hangingPunct="1">
@@ -982,14 +1995,14 @@
               <a:defRPr/>
             </a:pPr>
             <a:r>
-              <a:rPr lang="en-US" dirty="0" smtClean="0"/>
+              <a:rPr lang="en-US" dirty="0"/>
               <a:t>Copy fill from the second column, second</a:t>
             </a:r>
             <a:r>
-              <a:rPr lang="en-US" baseline="0" dirty="0" smtClean="0"/>
+              <a:rPr lang="en-US" baseline="0" dirty="0"/>
               <a:t> shape to the large blue shape.</a:t>
             </a:r>
-            <a:endParaRPr lang="en-US" dirty="0" smtClean="0"/>
+            <a:endParaRPr lang="en-US" dirty="0"/>
           </a:p>
         </p:txBody>
       </p:sp>
@@ -1074,14 +2087,14 @@
           <a:lstStyle/>
           <a:p>
             <a:r>
-              <a:rPr lang="en-US" dirty="0" smtClean="0"/>
+              <a:rPr lang="en-US" dirty="0"/>
               <a:t>Sync Gradient Fill. We want to</a:t>
             </a:r>
             <a:r>
-              <a:rPr lang="en-US" baseline="0" dirty="0" smtClean="0"/>
+              <a:rPr lang="en-US" baseline="0" dirty="0"/>
               <a:t> ensure that path gradients can be copied</a:t>
             </a:r>
-            <a:endParaRPr lang="en-US" dirty="0" smtClean="0"/>
+            <a:endParaRPr lang="en-US" dirty="0"/>
           </a:p>
           <a:p>
             <a:pPr marL="0" marR="0" lvl="0" indent="0" algn="l" defTabSz="914400" rtl="0" eaLnBrk="1" fontAlgn="auto" latinLnBrk="0" hangingPunct="1">
@@ -1102,14 +2115,14 @@
               <a:defRPr/>
             </a:pPr>
             <a:r>
-              <a:rPr lang="en-US" dirty="0" smtClean="0"/>
+              <a:rPr lang="en-US" dirty="0"/>
               <a:t>Copy fill from the second column, third</a:t>
             </a:r>
             <a:r>
-              <a:rPr lang="en-US" baseline="0" dirty="0" smtClean="0"/>
+              <a:rPr lang="en-US" baseline="0" dirty="0"/>
               <a:t> shape to the large blue shape.</a:t>
             </a:r>
-            <a:endParaRPr lang="en-US" dirty="0" smtClean="0"/>
+            <a:endParaRPr lang="en-US" dirty="0"/>
           </a:p>
         </p:txBody>
       </p:sp>
@@ -1194,14 +2207,14 @@
           <a:lstStyle/>
           <a:p>
             <a:r>
-              <a:rPr lang="en-US" dirty="0" smtClean="0"/>
+              <a:rPr lang="en-US" dirty="0"/>
               <a:t>Sync Gradient Fill. We want to</a:t>
             </a:r>
             <a:r>
-              <a:rPr lang="en-US" baseline="0" dirty="0" smtClean="0"/>
+              <a:rPr lang="en-US" baseline="0" dirty="0"/>
               <a:t> ensure that max gradient stops (9) can be copied</a:t>
             </a:r>
-            <a:endParaRPr lang="en-US" dirty="0" smtClean="0"/>
+            <a:endParaRPr lang="en-US" dirty="0"/>
           </a:p>
           <a:p>
             <a:pPr marL="0" marR="0" lvl="0" indent="0" algn="l" defTabSz="914400" rtl="0" eaLnBrk="1" fontAlgn="auto" latinLnBrk="0" hangingPunct="1">
@@ -1222,14 +2235,14 @@
               <a:defRPr/>
             </a:pPr>
             <a:r>
-              <a:rPr lang="en-US" dirty="0" smtClean="0"/>
+              <a:rPr lang="en-US" dirty="0"/>
               <a:t>Copy fill from the second column, forth</a:t>
             </a:r>
             <a:r>
-              <a:rPr lang="en-US" baseline="0" dirty="0" smtClean="0"/>
+              <a:rPr lang="en-US" baseline="0" dirty="0"/>
               <a:t> shape to the large blue shape.</a:t>
             </a:r>
-            <a:endParaRPr lang="en-US" dirty="0" smtClean="0"/>
+            <a:endParaRPr lang="en-US" dirty="0"/>
           </a:p>
         </p:txBody>
       </p:sp>
@@ -1314,7 +2327,7 @@
           <a:lstStyle/>
           <a:p>
             <a:r>
-              <a:rPr lang="en-US" dirty="0" smtClean="0"/>
+              <a:rPr lang="en-US" dirty="0"/>
               <a:t>Sync Transparency.</a:t>
             </a:r>
           </a:p>
@@ -1337,21 +2350,20 @@
               <a:defRPr/>
             </a:pPr>
             <a:r>
-              <a:rPr lang="en-US" dirty="0" smtClean="0"/>
+              <a:rPr lang="en-US" dirty="0"/>
               <a:t>Copy transparency from the second</a:t>
             </a:r>
             <a:r>
-              <a:rPr lang="en-US" baseline="0" dirty="0" smtClean="0"/>
+              <a:rPr lang="en-US" baseline="0" dirty="0"/>
               <a:t> shape to the large blue shape.</a:t>
             </a:r>
-            <a:endParaRPr lang="en-US" dirty="0" smtClean="0"/>
-          </a:p>
-          <a:p>
-            <a:r>
-              <a:rPr lang="en-US" dirty="0" smtClean="0"/>
+            <a:endParaRPr lang="en-US" dirty="0"/>
+          </a:p>
+          <a:p>
+            <a:r>
+              <a:rPr lang="en-US" dirty="0"/>
               <a:t>You should be able to see the shape behind faintly.</a:t>
             </a:r>
-            <a:endParaRPr lang="en-US" dirty="0"/>
           </a:p>
         </p:txBody>
       </p:sp>
@@ -1436,7 +2448,7 @@
           <a:lstStyle/>
           <a:p>
             <a:r>
-              <a:rPr lang="en-US" dirty="0" smtClean="0"/>
+              <a:rPr lang="en-US" dirty="0"/>
               <a:t>Original Shapes</a:t>
             </a:r>
           </a:p>
@@ -1523,20 +2535,20 @@
           <a:lstStyle/>
           <a:p>
             <a:r>
-              <a:rPr lang="en-US" dirty="0" smtClean="0"/>
+              <a:rPr lang="en-US" dirty="0"/>
               <a:t>Sync Font Family</a:t>
             </a:r>
           </a:p>
           <a:p>
             <a:r>
-              <a:rPr lang="en-US" dirty="0" smtClean="0"/>
+              <a:rPr lang="en-US" dirty="0"/>
               <a:t>Copy font from the above</a:t>
             </a:r>
             <a:r>
-              <a:rPr lang="en-US" baseline="0" dirty="0" smtClean="0"/>
+              <a:rPr lang="en-US" baseline="0" dirty="0"/>
               <a:t> red shape to the blue shape</a:t>
             </a:r>
-            <a:endParaRPr lang="en-US" dirty="0" smtClean="0"/>
+            <a:endParaRPr lang="en-US" dirty="0"/>
           </a:p>
         </p:txBody>
       </p:sp>
@@ -1621,25 +2633,25 @@
           <a:lstStyle/>
           <a:p>
             <a:r>
-              <a:rPr lang="en-US" dirty="0" smtClean="0"/>
+              <a:rPr lang="en-US" dirty="0"/>
               <a:t>Sync Font</a:t>
             </a:r>
             <a:r>
-              <a:rPr lang="en-US" baseline="0" dirty="0" smtClean="0"/>
+              <a:rPr lang="en-US" baseline="0" dirty="0"/>
               <a:t> Size</a:t>
             </a:r>
-            <a:endParaRPr lang="en-US" dirty="0" smtClean="0"/>
-          </a:p>
-          <a:p>
-            <a:r>
-              <a:rPr lang="en-US" dirty="0" smtClean="0"/>
+            <a:endParaRPr lang="en-US" dirty="0"/>
+          </a:p>
+          <a:p>
+            <a:r>
+              <a:rPr lang="en-US" dirty="0"/>
               <a:t>Copy font size from the above</a:t>
             </a:r>
             <a:r>
-              <a:rPr lang="en-US" baseline="0" dirty="0" smtClean="0"/>
+              <a:rPr lang="en-US" baseline="0" dirty="0"/>
               <a:t> red shape to the blue shape</a:t>
             </a:r>
-            <a:endParaRPr lang="en-US" dirty="0" smtClean="0"/>
+            <a:endParaRPr lang="en-US" dirty="0"/>
           </a:p>
         </p:txBody>
       </p:sp>
@@ -1724,17 +2736,17 @@
           <a:lstStyle/>
           <a:p>
             <a:r>
-              <a:rPr lang="en-US" dirty="0" smtClean="0"/>
+              <a:rPr lang="en-US" dirty="0"/>
               <a:t>Sync Font Color</a:t>
             </a:r>
           </a:p>
           <a:p>
             <a:r>
-              <a:rPr lang="en-US" dirty="0" smtClean="0"/>
+              <a:rPr lang="en-US" dirty="0"/>
               <a:t>Copy font color from the above</a:t>
             </a:r>
             <a:r>
-              <a:rPr lang="en-US" baseline="0" dirty="0" smtClean="0"/>
+              <a:rPr lang="en-US" baseline="0" dirty="0"/>
               <a:t> red shape to the blue shape</a:t>
             </a:r>
           </a:p>
@@ -1821,11 +2833,11 @@
           <a:lstStyle/>
           <a:p>
             <a:r>
-              <a:rPr lang="en-US" dirty="0" smtClean="0"/>
+              <a:rPr lang="en-US" dirty="0"/>
               <a:t>Sync</a:t>
             </a:r>
             <a:r>
-              <a:rPr lang="en-US" baseline="0" dirty="0" smtClean="0"/>
+              <a:rPr lang="en-US" baseline="0" dirty="0"/>
               <a:t> X position</a:t>
             </a:r>
           </a:p>
@@ -1848,14 +2860,14 @@
               <a:defRPr/>
             </a:pPr>
             <a:r>
-              <a:rPr lang="en-US" dirty="0" smtClean="0"/>
+              <a:rPr lang="en-US" dirty="0"/>
               <a:t>Copy X position from the red rectangle</a:t>
             </a:r>
             <a:r>
-              <a:rPr lang="en-US" baseline="0" dirty="0" smtClean="0"/>
+              <a:rPr lang="en-US" baseline="0" dirty="0"/>
               <a:t> to blue rectangle</a:t>
             </a:r>
-            <a:endParaRPr lang="en-US" dirty="0" smtClean="0"/>
+            <a:endParaRPr lang="en-US" dirty="0"/>
           </a:p>
         </p:txBody>
       </p:sp>
@@ -1940,31 +2952,31 @@
           <a:lstStyle/>
           <a:p>
             <a:r>
-              <a:rPr lang="en-US" dirty="0" smtClean="0"/>
+              <a:rPr lang="en-US" dirty="0"/>
               <a:t>Sync</a:t>
             </a:r>
             <a:r>
-              <a:rPr lang="en-US" baseline="0" dirty="0" smtClean="0"/>
+              <a:rPr lang="en-US" baseline="0" dirty="0"/>
               <a:t> Font Style (One)</a:t>
             </a:r>
-            <a:endParaRPr lang="en-US" dirty="0" smtClean="0"/>
-          </a:p>
-          <a:p>
-            <a:r>
-              <a:rPr lang="en-US" dirty="0" smtClean="0"/>
+            <a:endParaRPr lang="en-US" dirty="0"/>
+          </a:p>
+          <a:p>
+            <a:r>
+              <a:rPr lang="en-US" dirty="0"/>
               <a:t>Copy font style from the above</a:t>
             </a:r>
             <a:r>
-              <a:rPr lang="en-US" baseline="0" dirty="0" smtClean="0"/>
+              <a:rPr lang="en-US" baseline="0" dirty="0"/>
               <a:t> red shape to the blue shape</a:t>
             </a:r>
           </a:p>
           <a:p>
             <a:r>
-              <a:rPr lang="en-US" baseline="0" dirty="0" smtClean="0"/>
+              <a:rPr lang="en-US" baseline="0" dirty="0"/>
               <a:t>This should sync the bold style only</a:t>
             </a:r>
-            <a:endParaRPr lang="en-US" dirty="0" smtClean="0"/>
+            <a:endParaRPr lang="en-US" dirty="0"/>
           </a:p>
         </p:txBody>
       </p:sp>
@@ -2049,26 +3061,26 @@
           <a:lstStyle/>
           <a:p>
             <a:r>
-              <a:rPr lang="en-US" dirty="0" smtClean="0"/>
+              <a:rPr lang="en-US" dirty="0"/>
               <a:t>Sync Font Style (All)</a:t>
             </a:r>
           </a:p>
           <a:p>
             <a:r>
-              <a:rPr lang="en-US" dirty="0" smtClean="0"/>
+              <a:rPr lang="en-US" dirty="0"/>
               <a:t>Copy font style from the below</a:t>
             </a:r>
             <a:r>
-              <a:rPr lang="en-US" baseline="0" dirty="0" smtClean="0"/>
+              <a:rPr lang="en-US" baseline="0" dirty="0"/>
               <a:t> red shape to the blue shape</a:t>
             </a:r>
           </a:p>
           <a:p>
             <a:r>
-              <a:rPr lang="en-US" baseline="0" dirty="0" smtClean="0"/>
+              <a:rPr lang="en-US" baseline="0" dirty="0"/>
               <a:t>This should sync the bold, italic and underline style only</a:t>
             </a:r>
-            <a:endParaRPr lang="en-US" dirty="0" smtClean="0"/>
+            <a:endParaRPr lang="en-US" dirty="0"/>
           </a:p>
         </p:txBody>
       </p:sp>
@@ -2153,10 +3165,9 @@
           <a:lstStyle/>
           <a:p>
             <a:r>
-              <a:rPr lang="en-US" dirty="0" smtClean="0"/>
+              <a:rPr lang="en-US" dirty="0"/>
               <a:t>Original Shapes</a:t>
             </a:r>
-            <a:endParaRPr lang="en-US" dirty="0"/>
           </a:p>
         </p:txBody>
       </p:sp>
@@ -2241,28 +3252,28 @@
           <a:lstStyle/>
           <a:p>
             <a:r>
-              <a:rPr lang="en-US" dirty="0" smtClean="0"/>
+              <a:rPr lang="en-US" dirty="0"/>
               <a:t>Sync Line Color</a:t>
             </a:r>
           </a:p>
           <a:p>
             <a:r>
-              <a:rPr lang="en-US" dirty="0" smtClean="0"/>
+              <a:rPr lang="en-US" dirty="0"/>
               <a:t>Copy</a:t>
             </a:r>
             <a:r>
-              <a:rPr lang="en-US" baseline="0" dirty="0" smtClean="0"/>
+              <a:rPr lang="en-US" baseline="0" dirty="0"/>
               <a:t> line color</a:t>
             </a:r>
             <a:r>
-              <a:rPr lang="en-US" dirty="0" smtClean="0"/>
+              <a:rPr lang="en-US" dirty="0"/>
               <a:t> from the</a:t>
             </a:r>
             <a:r>
-              <a:rPr lang="en-US" baseline="0" dirty="0" smtClean="0"/>
+              <a:rPr lang="en-US" baseline="0" dirty="0"/>
               <a:t> red line to the horizontal straight line</a:t>
             </a:r>
-            <a:endParaRPr lang="en-US" dirty="0" smtClean="0"/>
+            <a:endParaRPr lang="en-US" dirty="0"/>
           </a:p>
         </p:txBody>
       </p:sp>
@@ -2347,33 +3358,33 @@
           <a:lstStyle/>
           <a:p>
             <a:r>
-              <a:rPr lang="en-US" dirty="0" smtClean="0"/>
+              <a:rPr lang="en-US" dirty="0"/>
               <a:t>Sync Line</a:t>
             </a:r>
             <a:r>
-              <a:rPr lang="en-US" baseline="0" dirty="0" smtClean="0"/>
+              <a:rPr lang="en-US" baseline="0" dirty="0"/>
               <a:t> Width</a:t>
             </a:r>
-            <a:endParaRPr lang="en-US" dirty="0" smtClean="0"/>
-          </a:p>
-          <a:p>
-            <a:r>
-              <a:rPr lang="en-US" dirty="0" smtClean="0"/>
+            <a:endParaRPr lang="en-US" dirty="0"/>
+          </a:p>
+          <a:p>
+            <a:r>
+              <a:rPr lang="en-US" dirty="0"/>
               <a:t>Copy</a:t>
             </a:r>
             <a:r>
-              <a:rPr lang="en-US" baseline="0" dirty="0" smtClean="0"/>
+              <a:rPr lang="en-US" baseline="0" dirty="0"/>
               <a:t> line width</a:t>
             </a:r>
             <a:r>
-              <a:rPr lang="en-US" dirty="0" smtClean="0"/>
+              <a:rPr lang="en-US" dirty="0"/>
               <a:t> from the</a:t>
             </a:r>
             <a:r>
-              <a:rPr lang="en-US" baseline="0" dirty="0" smtClean="0"/>
+              <a:rPr lang="en-US" baseline="0" dirty="0"/>
               <a:t> red line to the arrow</a:t>
             </a:r>
-            <a:endParaRPr lang="en-US" dirty="0" smtClean="0"/>
+            <a:endParaRPr lang="en-US" dirty="0"/>
           </a:p>
         </p:txBody>
       </p:sp>
@@ -2458,28 +3469,28 @@
           <a:lstStyle/>
           <a:p>
             <a:r>
-              <a:rPr lang="en-US" dirty="0" smtClean="0"/>
+              <a:rPr lang="en-US" dirty="0"/>
               <a:t>Sync Line Compound Type</a:t>
             </a:r>
           </a:p>
           <a:p>
             <a:r>
-              <a:rPr lang="en-US" dirty="0" smtClean="0"/>
+              <a:rPr lang="en-US" dirty="0"/>
               <a:t>Copy</a:t>
             </a:r>
             <a:r>
-              <a:rPr lang="en-US" baseline="0" dirty="0" smtClean="0"/>
+              <a:rPr lang="en-US" baseline="0" dirty="0"/>
               <a:t> compound type </a:t>
             </a:r>
             <a:r>
-              <a:rPr lang="en-US" dirty="0" smtClean="0"/>
+              <a:rPr lang="en-US" dirty="0"/>
               <a:t>from the</a:t>
             </a:r>
             <a:r>
-              <a:rPr lang="en-US" baseline="0" dirty="0" smtClean="0"/>
+              <a:rPr lang="en-US" baseline="0" dirty="0"/>
               <a:t> red line to the horizontal straight line</a:t>
             </a:r>
-            <a:endParaRPr lang="en-US" dirty="0" smtClean="0"/>
+            <a:endParaRPr lang="en-US" dirty="0"/>
           </a:p>
         </p:txBody>
       </p:sp>
@@ -2564,28 +3575,28 @@
           <a:lstStyle/>
           <a:p>
             <a:r>
-              <a:rPr lang="en-US" dirty="0" smtClean="0"/>
+              <a:rPr lang="en-US" dirty="0"/>
               <a:t>Sync Line Dash Type</a:t>
             </a:r>
           </a:p>
           <a:p>
             <a:r>
-              <a:rPr lang="en-US" dirty="0" smtClean="0"/>
+              <a:rPr lang="en-US" dirty="0"/>
               <a:t>Copy</a:t>
             </a:r>
             <a:r>
-              <a:rPr lang="en-US" baseline="0" dirty="0" smtClean="0"/>
+              <a:rPr lang="en-US" baseline="0" dirty="0"/>
               <a:t> dash type </a:t>
             </a:r>
             <a:r>
-              <a:rPr lang="en-US" dirty="0" smtClean="0"/>
+              <a:rPr lang="en-US" dirty="0"/>
               <a:t>from the</a:t>
             </a:r>
             <a:r>
-              <a:rPr lang="en-US" baseline="0" dirty="0" smtClean="0"/>
+              <a:rPr lang="en-US" baseline="0" dirty="0"/>
               <a:t> red line to the horizontal straight line</a:t>
             </a:r>
-            <a:endParaRPr lang="en-US" dirty="0" smtClean="0"/>
+            <a:endParaRPr lang="en-US" dirty="0"/>
           </a:p>
         </p:txBody>
       </p:sp>
@@ -2670,28 +3681,28 @@
           <a:lstStyle/>
           <a:p>
             <a:r>
-              <a:rPr lang="en-US" dirty="0" smtClean="0"/>
+              <a:rPr lang="en-US" dirty="0"/>
               <a:t>Sync Line Arrow</a:t>
             </a:r>
           </a:p>
           <a:p>
             <a:r>
-              <a:rPr lang="en-US" dirty="0" smtClean="0"/>
+              <a:rPr lang="en-US" dirty="0"/>
               <a:t>Copy</a:t>
             </a:r>
             <a:r>
-              <a:rPr lang="en-US" baseline="0" dirty="0" smtClean="0"/>
+              <a:rPr lang="en-US" baseline="0" dirty="0"/>
               <a:t> arrow </a:t>
             </a:r>
             <a:r>
-              <a:rPr lang="en-US" dirty="0" smtClean="0"/>
+              <a:rPr lang="en-US" dirty="0"/>
               <a:t>from the</a:t>
             </a:r>
             <a:r>
-              <a:rPr lang="en-US" baseline="0" dirty="0" smtClean="0"/>
+              <a:rPr lang="en-US" baseline="0" dirty="0"/>
               <a:t> red line to the horizontal straight line</a:t>
             </a:r>
-            <a:endParaRPr lang="en-US" dirty="0" smtClean="0"/>
+            <a:endParaRPr lang="en-US" dirty="0"/>
           </a:p>
         </p:txBody>
       </p:sp>
@@ -2776,28 +3787,28 @@
           <a:lstStyle/>
           <a:p>
             <a:r>
-              <a:rPr lang="en-US" dirty="0" smtClean="0"/>
+              <a:rPr lang="en-US" dirty="0"/>
               <a:t>Sync Line Transparency</a:t>
             </a:r>
           </a:p>
           <a:p>
             <a:r>
-              <a:rPr lang="en-US" dirty="0" smtClean="0"/>
+              <a:rPr lang="en-US" dirty="0"/>
               <a:t>Copy</a:t>
             </a:r>
             <a:r>
-              <a:rPr lang="en-US" baseline="0" dirty="0" smtClean="0"/>
+              <a:rPr lang="en-US" baseline="0" dirty="0"/>
               <a:t> line transparency </a:t>
             </a:r>
             <a:r>
-              <a:rPr lang="en-US" dirty="0" smtClean="0"/>
+              <a:rPr lang="en-US" dirty="0"/>
               <a:t>from the</a:t>
             </a:r>
             <a:r>
-              <a:rPr lang="en-US" baseline="0" dirty="0" smtClean="0"/>
+              <a:rPr lang="en-US" baseline="0" dirty="0"/>
               <a:t> red line to the arrow</a:t>
             </a:r>
-            <a:endParaRPr lang="en-US" dirty="0" smtClean="0"/>
+            <a:endParaRPr lang="en-US" dirty="0"/>
           </a:p>
         </p:txBody>
       </p:sp>
@@ -2882,10 +3893,9 @@
           <a:lstStyle/>
           <a:p>
             <a:r>
-              <a:rPr lang="en-US" dirty="0" smtClean="0"/>
+              <a:rPr lang="en-US" dirty="0"/>
               <a:t>Original Shapes</a:t>
             </a:r>
-            <a:endParaRPr lang="en-US" dirty="0"/>
           </a:p>
         </p:txBody>
       </p:sp>
@@ -2970,11 +3980,11 @@
           <a:lstStyle/>
           <a:p>
             <a:r>
-              <a:rPr lang="en-US" dirty="0" smtClean="0"/>
+              <a:rPr lang="en-US" dirty="0"/>
               <a:t>Sync</a:t>
             </a:r>
             <a:r>
-              <a:rPr lang="en-US" baseline="0" dirty="0" smtClean="0"/>
+              <a:rPr lang="en-US" baseline="0" dirty="0"/>
               <a:t> Y position</a:t>
             </a:r>
           </a:p>
@@ -2997,22 +4007,22 @@
               <a:defRPr/>
             </a:pPr>
             <a:r>
-              <a:rPr lang="en-US" dirty="0" smtClean="0"/>
+              <a:rPr lang="en-US" dirty="0"/>
               <a:t>Copy</a:t>
             </a:r>
             <a:r>
-              <a:rPr lang="en-US" baseline="0" dirty="0" smtClean="0"/>
+              <a:rPr lang="en-US" baseline="0" dirty="0"/>
               <a:t> Y</a:t>
             </a:r>
             <a:r>
-              <a:rPr lang="en-US" dirty="0" smtClean="0"/>
+              <a:rPr lang="en-US" dirty="0"/>
               <a:t> position from the red rectangle</a:t>
             </a:r>
             <a:r>
-              <a:rPr lang="en-US" baseline="0" dirty="0" smtClean="0"/>
+              <a:rPr lang="en-US" baseline="0" dirty="0"/>
               <a:t> to blue rectangle</a:t>
             </a:r>
-            <a:endParaRPr lang="en-US" dirty="0" smtClean="0"/>
+            <a:endParaRPr lang="en-US" dirty="0"/>
           </a:p>
           <a:p>
             <a:endParaRPr lang="en-US" dirty="0"/>
@@ -3100,19 +4110,19 @@
           <a:lstStyle/>
           <a:p>
             <a:r>
-              <a:rPr lang="en-US" dirty="0" smtClean="0"/>
+              <a:rPr lang="en-US" dirty="0"/>
               <a:t>Sync from group to shape</a:t>
             </a:r>
           </a:p>
           <a:p>
             <a:r>
-              <a:rPr lang="en-US" dirty="0" smtClean="0"/>
+              <a:rPr lang="en-US" dirty="0"/>
               <a:t>Copy the fill for red shape (in the group)</a:t>
             </a:r>
           </a:p>
           <a:p>
             <a:r>
-              <a:rPr lang="en-US" dirty="0" smtClean="0"/>
+              <a:rPr lang="en-US" dirty="0"/>
               <a:t>Sync to the arrow</a:t>
             </a:r>
           </a:p>
@@ -3199,10 +4209,9 @@
           <a:lstStyle/>
           <a:p>
             <a:r>
-              <a:rPr lang="en-US" dirty="0" smtClean="0"/>
+              <a:rPr lang="en-US" dirty="0"/>
               <a:t>Original Shapes</a:t>
             </a:r>
-            <a:endParaRPr lang="en-US" dirty="0"/>
           </a:p>
         </p:txBody>
       </p:sp>
@@ -3287,32 +4296,32 @@
           <a:lstStyle/>
           <a:p>
             <a:r>
-              <a:rPr lang="en-US" dirty="0" smtClean="0"/>
+              <a:rPr lang="en-US" dirty="0"/>
               <a:t>Sync From</a:t>
             </a:r>
             <a:r>
-              <a:rPr lang="en-US" baseline="0" dirty="0" smtClean="0"/>
+              <a:rPr lang="en-US" baseline="0" dirty="0"/>
               <a:t> </a:t>
             </a:r>
             <a:r>
-              <a:rPr lang="en-US" dirty="0" smtClean="0"/>
+              <a:rPr lang="en-US" dirty="0"/>
               <a:t>shape to group</a:t>
             </a:r>
           </a:p>
           <a:p>
             <a:r>
-              <a:rPr lang="en-US" dirty="0" smtClean="0"/>
+              <a:rPr lang="en-US" dirty="0"/>
               <a:t>Copy the line</a:t>
             </a:r>
             <a:r>
-              <a:rPr lang="en-US" baseline="0" dirty="0" smtClean="0"/>
+              <a:rPr lang="en-US" baseline="0" dirty="0"/>
               <a:t> fill from yellow line</a:t>
             </a:r>
-            <a:endParaRPr lang="en-US" dirty="0" smtClean="0"/>
-          </a:p>
-          <a:p>
-            <a:r>
-              <a:rPr lang="en-US" dirty="0" smtClean="0"/>
+            <a:endParaRPr lang="en-US" dirty="0"/>
+          </a:p>
+          <a:p>
+            <a:r>
+              <a:rPr lang="en-US" dirty="0"/>
               <a:t>Sync to the circle</a:t>
             </a:r>
           </a:p>
@@ -3345,6 +4354,602 @@
     <p:extLst>
       <p:ext uri="{BB962C8B-B14F-4D97-AF65-F5344CB8AC3E}">
         <p14:creationId xmlns:p14="http://schemas.microsoft.com/office/powerpoint/2010/main" val="3592809948"/>
+      </p:ext>
+    </p:extLst>
+  </p:cSld>
+  <p:clrMapOvr>
+    <a:masterClrMapping/>
+  </p:clrMapOvr>
+</p:notes>
+</file>
+
+<file path=ppt/notesSlides/notesSlide33.xml><?xml version="1.0" encoding="utf-8"?>
+<p:notes xmlns:a="http://schemas.openxmlformats.org/drawingml/2006/main" xmlns:r="http://schemas.openxmlformats.org/officeDocument/2006/relationships" xmlns:p="http://schemas.openxmlformats.org/presentationml/2006/main">
+  <p:cSld>
+    <p:spTree>
+      <p:nvGrpSpPr>
+        <p:cNvPr id="1" name=""/>
+        <p:cNvGrpSpPr/>
+        <p:nvPr/>
+      </p:nvGrpSpPr>
+      <p:grpSpPr>
+        <a:xfrm>
+          <a:off x="0" y="0"/>
+          <a:ext cx="0" cy="0"/>
+          <a:chOff x="0" y="0"/>
+          <a:chExt cx="0" cy="0"/>
+        </a:xfrm>
+      </p:grpSpPr>
+      <p:sp>
+        <p:nvSpPr>
+          <p:cNvPr id="2" name="Slide Image Placeholder 1"/>
+          <p:cNvSpPr>
+            <a:spLocks noGrp="1" noRot="1" noChangeAspect="1"/>
+          </p:cNvSpPr>
+          <p:nvPr>
+            <p:ph type="sldImg"/>
+          </p:nvPr>
+        </p:nvSpPr>
+        <p:spPr/>
+      </p:sp>
+      <p:sp>
+        <p:nvSpPr>
+          <p:cNvPr id="3" name="Notes Placeholder 2"/>
+          <p:cNvSpPr>
+            <a:spLocks noGrp="1"/>
+          </p:cNvSpPr>
+          <p:nvPr>
+            <p:ph type="body" idx="1"/>
+          </p:nvPr>
+        </p:nvSpPr>
+        <p:spPr/>
+        <p:txBody>
+          <a:bodyPr/>
+          <a:lstStyle/>
+          <a:p>
+            <a:r>
+              <a:rPr lang="en-US" dirty="0"/>
+              <a:t>Horizontal </a:t>
+            </a:r>
+            <a:r>
+              <a:rPr lang="en-US" dirty="0" err="1"/>
+              <a:t>PlaceHolders</a:t>
+            </a:r>
+            <a:endParaRPr lang="en-US" dirty="0"/>
+          </a:p>
+        </p:txBody>
+      </p:sp>
+      <p:sp>
+        <p:nvSpPr>
+          <p:cNvPr id="4" name="Slide Number Placeholder 3"/>
+          <p:cNvSpPr>
+            <a:spLocks noGrp="1"/>
+          </p:cNvSpPr>
+          <p:nvPr>
+            <p:ph type="sldNum" sz="quarter" idx="10"/>
+          </p:nvPr>
+        </p:nvSpPr>
+        <p:spPr/>
+        <p:txBody>
+          <a:bodyPr/>
+          <a:lstStyle/>
+          <a:p>
+            <a:fld id="{0FE7C38A-472B-4221-8E00-509E1DA863EC}" type="slidenum">
+              <a:rPr lang="en-US" smtClean="0"/>
+              <a:t>41</a:t>
+            </a:fld>
+            <a:endParaRPr lang="en-US"/>
+          </a:p>
+        </p:txBody>
+      </p:sp>
+    </p:spTree>
+    <p:extLst>
+      <p:ext uri="{BB962C8B-B14F-4D97-AF65-F5344CB8AC3E}">
+        <p14:creationId xmlns:p14="http://schemas.microsoft.com/office/powerpoint/2010/main" val="3145587295"/>
+      </p:ext>
+    </p:extLst>
+  </p:cSld>
+  <p:clrMapOvr>
+    <a:masterClrMapping/>
+  </p:clrMapOvr>
+</p:notes>
+</file>
+
+<file path=ppt/notesSlides/notesSlide34.xml><?xml version="1.0" encoding="utf-8"?>
+<p:notes xmlns:a="http://schemas.openxmlformats.org/drawingml/2006/main" xmlns:r="http://schemas.openxmlformats.org/officeDocument/2006/relationships" xmlns:p="http://schemas.openxmlformats.org/presentationml/2006/main">
+  <p:cSld>
+    <p:spTree>
+      <p:nvGrpSpPr>
+        <p:cNvPr id="1" name=""/>
+        <p:cNvGrpSpPr/>
+        <p:nvPr/>
+      </p:nvGrpSpPr>
+      <p:grpSpPr>
+        <a:xfrm>
+          <a:off x="0" y="0"/>
+          <a:ext cx="0" cy="0"/>
+          <a:chOff x="0" y="0"/>
+          <a:chExt cx="0" cy="0"/>
+        </a:xfrm>
+      </p:grpSpPr>
+      <p:sp>
+        <p:nvSpPr>
+          <p:cNvPr id="2" name="Slide Image Placeholder 1"/>
+          <p:cNvSpPr>
+            <a:spLocks noGrp="1" noRot="1" noChangeAspect="1"/>
+          </p:cNvSpPr>
+          <p:nvPr>
+            <p:ph type="sldImg"/>
+          </p:nvPr>
+        </p:nvSpPr>
+        <p:spPr/>
+      </p:sp>
+      <p:sp>
+        <p:nvSpPr>
+          <p:cNvPr id="3" name="Notes Placeholder 2"/>
+          <p:cNvSpPr>
+            <a:spLocks noGrp="1"/>
+          </p:cNvSpPr>
+          <p:nvPr>
+            <p:ph type="body" idx="1"/>
+          </p:nvPr>
+        </p:nvSpPr>
+        <p:spPr/>
+        <p:txBody>
+          <a:bodyPr/>
+          <a:lstStyle/>
+          <a:p>
+            <a:r>
+              <a:rPr lang="en-US" dirty="0"/>
+              <a:t>Center Title &amp; Subtitle</a:t>
+            </a:r>
+          </a:p>
+        </p:txBody>
+      </p:sp>
+      <p:sp>
+        <p:nvSpPr>
+          <p:cNvPr id="4" name="Slide Number Placeholder 3"/>
+          <p:cNvSpPr>
+            <a:spLocks noGrp="1"/>
+          </p:cNvSpPr>
+          <p:nvPr>
+            <p:ph type="sldNum" sz="quarter" idx="10"/>
+          </p:nvPr>
+        </p:nvSpPr>
+        <p:spPr/>
+        <p:txBody>
+          <a:bodyPr/>
+          <a:lstStyle/>
+          <a:p>
+            <a:fld id="{0FE7C38A-472B-4221-8E00-509E1DA863EC}" type="slidenum">
+              <a:rPr lang="en-US" smtClean="0"/>
+              <a:t>42</a:t>
+            </a:fld>
+            <a:endParaRPr lang="en-US"/>
+          </a:p>
+        </p:txBody>
+      </p:sp>
+    </p:spTree>
+    <p:extLst>
+      <p:ext uri="{BB962C8B-B14F-4D97-AF65-F5344CB8AC3E}">
+        <p14:creationId xmlns:p14="http://schemas.microsoft.com/office/powerpoint/2010/main" val="3847179394"/>
+      </p:ext>
+    </p:extLst>
+  </p:cSld>
+  <p:clrMapOvr>
+    <a:masterClrMapping/>
+  </p:clrMapOvr>
+</p:notes>
+</file>
+
+<file path=ppt/notesSlides/notesSlide35.xml><?xml version="1.0" encoding="utf-8"?>
+<p:notes xmlns:a="http://schemas.openxmlformats.org/drawingml/2006/main" xmlns:r="http://schemas.openxmlformats.org/officeDocument/2006/relationships" xmlns:p="http://schemas.openxmlformats.org/presentationml/2006/main">
+  <p:cSld>
+    <p:spTree>
+      <p:nvGrpSpPr>
+        <p:cNvPr id="1" name=""/>
+        <p:cNvGrpSpPr/>
+        <p:nvPr/>
+      </p:nvGrpSpPr>
+      <p:grpSpPr>
+        <a:xfrm>
+          <a:off x="0" y="0"/>
+          <a:ext cx="0" cy="0"/>
+          <a:chOff x="0" y="0"/>
+          <a:chExt cx="0" cy="0"/>
+        </a:xfrm>
+      </p:grpSpPr>
+      <p:sp>
+        <p:nvSpPr>
+          <p:cNvPr id="2" name="Slide Image Placeholder 1"/>
+          <p:cNvSpPr>
+            <a:spLocks noGrp="1" noRot="1" noChangeAspect="1"/>
+          </p:cNvSpPr>
+          <p:nvPr>
+            <p:ph type="sldImg"/>
+          </p:nvPr>
+        </p:nvSpPr>
+        <p:spPr/>
+      </p:sp>
+      <p:sp>
+        <p:nvSpPr>
+          <p:cNvPr id="3" name="Notes Placeholder 2"/>
+          <p:cNvSpPr>
+            <a:spLocks noGrp="1"/>
+          </p:cNvSpPr>
+          <p:nvPr>
+            <p:ph type="body" idx="1"/>
+          </p:nvPr>
+        </p:nvSpPr>
+        <p:spPr/>
+        <p:txBody>
+          <a:bodyPr/>
+          <a:lstStyle/>
+          <a:p>
+            <a:r>
+              <a:rPr lang="en-US" dirty="0"/>
+              <a:t>Original Vertical </a:t>
+            </a:r>
+            <a:r>
+              <a:rPr lang="en-US" dirty="0" err="1"/>
+              <a:t>PlaceHolders</a:t>
+            </a:r>
+            <a:endParaRPr lang="en-US" dirty="0"/>
+          </a:p>
+        </p:txBody>
+      </p:sp>
+      <p:sp>
+        <p:nvSpPr>
+          <p:cNvPr id="4" name="Slide Number Placeholder 3"/>
+          <p:cNvSpPr>
+            <a:spLocks noGrp="1"/>
+          </p:cNvSpPr>
+          <p:nvPr>
+            <p:ph type="sldNum" sz="quarter" idx="10"/>
+          </p:nvPr>
+        </p:nvSpPr>
+        <p:spPr/>
+        <p:txBody>
+          <a:bodyPr/>
+          <a:lstStyle/>
+          <a:p>
+            <a:fld id="{0FE7C38A-472B-4221-8E00-509E1DA863EC}" type="slidenum">
+              <a:rPr lang="en-US" smtClean="0"/>
+              <a:t>43</a:t>
+            </a:fld>
+            <a:endParaRPr lang="en-US"/>
+          </a:p>
+        </p:txBody>
+      </p:sp>
+    </p:spTree>
+    <p:extLst>
+      <p:ext uri="{BB962C8B-B14F-4D97-AF65-F5344CB8AC3E}">
+        <p14:creationId xmlns:p14="http://schemas.microsoft.com/office/powerpoint/2010/main" val="990935210"/>
+      </p:ext>
+    </p:extLst>
+  </p:cSld>
+  <p:clrMapOvr>
+    <a:masterClrMapping/>
+  </p:clrMapOvr>
+</p:notes>
+</file>
+
+<file path=ppt/notesSlides/notesSlide36.xml><?xml version="1.0" encoding="utf-8"?>
+<p:notes xmlns:a="http://schemas.openxmlformats.org/drawingml/2006/main" xmlns:r="http://schemas.openxmlformats.org/officeDocument/2006/relationships" xmlns:p="http://schemas.openxmlformats.org/presentationml/2006/main">
+  <p:cSld>
+    <p:spTree>
+      <p:nvGrpSpPr>
+        <p:cNvPr id="1" name=""/>
+        <p:cNvGrpSpPr/>
+        <p:nvPr/>
+      </p:nvGrpSpPr>
+      <p:grpSpPr>
+        <a:xfrm>
+          <a:off x="0" y="0"/>
+          <a:ext cx="0" cy="0"/>
+          <a:chOff x="0" y="0"/>
+          <a:chExt cx="0" cy="0"/>
+        </a:xfrm>
+      </p:grpSpPr>
+      <p:sp>
+        <p:nvSpPr>
+          <p:cNvPr id="2" name="Slide Image Placeholder 1"/>
+          <p:cNvSpPr>
+            <a:spLocks noGrp="1" noRot="1" noChangeAspect="1"/>
+          </p:cNvSpPr>
+          <p:nvPr>
+            <p:ph type="sldImg"/>
+          </p:nvPr>
+        </p:nvSpPr>
+        <p:spPr/>
+      </p:sp>
+      <p:sp>
+        <p:nvSpPr>
+          <p:cNvPr id="3" name="Notes Placeholder 2"/>
+          <p:cNvSpPr>
+            <a:spLocks noGrp="1"/>
+          </p:cNvSpPr>
+          <p:nvPr>
+            <p:ph type="body" idx="1"/>
+          </p:nvPr>
+        </p:nvSpPr>
+        <p:spPr/>
+        <p:txBody>
+          <a:bodyPr/>
+          <a:lstStyle/>
+          <a:p>
+            <a:pPr marL="0" marR="0" lvl="0" indent="0" algn="l" defTabSz="914400" rtl="0" eaLnBrk="1" fontAlgn="auto" latinLnBrk="0" hangingPunct="1">
+              <a:lnSpc>
+                <a:spcPct val="100000"/>
+              </a:lnSpc>
+              <a:spcBef>
+                <a:spcPts val="0"/>
+              </a:spcBef>
+              <a:spcAft>
+                <a:spcPts val="0"/>
+              </a:spcAft>
+              <a:buClrTx/>
+              <a:buSzTx/>
+              <a:buFontTx/>
+              <a:buNone/>
+              <a:tabLst/>
+              <a:defRPr/>
+            </a:pPr>
+            <a:r>
+              <a:rPr lang="en-US" dirty="0"/>
+              <a:t>Unsupported </a:t>
+            </a:r>
+            <a:r>
+              <a:rPr lang="en-US" dirty="0" err="1"/>
+              <a:t>PlaceHolder</a:t>
+            </a:r>
+            <a:r>
+              <a:rPr lang="en-US" dirty="0"/>
+              <a:t>, Table</a:t>
+            </a:r>
+          </a:p>
+          <a:p>
+            <a:endParaRPr lang="en-US" dirty="0"/>
+          </a:p>
+        </p:txBody>
+      </p:sp>
+      <p:sp>
+        <p:nvSpPr>
+          <p:cNvPr id="4" name="Slide Number Placeholder 3"/>
+          <p:cNvSpPr>
+            <a:spLocks noGrp="1"/>
+          </p:cNvSpPr>
+          <p:nvPr>
+            <p:ph type="sldNum" sz="quarter" idx="10"/>
+          </p:nvPr>
+        </p:nvSpPr>
+        <p:spPr/>
+        <p:txBody>
+          <a:bodyPr/>
+          <a:lstStyle/>
+          <a:p>
+            <a:fld id="{0FE7C38A-472B-4221-8E00-509E1DA863EC}" type="slidenum">
+              <a:rPr lang="en-US" smtClean="0"/>
+              <a:t>44</a:t>
+            </a:fld>
+            <a:endParaRPr lang="en-US"/>
+          </a:p>
+        </p:txBody>
+      </p:sp>
+    </p:spTree>
+    <p:extLst>
+      <p:ext uri="{BB962C8B-B14F-4D97-AF65-F5344CB8AC3E}">
+        <p14:creationId xmlns:p14="http://schemas.microsoft.com/office/powerpoint/2010/main" val="3222472176"/>
+      </p:ext>
+    </p:extLst>
+  </p:cSld>
+  <p:clrMapOvr>
+    <a:masterClrMapping/>
+  </p:clrMapOvr>
+</p:notes>
+</file>
+
+<file path=ppt/notesSlides/notesSlide37.xml><?xml version="1.0" encoding="utf-8"?>
+<p:notes xmlns:a="http://schemas.openxmlformats.org/drawingml/2006/main" xmlns:r="http://schemas.openxmlformats.org/officeDocument/2006/relationships" xmlns:p="http://schemas.openxmlformats.org/presentationml/2006/main">
+  <p:cSld>
+    <p:spTree>
+      <p:nvGrpSpPr>
+        <p:cNvPr id="1" name=""/>
+        <p:cNvGrpSpPr/>
+        <p:nvPr/>
+      </p:nvGrpSpPr>
+      <p:grpSpPr>
+        <a:xfrm>
+          <a:off x="0" y="0"/>
+          <a:ext cx="0" cy="0"/>
+          <a:chOff x="0" y="0"/>
+          <a:chExt cx="0" cy="0"/>
+        </a:xfrm>
+      </p:grpSpPr>
+      <p:sp>
+        <p:nvSpPr>
+          <p:cNvPr id="2" name="Slide Image Placeholder 1"/>
+          <p:cNvSpPr>
+            <a:spLocks noGrp="1" noRot="1" noChangeAspect="1"/>
+          </p:cNvSpPr>
+          <p:nvPr>
+            <p:ph type="sldImg"/>
+          </p:nvPr>
+        </p:nvSpPr>
+        <p:spPr/>
+      </p:sp>
+      <p:sp>
+        <p:nvSpPr>
+          <p:cNvPr id="3" name="Notes Placeholder 2"/>
+          <p:cNvSpPr>
+            <a:spLocks noGrp="1"/>
+          </p:cNvSpPr>
+          <p:nvPr>
+            <p:ph type="body" idx="1"/>
+          </p:nvPr>
+        </p:nvSpPr>
+        <p:spPr/>
+        <p:txBody>
+          <a:bodyPr/>
+          <a:lstStyle/>
+          <a:p>
+            <a:pPr marL="0" marR="0" lvl="0" indent="0" algn="l" defTabSz="914400" rtl="0" eaLnBrk="1" fontAlgn="auto" latinLnBrk="0" hangingPunct="1">
+              <a:lnSpc>
+                <a:spcPct val="100000"/>
+              </a:lnSpc>
+              <a:spcBef>
+                <a:spcPts val="0"/>
+              </a:spcBef>
+              <a:spcAft>
+                <a:spcPts val="0"/>
+              </a:spcAft>
+              <a:buClrTx/>
+              <a:buSzTx/>
+              <a:buFontTx/>
+              <a:buNone/>
+              <a:tabLst/>
+              <a:defRPr/>
+            </a:pPr>
+            <a:r>
+              <a:rPr lang="en-US" dirty="0"/>
+              <a:t>Unsupported </a:t>
+            </a:r>
+            <a:r>
+              <a:rPr lang="en-US" dirty="0" err="1"/>
+              <a:t>PlaceHolder</a:t>
+            </a:r>
+            <a:r>
+              <a:rPr lang="en-US" dirty="0"/>
+              <a:t>, Chart</a:t>
+            </a:r>
+          </a:p>
+          <a:p>
+            <a:endParaRPr lang="en-US" dirty="0"/>
+          </a:p>
+        </p:txBody>
+      </p:sp>
+      <p:sp>
+        <p:nvSpPr>
+          <p:cNvPr id="4" name="Slide Number Placeholder 3"/>
+          <p:cNvSpPr>
+            <a:spLocks noGrp="1"/>
+          </p:cNvSpPr>
+          <p:nvPr>
+            <p:ph type="sldNum" sz="quarter" idx="10"/>
+          </p:nvPr>
+        </p:nvSpPr>
+        <p:spPr/>
+        <p:txBody>
+          <a:bodyPr/>
+          <a:lstStyle/>
+          <a:p>
+            <a:fld id="{0FE7C38A-472B-4221-8E00-509E1DA863EC}" type="slidenum">
+              <a:rPr lang="en-US" smtClean="0"/>
+              <a:t>45</a:t>
+            </a:fld>
+            <a:endParaRPr lang="en-US"/>
+          </a:p>
+        </p:txBody>
+      </p:sp>
+    </p:spTree>
+    <p:extLst>
+      <p:ext uri="{BB962C8B-B14F-4D97-AF65-F5344CB8AC3E}">
+        <p14:creationId xmlns:p14="http://schemas.microsoft.com/office/powerpoint/2010/main" val="1911102726"/>
+      </p:ext>
+    </p:extLst>
+  </p:cSld>
+  <p:clrMapOvr>
+    <a:masterClrMapping/>
+  </p:clrMapOvr>
+</p:notes>
+</file>
+
+<file path=ppt/notesSlides/notesSlide38.xml><?xml version="1.0" encoding="utf-8"?>
+<p:notes xmlns:a="http://schemas.openxmlformats.org/drawingml/2006/main" xmlns:r="http://schemas.openxmlformats.org/officeDocument/2006/relationships" xmlns:p="http://schemas.openxmlformats.org/presentationml/2006/main">
+  <p:cSld>
+    <p:spTree>
+      <p:nvGrpSpPr>
+        <p:cNvPr id="1" name=""/>
+        <p:cNvGrpSpPr/>
+        <p:nvPr/>
+      </p:nvGrpSpPr>
+      <p:grpSpPr>
+        <a:xfrm>
+          <a:off x="0" y="0"/>
+          <a:ext cx="0" cy="0"/>
+          <a:chOff x="0" y="0"/>
+          <a:chExt cx="0" cy="0"/>
+        </a:xfrm>
+      </p:grpSpPr>
+      <p:sp>
+        <p:nvSpPr>
+          <p:cNvPr id="2" name="Slide Image Placeholder 1"/>
+          <p:cNvSpPr>
+            <a:spLocks noGrp="1" noRot="1" noChangeAspect="1"/>
+          </p:cNvSpPr>
+          <p:nvPr>
+            <p:ph type="sldImg"/>
+          </p:nvPr>
+        </p:nvSpPr>
+        <p:spPr/>
+      </p:sp>
+      <p:sp>
+        <p:nvSpPr>
+          <p:cNvPr id="3" name="Notes Placeholder 2"/>
+          <p:cNvSpPr>
+            <a:spLocks noGrp="1"/>
+          </p:cNvSpPr>
+          <p:nvPr>
+            <p:ph type="body" idx="1"/>
+          </p:nvPr>
+        </p:nvSpPr>
+        <p:spPr/>
+        <p:txBody>
+          <a:bodyPr/>
+          <a:lstStyle/>
+          <a:p>
+            <a:r>
+              <a:rPr lang="en-US" dirty="0"/>
+              <a:t>Unsupported </a:t>
+            </a:r>
+            <a:r>
+              <a:rPr lang="en-US" dirty="0" err="1"/>
+              <a:t>PlaceHolder</a:t>
+            </a:r>
+            <a:r>
+              <a:rPr lang="en-US" dirty="0"/>
+              <a:t>, Picture</a:t>
+            </a:r>
+          </a:p>
+        </p:txBody>
+      </p:sp>
+      <p:sp>
+        <p:nvSpPr>
+          <p:cNvPr id="4" name="Slide Number Placeholder 3"/>
+          <p:cNvSpPr>
+            <a:spLocks noGrp="1"/>
+          </p:cNvSpPr>
+          <p:nvPr>
+            <p:ph type="sldNum" sz="quarter" idx="10"/>
+          </p:nvPr>
+        </p:nvSpPr>
+        <p:spPr/>
+        <p:txBody>
+          <a:bodyPr/>
+          <a:lstStyle/>
+          <a:p>
+            <a:fld id="{0FE7C38A-472B-4221-8E00-509E1DA863EC}" type="slidenum">
+              <a:rPr lang="en-US" smtClean="0"/>
+              <a:t>46</a:t>
+            </a:fld>
+            <a:endParaRPr lang="en-US"/>
+          </a:p>
+        </p:txBody>
+      </p:sp>
+    </p:spTree>
+    <p:extLst>
+      <p:ext uri="{BB962C8B-B14F-4D97-AF65-F5344CB8AC3E}">
+        <p14:creationId xmlns:p14="http://schemas.microsoft.com/office/powerpoint/2010/main" val="2409208704"/>
       </p:ext>
     </p:extLst>
   </p:cSld>
@@ -3399,11 +5004,11 @@
           <a:lstStyle/>
           <a:p>
             <a:r>
-              <a:rPr lang="en-US" dirty="0" smtClean="0"/>
+              <a:rPr lang="en-US" dirty="0"/>
               <a:t>Sync</a:t>
             </a:r>
             <a:r>
-              <a:rPr lang="en-US" baseline="0" dirty="0" smtClean="0"/>
+              <a:rPr lang="en-US" baseline="0" dirty="0"/>
               <a:t> Height</a:t>
             </a:r>
           </a:p>
@@ -3426,14 +5031,14 @@
               <a:defRPr/>
             </a:pPr>
             <a:r>
-              <a:rPr lang="en-US" dirty="0" smtClean="0"/>
+              <a:rPr lang="en-US" dirty="0"/>
               <a:t>Copy Height from the red rectangle</a:t>
             </a:r>
             <a:r>
-              <a:rPr lang="en-US" baseline="0" dirty="0" smtClean="0"/>
+              <a:rPr lang="en-US" baseline="0" dirty="0"/>
               <a:t> to blue circle</a:t>
             </a:r>
-            <a:endParaRPr lang="en-US" dirty="0" smtClean="0"/>
+            <a:endParaRPr lang="en-US" dirty="0"/>
           </a:p>
         </p:txBody>
       </p:sp>
@@ -3518,24 +5123,24 @@
           <a:lstStyle/>
           <a:p>
             <a:r>
-              <a:rPr lang="en-US" dirty="0" smtClean="0"/>
+              <a:rPr lang="en-US" dirty="0"/>
               <a:t>Sync</a:t>
             </a:r>
             <a:r>
-              <a:rPr lang="en-US" baseline="0" dirty="0" smtClean="0"/>
+              <a:rPr lang="en-US" baseline="0" dirty="0"/>
               <a:t> Width</a:t>
             </a:r>
           </a:p>
           <a:p>
             <a:r>
-              <a:rPr lang="en-US" dirty="0" smtClean="0"/>
+              <a:rPr lang="en-US" dirty="0"/>
               <a:t>Copy Width from the red rectangle</a:t>
             </a:r>
             <a:r>
-              <a:rPr lang="en-US" baseline="0" dirty="0" smtClean="0"/>
+              <a:rPr lang="en-US" baseline="0" dirty="0"/>
               <a:t> to blue arrow</a:t>
             </a:r>
-            <a:endParaRPr lang="en-US" dirty="0" smtClean="0"/>
+            <a:endParaRPr lang="en-US" dirty="0"/>
           </a:p>
         </p:txBody>
       </p:sp>
@@ -3620,52 +5225,52 @@
           <a:lstStyle/>
           <a:p>
             <a:r>
-              <a:rPr lang="en-US" dirty="0" smtClean="0"/>
+              <a:rPr lang="en-US" dirty="0"/>
               <a:t>Original Shapes. There is a shape behind the</a:t>
             </a:r>
             <a:r>
-              <a:rPr lang="en-US" baseline="0" dirty="0" smtClean="0"/>
+              <a:rPr lang="en-US" baseline="0" dirty="0"/>
               <a:t> large blue, to check for transparency and no fill. </a:t>
             </a:r>
           </a:p>
           <a:p>
             <a:r>
-              <a:rPr lang="en-US" dirty="0" smtClean="0"/>
+              <a:rPr lang="en-US" dirty="0"/>
               <a:t>There is gradient for</a:t>
             </a:r>
             <a:r>
-              <a:rPr lang="en-US" baseline="0" dirty="0" smtClean="0"/>
+              <a:rPr lang="en-US" baseline="0" dirty="0"/>
               <a:t> the background to help differentiate between background fill and other fills</a:t>
             </a:r>
           </a:p>
           <a:p>
-            <a:endParaRPr lang="en-US" baseline="0" dirty="0" smtClean="0"/>
-          </a:p>
-          <a:p>
-            <a:r>
-              <a:rPr lang="en-US" baseline="0" dirty="0" smtClean="0"/>
+            <a:endParaRPr lang="en-US" baseline="0" dirty="0"/>
+          </a:p>
+          <a:p>
+            <a:r>
+              <a:rPr lang="en-US" baseline="0" dirty="0"/>
               <a:t>Some gradient fills are missing as there is currently no support for it.</a:t>
             </a:r>
           </a:p>
           <a:p>
             <a:r>
-              <a:rPr lang="en-US" baseline="0" dirty="0" smtClean="0"/>
+              <a:rPr lang="en-US" baseline="0" dirty="0"/>
               <a:t>These include:</a:t>
             </a:r>
           </a:p>
           <a:p>
             <a:r>
-              <a:rPr lang="en-US" baseline="0" dirty="0" smtClean="0"/>
+              <a:rPr lang="en-US" baseline="0" dirty="0"/>
               <a:t>Radial Gradient Fill</a:t>
             </a:r>
           </a:p>
           <a:p>
             <a:r>
-              <a:rPr lang="en-US" baseline="0" dirty="0" smtClean="0"/>
+              <a:rPr lang="en-US" baseline="0" dirty="0"/>
               <a:t>Gradients that </a:t>
             </a:r>
             <a:r>
-              <a:rPr lang="en-US" baseline="0" smtClean="0"/>
+              <a:rPr lang="en-US" baseline="0"/>
               <a:t>have brightness</a:t>
             </a:r>
             <a:endParaRPr lang="en-US" dirty="0"/>
@@ -3753,7 +5358,7 @@
           <a:lstStyle/>
           <a:p>
             <a:r>
-              <a:rPr lang="en-US" dirty="0" smtClean="0"/>
+              <a:rPr lang="en-US" dirty="0"/>
               <a:t>Sync Pattern Fill</a:t>
             </a:r>
           </a:p>
@@ -3776,14 +5381,14 @@
               <a:defRPr/>
             </a:pPr>
             <a:r>
-              <a:rPr lang="en-US" dirty="0" smtClean="0"/>
+              <a:rPr lang="en-US" dirty="0"/>
               <a:t>Copy fill from the</a:t>
             </a:r>
             <a:r>
-              <a:rPr lang="en-US" baseline="0" dirty="0" smtClean="0"/>
+              <a:rPr lang="en-US" baseline="0" dirty="0"/>
               <a:t> first column, first shape to the large blue shape.</a:t>
             </a:r>
-            <a:endParaRPr lang="en-US" dirty="0" smtClean="0"/>
+            <a:endParaRPr lang="en-US" dirty="0"/>
           </a:p>
         </p:txBody>
       </p:sp>
@@ -3868,7 +5473,7 @@
           <a:lstStyle/>
           <a:p>
             <a:r>
-              <a:rPr lang="en-US" dirty="0" smtClean="0"/>
+              <a:rPr lang="en-US" dirty="0"/>
               <a:t>Sync Solid Fill</a:t>
             </a:r>
           </a:p>
@@ -3891,14 +5496,14 @@
               <a:defRPr/>
             </a:pPr>
             <a:r>
-              <a:rPr lang="en-US" dirty="0" smtClean="0"/>
+              <a:rPr lang="en-US" dirty="0"/>
               <a:t>Copy fill from the first column, second</a:t>
             </a:r>
             <a:r>
-              <a:rPr lang="en-US" baseline="0" dirty="0" smtClean="0"/>
+              <a:rPr lang="en-US" baseline="0" dirty="0"/>
               <a:t> shape to the large blue shape.</a:t>
             </a:r>
-            <a:endParaRPr lang="en-US" dirty="0" smtClean="0"/>
+            <a:endParaRPr lang="en-US" dirty="0"/>
           </a:p>
         </p:txBody>
       </p:sp>
@@ -4000,7 +5605,7 @@
               <a:defRPr/>
             </a:pPr>
             <a:r>
-              <a:rPr lang="en-US" dirty="0" smtClean="0"/>
+              <a:rPr lang="en-US" dirty="0"/>
               <a:t>Sync Background Fill</a:t>
             </a:r>
           </a:p>
@@ -4023,14 +5628,14 @@
               <a:defRPr/>
             </a:pPr>
             <a:r>
-              <a:rPr lang="en-US" dirty="0" smtClean="0"/>
+              <a:rPr lang="en-US" dirty="0"/>
               <a:t>Copy fill from the first column, third</a:t>
             </a:r>
             <a:r>
-              <a:rPr lang="en-US" baseline="0" dirty="0" smtClean="0"/>
+              <a:rPr lang="en-US" baseline="0" dirty="0"/>
               <a:t> shape to the large blue shape.</a:t>
             </a:r>
-            <a:endParaRPr lang="en-US" dirty="0" smtClean="0"/>
+            <a:endParaRPr lang="en-US" dirty="0"/>
           </a:p>
           <a:p>
             <a:pPr marL="0" marR="0" lvl="0" indent="0" algn="l" defTabSz="914400" rtl="0" eaLnBrk="1" fontAlgn="auto" latinLnBrk="0" hangingPunct="1">
@@ -4051,11 +5656,11 @@
               <a:defRPr/>
             </a:pPr>
             <a:r>
-              <a:rPr lang="en-US" dirty="0" smtClean="0"/>
+              <a:rPr lang="en-US" dirty="0"/>
               <a:t>There is a shape behind the</a:t>
             </a:r>
             <a:r>
-              <a:rPr lang="en-US" baseline="0" dirty="0" smtClean="0"/>
+              <a:rPr lang="en-US" baseline="0" dirty="0"/>
               <a:t> large blue, to check for transparency and no fill</a:t>
             </a:r>
           </a:p>
@@ -4078,7 +5683,7 @@
               <a:defRPr/>
             </a:pPr>
             <a:r>
-              <a:rPr lang="en-US" baseline="0" dirty="0" smtClean="0"/>
+              <a:rPr lang="en-US" baseline="0" dirty="0"/>
               <a:t>The fill should follow the background</a:t>
             </a:r>
             <a:endParaRPr lang="en-US" dirty="0"/>
@@ -4300,7 +5905,7 @@
           <a:p>
             <a:fld id="{699DC775-C286-4358-8C92-D7E584E969B3}" type="datetimeFigureOut">
               <a:rPr lang="en-US" smtClean="0"/>
-              <a:t>5/29/2017</a:t>
+              <a:t>1/31/2018</a:t>
             </a:fld>
             <a:endParaRPr lang="en-US"/>
           </a:p>
@@ -4468,7 +6073,7 @@
           <a:p>
             <a:fld id="{699DC775-C286-4358-8C92-D7E584E969B3}" type="datetimeFigureOut">
               <a:rPr lang="en-US" smtClean="0"/>
-              <a:t>5/29/2017</a:t>
+              <a:t>1/31/2018</a:t>
             </a:fld>
             <a:endParaRPr lang="en-US"/>
           </a:p>
@@ -4646,7 +6251,7 @@
           <a:p>
             <a:fld id="{699DC775-C286-4358-8C92-D7E584E969B3}" type="datetimeFigureOut">
               <a:rPr lang="en-US" smtClean="0"/>
-              <a:t>5/29/2017</a:t>
+              <a:t>1/31/2018</a:t>
             </a:fld>
             <a:endParaRPr lang="en-US"/>
           </a:p>
@@ -4886,7 +6491,7 @@
           <a:p>
             <a:fld id="{699DC775-C286-4358-8C92-D7E584E969B3}" type="datetimeFigureOut">
               <a:rPr lang="en-US" smtClean="0"/>
-              <a:t>5/29/2017</a:t>
+              <a:t>1/31/2018</a:t>
             </a:fld>
             <a:endParaRPr lang="en-US"/>
           </a:p>
@@ -5054,7 +6659,7 @@
           <a:p>
             <a:fld id="{699DC775-C286-4358-8C92-D7E584E969B3}" type="datetimeFigureOut">
               <a:rPr lang="en-US" smtClean="0"/>
-              <a:t>5/29/2017</a:t>
+              <a:t>1/31/2018</a:t>
             </a:fld>
             <a:endParaRPr lang="en-US"/>
           </a:p>
@@ -5299,7 +6904,7 @@
           <a:p>
             <a:fld id="{699DC775-C286-4358-8C92-D7E584E969B3}" type="datetimeFigureOut">
               <a:rPr lang="en-US" smtClean="0"/>
-              <a:t>5/29/2017</a:t>
+              <a:t>1/31/2018</a:t>
             </a:fld>
             <a:endParaRPr lang="en-US"/>
           </a:p>
@@ -5584,7 +7189,7 @@
           <a:p>
             <a:fld id="{699DC775-C286-4358-8C92-D7E584E969B3}" type="datetimeFigureOut">
               <a:rPr lang="en-US" smtClean="0"/>
-              <a:t>5/29/2017</a:t>
+              <a:t>1/31/2018</a:t>
             </a:fld>
             <a:endParaRPr lang="en-US"/>
           </a:p>
@@ -6003,7 +7608,7 @@
           <a:p>
             <a:fld id="{699DC775-C286-4358-8C92-D7E584E969B3}" type="datetimeFigureOut">
               <a:rPr lang="en-US" smtClean="0"/>
-              <a:t>5/29/2017</a:t>
+              <a:t>1/31/2018</a:t>
             </a:fld>
             <a:endParaRPr lang="en-US"/>
           </a:p>
@@ -6120,7 +7725,7 @@
           <a:p>
             <a:fld id="{699DC775-C286-4358-8C92-D7E584E969B3}" type="datetimeFigureOut">
               <a:rPr lang="en-US" smtClean="0"/>
-              <a:t>5/29/2017</a:t>
+              <a:t>1/31/2018</a:t>
             </a:fld>
             <a:endParaRPr lang="en-US"/>
           </a:p>
@@ -6215,7 +7820,7 @@
           <a:p>
             <a:fld id="{699DC775-C286-4358-8C92-D7E584E969B3}" type="datetimeFigureOut">
               <a:rPr lang="en-US" smtClean="0"/>
-              <a:t>5/29/2017</a:t>
+              <a:t>1/31/2018</a:t>
             </a:fld>
             <a:endParaRPr lang="en-US"/>
           </a:p>
@@ -6490,7 +8095,7 @@
           <a:p>
             <a:fld id="{699DC775-C286-4358-8C92-D7E584E969B3}" type="datetimeFigureOut">
               <a:rPr lang="en-US" smtClean="0"/>
-              <a:t>5/29/2017</a:t>
+              <a:t>1/31/2018</a:t>
             </a:fld>
             <a:endParaRPr lang="en-US"/>
           </a:p>
@@ -6658,7 +8263,7 @@
           <a:p>
             <a:fld id="{699DC775-C286-4358-8C92-D7E584E969B3}" type="datetimeFigureOut">
               <a:rPr lang="en-US" smtClean="0"/>
-              <a:t>5/29/2017</a:t>
+              <a:t>1/31/2018</a:t>
             </a:fld>
             <a:endParaRPr lang="en-US"/>
           </a:p>
@@ -6910,7 +8515,7 @@
           <a:p>
             <a:fld id="{699DC775-C286-4358-8C92-D7E584E969B3}" type="datetimeFigureOut">
               <a:rPr lang="en-US" smtClean="0"/>
-              <a:t>5/29/2017</a:t>
+              <a:t>1/31/2018</a:t>
             </a:fld>
             <a:endParaRPr lang="en-US"/>
           </a:p>
@@ -7078,7 +8683,7 @@
           <a:p>
             <a:fld id="{699DC775-C286-4358-8C92-D7E584E969B3}" type="datetimeFigureOut">
               <a:rPr lang="en-US" smtClean="0"/>
-              <a:t>5/29/2017</a:t>
+              <a:t>1/31/2018</a:t>
             </a:fld>
             <a:endParaRPr lang="en-US"/>
           </a:p>
@@ -7256,7 +8861,7 @@
           <a:p>
             <a:fld id="{699DC775-C286-4358-8C92-D7E584E969B3}" type="datetimeFigureOut">
               <a:rPr lang="en-US" smtClean="0"/>
-              <a:t>5/29/2017</a:t>
+              <a:t>1/31/2018</a:t>
             </a:fld>
             <a:endParaRPr lang="en-US"/>
           </a:p>
@@ -7504,7 +9109,7 @@
           <a:p>
             <a:fld id="{699DC775-C286-4358-8C92-D7E584E969B3}" type="datetimeFigureOut">
               <a:rPr lang="en-US" smtClean="0"/>
-              <a:t>5/29/2017</a:t>
+              <a:t>1/31/2018</a:t>
             </a:fld>
             <a:endParaRPr lang="en-US"/>
           </a:p>
@@ -7680,7 +9285,7 @@
           <a:p>
             <a:fld id="{699DC775-C286-4358-8C92-D7E584E969B3}" type="datetimeFigureOut">
               <a:rPr lang="en-US" smtClean="0"/>
-              <a:t>5/29/2017</a:t>
+              <a:t>1/31/2018</a:t>
             </a:fld>
             <a:endParaRPr lang="en-US"/>
           </a:p>
@@ -7933,7 +9538,7 @@
           <a:p>
             <a:fld id="{699DC775-C286-4358-8C92-D7E584E969B3}" type="datetimeFigureOut">
               <a:rPr lang="en-US" smtClean="0"/>
-              <a:t>5/29/2017</a:t>
+              <a:t>1/31/2018</a:t>
             </a:fld>
             <a:endParaRPr lang="en-US"/>
           </a:p>
@@ -8226,7 +9831,7 @@
           <a:p>
             <a:fld id="{699DC775-C286-4358-8C92-D7E584E969B3}" type="datetimeFigureOut">
               <a:rPr lang="en-US" smtClean="0"/>
-              <a:t>5/29/2017</a:t>
+              <a:t>1/31/2018</a:t>
             </a:fld>
             <a:endParaRPr lang="en-US"/>
           </a:p>
@@ -8653,7 +10258,7 @@
           <a:p>
             <a:fld id="{699DC775-C286-4358-8C92-D7E584E969B3}" type="datetimeFigureOut">
               <a:rPr lang="en-US" smtClean="0"/>
-              <a:t>5/29/2017</a:t>
+              <a:t>1/31/2018</a:t>
             </a:fld>
             <a:endParaRPr lang="en-US"/>
           </a:p>
@@ -8778,7 +10383,7 @@
           <a:p>
             <a:fld id="{699DC775-C286-4358-8C92-D7E584E969B3}" type="datetimeFigureOut">
               <a:rPr lang="en-US" smtClean="0"/>
-              <a:t>5/29/2017</a:t>
+              <a:t>1/31/2018</a:t>
             </a:fld>
             <a:endParaRPr lang="en-US"/>
           </a:p>
@@ -8881,7 +10486,7 @@
           <a:p>
             <a:fld id="{699DC775-C286-4358-8C92-D7E584E969B3}" type="datetimeFigureOut">
               <a:rPr lang="en-US" smtClean="0"/>
-              <a:t>5/29/2017</a:t>
+              <a:t>1/31/2018</a:t>
             </a:fld>
             <a:endParaRPr lang="en-US"/>
           </a:p>
@@ -9126,7 +10731,7 @@
           <a:p>
             <a:fld id="{699DC775-C286-4358-8C92-D7E584E969B3}" type="datetimeFigureOut">
               <a:rPr lang="en-US" smtClean="0"/>
-              <a:t>5/29/2017</a:t>
+              <a:t>1/31/2018</a:t>
             </a:fld>
             <a:endParaRPr lang="en-US"/>
           </a:p>
@@ -9409,7 +11014,7 @@
           <a:p>
             <a:fld id="{699DC775-C286-4358-8C92-D7E584E969B3}" type="datetimeFigureOut">
               <a:rPr lang="en-US" smtClean="0"/>
-              <a:t>5/29/2017</a:t>
+              <a:t>1/31/2018</a:t>
             </a:fld>
             <a:endParaRPr lang="en-US"/>
           </a:p>
@@ -9669,7 +11274,7 @@
           <a:p>
             <a:fld id="{699DC775-C286-4358-8C92-D7E584E969B3}" type="datetimeFigureOut">
               <a:rPr lang="en-US" smtClean="0"/>
-              <a:t>5/29/2017</a:t>
+              <a:t>1/31/2018</a:t>
             </a:fld>
             <a:endParaRPr lang="en-US"/>
           </a:p>
@@ -9845,7 +11450,7 @@
           <a:p>
             <a:fld id="{699DC775-C286-4358-8C92-D7E584E969B3}" type="datetimeFigureOut">
               <a:rPr lang="en-US" smtClean="0"/>
-              <a:t>5/29/2017</a:t>
+              <a:t>1/31/2018</a:t>
             </a:fld>
             <a:endParaRPr lang="en-US"/>
           </a:p>
@@ -10031,7 +11636,7 @@
           <a:p>
             <a:fld id="{699DC775-C286-4358-8C92-D7E584E969B3}" type="datetimeFigureOut">
               <a:rPr lang="en-US" smtClean="0"/>
-              <a:t>5/29/2017</a:t>
+              <a:t>1/31/2018</a:t>
             </a:fld>
             <a:endParaRPr lang="en-US"/>
           </a:p>
@@ -10134,10 +11739,9 @@
           </a:lstStyle>
           <a:p>
             <a:r>
-              <a:rPr lang="en-US" smtClean="0"/>
+              <a:rPr lang="en-US"/>
               <a:t>Click to edit Master title style</a:t>
             </a:r>
-            <a:endParaRPr lang="en-US"/>
           </a:p>
         </p:txBody>
       </p:sp>
@@ -10199,10 +11803,9 @@
           </a:lstStyle>
           <a:p>
             <a:r>
-              <a:rPr lang="en-US" smtClean="0"/>
+              <a:rPr lang="en-US"/>
               <a:t>Click to edit Master subtitle style</a:t>
             </a:r>
-            <a:endParaRPr lang="en-US"/>
           </a:p>
         </p:txBody>
       </p:sp>
@@ -10223,7 +11826,7 @@
           <a:p>
             <a:fld id="{45696B32-6A70-48EC-8939-9D142D9557CD}" type="datetimeFigureOut">
               <a:rPr lang="en-US" smtClean="0"/>
-              <a:t>5/29/2017</a:t>
+              <a:t>1/31/2018</a:t>
             </a:fld>
             <a:endParaRPr lang="en-US"/>
           </a:p>
@@ -10463,10 +12066,9 @@
           <a:lstStyle/>
           <a:p>
             <a:r>
-              <a:rPr lang="en-US" smtClean="0"/>
+              <a:rPr lang="en-US"/>
               <a:t>Click to edit Master title style</a:t>
             </a:r>
-            <a:endParaRPr lang="en-US"/>
           </a:p>
         </p:txBody>
       </p:sp>
@@ -10487,38 +12089,37 @@
           <a:p>
             <a:pPr lvl="0"/>
             <a:r>
-              <a:rPr lang="en-US" smtClean="0"/>
+              <a:rPr lang="en-US"/>
               <a:t>Click to edit Master text styles</a:t>
             </a:r>
           </a:p>
           <a:p>
             <a:pPr lvl="1"/>
             <a:r>
-              <a:rPr lang="en-US" smtClean="0"/>
+              <a:rPr lang="en-US"/>
               <a:t>Second level</a:t>
             </a:r>
           </a:p>
           <a:p>
             <a:pPr lvl="2"/>
             <a:r>
-              <a:rPr lang="en-US" smtClean="0"/>
+              <a:rPr lang="en-US"/>
               <a:t>Third level</a:t>
             </a:r>
           </a:p>
           <a:p>
             <a:pPr lvl="3"/>
             <a:r>
-              <a:rPr lang="en-US" smtClean="0"/>
+              <a:rPr lang="en-US"/>
               <a:t>Fourth level</a:t>
             </a:r>
           </a:p>
           <a:p>
             <a:pPr lvl="4"/>
             <a:r>
-              <a:rPr lang="en-US" smtClean="0"/>
+              <a:rPr lang="en-US"/>
               <a:t>Fifth level</a:t>
             </a:r>
-            <a:endParaRPr lang="en-US"/>
           </a:p>
         </p:txBody>
       </p:sp>
@@ -10539,7 +12140,7 @@
           <a:p>
             <a:fld id="{45696B32-6A70-48EC-8939-9D142D9557CD}" type="datetimeFigureOut">
               <a:rPr lang="en-US" smtClean="0"/>
-              <a:t>5/29/2017</a:t>
+              <a:t>1/31/2018</a:t>
             </a:fld>
             <a:endParaRPr lang="en-US"/>
           </a:p>
@@ -10642,10 +12243,9 @@
           </a:lstStyle>
           <a:p>
             <a:r>
-              <a:rPr lang="en-US" smtClean="0"/>
+              <a:rPr lang="en-US"/>
               <a:t>Click to edit Master title style</a:t>
             </a:r>
-            <a:endParaRPr lang="en-US"/>
           </a:p>
         </p:txBody>
       </p:sp>
@@ -10762,7 +12362,7 @@
           <a:p>
             <a:pPr lvl="0"/>
             <a:r>
-              <a:rPr lang="en-US" smtClean="0"/>
+              <a:rPr lang="en-US"/>
               <a:t>Click to edit Master text styles</a:t>
             </a:r>
           </a:p>
@@ -10785,7 +12385,7 @@
           <a:p>
             <a:fld id="{45696B32-6A70-48EC-8939-9D142D9557CD}" type="datetimeFigureOut">
               <a:rPr lang="en-US" smtClean="0"/>
-              <a:t>5/29/2017</a:t>
+              <a:t>1/31/2018</a:t>
             </a:fld>
             <a:endParaRPr lang="en-US"/>
           </a:p>
@@ -10879,10 +12479,9 @@
           <a:lstStyle/>
           <a:p>
             <a:r>
-              <a:rPr lang="en-US" smtClean="0"/>
+              <a:rPr lang="en-US"/>
               <a:t>Click to edit Master title style</a:t>
             </a:r>
-            <a:endParaRPr lang="en-US"/>
           </a:p>
         </p:txBody>
       </p:sp>
@@ -10908,38 +12507,37 @@
           <a:p>
             <a:pPr lvl="0"/>
             <a:r>
-              <a:rPr lang="en-US" smtClean="0"/>
+              <a:rPr lang="en-US"/>
               <a:t>Click to edit Master text styles</a:t>
             </a:r>
           </a:p>
           <a:p>
             <a:pPr lvl="1"/>
             <a:r>
-              <a:rPr lang="en-US" smtClean="0"/>
+              <a:rPr lang="en-US"/>
               <a:t>Second level</a:t>
             </a:r>
           </a:p>
           <a:p>
             <a:pPr lvl="2"/>
             <a:r>
-              <a:rPr lang="en-US" smtClean="0"/>
+              <a:rPr lang="en-US"/>
               <a:t>Third level</a:t>
             </a:r>
           </a:p>
           <a:p>
             <a:pPr lvl="3"/>
             <a:r>
-              <a:rPr lang="en-US" smtClean="0"/>
+              <a:rPr lang="en-US"/>
               <a:t>Fourth level</a:t>
             </a:r>
           </a:p>
           <a:p>
             <a:pPr lvl="4"/>
             <a:r>
-              <a:rPr lang="en-US" smtClean="0"/>
+              <a:rPr lang="en-US"/>
               <a:t>Fifth level</a:t>
             </a:r>
-            <a:endParaRPr lang="en-US"/>
           </a:p>
         </p:txBody>
       </p:sp>
@@ -10965,38 +12563,37 @@
           <a:p>
             <a:pPr lvl="0"/>
             <a:r>
-              <a:rPr lang="en-US" smtClean="0"/>
+              <a:rPr lang="en-US"/>
               <a:t>Click to edit Master text styles</a:t>
             </a:r>
           </a:p>
           <a:p>
             <a:pPr lvl="1"/>
             <a:r>
-              <a:rPr lang="en-US" smtClean="0"/>
+              <a:rPr lang="en-US"/>
               <a:t>Second level</a:t>
             </a:r>
           </a:p>
           <a:p>
             <a:pPr lvl="2"/>
             <a:r>
-              <a:rPr lang="en-US" smtClean="0"/>
+              <a:rPr lang="en-US"/>
               <a:t>Third level</a:t>
             </a:r>
           </a:p>
           <a:p>
             <a:pPr lvl="3"/>
             <a:r>
-              <a:rPr lang="en-US" smtClean="0"/>
+              <a:rPr lang="en-US"/>
               <a:t>Fourth level</a:t>
             </a:r>
           </a:p>
           <a:p>
             <a:pPr lvl="4"/>
             <a:r>
-              <a:rPr lang="en-US" smtClean="0"/>
+              <a:rPr lang="en-US"/>
               <a:t>Fifth level</a:t>
             </a:r>
-            <a:endParaRPr lang="en-US"/>
           </a:p>
         </p:txBody>
       </p:sp>
@@ -11017,7 +12614,7 @@
           <a:p>
             <a:fld id="{45696B32-6A70-48EC-8939-9D142D9557CD}" type="datetimeFigureOut">
               <a:rPr lang="en-US" smtClean="0"/>
-              <a:t>5/29/2017</a:t>
+              <a:t>1/31/2018</a:t>
             </a:fld>
             <a:endParaRPr lang="en-US"/>
           </a:p>
@@ -11116,10 +12713,9 @@
           <a:lstStyle/>
           <a:p>
             <a:r>
-              <a:rPr lang="en-US" smtClean="0"/>
+              <a:rPr lang="en-US"/>
               <a:t>Click to edit Master title style</a:t>
             </a:r>
-            <a:endParaRPr lang="en-US"/>
           </a:p>
         </p:txBody>
       </p:sp>
@@ -11182,7 +12778,7 @@
           <a:p>
             <a:pPr lvl="0"/>
             <a:r>
-              <a:rPr lang="en-US" smtClean="0"/>
+              <a:rPr lang="en-US"/>
               <a:t>Click to edit Master text styles</a:t>
             </a:r>
           </a:p>
@@ -11210,38 +12806,37 @@
           <a:p>
             <a:pPr lvl="0"/>
             <a:r>
-              <a:rPr lang="en-US" smtClean="0"/>
+              <a:rPr lang="en-US"/>
               <a:t>Click to edit Master text styles</a:t>
             </a:r>
           </a:p>
           <a:p>
             <a:pPr lvl="1"/>
             <a:r>
-              <a:rPr lang="en-US" smtClean="0"/>
+              <a:rPr lang="en-US"/>
               <a:t>Second level</a:t>
             </a:r>
           </a:p>
           <a:p>
             <a:pPr lvl="2"/>
             <a:r>
-              <a:rPr lang="en-US" smtClean="0"/>
+              <a:rPr lang="en-US"/>
               <a:t>Third level</a:t>
             </a:r>
           </a:p>
           <a:p>
             <a:pPr lvl="3"/>
             <a:r>
-              <a:rPr lang="en-US" smtClean="0"/>
+              <a:rPr lang="en-US"/>
               <a:t>Fourth level</a:t>
             </a:r>
           </a:p>
           <a:p>
             <a:pPr lvl="4"/>
             <a:r>
-              <a:rPr lang="en-US" smtClean="0"/>
+              <a:rPr lang="en-US"/>
               <a:t>Fifth level</a:t>
             </a:r>
-            <a:endParaRPr lang="en-US"/>
           </a:p>
         </p:txBody>
       </p:sp>
@@ -11304,7 +12899,7 @@
           <a:p>
             <a:pPr lvl="0"/>
             <a:r>
-              <a:rPr lang="en-US" smtClean="0"/>
+              <a:rPr lang="en-US"/>
               <a:t>Click to edit Master text styles</a:t>
             </a:r>
           </a:p>
@@ -11332,38 +12927,37 @@
           <a:p>
             <a:pPr lvl="0"/>
             <a:r>
-              <a:rPr lang="en-US" smtClean="0"/>
+              <a:rPr lang="en-US"/>
               <a:t>Click to edit Master text styles</a:t>
             </a:r>
           </a:p>
           <a:p>
             <a:pPr lvl="1"/>
             <a:r>
-              <a:rPr lang="en-US" smtClean="0"/>
+              <a:rPr lang="en-US"/>
               <a:t>Second level</a:t>
             </a:r>
           </a:p>
           <a:p>
             <a:pPr lvl="2"/>
             <a:r>
-              <a:rPr lang="en-US" smtClean="0"/>
+              <a:rPr lang="en-US"/>
               <a:t>Third level</a:t>
             </a:r>
           </a:p>
           <a:p>
             <a:pPr lvl="3"/>
             <a:r>
-              <a:rPr lang="en-US" smtClean="0"/>
+              <a:rPr lang="en-US"/>
               <a:t>Fourth level</a:t>
             </a:r>
           </a:p>
           <a:p>
             <a:pPr lvl="4"/>
             <a:r>
-              <a:rPr lang="en-US" smtClean="0"/>
+              <a:rPr lang="en-US"/>
               <a:t>Fifth level</a:t>
             </a:r>
-            <a:endParaRPr lang="en-US"/>
           </a:p>
         </p:txBody>
       </p:sp>
@@ -11384,7 +12978,7 @@
           <a:p>
             <a:fld id="{45696B32-6A70-48EC-8939-9D142D9557CD}" type="datetimeFigureOut">
               <a:rPr lang="en-US" smtClean="0"/>
-              <a:t>5/29/2017</a:t>
+              <a:t>1/31/2018</a:t>
             </a:fld>
             <a:endParaRPr lang="en-US"/>
           </a:p>
@@ -11478,10 +13072,9 @@
           <a:lstStyle/>
           <a:p>
             <a:r>
-              <a:rPr lang="en-US" smtClean="0"/>
+              <a:rPr lang="en-US"/>
               <a:t>Click to edit Master title style</a:t>
             </a:r>
-            <a:endParaRPr lang="en-US"/>
           </a:p>
         </p:txBody>
       </p:sp>
@@ -11502,7 +13095,7 @@
           <a:p>
             <a:fld id="{45696B32-6A70-48EC-8939-9D142D9557CD}" type="datetimeFigureOut">
               <a:rPr lang="en-US" smtClean="0"/>
-              <a:t>5/29/2017</a:t>
+              <a:t>1/31/2018</a:t>
             </a:fld>
             <a:endParaRPr lang="en-US"/>
           </a:p>
@@ -11787,7 +13380,7 @@
           <a:p>
             <a:fld id="{699DC775-C286-4358-8C92-D7E584E969B3}" type="datetimeFigureOut">
               <a:rPr lang="en-US" smtClean="0"/>
-              <a:t>5/29/2017</a:t>
+              <a:t>1/31/2018</a:t>
             </a:fld>
             <a:endParaRPr lang="en-US"/>
           </a:p>
@@ -11882,7 +13475,7 @@
           <a:p>
             <a:fld id="{45696B32-6A70-48EC-8939-9D142D9557CD}" type="datetimeFigureOut">
               <a:rPr lang="en-US" smtClean="0"/>
-              <a:t>5/29/2017</a:t>
+              <a:t>1/31/2018</a:t>
             </a:fld>
             <a:endParaRPr lang="en-US"/>
           </a:p>
@@ -11985,10 +13578,9 @@
           </a:lstStyle>
           <a:p>
             <a:r>
-              <a:rPr lang="en-US" smtClean="0"/>
+              <a:rPr lang="en-US"/>
               <a:t>Click to edit Master title style</a:t>
             </a:r>
-            <a:endParaRPr lang="en-US"/>
           </a:p>
         </p:txBody>
       </p:sp>
@@ -12042,38 +13634,37 @@
           <a:p>
             <a:pPr lvl="0"/>
             <a:r>
-              <a:rPr lang="en-US" smtClean="0"/>
+              <a:rPr lang="en-US"/>
               <a:t>Click to edit Master text styles</a:t>
             </a:r>
           </a:p>
           <a:p>
             <a:pPr lvl="1"/>
             <a:r>
-              <a:rPr lang="en-US" smtClean="0"/>
+              <a:rPr lang="en-US"/>
               <a:t>Second level</a:t>
             </a:r>
           </a:p>
           <a:p>
             <a:pPr lvl="2"/>
             <a:r>
-              <a:rPr lang="en-US" smtClean="0"/>
+              <a:rPr lang="en-US"/>
               <a:t>Third level</a:t>
             </a:r>
           </a:p>
           <a:p>
             <a:pPr lvl="3"/>
             <a:r>
-              <a:rPr lang="en-US" smtClean="0"/>
+              <a:rPr lang="en-US"/>
               <a:t>Fourth level</a:t>
             </a:r>
           </a:p>
           <a:p>
             <a:pPr lvl="4"/>
             <a:r>
-              <a:rPr lang="en-US" smtClean="0"/>
+              <a:rPr lang="en-US"/>
               <a:t>Fifth level</a:t>
             </a:r>
-            <a:endParaRPr lang="en-US"/>
           </a:p>
         </p:txBody>
       </p:sp>
@@ -12136,7 +13727,7 @@
           <a:p>
             <a:pPr lvl="0"/>
             <a:r>
-              <a:rPr lang="en-US" smtClean="0"/>
+              <a:rPr lang="en-US"/>
               <a:t>Click to edit Master text styles</a:t>
             </a:r>
           </a:p>
@@ -12159,7 +13750,7 @@
           <a:p>
             <a:fld id="{45696B32-6A70-48EC-8939-9D142D9557CD}" type="datetimeFigureOut">
               <a:rPr lang="en-US" smtClean="0"/>
-              <a:t>5/29/2017</a:t>
+              <a:t>1/31/2018</a:t>
             </a:fld>
             <a:endParaRPr lang="en-US"/>
           </a:p>
@@ -12262,10 +13853,9 @@
           </a:lstStyle>
           <a:p>
             <a:r>
-              <a:rPr lang="en-US" smtClean="0"/>
+              <a:rPr lang="en-US"/>
               <a:t>Click to edit Master title style</a:t>
             </a:r>
-            <a:endParaRPr lang="en-US"/>
           </a:p>
         </p:txBody>
       </p:sp>
@@ -12389,7 +13979,7 @@
           <a:p>
             <a:pPr lvl="0"/>
             <a:r>
-              <a:rPr lang="en-US" smtClean="0"/>
+              <a:rPr lang="en-US"/>
               <a:t>Click to edit Master text styles</a:t>
             </a:r>
           </a:p>
@@ -12412,7 +14002,7 @@
           <a:p>
             <a:fld id="{45696B32-6A70-48EC-8939-9D142D9557CD}" type="datetimeFigureOut">
               <a:rPr lang="en-US" smtClean="0"/>
-              <a:t>5/29/2017</a:t>
+              <a:t>1/31/2018</a:t>
             </a:fld>
             <a:endParaRPr lang="en-US"/>
           </a:p>
@@ -12506,10 +14096,9 @@
           <a:lstStyle/>
           <a:p>
             <a:r>
-              <a:rPr lang="en-US" smtClean="0"/>
+              <a:rPr lang="en-US"/>
               <a:t>Click to edit Master title style</a:t>
             </a:r>
-            <a:endParaRPr lang="en-US"/>
           </a:p>
         </p:txBody>
       </p:sp>
@@ -12530,38 +14119,37 @@
           <a:p>
             <a:pPr lvl="0"/>
             <a:r>
-              <a:rPr lang="en-US" smtClean="0"/>
+              <a:rPr lang="en-US"/>
               <a:t>Click to edit Master text styles</a:t>
             </a:r>
           </a:p>
           <a:p>
             <a:pPr lvl="1"/>
             <a:r>
-              <a:rPr lang="en-US" smtClean="0"/>
+              <a:rPr lang="en-US"/>
               <a:t>Second level</a:t>
             </a:r>
           </a:p>
           <a:p>
             <a:pPr lvl="2"/>
             <a:r>
-              <a:rPr lang="en-US" smtClean="0"/>
+              <a:rPr lang="en-US"/>
               <a:t>Third level</a:t>
             </a:r>
           </a:p>
           <a:p>
             <a:pPr lvl="3"/>
             <a:r>
-              <a:rPr lang="en-US" smtClean="0"/>
+              <a:rPr lang="en-US"/>
               <a:t>Fourth level</a:t>
             </a:r>
           </a:p>
           <a:p>
             <a:pPr lvl="4"/>
             <a:r>
-              <a:rPr lang="en-US" smtClean="0"/>
+              <a:rPr lang="en-US"/>
               <a:t>Fifth level</a:t>
             </a:r>
-            <a:endParaRPr lang="en-US"/>
           </a:p>
         </p:txBody>
       </p:sp>
@@ -12582,7 +14170,7 @@
           <a:p>
             <a:fld id="{45696B32-6A70-48EC-8939-9D142D9557CD}" type="datetimeFigureOut">
               <a:rPr lang="en-US" smtClean="0"/>
-              <a:t>5/29/2017</a:t>
+              <a:t>1/31/2018</a:t>
             </a:fld>
             <a:endParaRPr lang="en-US"/>
           </a:p>
@@ -12681,10 +14269,9 @@
           <a:lstStyle/>
           <a:p>
             <a:r>
-              <a:rPr lang="en-US" smtClean="0"/>
+              <a:rPr lang="en-US"/>
               <a:t>Click to edit Master title style</a:t>
             </a:r>
-            <a:endParaRPr lang="en-US"/>
           </a:p>
         </p:txBody>
       </p:sp>
@@ -12710,38 +14297,37 @@
           <a:p>
             <a:pPr lvl="0"/>
             <a:r>
-              <a:rPr lang="en-US" smtClean="0"/>
+              <a:rPr lang="en-US"/>
               <a:t>Click to edit Master text styles</a:t>
             </a:r>
           </a:p>
           <a:p>
             <a:pPr lvl="1"/>
             <a:r>
-              <a:rPr lang="en-US" smtClean="0"/>
+              <a:rPr lang="en-US"/>
               <a:t>Second level</a:t>
             </a:r>
           </a:p>
           <a:p>
             <a:pPr lvl="2"/>
             <a:r>
-              <a:rPr lang="en-US" smtClean="0"/>
+              <a:rPr lang="en-US"/>
               <a:t>Third level</a:t>
             </a:r>
           </a:p>
           <a:p>
             <a:pPr lvl="3"/>
             <a:r>
-              <a:rPr lang="en-US" smtClean="0"/>
+              <a:rPr lang="en-US"/>
               <a:t>Fourth level</a:t>
             </a:r>
           </a:p>
           <a:p>
             <a:pPr lvl="4"/>
             <a:r>
-              <a:rPr lang="en-US" smtClean="0"/>
+              <a:rPr lang="en-US"/>
               <a:t>Fifth level</a:t>
             </a:r>
-            <a:endParaRPr lang="en-US"/>
           </a:p>
         </p:txBody>
       </p:sp>
@@ -12762,7 +14348,7 @@
           <a:p>
             <a:fld id="{45696B32-6A70-48EC-8939-9D142D9557CD}" type="datetimeFigureOut">
               <a:rPr lang="en-US" smtClean="0"/>
-              <a:t>5/29/2017</a:t>
+              <a:t>1/31/2018</a:t>
             </a:fld>
             <a:endParaRPr lang="en-US"/>
           </a:p>
@@ -13181,7 +14767,7 @@
           <a:p>
             <a:fld id="{699DC775-C286-4358-8C92-D7E584E969B3}" type="datetimeFigureOut">
               <a:rPr lang="en-US" smtClean="0"/>
-              <a:t>5/29/2017</a:t>
+              <a:t>1/31/2018</a:t>
             </a:fld>
             <a:endParaRPr lang="en-US"/>
           </a:p>
@@ -13298,7 +14884,7 @@
           <a:p>
             <a:fld id="{699DC775-C286-4358-8C92-D7E584E969B3}" type="datetimeFigureOut">
               <a:rPr lang="en-US" smtClean="0"/>
-              <a:t>5/29/2017</a:t>
+              <a:t>1/31/2018</a:t>
             </a:fld>
             <a:endParaRPr lang="en-US"/>
           </a:p>
@@ -13393,7 +14979,7 @@
           <a:p>
             <a:fld id="{699DC775-C286-4358-8C92-D7E584E969B3}" type="datetimeFigureOut">
               <a:rPr lang="en-US" smtClean="0"/>
-              <a:t>5/29/2017</a:t>
+              <a:t>1/31/2018</a:t>
             </a:fld>
             <a:endParaRPr lang="en-US"/>
           </a:p>
@@ -13668,7 +15254,7 @@
           <a:p>
             <a:fld id="{699DC775-C286-4358-8C92-D7E584E969B3}" type="datetimeFigureOut">
               <a:rPr lang="en-US" smtClean="0"/>
-              <a:t>5/29/2017</a:t>
+              <a:t>1/31/2018</a:t>
             </a:fld>
             <a:endParaRPr lang="en-US"/>
           </a:p>
@@ -13920,7 +15506,7 @@
           <a:p>
             <a:fld id="{699DC775-C286-4358-8C92-D7E584E969B3}" type="datetimeFigureOut">
               <a:rPr lang="en-US" smtClean="0"/>
-              <a:t>5/29/2017</a:t>
+              <a:t>1/31/2018</a:t>
             </a:fld>
             <a:endParaRPr lang="en-US"/>
           </a:p>
@@ -14131,7 +15717,7 @@
           <a:p>
             <a:fld id="{699DC775-C286-4358-8C92-D7E584E969B3}" type="datetimeFigureOut">
               <a:rPr lang="en-US" smtClean="0"/>
-              <a:t>5/29/2017</a:t>
+              <a:t>1/31/2018</a:t>
             </a:fld>
             <a:endParaRPr lang="en-US"/>
           </a:p>
@@ -14644,7 +16230,7 @@
           <a:p>
             <a:fld id="{699DC775-C286-4358-8C92-D7E584E969B3}" type="datetimeFigureOut">
               <a:rPr lang="en-US" smtClean="0"/>
-              <a:t>5/29/2017</a:t>
+              <a:t>1/31/2018</a:t>
             </a:fld>
             <a:endParaRPr lang="en-US"/>
           </a:p>
@@ -15155,7 +16741,7 @@
           <a:p>
             <a:fld id="{699DC775-C286-4358-8C92-D7E584E969B3}" type="datetimeFigureOut">
               <a:rPr lang="en-US" smtClean="0"/>
-              <a:t>5/29/2017</a:t>
+              <a:t>1/31/2018</a:t>
             </a:fld>
             <a:endParaRPr lang="en-US"/>
           </a:p>
@@ -15561,10 +17147,9 @@
           <a:lstStyle/>
           <a:p>
             <a:r>
-              <a:rPr lang="en-US" smtClean="0"/>
+              <a:rPr lang="en-US"/>
               <a:t>Click to edit Master title style</a:t>
             </a:r>
-            <a:endParaRPr lang="en-US"/>
           </a:p>
         </p:txBody>
       </p:sp>
@@ -15595,38 +17180,37 @@
           <a:p>
             <a:pPr lvl="0"/>
             <a:r>
-              <a:rPr lang="en-US" smtClean="0"/>
+              <a:rPr lang="en-US"/>
               <a:t>Click to edit Master text styles</a:t>
             </a:r>
           </a:p>
           <a:p>
             <a:pPr lvl="1"/>
             <a:r>
-              <a:rPr lang="en-US" smtClean="0"/>
+              <a:rPr lang="en-US"/>
               <a:t>Second level</a:t>
             </a:r>
           </a:p>
           <a:p>
             <a:pPr lvl="2"/>
             <a:r>
-              <a:rPr lang="en-US" smtClean="0"/>
+              <a:rPr lang="en-US"/>
               <a:t>Third level</a:t>
             </a:r>
           </a:p>
           <a:p>
             <a:pPr lvl="3"/>
             <a:r>
-              <a:rPr lang="en-US" smtClean="0"/>
+              <a:rPr lang="en-US"/>
               <a:t>Fourth level</a:t>
             </a:r>
           </a:p>
           <a:p>
             <a:pPr lvl="4"/>
             <a:r>
-              <a:rPr lang="en-US" smtClean="0"/>
+              <a:rPr lang="en-US"/>
               <a:t>Fifth level</a:t>
             </a:r>
-            <a:endParaRPr lang="en-US"/>
           </a:p>
         </p:txBody>
       </p:sp>
@@ -15665,7 +17249,7 @@
           <a:p>
             <a:fld id="{45696B32-6A70-48EC-8939-9D142D9557CD}" type="datetimeFigureOut">
               <a:rPr lang="en-US" smtClean="0"/>
-              <a:t>5/29/2017</a:t>
+              <a:t>1/31/2018</a:t>
             </a:fld>
             <a:endParaRPr lang="en-US"/>
           </a:p>
@@ -16271,10 +17855,9 @@
           <a:p>
             <a:pPr algn="ctr"/>
             <a:r>
-              <a:rPr lang="en-US" dirty="0" smtClean="0"/>
+              <a:rPr lang="en-US" dirty="0"/>
               <a:t>I can see through No fill</a:t>
             </a:r>
-            <a:endParaRPr lang="en-US" dirty="0"/>
           </a:p>
         </p:txBody>
       </p:sp>
@@ -16900,10 +18483,9 @@
           <a:p>
             <a:pPr algn="ctr"/>
             <a:r>
-              <a:rPr lang="en-US" dirty="0" smtClean="0"/>
+              <a:rPr lang="en-US" dirty="0"/>
               <a:t>I can see through No fill</a:t>
             </a:r>
-            <a:endParaRPr lang="en-US" dirty="0"/>
           </a:p>
         </p:txBody>
       </p:sp>
@@ -17534,10 +19116,9 @@
           <a:p>
             <a:pPr algn="ctr"/>
             <a:r>
-              <a:rPr lang="en-US" dirty="0" smtClean="0"/>
+              <a:rPr lang="en-US" dirty="0"/>
               <a:t>I can see through No fill</a:t>
             </a:r>
-            <a:endParaRPr lang="en-US" dirty="0"/>
           </a:p>
         </p:txBody>
       </p:sp>
@@ -18149,10 +19730,9 @@
           <a:p>
             <a:pPr algn="ctr"/>
             <a:r>
-              <a:rPr lang="en-US" dirty="0" smtClean="0"/>
+              <a:rPr lang="en-US" dirty="0"/>
               <a:t>I can see through No fill</a:t>
             </a:r>
-            <a:endParaRPr lang="en-US" dirty="0"/>
           </a:p>
         </p:txBody>
       </p:sp>
@@ -18790,10 +20370,9 @@
           <a:p>
             <a:pPr algn="ctr"/>
             <a:r>
-              <a:rPr lang="en-US" dirty="0" smtClean="0"/>
+              <a:rPr lang="en-US" dirty="0"/>
               <a:t>I can see through No fill</a:t>
             </a:r>
-            <a:endParaRPr lang="en-US" dirty="0"/>
           </a:p>
         </p:txBody>
       </p:sp>
@@ -19414,10 +20993,9 @@
           <a:p>
             <a:pPr algn="ctr"/>
             <a:r>
-              <a:rPr lang="en-US" dirty="0" smtClean="0"/>
+              <a:rPr lang="en-US" dirty="0"/>
               <a:t>I can see through No fill</a:t>
             </a:r>
-            <a:endParaRPr lang="en-US" dirty="0"/>
           </a:p>
         </p:txBody>
       </p:sp>
@@ -20041,10 +21619,9 @@
           <a:p>
             <a:pPr algn="ctr"/>
             <a:r>
-              <a:rPr lang="en-US" dirty="0" smtClean="0"/>
+              <a:rPr lang="en-US" dirty="0"/>
               <a:t>I can see through No fill</a:t>
             </a:r>
-            <a:endParaRPr lang="en-US" dirty="0"/>
           </a:p>
         </p:txBody>
       </p:sp>
@@ -20690,10 +22267,9 @@
           <a:p>
             <a:pPr algn="ctr"/>
             <a:r>
-              <a:rPr lang="en-US" dirty="0" smtClean="0"/>
+              <a:rPr lang="en-US" dirty="0"/>
               <a:t>I can see through No fill</a:t>
             </a:r>
-            <a:endParaRPr lang="en-US" dirty="0"/>
           </a:p>
         </p:txBody>
       </p:sp>
@@ -21333,10 +22909,9 @@
           <a:p>
             <a:pPr algn="ctr"/>
             <a:r>
-              <a:rPr lang="en-US" dirty="0" smtClean="0"/>
+              <a:rPr lang="en-US" dirty="0"/>
               <a:t>I can see through No fill</a:t>
             </a:r>
-            <a:endParaRPr lang="en-US" dirty="0"/>
           </a:p>
         </p:txBody>
       </p:sp>
@@ -21997,10 +23572,9 @@
           <a:p>
             <a:pPr algn="ctr"/>
             <a:r>
-              <a:rPr lang="en-US" dirty="0" smtClean="0"/>
+              <a:rPr lang="en-US" dirty="0"/>
               <a:t>I can see through No fill</a:t>
             </a:r>
-            <a:endParaRPr lang="en-US" dirty="0"/>
           </a:p>
         </p:txBody>
       </p:sp>
@@ -22591,7 +24165,7 @@
           <a:p>
             <a:pPr algn="l"/>
             <a:r>
-              <a:rPr lang="en-US" sz="7200" dirty="0" smtClean="0"/>
+              <a:rPr lang="en-US" sz="7200" dirty="0"/>
               <a:t>Sync Lab</a:t>
             </a:r>
             <a:endParaRPr lang="en-SG" sz="7200" dirty="0">
@@ -22648,7 +24222,7 @@
           <a:lstStyle/>
           <a:p>
             <a:r>
-              <a:rPr lang="en-US" dirty="0" smtClean="0"/>
+              <a:rPr lang="en-US" dirty="0"/>
               <a:t>Sync:: Font</a:t>
             </a:r>
             <a:endParaRPr lang="en-SG" dirty="0"/>
@@ -22674,33 +24248,24 @@
               <a:buNone/>
             </a:pPr>
             <a:r>
-              <a:rPr lang="en-US" b="1" dirty="0" smtClean="0"/>
-              <a:t>Additional instructions</a:t>
-            </a:r>
-            <a:r>
               <a:rPr lang="en-US" b="1" dirty="0"/>
-              <a:t>:</a:t>
+              <a:t>Additional instructions:</a:t>
             </a:r>
           </a:p>
           <a:p>
             <a:pPr marL="285750" indent="-285750"/>
             <a:r>
               <a:rPr lang="en-US" dirty="0"/>
-              <a:t>Select </a:t>
-            </a:r>
-            <a:r>
-              <a:rPr lang="en-US" dirty="0" smtClean="0"/>
-              <a:t>the </a:t>
-            </a:r>
-            <a:r>
-              <a:rPr lang="en-US" b="1" dirty="0" smtClean="0"/>
+              <a:t>Select the </a:t>
+            </a:r>
+            <a:r>
+              <a:rPr lang="en-US" b="1" dirty="0"/>
               <a:t>Shape </a:t>
             </a:r>
             <a:r>
-              <a:rPr lang="en-US" dirty="0" smtClean="0"/>
+              <a:rPr lang="en-US" dirty="0"/>
               <a:t>with the desired font style</a:t>
             </a:r>
-            <a:endParaRPr lang="en-US" dirty="0"/>
           </a:p>
           <a:p>
             <a:pPr marL="285750" indent="-285750"/>
@@ -22846,7 +24411,7 @@
           <a:p>
             <a:pPr algn="ctr"/>
             <a:r>
-              <a:rPr lang="en-US" sz="2800" b="1" dirty="0" smtClean="0">
+              <a:rPr lang="en-US" sz="2800" b="1" dirty="0">
                 <a:solidFill>
                   <a:srgbClr val="FFFF00"/>
                 </a:solidFill>
@@ -22854,12 +24419,6 @@
               </a:rPr>
               <a:t>Copy Me</a:t>
             </a:r>
-            <a:endParaRPr lang="en-US" sz="2800" b="1" dirty="0">
-              <a:solidFill>
-                <a:srgbClr val="FFFF00"/>
-              </a:solidFill>
-              <a:latin typeface="Algerian" panose="04020705040A02060702" pitchFamily="82" charset="0"/>
-            </a:endParaRPr>
           </a:p>
         </p:txBody>
       </p:sp>
@@ -22900,7 +24459,7 @@
           <a:p>
             <a:pPr algn="ctr"/>
             <a:r>
-              <a:rPr lang="en-US" sz="2000" dirty="0" smtClean="0">
+              <a:rPr lang="en-US" sz="2000" dirty="0">
                 <a:solidFill>
                   <a:schemeClr val="tx1"/>
                 </a:solidFill>
@@ -22910,7 +24469,7 @@
           </a:p>
           <a:p>
             <a:pPr algn="ctr"/>
-            <a:endParaRPr lang="en-US" sz="2000" dirty="0" smtClean="0">
+            <a:endParaRPr lang="en-US" sz="2000" dirty="0">
               <a:solidFill>
                 <a:schemeClr val="tx1"/>
               </a:solidFill>
@@ -22918,21 +24477,13 @@
           </a:p>
           <a:p>
             <a:pPr algn="ctr"/>
-            <a:r>
-              <a:rPr lang="en-US" sz="2000" dirty="0" smtClean="0">
-                <a:solidFill>
-                  <a:schemeClr val="tx1"/>
-                </a:solidFill>
-              </a:rPr>
-              <a:t>Lorem </a:t>
-            </a:r>
             <a:r>
               <a:rPr lang="en-US" sz="2000" dirty="0">
                 <a:solidFill>
                   <a:schemeClr val="tx1"/>
                 </a:solidFill>
               </a:rPr>
-              <a:t>ipsum dolor sit </a:t>
+              <a:t>Lorem ipsum dolor sit </a:t>
             </a:r>
             <a:r>
               <a:rPr lang="en-US" sz="2000" dirty="0" err="1">
@@ -23306,7 +24857,7 @@
           <a:p>
             <a:pPr algn="ctr"/>
             <a:r>
-              <a:rPr lang="en-US" sz="2800" b="1" dirty="0" smtClean="0">
+              <a:rPr lang="en-US" sz="2800" b="1" dirty="0">
                 <a:solidFill>
                   <a:srgbClr val="FFFF00"/>
                 </a:solidFill>
@@ -23314,12 +24865,6 @@
               </a:rPr>
               <a:t>Copy Me</a:t>
             </a:r>
-            <a:endParaRPr lang="en-US" sz="2800" b="1" dirty="0">
-              <a:solidFill>
-                <a:srgbClr val="FFFF00"/>
-              </a:solidFill>
-              <a:latin typeface="Algerian" panose="04020705040A02060702" pitchFamily="82" charset="0"/>
-            </a:endParaRPr>
           </a:p>
         </p:txBody>
       </p:sp>
@@ -23360,7 +24905,7 @@
           <a:p>
             <a:pPr algn="ctr"/>
             <a:r>
-              <a:rPr lang="en-US" sz="2000" dirty="0" smtClean="0">
+              <a:rPr lang="en-US" sz="2000" dirty="0">
                 <a:solidFill>
                   <a:schemeClr val="tx1"/>
                 </a:solidFill>
@@ -23371,7 +24916,7 @@
           </a:p>
           <a:p>
             <a:pPr algn="ctr"/>
-            <a:endParaRPr lang="en-US" sz="2000" dirty="0" smtClean="0">
+            <a:endParaRPr lang="en-US" sz="2000" dirty="0">
               <a:solidFill>
                 <a:schemeClr val="tx1"/>
               </a:solidFill>
@@ -23380,15 +24925,6 @@
           </a:p>
           <a:p>
             <a:pPr algn="ctr"/>
-            <a:r>
-              <a:rPr lang="en-US" sz="2000" dirty="0" smtClean="0">
-                <a:solidFill>
-                  <a:schemeClr val="tx1"/>
-                </a:solidFill>
-                <a:latin typeface="Algerian" panose="04020705040A02060702" pitchFamily="82" charset="0"/>
-              </a:rPr>
-              <a:t>Lorem </a:t>
-            </a:r>
             <a:r>
               <a:rPr lang="en-US" sz="2000" dirty="0">
                 <a:solidFill>
@@ -23396,7 +24932,7 @@
                 </a:solidFill>
                 <a:latin typeface="Algerian" panose="04020705040A02060702" pitchFamily="82" charset="0"/>
               </a:rPr>
-              <a:t>ipsum dolor sit </a:t>
+              <a:t>Lorem ipsum dolor sit </a:t>
             </a:r>
             <a:r>
               <a:rPr lang="en-US" sz="2000" dirty="0" err="1">
@@ -23800,7 +25336,7 @@
           <a:p>
             <a:pPr algn="ctr"/>
             <a:r>
-              <a:rPr lang="en-US" sz="2800" b="1" dirty="0" smtClean="0">
+              <a:rPr lang="en-US" sz="2800" b="1" dirty="0">
                 <a:solidFill>
                   <a:srgbClr val="FFFF00"/>
                 </a:solidFill>
@@ -23808,12 +25344,6 @@
               </a:rPr>
               <a:t>Copy Me</a:t>
             </a:r>
-            <a:endParaRPr lang="en-US" sz="2800" b="1" dirty="0">
-              <a:solidFill>
-                <a:srgbClr val="FFFF00"/>
-              </a:solidFill>
-              <a:latin typeface="Algerian" panose="04020705040A02060702" pitchFamily="82" charset="0"/>
-            </a:endParaRPr>
           </a:p>
         </p:txBody>
       </p:sp>
@@ -23854,7 +25384,7 @@
           <a:p>
             <a:pPr algn="ctr"/>
             <a:r>
-              <a:rPr lang="en-US" sz="2800" dirty="0" smtClean="0">
+              <a:rPr lang="en-US" sz="2800" dirty="0">
                 <a:solidFill>
                   <a:schemeClr val="tx1"/>
                 </a:solidFill>
@@ -23864,7 +25394,7 @@
           </a:p>
           <a:p>
             <a:pPr algn="ctr"/>
-            <a:endParaRPr lang="en-US" sz="2800" dirty="0" smtClean="0">
+            <a:endParaRPr lang="en-US" sz="2800" dirty="0">
               <a:solidFill>
                 <a:schemeClr val="tx1"/>
               </a:solidFill>
@@ -23872,21 +25402,13 @@
           </a:p>
           <a:p>
             <a:pPr algn="ctr"/>
-            <a:r>
-              <a:rPr lang="en-US" sz="2800" dirty="0" smtClean="0">
-                <a:solidFill>
-                  <a:schemeClr val="tx1"/>
-                </a:solidFill>
-              </a:rPr>
-              <a:t>Lorem </a:t>
-            </a:r>
             <a:r>
               <a:rPr lang="en-US" sz="2800" dirty="0">
                 <a:solidFill>
                   <a:schemeClr val="tx1"/>
                 </a:solidFill>
               </a:rPr>
-              <a:t>ipsum dolor sit </a:t>
+              <a:t>Lorem ipsum dolor sit </a:t>
             </a:r>
             <a:r>
               <a:rPr lang="en-US" sz="2800" dirty="0" err="1">
@@ -24260,7 +25782,7 @@
           <a:p>
             <a:pPr algn="ctr"/>
             <a:r>
-              <a:rPr lang="en-US" sz="2800" b="1" dirty="0" smtClean="0">
+              <a:rPr lang="en-US" sz="2800" b="1" dirty="0">
                 <a:solidFill>
                   <a:srgbClr val="FFFF00"/>
                 </a:solidFill>
@@ -24268,12 +25790,6 @@
               </a:rPr>
               <a:t>Copy Me</a:t>
             </a:r>
-            <a:endParaRPr lang="en-US" sz="2800" b="1" dirty="0">
-              <a:solidFill>
-                <a:srgbClr val="FFFF00"/>
-              </a:solidFill>
-              <a:latin typeface="Algerian" panose="04020705040A02060702" pitchFamily="82" charset="0"/>
-            </a:endParaRPr>
           </a:p>
         </p:txBody>
       </p:sp>
@@ -24314,7 +25830,7 @@
           <a:p>
             <a:pPr algn="ctr"/>
             <a:r>
-              <a:rPr lang="en-US" sz="2000" dirty="0" smtClean="0">
+              <a:rPr lang="en-US" sz="2000" dirty="0">
                 <a:solidFill>
                   <a:srgbClr val="FFFF00"/>
                 </a:solidFill>
@@ -24324,7 +25840,7 @@
           </a:p>
           <a:p>
             <a:pPr algn="ctr"/>
-            <a:endParaRPr lang="en-US" sz="2000" dirty="0" smtClean="0">
+            <a:endParaRPr lang="en-US" sz="2000" dirty="0">
               <a:solidFill>
                 <a:srgbClr val="FFFF00"/>
               </a:solidFill>
@@ -24332,21 +25848,13 @@
           </a:p>
           <a:p>
             <a:pPr algn="ctr"/>
-            <a:r>
-              <a:rPr lang="en-US" sz="2000" dirty="0" smtClean="0">
-                <a:solidFill>
-                  <a:srgbClr val="FFFF00"/>
-                </a:solidFill>
-              </a:rPr>
-              <a:t>Lorem </a:t>
-            </a:r>
             <a:r>
               <a:rPr lang="en-US" sz="2000" dirty="0">
                 <a:solidFill>
                   <a:srgbClr val="FFFF00"/>
                 </a:solidFill>
               </a:rPr>
-              <a:t>ipsum dolor sit </a:t>
+              <a:t>Lorem ipsum dolor sit </a:t>
             </a:r>
             <a:r>
               <a:rPr lang="en-US" sz="2000" dirty="0" err="1">
@@ -24720,7 +26228,7 @@
           <a:p>
             <a:pPr algn="ctr"/>
             <a:r>
-              <a:rPr lang="en-US" sz="2800" b="1" dirty="0" smtClean="0">
+              <a:rPr lang="en-US" sz="2800" b="1" dirty="0">
                 <a:solidFill>
                   <a:srgbClr val="FFFF00"/>
                 </a:solidFill>
@@ -24728,12 +26236,6 @@
               </a:rPr>
               <a:t>Copy Me</a:t>
             </a:r>
-            <a:endParaRPr lang="en-US" sz="2800" b="1" dirty="0">
-              <a:solidFill>
-                <a:srgbClr val="FFFF00"/>
-              </a:solidFill>
-              <a:latin typeface="Algerian" panose="04020705040A02060702" pitchFamily="82" charset="0"/>
-            </a:endParaRPr>
           </a:p>
         </p:txBody>
       </p:sp>
@@ -24774,7 +26276,7 @@
           <a:p>
             <a:pPr algn="ctr"/>
             <a:r>
-              <a:rPr lang="en-US" sz="2000" b="1" dirty="0" smtClean="0">
+              <a:rPr lang="en-US" sz="2000" b="1" dirty="0">
                 <a:solidFill>
                   <a:schemeClr val="tx1"/>
                 </a:solidFill>
@@ -24784,7 +26286,7 @@
           </a:p>
           <a:p>
             <a:pPr algn="ctr"/>
-            <a:endParaRPr lang="en-US" sz="2000" b="1" dirty="0" smtClean="0">
+            <a:endParaRPr lang="en-US" sz="2000" b="1" dirty="0">
               <a:solidFill>
                 <a:schemeClr val="tx1"/>
               </a:solidFill>
@@ -24792,21 +26294,13 @@
           </a:p>
           <a:p>
             <a:pPr algn="ctr"/>
-            <a:r>
-              <a:rPr lang="en-US" sz="2000" b="1" dirty="0" smtClean="0">
-                <a:solidFill>
-                  <a:schemeClr val="tx1"/>
-                </a:solidFill>
-              </a:rPr>
-              <a:t>Lorem </a:t>
-            </a:r>
             <a:r>
               <a:rPr lang="en-US" sz="2000" b="1" dirty="0">
                 <a:solidFill>
                   <a:schemeClr val="tx1"/>
                 </a:solidFill>
               </a:rPr>
-              <a:t>ipsum dolor sit </a:t>
+              <a:t>Lorem ipsum dolor sit </a:t>
             </a:r>
             <a:r>
               <a:rPr lang="en-US" sz="2000" b="1" dirty="0" err="1">
@@ -25180,7 +26674,7 @@
           <a:p>
             <a:pPr algn="ctr"/>
             <a:r>
-              <a:rPr lang="en-US" sz="2800" b="1" dirty="0" smtClean="0">
+              <a:rPr lang="en-US" sz="2800" b="1" dirty="0">
                 <a:solidFill>
                   <a:srgbClr val="FFFF00"/>
                 </a:solidFill>
@@ -25188,12 +26682,6 @@
               </a:rPr>
               <a:t>Copy Me</a:t>
             </a:r>
-            <a:endParaRPr lang="en-US" sz="2800" b="1" dirty="0">
-              <a:solidFill>
-                <a:srgbClr val="FFFF00"/>
-              </a:solidFill>
-              <a:latin typeface="Algerian" panose="04020705040A02060702" pitchFamily="82" charset="0"/>
-            </a:endParaRPr>
           </a:p>
         </p:txBody>
       </p:sp>
@@ -25234,7 +26722,7 @@
           <a:p>
             <a:pPr algn="ctr"/>
             <a:r>
-              <a:rPr lang="en-US" sz="2000" b="1" i="1" u="sng" dirty="0" smtClean="0">
+              <a:rPr lang="en-US" sz="2000" b="1" i="1" u="sng" dirty="0">
                 <a:solidFill>
                   <a:schemeClr val="tx1"/>
                 </a:solidFill>
@@ -25244,7 +26732,7 @@
           </a:p>
           <a:p>
             <a:pPr algn="ctr"/>
-            <a:endParaRPr lang="en-US" sz="2000" b="1" i="1" u="sng" dirty="0" smtClean="0">
+            <a:endParaRPr lang="en-US" sz="2000" b="1" i="1" u="sng" dirty="0">
               <a:solidFill>
                 <a:schemeClr val="tx1"/>
               </a:solidFill>
@@ -25252,21 +26740,13 @@
           </a:p>
           <a:p>
             <a:pPr algn="ctr"/>
-            <a:r>
-              <a:rPr lang="en-US" sz="2000" b="1" i="1" u="sng" dirty="0" smtClean="0">
-                <a:solidFill>
-                  <a:schemeClr val="tx1"/>
-                </a:solidFill>
-              </a:rPr>
-              <a:t>Lorem </a:t>
-            </a:r>
             <a:r>
               <a:rPr lang="en-US" sz="2000" b="1" i="1" u="sng" dirty="0">
                 <a:solidFill>
                   <a:schemeClr val="tx1"/>
                 </a:solidFill>
               </a:rPr>
-              <a:t>ipsum dolor sit </a:t>
+              <a:t>Lorem ipsum dolor sit </a:t>
             </a:r>
             <a:r>
               <a:rPr lang="en-US" sz="2000" b="1" i="1" u="sng" dirty="0" err="1">
@@ -25617,7 +27097,7 @@
           <a:lstStyle/>
           <a:p>
             <a:r>
-              <a:rPr lang="en-US" dirty="0" smtClean="0"/>
+              <a:rPr lang="en-US" dirty="0"/>
               <a:t>Sync:: Line</a:t>
             </a:r>
             <a:endParaRPr lang="en-SG" dirty="0"/>
@@ -25643,33 +27123,24 @@
               <a:buNone/>
             </a:pPr>
             <a:r>
-              <a:rPr lang="en-US" b="1" dirty="0" smtClean="0"/>
-              <a:t>Additional instructions</a:t>
-            </a:r>
-            <a:r>
               <a:rPr lang="en-US" b="1" dirty="0"/>
-              <a:t>:</a:t>
+              <a:t>Additional instructions:</a:t>
             </a:r>
           </a:p>
           <a:p>
             <a:pPr marL="285750" indent="-285750"/>
             <a:r>
               <a:rPr lang="en-US" dirty="0"/>
-              <a:t>Select </a:t>
-            </a:r>
-            <a:r>
-              <a:rPr lang="en-US" dirty="0" smtClean="0"/>
-              <a:t>the </a:t>
-            </a:r>
-            <a:r>
-              <a:rPr lang="en-US" b="1" dirty="0" smtClean="0"/>
+              <a:t>Select the </a:t>
+            </a:r>
+            <a:r>
+              <a:rPr lang="en-US" b="1" dirty="0"/>
               <a:t>Shape </a:t>
             </a:r>
             <a:r>
-              <a:rPr lang="en-US" dirty="0" smtClean="0"/>
+              <a:rPr lang="en-US" dirty="0"/>
               <a:t>with the desired line style</a:t>
             </a:r>
-            <a:endParaRPr lang="en-US" dirty="0"/>
           </a:p>
           <a:p>
             <a:pPr marL="285750" indent="-285750"/>
@@ -26088,7 +27559,7 @@
           <a:lstStyle/>
           <a:p>
             <a:r>
-              <a:rPr lang="en-US" dirty="0" smtClean="0"/>
+              <a:rPr lang="en-US" dirty="0"/>
               <a:t>Sync:: Position/Size </a:t>
             </a:r>
             <a:endParaRPr lang="en-SG" dirty="0"/>
@@ -26114,12 +27585,8 @@
               <a:buNone/>
             </a:pPr>
             <a:r>
-              <a:rPr lang="en-US" b="1" dirty="0" smtClean="0"/>
-              <a:t>Additional instructions</a:t>
-            </a:r>
-            <a:r>
               <a:rPr lang="en-US" b="1" dirty="0"/>
-              <a:t>:</a:t>
+              <a:t>Additional instructions:</a:t>
             </a:r>
           </a:p>
           <a:p>
@@ -27028,7 +28495,7 @@
           <a:lstStyle/>
           <a:p>
             <a:r>
-              <a:rPr lang="en-US" dirty="0" smtClean="0"/>
+              <a:rPr lang="en-US" dirty="0"/>
               <a:t>Sync:: Group</a:t>
             </a:r>
             <a:endParaRPr lang="en-SG" dirty="0"/>
@@ -27054,49 +28521,41 @@
               <a:buNone/>
             </a:pPr>
             <a:r>
-              <a:rPr lang="en-US" b="1" dirty="0" smtClean="0"/>
-              <a:t>Additional instructions</a:t>
-            </a:r>
-            <a:r>
               <a:rPr lang="en-US" b="1" dirty="0"/>
-              <a:t>:</a:t>
+              <a:t>Additional instructions:</a:t>
             </a:r>
           </a:p>
           <a:p>
             <a:pPr marL="285750" indent="-285750"/>
             <a:r>
               <a:rPr lang="en-US" dirty="0"/>
-              <a:t>Select </a:t>
-            </a:r>
-            <a:r>
-              <a:rPr lang="en-US" dirty="0" smtClean="0"/>
-              <a:t>the appropriate </a:t>
-            </a:r>
-            <a:r>
-              <a:rPr lang="en-US" b="1" dirty="0" smtClean="0"/>
+              <a:t>Select the appropriate </a:t>
+            </a:r>
+            <a:r>
+              <a:rPr lang="en-US" b="1" dirty="0"/>
               <a:t>Shape</a:t>
             </a:r>
-            <a:endParaRPr lang="en-US" dirty="0" smtClean="0"/>
+            <a:endParaRPr lang="en-US" dirty="0"/>
           </a:p>
           <a:p>
             <a:pPr marL="285750" indent="-285750"/>
             <a:r>
-              <a:rPr lang="en-US" dirty="0" smtClean="0"/>
+              <a:rPr lang="en-US" dirty="0"/>
               <a:t>Click </a:t>
             </a:r>
             <a:r>
-              <a:rPr lang="en-US" b="1" dirty="0" err="1" smtClean="0"/>
+              <a:rPr lang="en-US" b="1" dirty="0" err="1"/>
               <a:t>SyncLab</a:t>
             </a:r>
             <a:r>
-              <a:rPr lang="en-US" dirty="0" smtClean="0"/>
+              <a:rPr lang="en-US" dirty="0"/>
               <a:t> Ribbon button.</a:t>
             </a:r>
           </a:p>
           <a:p>
             <a:pPr marL="285750" indent="-285750"/>
             <a:r>
-              <a:rPr lang="en-US" dirty="0" smtClean="0"/>
+              <a:rPr lang="en-US" dirty="0"/>
               <a:t>Click </a:t>
             </a:r>
             <a:r>
@@ -28479,6 +29938,945 @@
 </p:sld>
 </file>
 
+<file path=ppt/slides/slide40.xml><?xml version="1.0" encoding="utf-8"?>
+<p:sld xmlns:a="http://schemas.openxmlformats.org/drawingml/2006/main" xmlns:r="http://schemas.openxmlformats.org/officeDocument/2006/relationships" xmlns:p="http://schemas.openxmlformats.org/presentationml/2006/main">
+  <p:cSld>
+    <p:spTree>
+      <p:nvGrpSpPr>
+        <p:cNvPr id="1" name=""/>
+        <p:cNvGrpSpPr/>
+        <p:nvPr/>
+      </p:nvGrpSpPr>
+      <p:grpSpPr>
+        <a:xfrm>
+          <a:off x="0" y="0"/>
+          <a:ext cx="0" cy="0"/>
+          <a:chOff x="0" y="0"/>
+          <a:chExt cx="0" cy="0"/>
+        </a:xfrm>
+      </p:grpSpPr>
+      <p:sp>
+        <p:nvSpPr>
+          <p:cNvPr id="2" name="Title 1"/>
+          <p:cNvSpPr>
+            <a:spLocks noGrp="1"/>
+          </p:cNvSpPr>
+          <p:nvPr>
+            <p:ph type="title"/>
+          </p:nvPr>
+        </p:nvSpPr>
+        <p:spPr/>
+        <p:txBody>
+          <a:bodyPr/>
+          <a:lstStyle/>
+          <a:p>
+            <a:r>
+              <a:rPr lang="en-US" dirty="0"/>
+              <a:t>Sync:: </a:t>
+            </a:r>
+            <a:r>
+              <a:rPr lang="en-US" dirty="0" err="1"/>
+              <a:t>PlaceHolder</a:t>
+            </a:r>
+            <a:endParaRPr lang="en-SG" dirty="0"/>
+          </a:p>
+        </p:txBody>
+      </p:sp>
+      <p:sp>
+        <p:nvSpPr>
+          <p:cNvPr id="4" name="Content Placeholder 3"/>
+          <p:cNvSpPr>
+            <a:spLocks noGrp="1"/>
+          </p:cNvSpPr>
+          <p:nvPr>
+            <p:ph idx="1"/>
+          </p:nvPr>
+        </p:nvSpPr>
+        <p:spPr/>
+        <p:txBody>
+          <a:bodyPr/>
+          <a:lstStyle/>
+          <a:p>
+            <a:pPr marL="0" indent="0">
+              <a:buNone/>
+            </a:pPr>
+            <a:r>
+              <a:rPr lang="en-US" b="1" dirty="0"/>
+              <a:t>Additional instructions:</a:t>
+            </a:r>
+          </a:p>
+          <a:p>
+            <a:pPr marL="285750" indent="-285750"/>
+            <a:r>
+              <a:rPr lang="en-US" dirty="0"/>
+              <a:t>Select the appropriate </a:t>
+            </a:r>
+            <a:r>
+              <a:rPr lang="en-US" b="1" dirty="0"/>
+              <a:t>Shape</a:t>
+            </a:r>
+            <a:endParaRPr lang="en-US" dirty="0"/>
+          </a:p>
+          <a:p>
+            <a:pPr marL="285750" indent="-285750"/>
+            <a:r>
+              <a:rPr lang="en-US" dirty="0"/>
+              <a:t>Click </a:t>
+            </a:r>
+            <a:r>
+              <a:rPr lang="en-US" b="1" dirty="0" err="1"/>
+              <a:t>SyncLab</a:t>
+            </a:r>
+            <a:r>
+              <a:rPr lang="en-US" dirty="0"/>
+              <a:t> Ribbon button.</a:t>
+            </a:r>
+          </a:p>
+          <a:p>
+            <a:pPr marL="285750" indent="-285750"/>
+            <a:r>
+              <a:rPr lang="en-US" dirty="0"/>
+              <a:t>Click </a:t>
+            </a:r>
+            <a:r>
+              <a:rPr lang="en-US" b="1" dirty="0"/>
+              <a:t>Copy</a:t>
+            </a:r>
+            <a:r>
+              <a:rPr lang="en-US" dirty="0"/>
+              <a:t> to copy the format and select the formats to copy</a:t>
+            </a:r>
+          </a:p>
+          <a:p>
+            <a:pPr marL="285750" indent="-285750"/>
+            <a:r>
+              <a:rPr lang="en-US" dirty="0"/>
+              <a:t>Select the </a:t>
+            </a:r>
+            <a:r>
+              <a:rPr lang="en-US" b="1" dirty="0"/>
+              <a:t>Shapes</a:t>
+            </a:r>
+            <a:r>
+              <a:rPr lang="en-US" dirty="0"/>
+              <a:t> to sync the format</a:t>
+            </a:r>
+          </a:p>
+          <a:p>
+            <a:pPr marL="285750" indent="-285750"/>
+            <a:r>
+              <a:rPr lang="en-US" dirty="0"/>
+              <a:t>Click </a:t>
+            </a:r>
+            <a:r>
+              <a:rPr lang="en-US" b="1" dirty="0"/>
+              <a:t>Paste</a:t>
+            </a:r>
+            <a:r>
+              <a:rPr lang="en-US" dirty="0"/>
+              <a:t> to sync the format</a:t>
+            </a:r>
+          </a:p>
+          <a:p>
+            <a:endParaRPr lang="en-US" dirty="0"/>
+          </a:p>
+        </p:txBody>
+      </p:sp>
+    </p:spTree>
+    <p:extLst>
+      <p:ext uri="{BB962C8B-B14F-4D97-AF65-F5344CB8AC3E}">
+        <p14:creationId xmlns:p14="http://schemas.microsoft.com/office/powerpoint/2010/main" val="670304140"/>
+      </p:ext>
+    </p:extLst>
+  </p:cSld>
+  <p:clrMapOvr>
+    <a:masterClrMapping/>
+  </p:clrMapOvr>
+</p:sld>
+</file>
+
+<file path=ppt/slides/slide41.xml><?xml version="1.0" encoding="utf-8"?>
+<p:sld xmlns:a="http://schemas.openxmlformats.org/drawingml/2006/main" xmlns:r="http://schemas.openxmlformats.org/officeDocument/2006/relationships" xmlns:p="http://schemas.openxmlformats.org/presentationml/2006/main">
+  <p:cSld>
+    <p:spTree>
+      <p:nvGrpSpPr>
+        <p:cNvPr id="1" name=""/>
+        <p:cNvGrpSpPr/>
+        <p:nvPr/>
+      </p:nvGrpSpPr>
+      <p:grpSpPr>
+        <a:xfrm>
+          <a:off x="0" y="0"/>
+          <a:ext cx="0" cy="0"/>
+          <a:chOff x="0" y="0"/>
+          <a:chExt cx="0" cy="0"/>
+        </a:xfrm>
+      </p:grpSpPr>
+      <p:sp>
+        <p:nvSpPr>
+          <p:cNvPr id="9" name="Title 1">
+            <a:extLst>
+              <a:ext uri="{FF2B5EF4-FFF2-40B4-BE49-F238E27FC236}">
+                <a16:creationId xmlns:a16="http://schemas.microsoft.com/office/drawing/2014/main" id="{F76A13E2-CBF0-46AA-8019-FE880138A28F}"/>
+              </a:ext>
+            </a:extLst>
+          </p:cNvPr>
+          <p:cNvSpPr>
+            <a:spLocks noGrp="1"/>
+          </p:cNvSpPr>
+          <p:nvPr>
+            <p:ph type="title"/>
+          </p:nvPr>
+        </p:nvSpPr>
+        <p:spPr>
+          <a:xfrm>
+            <a:off x="457200" y="457200"/>
+            <a:ext cx="8229600" cy="1143000"/>
+          </a:xfrm>
+        </p:spPr>
+        <p:style>
+          <a:lnRef idx="2">
+            <a:schemeClr val="accent1"/>
+          </a:lnRef>
+          <a:fillRef idx="1">
+            <a:schemeClr val="lt1"/>
+          </a:fillRef>
+          <a:effectRef idx="0">
+            <a:schemeClr val="accent1"/>
+          </a:effectRef>
+          <a:fontRef idx="minor">
+            <a:schemeClr val="dk1"/>
+          </a:fontRef>
+        </p:style>
+        <p:txBody>
+          <a:bodyPr/>
+          <a:lstStyle/>
+          <a:p>
+            <a:r>
+              <a:rPr lang="en-US" dirty="0"/>
+              <a:t>Horizontal Title</a:t>
+            </a:r>
+          </a:p>
+        </p:txBody>
+      </p:sp>
+      <p:sp>
+        <p:nvSpPr>
+          <p:cNvPr id="10" name="Content Placeholder 2">
+            <a:extLst>
+              <a:ext uri="{FF2B5EF4-FFF2-40B4-BE49-F238E27FC236}">
+                <a16:creationId xmlns:a16="http://schemas.microsoft.com/office/drawing/2014/main" id="{9DAB032C-90AE-42B6-A3A8-A10939181EE7}"/>
+              </a:ext>
+            </a:extLst>
+          </p:cNvPr>
+          <p:cNvSpPr>
+            <a:spLocks noGrp="1"/>
+          </p:cNvSpPr>
+          <p:nvPr>
+            <p:ph idx="1"/>
+          </p:nvPr>
+        </p:nvSpPr>
+        <p:spPr>
+          <a:xfrm>
+            <a:off x="457200" y="1828800"/>
+            <a:ext cx="8229600" cy="4800599"/>
+          </a:xfrm>
+        </p:spPr>
+        <p:style>
+          <a:lnRef idx="2">
+            <a:schemeClr val="accent2"/>
+          </a:lnRef>
+          <a:fillRef idx="1">
+            <a:schemeClr val="lt1"/>
+          </a:fillRef>
+          <a:effectRef idx="0">
+            <a:schemeClr val="accent2"/>
+          </a:effectRef>
+          <a:fontRef idx="minor">
+            <a:schemeClr val="dk1"/>
+          </a:fontRef>
+        </p:style>
+        <p:txBody>
+          <a:bodyPr/>
+          <a:lstStyle/>
+          <a:p>
+            <a:r>
+              <a:rPr lang="en-US" dirty="0"/>
+              <a:t>Horizontal Body</a:t>
+            </a:r>
+          </a:p>
+        </p:txBody>
+      </p:sp>
+    </p:spTree>
+    <p:extLst>
+      <p:ext uri="{BB962C8B-B14F-4D97-AF65-F5344CB8AC3E}">
+        <p14:creationId xmlns:p14="http://schemas.microsoft.com/office/powerpoint/2010/main" val="3061107050"/>
+      </p:ext>
+    </p:extLst>
+  </p:cSld>
+  <p:clrMapOvr>
+    <a:masterClrMapping/>
+  </p:clrMapOvr>
+</p:sld>
+</file>
+
+<file path=ppt/slides/slide42.xml><?xml version="1.0" encoding="utf-8"?>
+<p:sld xmlns:a="http://schemas.openxmlformats.org/drawingml/2006/main" xmlns:r="http://schemas.openxmlformats.org/officeDocument/2006/relationships" xmlns:p="http://schemas.openxmlformats.org/presentationml/2006/main">
+  <p:cSld>
+    <p:spTree>
+      <p:nvGrpSpPr>
+        <p:cNvPr id="1" name=""/>
+        <p:cNvGrpSpPr/>
+        <p:nvPr/>
+      </p:nvGrpSpPr>
+      <p:grpSpPr>
+        <a:xfrm>
+          <a:off x="0" y="0"/>
+          <a:ext cx="0" cy="0"/>
+          <a:chOff x="0" y="0"/>
+          <a:chExt cx="0" cy="0"/>
+        </a:xfrm>
+      </p:grpSpPr>
+      <p:sp>
+        <p:nvSpPr>
+          <p:cNvPr id="2" name="Title 1">
+            <a:extLst>
+              <a:ext uri="{FF2B5EF4-FFF2-40B4-BE49-F238E27FC236}">
+                <a16:creationId xmlns:a16="http://schemas.microsoft.com/office/drawing/2014/main" id="{C48333EF-ABBA-4FBC-AF0C-1F61F53BACB6}"/>
+              </a:ext>
+            </a:extLst>
+          </p:cNvPr>
+          <p:cNvSpPr>
+            <a:spLocks noGrp="1"/>
+          </p:cNvSpPr>
+          <p:nvPr>
+            <p:ph type="ctrTitle"/>
+          </p:nvPr>
+        </p:nvSpPr>
+        <p:spPr/>
+        <p:style>
+          <a:lnRef idx="2">
+            <a:schemeClr val="dk1"/>
+          </a:lnRef>
+          <a:fillRef idx="1">
+            <a:schemeClr val="lt1"/>
+          </a:fillRef>
+          <a:effectRef idx="0">
+            <a:schemeClr val="dk1"/>
+          </a:effectRef>
+          <a:fontRef idx="minor">
+            <a:schemeClr val="dk1"/>
+          </a:fontRef>
+        </p:style>
+        <p:txBody>
+          <a:bodyPr/>
+          <a:lstStyle/>
+          <a:p>
+            <a:r>
+              <a:rPr lang="en-US" dirty="0"/>
+              <a:t>Center Title</a:t>
+            </a:r>
+          </a:p>
+        </p:txBody>
+      </p:sp>
+      <p:sp>
+        <p:nvSpPr>
+          <p:cNvPr id="3" name="Subtitle 2">
+            <a:extLst>
+              <a:ext uri="{FF2B5EF4-FFF2-40B4-BE49-F238E27FC236}">
+                <a16:creationId xmlns:a16="http://schemas.microsoft.com/office/drawing/2014/main" id="{07B7E5B8-8B64-4370-AED5-ABECC4E1235A}"/>
+              </a:ext>
+            </a:extLst>
+          </p:cNvPr>
+          <p:cNvSpPr>
+            <a:spLocks noGrp="1"/>
+          </p:cNvSpPr>
+          <p:nvPr>
+            <p:ph type="subTitle" idx="1"/>
+          </p:nvPr>
+        </p:nvSpPr>
+        <p:spPr/>
+        <p:style>
+          <a:lnRef idx="2">
+            <a:schemeClr val="accent2"/>
+          </a:lnRef>
+          <a:fillRef idx="1">
+            <a:schemeClr val="lt1"/>
+          </a:fillRef>
+          <a:effectRef idx="0">
+            <a:schemeClr val="accent2"/>
+          </a:effectRef>
+          <a:fontRef idx="minor">
+            <a:schemeClr val="dk1"/>
+          </a:fontRef>
+        </p:style>
+        <p:txBody>
+          <a:bodyPr/>
+          <a:lstStyle/>
+          <a:p>
+            <a:r>
+              <a:rPr lang="en-US" dirty="0"/>
+              <a:t>Subtitle</a:t>
+            </a:r>
+          </a:p>
+        </p:txBody>
+      </p:sp>
+    </p:spTree>
+    <p:extLst>
+      <p:ext uri="{BB962C8B-B14F-4D97-AF65-F5344CB8AC3E}">
+        <p14:creationId xmlns:p14="http://schemas.microsoft.com/office/powerpoint/2010/main" val="1577254307"/>
+      </p:ext>
+    </p:extLst>
+  </p:cSld>
+  <p:clrMapOvr>
+    <a:masterClrMapping/>
+  </p:clrMapOvr>
+</p:sld>
+</file>
+
+<file path=ppt/slides/slide43.xml><?xml version="1.0" encoding="utf-8"?>
+<p:sld xmlns:a="http://schemas.openxmlformats.org/drawingml/2006/main" xmlns:r="http://schemas.openxmlformats.org/officeDocument/2006/relationships" xmlns:p="http://schemas.openxmlformats.org/presentationml/2006/main">
+  <p:cSld>
+    <p:spTree>
+      <p:nvGrpSpPr>
+        <p:cNvPr id="1" name=""/>
+        <p:cNvGrpSpPr/>
+        <p:nvPr/>
+      </p:nvGrpSpPr>
+      <p:grpSpPr>
+        <a:xfrm>
+          <a:off x="0" y="0"/>
+          <a:ext cx="0" cy="0"/>
+          <a:chOff x="0" y="0"/>
+          <a:chExt cx="0" cy="0"/>
+        </a:xfrm>
+      </p:grpSpPr>
+      <p:sp>
+        <p:nvSpPr>
+          <p:cNvPr id="9" name="Title 1">
+            <a:extLst>
+              <a:ext uri="{FF2B5EF4-FFF2-40B4-BE49-F238E27FC236}">
+                <a16:creationId xmlns:a16="http://schemas.microsoft.com/office/drawing/2014/main" id="{F76A13E2-CBF0-46AA-8019-FE880138A28F}"/>
+              </a:ext>
+            </a:extLst>
+          </p:cNvPr>
+          <p:cNvSpPr>
+            <a:spLocks noGrp="1"/>
+          </p:cNvSpPr>
+          <p:nvPr>
+            <p:ph type="title"/>
+          </p:nvPr>
+        </p:nvSpPr>
+        <p:spPr>
+          <a:xfrm>
+            <a:off x="457200" y="457200"/>
+            <a:ext cx="8229600" cy="1143000"/>
+          </a:xfrm>
+        </p:spPr>
+        <p:style>
+          <a:lnRef idx="2">
+            <a:schemeClr val="accent1"/>
+          </a:lnRef>
+          <a:fillRef idx="1">
+            <a:schemeClr val="lt1"/>
+          </a:fillRef>
+          <a:effectRef idx="0">
+            <a:schemeClr val="accent1"/>
+          </a:effectRef>
+          <a:fontRef idx="minor">
+            <a:schemeClr val="dk1"/>
+          </a:fontRef>
+        </p:style>
+        <p:txBody>
+          <a:bodyPr vert="eaVert"/>
+          <a:lstStyle/>
+          <a:p>
+            <a:r>
+              <a:rPr lang="en-US" dirty="0"/>
+              <a:t>Vertical Title</a:t>
+            </a:r>
+          </a:p>
+        </p:txBody>
+      </p:sp>
+      <p:sp>
+        <p:nvSpPr>
+          <p:cNvPr id="10" name="Content Placeholder 2">
+            <a:extLst>
+              <a:ext uri="{FF2B5EF4-FFF2-40B4-BE49-F238E27FC236}">
+                <a16:creationId xmlns:a16="http://schemas.microsoft.com/office/drawing/2014/main" id="{9DAB032C-90AE-42B6-A3A8-A10939181EE7}"/>
+              </a:ext>
+            </a:extLst>
+          </p:cNvPr>
+          <p:cNvSpPr>
+            <a:spLocks noGrp="1"/>
+          </p:cNvSpPr>
+          <p:nvPr>
+            <p:ph idx="1"/>
+          </p:nvPr>
+        </p:nvSpPr>
+        <p:spPr>
+          <a:xfrm>
+            <a:off x="457200" y="1828800"/>
+            <a:ext cx="8229600" cy="4800599"/>
+          </a:xfrm>
+        </p:spPr>
+        <p:style>
+          <a:lnRef idx="2">
+            <a:schemeClr val="accent2"/>
+          </a:lnRef>
+          <a:fillRef idx="1">
+            <a:schemeClr val="lt1"/>
+          </a:fillRef>
+          <a:effectRef idx="0">
+            <a:schemeClr val="accent2"/>
+          </a:effectRef>
+          <a:fontRef idx="minor">
+            <a:schemeClr val="dk1"/>
+          </a:fontRef>
+        </p:style>
+        <p:txBody>
+          <a:bodyPr vert="eaVert"/>
+          <a:lstStyle/>
+          <a:p>
+            <a:r>
+              <a:rPr lang="en-US" dirty="0"/>
+              <a:t>Vertical Body</a:t>
+            </a:r>
+          </a:p>
+        </p:txBody>
+      </p:sp>
+    </p:spTree>
+    <p:extLst>
+      <p:ext uri="{BB962C8B-B14F-4D97-AF65-F5344CB8AC3E}">
+        <p14:creationId xmlns:p14="http://schemas.microsoft.com/office/powerpoint/2010/main" val="3219583548"/>
+      </p:ext>
+    </p:extLst>
+  </p:cSld>
+  <p:clrMapOvr>
+    <a:masterClrMapping/>
+  </p:clrMapOvr>
+</p:sld>
+</file>
+
+<file path=ppt/slides/slide44.xml><?xml version="1.0" encoding="utf-8"?>
+<p:sld xmlns:a="http://schemas.openxmlformats.org/drawingml/2006/main" xmlns:r="http://schemas.openxmlformats.org/officeDocument/2006/relationships" xmlns:p="http://schemas.openxmlformats.org/presentationml/2006/main">
+  <p:cSld>
+    <p:spTree>
+      <p:nvGrpSpPr>
+        <p:cNvPr id="1" name=""/>
+        <p:cNvGrpSpPr/>
+        <p:nvPr/>
+      </p:nvGrpSpPr>
+      <p:grpSpPr>
+        <a:xfrm>
+          <a:off x="0" y="0"/>
+          <a:ext cx="0" cy="0"/>
+          <a:chOff x="0" y="0"/>
+          <a:chExt cx="0" cy="0"/>
+        </a:xfrm>
+      </p:grpSpPr>
+      <p:sp>
+        <p:nvSpPr>
+          <p:cNvPr id="2" name="Title 1">
+            <a:extLst>
+              <a:ext uri="{FF2B5EF4-FFF2-40B4-BE49-F238E27FC236}">
+                <a16:creationId xmlns:a16="http://schemas.microsoft.com/office/drawing/2014/main" id="{36AFBB07-D48E-4D55-BCC9-0AEA58799313}"/>
+              </a:ext>
+            </a:extLst>
+          </p:cNvPr>
+          <p:cNvSpPr>
+            <a:spLocks noGrp="1"/>
+          </p:cNvSpPr>
+          <p:nvPr>
+            <p:ph type="title"/>
+          </p:nvPr>
+        </p:nvSpPr>
+        <p:spPr/>
+        <p:txBody>
+          <a:bodyPr/>
+          <a:lstStyle/>
+          <a:p>
+            <a:endParaRPr lang="en-US"/>
+          </a:p>
+        </p:txBody>
+      </p:sp>
+      <p:graphicFrame>
+        <p:nvGraphicFramePr>
+          <p:cNvPr id="4" name="Content Placeholder 3">
+            <a:extLst>
+              <a:ext uri="{FF2B5EF4-FFF2-40B4-BE49-F238E27FC236}">
+                <a16:creationId xmlns:a16="http://schemas.microsoft.com/office/drawing/2014/main" id="{77B6412D-E420-4A67-A16C-876A842A8B5A}"/>
+              </a:ext>
+            </a:extLst>
+          </p:cNvPr>
+          <p:cNvGraphicFramePr>
+            <a:graphicFrameLocks noGrp="1"/>
+          </p:cNvGraphicFramePr>
+          <p:nvPr>
+            <p:ph idx="1"/>
+            <p:extLst>
+              <p:ext uri="{D42A27DB-BD31-4B8C-83A1-F6EECF244321}">
+                <p14:modId xmlns:p14="http://schemas.microsoft.com/office/powerpoint/2010/main" val="4129624487"/>
+              </p:ext>
+            </p:extLst>
+          </p:nvPr>
+        </p:nvGraphicFramePr>
+        <p:xfrm>
+          <a:off x="457200" y="1600200"/>
+          <a:ext cx="8229600" cy="741680"/>
+        </p:xfrm>
+        <a:graphic>
+          <a:graphicData uri="http://schemas.openxmlformats.org/drawingml/2006/table">
+            <a:tbl>
+              <a:tblPr firstRow="1" bandRow="1">
+                <a:tableStyleId>{5C22544A-7EE6-4342-B048-85BDC9FD1C3A}</a:tableStyleId>
+              </a:tblPr>
+              <a:tblGrid>
+                <a:gridCol w="1645920">
+                  <a:extLst>
+                    <a:ext uri="{9D8B030D-6E8A-4147-A177-3AD203B41FA5}">
+                      <a16:colId xmlns:a16="http://schemas.microsoft.com/office/drawing/2014/main" val="2186954258"/>
+                    </a:ext>
+                  </a:extLst>
+                </a:gridCol>
+                <a:gridCol w="1645920">
+                  <a:extLst>
+                    <a:ext uri="{9D8B030D-6E8A-4147-A177-3AD203B41FA5}">
+                      <a16:colId xmlns:a16="http://schemas.microsoft.com/office/drawing/2014/main" val="1465537084"/>
+                    </a:ext>
+                  </a:extLst>
+                </a:gridCol>
+                <a:gridCol w="1645920">
+                  <a:extLst>
+                    <a:ext uri="{9D8B030D-6E8A-4147-A177-3AD203B41FA5}">
+                      <a16:colId xmlns:a16="http://schemas.microsoft.com/office/drawing/2014/main" val="3498407586"/>
+                    </a:ext>
+                  </a:extLst>
+                </a:gridCol>
+                <a:gridCol w="1645920">
+                  <a:extLst>
+                    <a:ext uri="{9D8B030D-6E8A-4147-A177-3AD203B41FA5}">
+                      <a16:colId xmlns:a16="http://schemas.microsoft.com/office/drawing/2014/main" val="3488771038"/>
+                    </a:ext>
+                  </a:extLst>
+                </a:gridCol>
+                <a:gridCol w="1645920">
+                  <a:extLst>
+                    <a:ext uri="{9D8B030D-6E8A-4147-A177-3AD203B41FA5}">
+                      <a16:colId xmlns:a16="http://schemas.microsoft.com/office/drawing/2014/main" val="566194247"/>
+                    </a:ext>
+                  </a:extLst>
+                </a:gridCol>
+              </a:tblGrid>
+              <a:tr h="370840">
+                <a:tc>
+                  <a:txBody>
+                    <a:bodyPr/>
+                    <a:lstStyle/>
+                    <a:p>
+                      <a:endParaRPr lang="en-US" dirty="0"/>
+                    </a:p>
+                  </a:txBody>
+                  <a:tcPr/>
+                </a:tc>
+                <a:tc>
+                  <a:txBody>
+                    <a:bodyPr/>
+                    <a:lstStyle/>
+                    <a:p>
+                      <a:endParaRPr lang="en-US"/>
+                    </a:p>
+                  </a:txBody>
+                  <a:tcPr/>
+                </a:tc>
+                <a:tc>
+                  <a:txBody>
+                    <a:bodyPr/>
+                    <a:lstStyle/>
+                    <a:p>
+                      <a:endParaRPr lang="en-US"/>
+                    </a:p>
+                  </a:txBody>
+                  <a:tcPr/>
+                </a:tc>
+                <a:tc>
+                  <a:txBody>
+                    <a:bodyPr/>
+                    <a:lstStyle/>
+                    <a:p>
+                      <a:endParaRPr lang="en-US"/>
+                    </a:p>
+                  </a:txBody>
+                  <a:tcPr/>
+                </a:tc>
+                <a:tc>
+                  <a:txBody>
+                    <a:bodyPr/>
+                    <a:lstStyle/>
+                    <a:p>
+                      <a:endParaRPr lang="en-US"/>
+                    </a:p>
+                  </a:txBody>
+                  <a:tcPr/>
+                </a:tc>
+                <a:extLst>
+                  <a:ext uri="{0D108BD9-81ED-4DB2-BD59-A6C34878D82A}">
+                    <a16:rowId xmlns:a16="http://schemas.microsoft.com/office/drawing/2014/main" val="3098902408"/>
+                  </a:ext>
+                </a:extLst>
+              </a:tr>
+              <a:tr h="370840">
+                <a:tc>
+                  <a:txBody>
+                    <a:bodyPr/>
+                    <a:lstStyle/>
+                    <a:p>
+                      <a:endParaRPr lang="en-US"/>
+                    </a:p>
+                  </a:txBody>
+                  <a:tcPr/>
+                </a:tc>
+                <a:tc>
+                  <a:txBody>
+                    <a:bodyPr/>
+                    <a:lstStyle/>
+                    <a:p>
+                      <a:endParaRPr lang="en-US"/>
+                    </a:p>
+                  </a:txBody>
+                  <a:tcPr/>
+                </a:tc>
+                <a:tc>
+                  <a:txBody>
+                    <a:bodyPr/>
+                    <a:lstStyle/>
+                    <a:p>
+                      <a:endParaRPr lang="en-US"/>
+                    </a:p>
+                  </a:txBody>
+                  <a:tcPr/>
+                </a:tc>
+                <a:tc>
+                  <a:txBody>
+                    <a:bodyPr/>
+                    <a:lstStyle/>
+                    <a:p>
+                      <a:endParaRPr lang="en-US"/>
+                    </a:p>
+                  </a:txBody>
+                  <a:tcPr/>
+                </a:tc>
+                <a:tc>
+                  <a:txBody>
+                    <a:bodyPr/>
+                    <a:lstStyle/>
+                    <a:p>
+                      <a:endParaRPr lang="en-US"/>
+                    </a:p>
+                  </a:txBody>
+                  <a:tcPr/>
+                </a:tc>
+                <a:extLst>
+                  <a:ext uri="{0D108BD9-81ED-4DB2-BD59-A6C34878D82A}">
+                    <a16:rowId xmlns:a16="http://schemas.microsoft.com/office/drawing/2014/main" val="851676468"/>
+                  </a:ext>
+                </a:extLst>
+              </a:tr>
+            </a:tbl>
+          </a:graphicData>
+        </a:graphic>
+      </p:graphicFrame>
+    </p:spTree>
+    <p:extLst>
+      <p:ext uri="{BB962C8B-B14F-4D97-AF65-F5344CB8AC3E}">
+        <p14:creationId xmlns:p14="http://schemas.microsoft.com/office/powerpoint/2010/main" val="1365309722"/>
+      </p:ext>
+    </p:extLst>
+  </p:cSld>
+  <p:clrMapOvr>
+    <a:masterClrMapping/>
+  </p:clrMapOvr>
+</p:sld>
+</file>
+
+<file path=ppt/slides/slide45.xml><?xml version="1.0" encoding="utf-8"?>
+<p:sld xmlns:a="http://schemas.openxmlformats.org/drawingml/2006/main" xmlns:r="http://schemas.openxmlformats.org/officeDocument/2006/relationships" xmlns:p="http://schemas.openxmlformats.org/presentationml/2006/main">
+  <p:cSld>
+    <p:spTree>
+      <p:nvGrpSpPr>
+        <p:cNvPr id="1" name=""/>
+        <p:cNvGrpSpPr/>
+        <p:nvPr/>
+      </p:nvGrpSpPr>
+      <p:grpSpPr>
+        <a:xfrm>
+          <a:off x="0" y="0"/>
+          <a:ext cx="0" cy="0"/>
+          <a:chOff x="0" y="0"/>
+          <a:chExt cx="0" cy="0"/>
+        </a:xfrm>
+      </p:grpSpPr>
+      <p:sp>
+        <p:nvSpPr>
+          <p:cNvPr id="2" name="Title 1">
+            <a:extLst>
+              <a:ext uri="{FF2B5EF4-FFF2-40B4-BE49-F238E27FC236}">
+                <a16:creationId xmlns:a16="http://schemas.microsoft.com/office/drawing/2014/main" id="{5313CA02-A3B9-4BE1-B9CA-4C17739672E7}"/>
+              </a:ext>
+            </a:extLst>
+          </p:cNvPr>
+          <p:cNvSpPr>
+            <a:spLocks noGrp="1"/>
+          </p:cNvSpPr>
+          <p:nvPr>
+            <p:ph type="title"/>
+          </p:nvPr>
+        </p:nvSpPr>
+        <p:spPr/>
+        <p:txBody>
+          <a:bodyPr/>
+          <a:lstStyle/>
+          <a:p>
+            <a:endParaRPr lang="en-US"/>
+          </a:p>
+        </p:txBody>
+      </p:sp>
+      <p:graphicFrame>
+        <p:nvGraphicFramePr>
+          <p:cNvPr id="6" name="Content Placeholder 5">
+            <a:extLst>
+              <a:ext uri="{FF2B5EF4-FFF2-40B4-BE49-F238E27FC236}">
+                <a16:creationId xmlns:a16="http://schemas.microsoft.com/office/drawing/2014/main" id="{6C4CF6F0-F4EC-40EE-B8ED-4778DABF8A18}"/>
+              </a:ext>
+            </a:extLst>
+          </p:cNvPr>
+          <p:cNvGraphicFramePr>
+            <a:graphicFrameLocks noGrp="1"/>
+          </p:cNvGraphicFramePr>
+          <p:nvPr>
+            <p:ph idx="1"/>
+            <p:extLst>
+              <p:ext uri="{D42A27DB-BD31-4B8C-83A1-F6EECF244321}">
+                <p14:modId xmlns:p14="http://schemas.microsoft.com/office/powerpoint/2010/main" val="1093082880"/>
+              </p:ext>
+            </p:extLst>
+          </p:nvPr>
+        </p:nvGraphicFramePr>
+        <p:xfrm>
+          <a:off x="457200" y="1600200"/>
+          <a:ext cx="8229600" cy="4525963"/>
+        </p:xfrm>
+        <a:graphic>
+          <a:graphicData uri="http://schemas.openxmlformats.org/drawingml/2006/chart">
+            <c:chart xmlns:c="http://schemas.openxmlformats.org/drawingml/2006/chart" xmlns:r="http://schemas.openxmlformats.org/officeDocument/2006/relationships" r:id="rId3"/>
+          </a:graphicData>
+        </a:graphic>
+      </p:graphicFrame>
+    </p:spTree>
+    <p:extLst>
+      <p:ext uri="{BB962C8B-B14F-4D97-AF65-F5344CB8AC3E}">
+        <p14:creationId xmlns:p14="http://schemas.microsoft.com/office/powerpoint/2010/main" val="2150574036"/>
+      </p:ext>
+    </p:extLst>
+  </p:cSld>
+  <p:clrMapOvr>
+    <a:masterClrMapping/>
+  </p:clrMapOvr>
+</p:sld>
+</file>
+
+<file path=ppt/slides/slide46.xml><?xml version="1.0" encoding="utf-8"?>
+<p:sld xmlns:a="http://schemas.openxmlformats.org/drawingml/2006/main" xmlns:r="http://schemas.openxmlformats.org/officeDocument/2006/relationships" xmlns:p="http://schemas.openxmlformats.org/presentationml/2006/main">
+  <p:cSld>
+    <p:spTree>
+      <p:nvGrpSpPr>
+        <p:cNvPr id="1" name=""/>
+        <p:cNvGrpSpPr/>
+        <p:nvPr/>
+      </p:nvGrpSpPr>
+      <p:grpSpPr>
+        <a:xfrm>
+          <a:off x="0" y="0"/>
+          <a:ext cx="0" cy="0"/>
+          <a:chOff x="0" y="0"/>
+          <a:chExt cx="0" cy="0"/>
+        </a:xfrm>
+      </p:grpSpPr>
+      <p:sp>
+        <p:nvSpPr>
+          <p:cNvPr id="2" name="Title 1">
+            <a:extLst>
+              <a:ext uri="{FF2B5EF4-FFF2-40B4-BE49-F238E27FC236}">
+                <a16:creationId xmlns:a16="http://schemas.microsoft.com/office/drawing/2014/main" id="{18EED56F-26CB-4F5D-A343-30FD11F4BC85}"/>
+              </a:ext>
+            </a:extLst>
+          </p:cNvPr>
+          <p:cNvSpPr>
+            <a:spLocks noGrp="1"/>
+          </p:cNvSpPr>
+          <p:nvPr>
+            <p:ph type="title"/>
+          </p:nvPr>
+        </p:nvSpPr>
+        <p:spPr/>
+        <p:txBody>
+          <a:bodyPr/>
+          <a:lstStyle/>
+          <a:p>
+            <a:endParaRPr lang="en-US"/>
+          </a:p>
+        </p:txBody>
+      </p:sp>
+      <p:pic>
+        <p:nvPicPr>
+          <p:cNvPr id="5" name="Content Placeholder 4">
+            <a:extLst>
+              <a:ext uri="{FF2B5EF4-FFF2-40B4-BE49-F238E27FC236}">
+                <a16:creationId xmlns:a16="http://schemas.microsoft.com/office/drawing/2014/main" id="{C744D289-9302-48EA-91FD-2C9FDED1433B}"/>
+              </a:ext>
+            </a:extLst>
+          </p:cNvPr>
+          <p:cNvPicPr>
+            <a:picLocks noGrp="1" noChangeAspect="1"/>
+          </p:cNvPicPr>
+          <p:nvPr>
+            <p:ph idx="1"/>
+          </p:nvPr>
+        </p:nvPicPr>
+        <p:blipFill>
+          <a:blip r:embed="rId3">
+            <a:extLst>
+              <a:ext uri="{28A0092B-C50C-407E-A947-70E740481C1C}">
+                <a14:useLocalDpi xmlns:a14="http://schemas.microsoft.com/office/drawing/2010/main" val="0"/>
+              </a:ext>
+              <a:ext uri="{837473B0-CC2E-450A-ABE3-18F120FF3D39}">
+                <a1611:picAttrSrcUrl xmlns:a1611="http://schemas.microsoft.com/office/drawing/2016/11/main" r:id="rId4"/>
+              </a:ext>
+            </a:extLst>
+          </a:blip>
+          <a:stretch>
+            <a:fillRect/>
+          </a:stretch>
+        </p:blipFill>
+        <p:spPr>
+          <a:xfrm>
+            <a:off x="1819476" y="1600200"/>
+            <a:ext cx="5505048" cy="4525963"/>
+          </a:xfrm>
+        </p:spPr>
+      </p:pic>
+    </p:spTree>
+    <p:extLst>
+      <p:ext uri="{BB962C8B-B14F-4D97-AF65-F5344CB8AC3E}">
+        <p14:creationId xmlns:p14="http://schemas.microsoft.com/office/powerpoint/2010/main" val="2343974947"/>
+      </p:ext>
+    </p:extLst>
+  </p:cSld>
+  <p:clrMapOvr>
+    <a:masterClrMapping/>
+  </p:clrMapOvr>
+</p:sld>
+</file>
+
 <file path=ppt/slides/slide5.xml><?xml version="1.0" encoding="utf-8"?>
 <p:sld xmlns:a="http://schemas.openxmlformats.org/drawingml/2006/main" xmlns:r="http://schemas.openxmlformats.org/officeDocument/2006/relationships" xmlns:p="http://schemas.openxmlformats.org/presentationml/2006/main">
   <p:cSld>
@@ -29340,7 +31738,7 @@
           <a:lstStyle/>
           <a:p>
             <a:r>
-              <a:rPr lang="en-US" dirty="0" smtClean="0"/>
+              <a:rPr lang="en-US" dirty="0"/>
               <a:t>Sync:: Fill</a:t>
             </a:r>
             <a:endParaRPr lang="en-SG" dirty="0"/>
@@ -29366,33 +31764,24 @@
               <a:buNone/>
             </a:pPr>
             <a:r>
-              <a:rPr lang="en-US" b="1" dirty="0" smtClean="0"/>
-              <a:t>Additional instructions</a:t>
-            </a:r>
-            <a:r>
               <a:rPr lang="en-US" b="1" dirty="0"/>
-              <a:t>:</a:t>
+              <a:t>Additional instructions:</a:t>
             </a:r>
           </a:p>
           <a:p>
             <a:pPr marL="285750" indent="-285750"/>
             <a:r>
               <a:rPr lang="en-US" dirty="0"/>
-              <a:t>Select </a:t>
-            </a:r>
-            <a:r>
-              <a:rPr lang="en-US" dirty="0" smtClean="0"/>
-              <a:t>the </a:t>
-            </a:r>
-            <a:r>
-              <a:rPr lang="en-US" b="1" dirty="0" smtClean="0"/>
+              <a:t>Select the </a:t>
+            </a:r>
+            <a:r>
+              <a:rPr lang="en-US" b="1" dirty="0"/>
               <a:t>Shape </a:t>
             </a:r>
             <a:r>
-              <a:rPr lang="en-US" dirty="0" smtClean="0"/>
+              <a:rPr lang="en-US" dirty="0"/>
               <a:t>with the desired fill</a:t>
             </a:r>
-            <a:endParaRPr lang="en-US" dirty="0"/>
           </a:p>
           <a:p>
             <a:pPr marL="285750" indent="-285750"/>

--- a/doc/test/SyncLab/SyncLab.pptx
+++ b/doc/test/SyncLab/SyncLab.pptx
@@ -8,7 +8,7 @@
     <p:sldMasterId id="2147483684" r:id="rId4"/>
   </p:sldMasterIdLst>
   <p:notesMasterIdLst>
-    <p:notesMasterId r:id="rId51"/>
+    <p:notesMasterId r:id="rId52"/>
   </p:notesMasterIdLst>
   <p:sldIdLst>
     <p:sldId id="287" r:id="rId5"/>
@@ -57,6 +57,7 @@
     <p:sldId id="416" r:id="rId48"/>
     <p:sldId id="417" r:id="rId49"/>
     <p:sldId id="418" r:id="rId50"/>
+    <p:sldId id="419" r:id="rId51"/>
   </p:sldIdLst>
   <p:sldSz cx="9144000" cy="6858000" type="screen4x3"/>
   <p:notesSz cx="6858000" cy="9144000"/>
@@ -230,6 +231,7 @@
             <p14:sldId id="416"/>
             <p14:sldId id="417"/>
             <p14:sldId id="418"/>
+            <p14:sldId id="419"/>
           </p14:sldIdLst>
         </p14:section>
       </p14:sectionLst>
@@ -1238,6 +1240,2593 @@
 </cs:chartStyle>
 </file>
 
+<file path=ppt/diagrams/colors1.xml><?xml version="1.0" encoding="utf-8"?>
+<dgm:colorsDef xmlns:dgm="http://schemas.openxmlformats.org/drawingml/2006/diagram" xmlns:a="http://schemas.openxmlformats.org/drawingml/2006/main" uniqueId="urn:microsoft.com/office/officeart/2005/8/colors/accent1_2">
+  <dgm:title val=""/>
+  <dgm:desc val=""/>
+  <dgm:catLst>
+    <dgm:cat type="accent1" pri="11200"/>
+  </dgm:catLst>
+  <dgm:styleLbl name="node0">
+    <dgm:fillClrLst meth="repeat">
+      <a:schemeClr val="accent1"/>
+    </dgm:fillClrLst>
+    <dgm:linClrLst meth="repeat">
+      <a:schemeClr val="lt1"/>
+    </dgm:linClrLst>
+    <dgm:effectClrLst/>
+    <dgm:txLinClrLst/>
+    <dgm:txFillClrLst/>
+    <dgm:txEffectClrLst/>
+  </dgm:styleLbl>
+  <dgm:styleLbl name="alignNode1">
+    <dgm:fillClrLst meth="repeat">
+      <a:schemeClr val="accent1"/>
+    </dgm:fillClrLst>
+    <dgm:linClrLst meth="repeat">
+      <a:schemeClr val="accent1"/>
+    </dgm:linClrLst>
+    <dgm:effectClrLst/>
+    <dgm:txLinClrLst/>
+    <dgm:txFillClrLst/>
+    <dgm:txEffectClrLst/>
+  </dgm:styleLbl>
+  <dgm:styleLbl name="node1">
+    <dgm:fillClrLst meth="repeat">
+      <a:schemeClr val="accent1"/>
+    </dgm:fillClrLst>
+    <dgm:linClrLst meth="repeat">
+      <a:schemeClr val="lt1"/>
+    </dgm:linClrLst>
+    <dgm:effectClrLst/>
+    <dgm:txLinClrLst/>
+    <dgm:txFillClrLst/>
+    <dgm:txEffectClrLst/>
+  </dgm:styleLbl>
+  <dgm:styleLbl name="lnNode1">
+    <dgm:fillClrLst meth="repeat">
+      <a:schemeClr val="accent1"/>
+    </dgm:fillClrLst>
+    <dgm:linClrLst meth="repeat">
+      <a:schemeClr val="lt1"/>
+    </dgm:linClrLst>
+    <dgm:effectClrLst/>
+    <dgm:txLinClrLst/>
+    <dgm:txFillClrLst/>
+    <dgm:txEffectClrLst/>
+  </dgm:styleLbl>
+  <dgm:styleLbl name="vennNode1">
+    <dgm:fillClrLst meth="repeat">
+      <a:schemeClr val="accent1">
+        <a:alpha val="50000"/>
+      </a:schemeClr>
+    </dgm:fillClrLst>
+    <dgm:linClrLst meth="repeat">
+      <a:schemeClr val="lt1"/>
+    </dgm:linClrLst>
+    <dgm:effectClrLst/>
+    <dgm:txLinClrLst/>
+    <dgm:txFillClrLst/>
+    <dgm:txEffectClrLst/>
+  </dgm:styleLbl>
+  <dgm:styleLbl name="node2">
+    <dgm:fillClrLst meth="repeat">
+      <a:schemeClr val="accent1"/>
+    </dgm:fillClrLst>
+    <dgm:linClrLst meth="repeat">
+      <a:schemeClr val="lt1"/>
+    </dgm:linClrLst>
+    <dgm:effectClrLst/>
+    <dgm:txLinClrLst/>
+    <dgm:txFillClrLst/>
+    <dgm:txEffectClrLst/>
+  </dgm:styleLbl>
+  <dgm:styleLbl name="node3">
+    <dgm:fillClrLst meth="repeat">
+      <a:schemeClr val="accent1"/>
+    </dgm:fillClrLst>
+    <dgm:linClrLst meth="repeat">
+      <a:schemeClr val="lt1"/>
+    </dgm:linClrLst>
+    <dgm:effectClrLst/>
+    <dgm:txLinClrLst/>
+    <dgm:txFillClrLst/>
+    <dgm:txEffectClrLst/>
+  </dgm:styleLbl>
+  <dgm:styleLbl name="node4">
+    <dgm:fillClrLst meth="repeat">
+      <a:schemeClr val="accent1"/>
+    </dgm:fillClrLst>
+    <dgm:linClrLst meth="repeat">
+      <a:schemeClr val="lt1"/>
+    </dgm:linClrLst>
+    <dgm:effectClrLst/>
+    <dgm:txLinClrLst/>
+    <dgm:txFillClrLst/>
+    <dgm:txEffectClrLst/>
+  </dgm:styleLbl>
+  <dgm:styleLbl name="fgImgPlace1">
+    <dgm:fillClrLst meth="repeat">
+      <a:schemeClr val="accent1">
+        <a:tint val="50000"/>
+      </a:schemeClr>
+    </dgm:fillClrLst>
+    <dgm:linClrLst meth="repeat">
+      <a:schemeClr val="lt1"/>
+    </dgm:linClrLst>
+    <dgm:effectClrLst/>
+    <dgm:txLinClrLst/>
+    <dgm:txFillClrLst meth="repeat">
+      <a:schemeClr val="lt1"/>
+    </dgm:txFillClrLst>
+    <dgm:txEffectClrLst/>
+  </dgm:styleLbl>
+  <dgm:styleLbl name="alignImgPlace1">
+    <dgm:fillClrLst meth="repeat">
+      <a:schemeClr val="accent1">
+        <a:tint val="50000"/>
+      </a:schemeClr>
+    </dgm:fillClrLst>
+    <dgm:linClrLst meth="repeat">
+      <a:schemeClr val="lt1"/>
+    </dgm:linClrLst>
+    <dgm:effectClrLst/>
+    <dgm:txLinClrLst/>
+    <dgm:txFillClrLst meth="repeat">
+      <a:schemeClr val="lt1"/>
+    </dgm:txFillClrLst>
+    <dgm:txEffectClrLst/>
+  </dgm:styleLbl>
+  <dgm:styleLbl name="bgImgPlace1">
+    <dgm:fillClrLst meth="repeat">
+      <a:schemeClr val="accent1">
+        <a:tint val="50000"/>
+      </a:schemeClr>
+    </dgm:fillClrLst>
+    <dgm:linClrLst meth="repeat">
+      <a:schemeClr val="lt1"/>
+    </dgm:linClrLst>
+    <dgm:effectClrLst/>
+    <dgm:txLinClrLst/>
+    <dgm:txFillClrLst meth="repeat">
+      <a:schemeClr val="lt1"/>
+    </dgm:txFillClrLst>
+    <dgm:txEffectClrLst/>
+  </dgm:styleLbl>
+  <dgm:styleLbl name="sibTrans2D1">
+    <dgm:fillClrLst meth="repeat">
+      <a:schemeClr val="accent1">
+        <a:tint val="60000"/>
+      </a:schemeClr>
+    </dgm:fillClrLst>
+    <dgm:linClrLst meth="repeat">
+      <a:schemeClr val="accent1">
+        <a:tint val="60000"/>
+      </a:schemeClr>
+    </dgm:linClrLst>
+    <dgm:effectClrLst/>
+    <dgm:txLinClrLst/>
+    <dgm:txFillClrLst/>
+    <dgm:txEffectClrLst/>
+  </dgm:styleLbl>
+  <dgm:styleLbl name="fgSibTrans2D1">
+    <dgm:fillClrLst meth="repeat">
+      <a:schemeClr val="accent1">
+        <a:tint val="60000"/>
+      </a:schemeClr>
+    </dgm:fillClrLst>
+    <dgm:linClrLst meth="repeat">
+      <a:schemeClr val="accent1">
+        <a:tint val="60000"/>
+      </a:schemeClr>
+    </dgm:linClrLst>
+    <dgm:effectClrLst/>
+    <dgm:txLinClrLst/>
+    <dgm:txFillClrLst/>
+    <dgm:txEffectClrLst/>
+  </dgm:styleLbl>
+  <dgm:styleLbl name="bgSibTrans2D1">
+    <dgm:fillClrLst meth="repeat">
+      <a:schemeClr val="accent1">
+        <a:tint val="60000"/>
+      </a:schemeClr>
+    </dgm:fillClrLst>
+    <dgm:linClrLst meth="repeat">
+      <a:schemeClr val="accent1">
+        <a:tint val="60000"/>
+      </a:schemeClr>
+    </dgm:linClrLst>
+    <dgm:effectClrLst/>
+    <dgm:txLinClrLst/>
+    <dgm:txFillClrLst/>
+    <dgm:txEffectClrLst/>
+  </dgm:styleLbl>
+  <dgm:styleLbl name="sibTrans1D1">
+    <dgm:fillClrLst meth="repeat">
+      <a:schemeClr val="accent1"/>
+    </dgm:fillClrLst>
+    <dgm:linClrLst meth="repeat">
+      <a:schemeClr val="accent1"/>
+    </dgm:linClrLst>
+    <dgm:effectClrLst/>
+    <dgm:txLinClrLst/>
+    <dgm:txFillClrLst meth="repeat">
+      <a:schemeClr val="tx1"/>
+    </dgm:txFillClrLst>
+    <dgm:txEffectClrLst/>
+  </dgm:styleLbl>
+  <dgm:styleLbl name="callout">
+    <dgm:fillClrLst meth="repeat">
+      <a:schemeClr val="accent1"/>
+    </dgm:fillClrLst>
+    <dgm:linClrLst meth="repeat">
+      <a:schemeClr val="accent1">
+        <a:tint val="50000"/>
+      </a:schemeClr>
+    </dgm:linClrLst>
+    <dgm:effectClrLst/>
+    <dgm:txLinClrLst/>
+    <dgm:txFillClrLst meth="repeat">
+      <a:schemeClr val="tx1"/>
+    </dgm:txFillClrLst>
+    <dgm:txEffectClrLst/>
+  </dgm:styleLbl>
+  <dgm:styleLbl name="asst0">
+    <dgm:fillClrLst meth="repeat">
+      <a:schemeClr val="accent1"/>
+    </dgm:fillClrLst>
+    <dgm:linClrLst meth="repeat">
+      <a:schemeClr val="lt1"/>
+    </dgm:linClrLst>
+    <dgm:effectClrLst/>
+    <dgm:txLinClrLst/>
+    <dgm:txFillClrLst/>
+    <dgm:txEffectClrLst/>
+  </dgm:styleLbl>
+  <dgm:styleLbl name="asst1">
+    <dgm:fillClrLst meth="repeat">
+      <a:schemeClr val="accent1"/>
+    </dgm:fillClrLst>
+    <dgm:linClrLst meth="repeat">
+      <a:schemeClr val="lt1"/>
+    </dgm:linClrLst>
+    <dgm:effectClrLst/>
+    <dgm:txLinClrLst/>
+    <dgm:txFillClrLst/>
+    <dgm:txEffectClrLst/>
+  </dgm:styleLbl>
+  <dgm:styleLbl name="asst2">
+    <dgm:fillClrLst meth="repeat">
+      <a:schemeClr val="accent1"/>
+    </dgm:fillClrLst>
+    <dgm:linClrLst meth="repeat">
+      <a:schemeClr val="lt1"/>
+    </dgm:linClrLst>
+    <dgm:effectClrLst/>
+    <dgm:txLinClrLst/>
+    <dgm:txFillClrLst/>
+    <dgm:txEffectClrLst/>
+  </dgm:styleLbl>
+  <dgm:styleLbl name="asst3">
+    <dgm:fillClrLst meth="repeat">
+      <a:schemeClr val="accent1"/>
+    </dgm:fillClrLst>
+    <dgm:linClrLst meth="repeat">
+      <a:schemeClr val="lt1"/>
+    </dgm:linClrLst>
+    <dgm:effectClrLst/>
+    <dgm:txLinClrLst/>
+    <dgm:txFillClrLst/>
+    <dgm:txEffectClrLst/>
+  </dgm:styleLbl>
+  <dgm:styleLbl name="asst4">
+    <dgm:fillClrLst meth="repeat">
+      <a:schemeClr val="accent1"/>
+    </dgm:fillClrLst>
+    <dgm:linClrLst meth="repeat">
+      <a:schemeClr val="lt1"/>
+    </dgm:linClrLst>
+    <dgm:effectClrLst/>
+    <dgm:txLinClrLst/>
+    <dgm:txFillClrLst/>
+    <dgm:txEffectClrLst/>
+  </dgm:styleLbl>
+  <dgm:styleLbl name="parChTrans2D1">
+    <dgm:fillClrLst meth="repeat">
+      <a:schemeClr val="accent1">
+        <a:tint val="60000"/>
+      </a:schemeClr>
+    </dgm:fillClrLst>
+    <dgm:linClrLst meth="repeat">
+      <a:schemeClr val="accent1">
+        <a:tint val="60000"/>
+      </a:schemeClr>
+    </dgm:linClrLst>
+    <dgm:effectClrLst/>
+    <dgm:txLinClrLst/>
+    <dgm:txFillClrLst meth="repeat">
+      <a:schemeClr val="lt1"/>
+    </dgm:txFillClrLst>
+    <dgm:txEffectClrLst/>
+  </dgm:styleLbl>
+  <dgm:styleLbl name="parChTrans2D2">
+    <dgm:fillClrLst meth="repeat">
+      <a:schemeClr val="accent1"/>
+    </dgm:fillClrLst>
+    <dgm:linClrLst meth="repeat">
+      <a:schemeClr val="accent1"/>
+    </dgm:linClrLst>
+    <dgm:effectClrLst/>
+    <dgm:txLinClrLst/>
+    <dgm:txFillClrLst meth="repeat">
+      <a:schemeClr val="lt1"/>
+    </dgm:txFillClrLst>
+    <dgm:txEffectClrLst/>
+  </dgm:styleLbl>
+  <dgm:styleLbl name="parChTrans2D3">
+    <dgm:fillClrLst meth="repeat">
+      <a:schemeClr val="accent1"/>
+    </dgm:fillClrLst>
+    <dgm:linClrLst meth="repeat">
+      <a:schemeClr val="accent1"/>
+    </dgm:linClrLst>
+    <dgm:effectClrLst/>
+    <dgm:txLinClrLst/>
+    <dgm:txFillClrLst meth="repeat">
+      <a:schemeClr val="lt1"/>
+    </dgm:txFillClrLst>
+    <dgm:txEffectClrLst/>
+  </dgm:styleLbl>
+  <dgm:styleLbl name="parChTrans2D4">
+    <dgm:fillClrLst meth="repeat">
+      <a:schemeClr val="accent1"/>
+    </dgm:fillClrLst>
+    <dgm:linClrLst meth="repeat">
+      <a:schemeClr val="accent1"/>
+    </dgm:linClrLst>
+    <dgm:effectClrLst/>
+    <dgm:txLinClrLst/>
+    <dgm:txFillClrLst meth="repeat">
+      <a:schemeClr val="lt1"/>
+    </dgm:txFillClrLst>
+    <dgm:txEffectClrLst/>
+  </dgm:styleLbl>
+  <dgm:styleLbl name="parChTrans1D1">
+    <dgm:fillClrLst meth="repeat">
+      <a:schemeClr val="accent1"/>
+    </dgm:fillClrLst>
+    <dgm:linClrLst meth="repeat">
+      <a:schemeClr val="accent1">
+        <a:shade val="60000"/>
+      </a:schemeClr>
+    </dgm:linClrLst>
+    <dgm:effectClrLst/>
+    <dgm:txLinClrLst/>
+    <dgm:txFillClrLst meth="repeat">
+      <a:schemeClr val="tx1"/>
+    </dgm:txFillClrLst>
+    <dgm:txEffectClrLst/>
+  </dgm:styleLbl>
+  <dgm:styleLbl name="parChTrans1D2">
+    <dgm:fillClrLst meth="repeat">
+      <a:schemeClr val="accent1"/>
+    </dgm:fillClrLst>
+    <dgm:linClrLst meth="repeat">
+      <a:schemeClr val="accent1">
+        <a:shade val="60000"/>
+      </a:schemeClr>
+    </dgm:linClrLst>
+    <dgm:effectClrLst/>
+    <dgm:txLinClrLst/>
+    <dgm:txFillClrLst meth="repeat">
+      <a:schemeClr val="tx1"/>
+    </dgm:txFillClrLst>
+    <dgm:txEffectClrLst/>
+  </dgm:styleLbl>
+  <dgm:styleLbl name="parChTrans1D3">
+    <dgm:fillClrLst meth="repeat">
+      <a:schemeClr val="accent1"/>
+    </dgm:fillClrLst>
+    <dgm:linClrLst meth="repeat">
+      <a:schemeClr val="accent1">
+        <a:shade val="80000"/>
+      </a:schemeClr>
+    </dgm:linClrLst>
+    <dgm:effectClrLst/>
+    <dgm:txLinClrLst/>
+    <dgm:txFillClrLst meth="repeat">
+      <a:schemeClr val="tx1"/>
+    </dgm:txFillClrLst>
+    <dgm:txEffectClrLst/>
+  </dgm:styleLbl>
+  <dgm:styleLbl name="parChTrans1D4">
+    <dgm:fillClrLst meth="repeat">
+      <a:schemeClr val="accent1"/>
+    </dgm:fillClrLst>
+    <dgm:linClrLst meth="repeat">
+      <a:schemeClr val="accent1">
+        <a:shade val="80000"/>
+      </a:schemeClr>
+    </dgm:linClrLst>
+    <dgm:effectClrLst/>
+    <dgm:txLinClrLst/>
+    <dgm:txFillClrLst meth="repeat">
+      <a:schemeClr val="tx1"/>
+    </dgm:txFillClrLst>
+    <dgm:txEffectClrLst/>
+  </dgm:styleLbl>
+  <dgm:styleLbl name="fgAcc1">
+    <dgm:fillClrLst meth="repeat">
+      <a:schemeClr val="lt1">
+        <a:alpha val="90000"/>
+      </a:schemeClr>
+    </dgm:fillClrLst>
+    <dgm:linClrLst meth="repeat">
+      <a:schemeClr val="accent1"/>
+    </dgm:linClrLst>
+    <dgm:effectClrLst/>
+    <dgm:txLinClrLst/>
+    <dgm:txFillClrLst meth="repeat">
+      <a:schemeClr val="dk1"/>
+    </dgm:txFillClrLst>
+    <dgm:txEffectClrLst/>
+  </dgm:styleLbl>
+  <dgm:styleLbl name="conFgAcc1">
+    <dgm:fillClrLst meth="repeat">
+      <a:schemeClr val="lt1">
+        <a:alpha val="90000"/>
+      </a:schemeClr>
+    </dgm:fillClrLst>
+    <dgm:linClrLst meth="repeat">
+      <a:schemeClr val="accent1"/>
+    </dgm:linClrLst>
+    <dgm:effectClrLst/>
+    <dgm:txLinClrLst/>
+    <dgm:txFillClrLst meth="repeat">
+      <a:schemeClr val="dk1"/>
+    </dgm:txFillClrLst>
+    <dgm:txEffectClrLst/>
+  </dgm:styleLbl>
+  <dgm:styleLbl name="alignAcc1">
+    <dgm:fillClrLst meth="repeat">
+      <a:schemeClr val="lt1">
+        <a:alpha val="90000"/>
+      </a:schemeClr>
+    </dgm:fillClrLst>
+    <dgm:linClrLst meth="repeat">
+      <a:schemeClr val="accent1"/>
+    </dgm:linClrLst>
+    <dgm:effectClrLst/>
+    <dgm:txLinClrLst/>
+    <dgm:txFillClrLst meth="repeat">
+      <a:schemeClr val="dk1"/>
+    </dgm:txFillClrLst>
+    <dgm:txEffectClrLst/>
+  </dgm:styleLbl>
+  <dgm:styleLbl name="trAlignAcc1">
+    <dgm:fillClrLst meth="repeat">
+      <a:schemeClr val="lt1">
+        <a:alpha val="40000"/>
+      </a:schemeClr>
+    </dgm:fillClrLst>
+    <dgm:linClrLst meth="repeat">
+      <a:schemeClr val="accent1"/>
+    </dgm:linClrLst>
+    <dgm:effectClrLst/>
+    <dgm:txLinClrLst/>
+    <dgm:txFillClrLst meth="repeat">
+      <a:schemeClr val="dk1"/>
+    </dgm:txFillClrLst>
+    <dgm:txEffectClrLst/>
+  </dgm:styleLbl>
+  <dgm:styleLbl name="bgAcc1">
+    <dgm:fillClrLst meth="repeat">
+      <a:schemeClr val="lt1">
+        <a:alpha val="90000"/>
+      </a:schemeClr>
+    </dgm:fillClrLst>
+    <dgm:linClrLst meth="repeat">
+      <a:schemeClr val="accent1"/>
+    </dgm:linClrLst>
+    <dgm:effectClrLst/>
+    <dgm:txLinClrLst/>
+    <dgm:txFillClrLst meth="repeat">
+      <a:schemeClr val="dk1"/>
+    </dgm:txFillClrLst>
+    <dgm:txEffectClrLst/>
+  </dgm:styleLbl>
+  <dgm:styleLbl name="solidFgAcc1">
+    <dgm:fillClrLst meth="repeat">
+      <a:schemeClr val="lt1"/>
+    </dgm:fillClrLst>
+    <dgm:linClrLst meth="repeat">
+      <a:schemeClr val="accent1"/>
+    </dgm:linClrLst>
+    <dgm:effectClrLst/>
+    <dgm:txLinClrLst/>
+    <dgm:txFillClrLst meth="repeat">
+      <a:schemeClr val="dk1"/>
+    </dgm:txFillClrLst>
+    <dgm:txEffectClrLst/>
+  </dgm:styleLbl>
+  <dgm:styleLbl name="solidAlignAcc1">
+    <dgm:fillClrLst meth="repeat">
+      <a:schemeClr val="lt1"/>
+    </dgm:fillClrLst>
+    <dgm:linClrLst meth="repeat">
+      <a:schemeClr val="accent1"/>
+    </dgm:linClrLst>
+    <dgm:effectClrLst/>
+    <dgm:txLinClrLst/>
+    <dgm:txFillClrLst meth="repeat">
+      <a:schemeClr val="dk1"/>
+    </dgm:txFillClrLst>
+    <dgm:txEffectClrLst/>
+  </dgm:styleLbl>
+  <dgm:styleLbl name="solidBgAcc1">
+    <dgm:fillClrLst meth="repeat">
+      <a:schemeClr val="lt1"/>
+    </dgm:fillClrLst>
+    <dgm:linClrLst meth="repeat">
+      <a:schemeClr val="accent1"/>
+    </dgm:linClrLst>
+    <dgm:effectClrLst/>
+    <dgm:txLinClrLst/>
+    <dgm:txFillClrLst meth="repeat">
+      <a:schemeClr val="dk1"/>
+    </dgm:txFillClrLst>
+    <dgm:txEffectClrLst/>
+  </dgm:styleLbl>
+  <dgm:styleLbl name="fgAccFollowNode1">
+    <dgm:fillClrLst meth="repeat">
+      <a:schemeClr val="accent1">
+        <a:alpha val="90000"/>
+        <a:tint val="40000"/>
+      </a:schemeClr>
+    </dgm:fillClrLst>
+    <dgm:linClrLst meth="repeat">
+      <a:schemeClr val="accent1">
+        <a:alpha val="90000"/>
+        <a:tint val="40000"/>
+      </a:schemeClr>
+    </dgm:linClrLst>
+    <dgm:effectClrLst/>
+    <dgm:txLinClrLst/>
+    <dgm:txFillClrLst meth="repeat">
+      <a:schemeClr val="dk1"/>
+    </dgm:txFillClrLst>
+    <dgm:txEffectClrLst/>
+  </dgm:styleLbl>
+  <dgm:styleLbl name="alignAccFollowNode1">
+    <dgm:fillClrLst meth="repeat">
+      <a:schemeClr val="accent1">
+        <a:alpha val="90000"/>
+        <a:tint val="40000"/>
+      </a:schemeClr>
+    </dgm:fillClrLst>
+    <dgm:linClrLst meth="repeat">
+      <a:schemeClr val="accent1">
+        <a:alpha val="90000"/>
+        <a:tint val="40000"/>
+      </a:schemeClr>
+    </dgm:linClrLst>
+    <dgm:effectClrLst/>
+    <dgm:txLinClrLst/>
+    <dgm:txFillClrLst meth="repeat">
+      <a:schemeClr val="dk1"/>
+    </dgm:txFillClrLst>
+    <dgm:txEffectClrLst/>
+  </dgm:styleLbl>
+  <dgm:styleLbl name="bgAccFollowNode1">
+    <dgm:fillClrLst meth="repeat">
+      <a:schemeClr val="accent1">
+        <a:alpha val="90000"/>
+        <a:tint val="40000"/>
+      </a:schemeClr>
+    </dgm:fillClrLst>
+    <dgm:linClrLst meth="repeat">
+      <a:schemeClr val="accent1">
+        <a:alpha val="90000"/>
+        <a:tint val="40000"/>
+      </a:schemeClr>
+    </dgm:linClrLst>
+    <dgm:effectClrLst/>
+    <dgm:txLinClrLst/>
+    <dgm:txFillClrLst meth="repeat">
+      <a:schemeClr val="dk1"/>
+    </dgm:txFillClrLst>
+    <dgm:txEffectClrLst/>
+  </dgm:styleLbl>
+  <dgm:styleLbl name="fgAcc0">
+    <dgm:fillClrLst meth="repeat">
+      <a:schemeClr val="lt1">
+        <a:alpha val="90000"/>
+      </a:schemeClr>
+    </dgm:fillClrLst>
+    <dgm:linClrLst meth="repeat">
+      <a:schemeClr val="accent1"/>
+    </dgm:linClrLst>
+    <dgm:effectClrLst/>
+    <dgm:txLinClrLst/>
+    <dgm:txFillClrLst meth="repeat">
+      <a:schemeClr val="dk1"/>
+    </dgm:txFillClrLst>
+    <dgm:txEffectClrLst/>
+  </dgm:styleLbl>
+  <dgm:styleLbl name="fgAcc2">
+    <dgm:fillClrLst meth="repeat">
+      <a:schemeClr val="lt1">
+        <a:alpha val="90000"/>
+      </a:schemeClr>
+    </dgm:fillClrLst>
+    <dgm:linClrLst meth="repeat">
+      <a:schemeClr val="accent1"/>
+    </dgm:linClrLst>
+    <dgm:effectClrLst/>
+    <dgm:txLinClrLst/>
+    <dgm:txFillClrLst meth="repeat">
+      <a:schemeClr val="dk1"/>
+    </dgm:txFillClrLst>
+    <dgm:txEffectClrLst/>
+  </dgm:styleLbl>
+  <dgm:styleLbl name="fgAcc3">
+    <dgm:fillClrLst meth="repeat">
+      <a:schemeClr val="lt1">
+        <a:alpha val="90000"/>
+      </a:schemeClr>
+    </dgm:fillClrLst>
+    <dgm:linClrLst meth="repeat">
+      <a:schemeClr val="accent1"/>
+    </dgm:linClrLst>
+    <dgm:effectClrLst/>
+    <dgm:txLinClrLst/>
+    <dgm:txFillClrLst meth="repeat">
+      <a:schemeClr val="dk1"/>
+    </dgm:txFillClrLst>
+    <dgm:txEffectClrLst/>
+  </dgm:styleLbl>
+  <dgm:styleLbl name="fgAcc4">
+    <dgm:fillClrLst meth="repeat">
+      <a:schemeClr val="lt1">
+        <a:alpha val="90000"/>
+      </a:schemeClr>
+    </dgm:fillClrLst>
+    <dgm:linClrLst meth="repeat">
+      <a:schemeClr val="accent1"/>
+    </dgm:linClrLst>
+    <dgm:effectClrLst/>
+    <dgm:txLinClrLst/>
+    <dgm:txFillClrLst meth="repeat">
+      <a:schemeClr val="dk1"/>
+    </dgm:txFillClrLst>
+    <dgm:txEffectClrLst/>
+  </dgm:styleLbl>
+  <dgm:styleLbl name="bgShp">
+    <dgm:fillClrLst meth="repeat">
+      <a:schemeClr val="accent1">
+        <a:tint val="40000"/>
+      </a:schemeClr>
+    </dgm:fillClrLst>
+    <dgm:linClrLst meth="repeat">
+      <a:schemeClr val="accent1"/>
+    </dgm:linClrLst>
+    <dgm:effectClrLst/>
+    <dgm:txLinClrLst/>
+    <dgm:txFillClrLst meth="repeat">
+      <a:schemeClr val="dk1"/>
+    </dgm:txFillClrLst>
+    <dgm:txEffectClrLst/>
+  </dgm:styleLbl>
+  <dgm:styleLbl name="dkBgShp">
+    <dgm:fillClrLst meth="repeat">
+      <a:schemeClr val="accent1">
+        <a:shade val="80000"/>
+      </a:schemeClr>
+    </dgm:fillClrLst>
+    <dgm:linClrLst meth="repeat">
+      <a:schemeClr val="accent1"/>
+    </dgm:linClrLst>
+    <dgm:effectClrLst/>
+    <dgm:txLinClrLst/>
+    <dgm:txFillClrLst meth="repeat">
+      <a:schemeClr val="lt1"/>
+    </dgm:txFillClrLst>
+    <dgm:txEffectClrLst/>
+  </dgm:styleLbl>
+  <dgm:styleLbl name="trBgShp">
+    <dgm:fillClrLst meth="repeat">
+      <a:schemeClr val="accent1">
+        <a:tint val="50000"/>
+        <a:alpha val="40000"/>
+      </a:schemeClr>
+    </dgm:fillClrLst>
+    <dgm:linClrLst meth="repeat">
+      <a:schemeClr val="accent1"/>
+    </dgm:linClrLst>
+    <dgm:effectClrLst/>
+    <dgm:txLinClrLst/>
+    <dgm:txFillClrLst meth="repeat">
+      <a:schemeClr val="lt1"/>
+    </dgm:txFillClrLst>
+    <dgm:txEffectClrLst/>
+  </dgm:styleLbl>
+  <dgm:styleLbl name="fgShp">
+    <dgm:fillClrLst meth="repeat">
+      <a:schemeClr val="accent1">
+        <a:tint val="60000"/>
+      </a:schemeClr>
+    </dgm:fillClrLst>
+    <dgm:linClrLst meth="repeat">
+      <a:schemeClr val="lt1"/>
+    </dgm:linClrLst>
+    <dgm:effectClrLst/>
+    <dgm:txLinClrLst/>
+    <dgm:txFillClrLst meth="repeat">
+      <a:schemeClr val="dk1"/>
+    </dgm:txFillClrLst>
+    <dgm:txEffectClrLst/>
+  </dgm:styleLbl>
+  <dgm:styleLbl name="revTx">
+    <dgm:fillClrLst meth="repeat">
+      <a:schemeClr val="lt1">
+        <a:alpha val="0"/>
+      </a:schemeClr>
+    </dgm:fillClrLst>
+    <dgm:linClrLst meth="repeat">
+      <a:schemeClr val="dk1">
+        <a:alpha val="0"/>
+      </a:schemeClr>
+    </dgm:linClrLst>
+    <dgm:effectClrLst/>
+    <dgm:txLinClrLst/>
+    <dgm:txFillClrLst meth="repeat">
+      <a:schemeClr val="tx1"/>
+    </dgm:txFillClrLst>
+    <dgm:txEffectClrLst/>
+  </dgm:styleLbl>
+</dgm:colorsDef>
+</file>
+
+<file path=ppt/diagrams/data1.xml><?xml version="1.0" encoding="utf-8"?>
+<dgm:dataModel xmlns:dgm="http://schemas.openxmlformats.org/drawingml/2006/diagram" xmlns:a="http://schemas.openxmlformats.org/drawingml/2006/main">
+  <dgm:ptLst>
+    <dgm:pt modelId="{3AA79373-6E81-4534-9BC4-0E4BD9EB7B41}" type="doc">
+      <dgm:prSet loTypeId="urn:microsoft.com/office/officeart/2005/8/layout/default" loCatId="list" qsTypeId="urn:microsoft.com/office/officeart/2005/8/quickstyle/simple1" qsCatId="simple" csTypeId="urn:microsoft.com/office/officeart/2005/8/colors/accent1_2" csCatId="accent1" phldr="0"/>
+      <dgm:spPr/>
+      <dgm:t>
+        <a:bodyPr/>
+        <a:lstStyle/>
+        <a:p>
+          <a:endParaRPr lang="en-US"/>
+        </a:p>
+      </dgm:t>
+    </dgm:pt>
+    <dgm:pt modelId="{44749E3A-1B85-42FE-9C60-ECBED08D5C74}">
+      <dgm:prSet phldrT="[Text]" phldr="1"/>
+      <dgm:spPr/>
+      <dgm:t>
+        <a:bodyPr/>
+        <a:lstStyle/>
+        <a:p>
+          <a:endParaRPr lang="en-US" dirty="0"/>
+        </a:p>
+      </dgm:t>
+    </dgm:pt>
+    <dgm:pt modelId="{7F6CB9B5-AB7E-44A4-A6E1-679533668C09}" type="parTrans" cxnId="{19EE11FE-45CE-4C7A-A3F2-2E3201B71C54}">
+      <dgm:prSet/>
+      <dgm:spPr/>
+      <dgm:t>
+        <a:bodyPr/>
+        <a:lstStyle/>
+        <a:p>
+          <a:endParaRPr lang="en-US"/>
+        </a:p>
+      </dgm:t>
+    </dgm:pt>
+    <dgm:pt modelId="{6F9F4AD6-503E-4390-8ED6-9FEAE80C646E}" type="sibTrans" cxnId="{19EE11FE-45CE-4C7A-A3F2-2E3201B71C54}">
+      <dgm:prSet/>
+      <dgm:spPr/>
+      <dgm:t>
+        <a:bodyPr/>
+        <a:lstStyle/>
+        <a:p>
+          <a:endParaRPr lang="en-US"/>
+        </a:p>
+      </dgm:t>
+    </dgm:pt>
+    <dgm:pt modelId="{A3991E47-AA0B-40C0-81AA-0CA452A12F91}">
+      <dgm:prSet phldrT="[Text]" phldr="1"/>
+      <dgm:spPr/>
+      <dgm:t>
+        <a:bodyPr/>
+        <a:lstStyle/>
+        <a:p>
+          <a:endParaRPr lang="en-US"/>
+        </a:p>
+      </dgm:t>
+    </dgm:pt>
+    <dgm:pt modelId="{E1E29432-4A1C-4F18-A80E-316C1E88DCF5}" type="parTrans" cxnId="{63D745BB-EB86-4DF2-ADDA-1D50E462FE4C}">
+      <dgm:prSet/>
+      <dgm:spPr/>
+      <dgm:t>
+        <a:bodyPr/>
+        <a:lstStyle/>
+        <a:p>
+          <a:endParaRPr lang="en-US"/>
+        </a:p>
+      </dgm:t>
+    </dgm:pt>
+    <dgm:pt modelId="{090F431D-8101-4BFE-A924-96A0FB6EE71C}" type="sibTrans" cxnId="{63D745BB-EB86-4DF2-ADDA-1D50E462FE4C}">
+      <dgm:prSet/>
+      <dgm:spPr/>
+      <dgm:t>
+        <a:bodyPr/>
+        <a:lstStyle/>
+        <a:p>
+          <a:endParaRPr lang="en-US"/>
+        </a:p>
+      </dgm:t>
+    </dgm:pt>
+    <dgm:pt modelId="{E9A8A44E-02A2-43B2-8C1E-97FDC4D69F94}">
+      <dgm:prSet phldrT="[Text]" phldr="1"/>
+      <dgm:spPr/>
+      <dgm:t>
+        <a:bodyPr/>
+        <a:lstStyle/>
+        <a:p>
+          <a:endParaRPr lang="en-US"/>
+        </a:p>
+      </dgm:t>
+    </dgm:pt>
+    <dgm:pt modelId="{231326C7-EA2E-4096-AE27-9025B8AD71A1}" type="parTrans" cxnId="{6F1D360B-EC3F-4D66-B6FF-00D2E8233DBF}">
+      <dgm:prSet/>
+      <dgm:spPr/>
+      <dgm:t>
+        <a:bodyPr/>
+        <a:lstStyle/>
+        <a:p>
+          <a:endParaRPr lang="en-US"/>
+        </a:p>
+      </dgm:t>
+    </dgm:pt>
+    <dgm:pt modelId="{C1404E0B-15B7-4FFC-9D5F-2D553D606503}" type="sibTrans" cxnId="{6F1D360B-EC3F-4D66-B6FF-00D2E8233DBF}">
+      <dgm:prSet/>
+      <dgm:spPr/>
+      <dgm:t>
+        <a:bodyPr/>
+        <a:lstStyle/>
+        <a:p>
+          <a:endParaRPr lang="en-US"/>
+        </a:p>
+      </dgm:t>
+    </dgm:pt>
+    <dgm:pt modelId="{02ADB1D9-3693-483D-BF17-950EF0C68011}">
+      <dgm:prSet phldrT="[Text]" phldr="1"/>
+      <dgm:spPr/>
+      <dgm:t>
+        <a:bodyPr/>
+        <a:lstStyle/>
+        <a:p>
+          <a:endParaRPr lang="en-US"/>
+        </a:p>
+      </dgm:t>
+    </dgm:pt>
+    <dgm:pt modelId="{F0D941E6-329D-4878-992C-EB0A87AC5C27}" type="parTrans" cxnId="{4E80B540-67F5-4191-A41D-57615EA160EA}">
+      <dgm:prSet/>
+      <dgm:spPr/>
+      <dgm:t>
+        <a:bodyPr/>
+        <a:lstStyle/>
+        <a:p>
+          <a:endParaRPr lang="en-US"/>
+        </a:p>
+      </dgm:t>
+    </dgm:pt>
+    <dgm:pt modelId="{24E83D83-3A1D-4B11-9B38-F3DE33223896}" type="sibTrans" cxnId="{4E80B540-67F5-4191-A41D-57615EA160EA}">
+      <dgm:prSet/>
+      <dgm:spPr/>
+      <dgm:t>
+        <a:bodyPr/>
+        <a:lstStyle/>
+        <a:p>
+          <a:endParaRPr lang="en-US"/>
+        </a:p>
+      </dgm:t>
+    </dgm:pt>
+    <dgm:pt modelId="{A70BE9CF-7FC3-4728-ABAC-D2F211416E26}">
+      <dgm:prSet phldrT="[Text]" phldr="1"/>
+      <dgm:spPr/>
+      <dgm:t>
+        <a:bodyPr/>
+        <a:lstStyle/>
+        <a:p>
+          <a:endParaRPr lang="en-US"/>
+        </a:p>
+      </dgm:t>
+    </dgm:pt>
+    <dgm:pt modelId="{0FBBDD03-F302-417F-8175-9E7A4DC9802A}" type="parTrans" cxnId="{473C0760-D55B-44F7-9FBA-4588D6E1AA01}">
+      <dgm:prSet/>
+      <dgm:spPr/>
+      <dgm:t>
+        <a:bodyPr/>
+        <a:lstStyle/>
+        <a:p>
+          <a:endParaRPr lang="en-US"/>
+        </a:p>
+      </dgm:t>
+    </dgm:pt>
+    <dgm:pt modelId="{FF96BA45-0123-408C-9E2C-B2487A5BC4CC}" type="sibTrans" cxnId="{473C0760-D55B-44F7-9FBA-4588D6E1AA01}">
+      <dgm:prSet/>
+      <dgm:spPr/>
+      <dgm:t>
+        <a:bodyPr/>
+        <a:lstStyle/>
+        <a:p>
+          <a:endParaRPr lang="en-US"/>
+        </a:p>
+      </dgm:t>
+    </dgm:pt>
+    <dgm:pt modelId="{C6F34645-2819-48C4-A6B3-24D8EBC6BAD5}" type="pres">
+      <dgm:prSet presAssocID="{3AA79373-6E81-4534-9BC4-0E4BD9EB7B41}" presName="diagram" presStyleCnt="0">
+        <dgm:presLayoutVars>
+          <dgm:dir/>
+          <dgm:resizeHandles val="exact"/>
+        </dgm:presLayoutVars>
+      </dgm:prSet>
+      <dgm:spPr/>
+    </dgm:pt>
+    <dgm:pt modelId="{9D9F7CF5-A1B5-4F94-987E-87F281797020}" type="pres">
+      <dgm:prSet presAssocID="{44749E3A-1B85-42FE-9C60-ECBED08D5C74}" presName="node" presStyleLbl="node1" presStyleIdx="0" presStyleCnt="5">
+        <dgm:presLayoutVars>
+          <dgm:bulletEnabled val="1"/>
+        </dgm:presLayoutVars>
+      </dgm:prSet>
+      <dgm:spPr/>
+    </dgm:pt>
+    <dgm:pt modelId="{E8D2FCA9-092F-444B-8D54-E2EBE339FB34}" type="pres">
+      <dgm:prSet presAssocID="{6F9F4AD6-503E-4390-8ED6-9FEAE80C646E}" presName="sibTrans" presStyleCnt="0"/>
+      <dgm:spPr/>
+    </dgm:pt>
+    <dgm:pt modelId="{26B60EB4-F063-4E2D-A6F9-5FE480B4F1BE}" type="pres">
+      <dgm:prSet presAssocID="{A3991E47-AA0B-40C0-81AA-0CA452A12F91}" presName="node" presStyleLbl="node1" presStyleIdx="1" presStyleCnt="5">
+        <dgm:presLayoutVars>
+          <dgm:bulletEnabled val="1"/>
+        </dgm:presLayoutVars>
+      </dgm:prSet>
+      <dgm:spPr/>
+    </dgm:pt>
+    <dgm:pt modelId="{B7B79A1E-EE10-486C-B075-AD5A6937D0E8}" type="pres">
+      <dgm:prSet presAssocID="{090F431D-8101-4BFE-A924-96A0FB6EE71C}" presName="sibTrans" presStyleCnt="0"/>
+      <dgm:spPr/>
+    </dgm:pt>
+    <dgm:pt modelId="{707DEC3E-79CD-49EB-B903-5BF34A00C39F}" type="pres">
+      <dgm:prSet presAssocID="{E9A8A44E-02A2-43B2-8C1E-97FDC4D69F94}" presName="node" presStyleLbl="node1" presStyleIdx="2" presStyleCnt="5">
+        <dgm:presLayoutVars>
+          <dgm:bulletEnabled val="1"/>
+        </dgm:presLayoutVars>
+      </dgm:prSet>
+      <dgm:spPr/>
+    </dgm:pt>
+    <dgm:pt modelId="{03708E88-6073-4D88-82DF-3A560736A6B9}" type="pres">
+      <dgm:prSet presAssocID="{C1404E0B-15B7-4FFC-9D5F-2D553D606503}" presName="sibTrans" presStyleCnt="0"/>
+      <dgm:spPr/>
+    </dgm:pt>
+    <dgm:pt modelId="{80CD610F-504E-44E3-83A7-F9AAF223380B}" type="pres">
+      <dgm:prSet presAssocID="{02ADB1D9-3693-483D-BF17-950EF0C68011}" presName="node" presStyleLbl="node1" presStyleIdx="3" presStyleCnt="5">
+        <dgm:presLayoutVars>
+          <dgm:bulletEnabled val="1"/>
+        </dgm:presLayoutVars>
+      </dgm:prSet>
+      <dgm:spPr/>
+    </dgm:pt>
+    <dgm:pt modelId="{5125E142-6412-460D-965F-BBEF95224A05}" type="pres">
+      <dgm:prSet presAssocID="{24E83D83-3A1D-4B11-9B38-F3DE33223896}" presName="sibTrans" presStyleCnt="0"/>
+      <dgm:spPr/>
+    </dgm:pt>
+    <dgm:pt modelId="{1CF4EFB8-1069-40BB-81F9-2BB7E1EA8098}" type="pres">
+      <dgm:prSet presAssocID="{A70BE9CF-7FC3-4728-ABAC-D2F211416E26}" presName="node" presStyleLbl="node1" presStyleIdx="4" presStyleCnt="5">
+        <dgm:presLayoutVars>
+          <dgm:bulletEnabled val="1"/>
+        </dgm:presLayoutVars>
+      </dgm:prSet>
+      <dgm:spPr/>
+    </dgm:pt>
+  </dgm:ptLst>
+  <dgm:cxnLst>
+    <dgm:cxn modelId="{6F1D360B-EC3F-4D66-B6FF-00D2E8233DBF}" srcId="{3AA79373-6E81-4534-9BC4-0E4BD9EB7B41}" destId="{E9A8A44E-02A2-43B2-8C1E-97FDC4D69F94}" srcOrd="2" destOrd="0" parTransId="{231326C7-EA2E-4096-AE27-9025B8AD71A1}" sibTransId="{C1404E0B-15B7-4FFC-9D5F-2D553D606503}"/>
+    <dgm:cxn modelId="{04372138-48FB-4918-866B-C5DFC54A0A7B}" type="presOf" srcId="{A3991E47-AA0B-40C0-81AA-0CA452A12F91}" destId="{26B60EB4-F063-4E2D-A6F9-5FE480B4F1BE}" srcOrd="0" destOrd="0" presId="urn:microsoft.com/office/officeart/2005/8/layout/default"/>
+    <dgm:cxn modelId="{3AA4823A-1501-48F0-AE91-2C7338307B93}" type="presOf" srcId="{02ADB1D9-3693-483D-BF17-950EF0C68011}" destId="{80CD610F-504E-44E3-83A7-F9AAF223380B}" srcOrd="0" destOrd="0" presId="urn:microsoft.com/office/officeart/2005/8/layout/default"/>
+    <dgm:cxn modelId="{4E80B540-67F5-4191-A41D-57615EA160EA}" srcId="{3AA79373-6E81-4534-9BC4-0E4BD9EB7B41}" destId="{02ADB1D9-3693-483D-BF17-950EF0C68011}" srcOrd="3" destOrd="0" parTransId="{F0D941E6-329D-4878-992C-EB0A87AC5C27}" sibTransId="{24E83D83-3A1D-4B11-9B38-F3DE33223896}"/>
+    <dgm:cxn modelId="{473C0760-D55B-44F7-9FBA-4588D6E1AA01}" srcId="{3AA79373-6E81-4534-9BC4-0E4BD9EB7B41}" destId="{A70BE9CF-7FC3-4728-ABAC-D2F211416E26}" srcOrd="4" destOrd="0" parTransId="{0FBBDD03-F302-417F-8175-9E7A4DC9802A}" sibTransId="{FF96BA45-0123-408C-9E2C-B2487A5BC4CC}"/>
+    <dgm:cxn modelId="{D51AC351-D023-41D6-A65D-799624DD04BD}" type="presOf" srcId="{E9A8A44E-02A2-43B2-8C1E-97FDC4D69F94}" destId="{707DEC3E-79CD-49EB-B903-5BF34A00C39F}" srcOrd="0" destOrd="0" presId="urn:microsoft.com/office/officeart/2005/8/layout/default"/>
+    <dgm:cxn modelId="{63D745BB-EB86-4DF2-ADDA-1D50E462FE4C}" srcId="{3AA79373-6E81-4534-9BC4-0E4BD9EB7B41}" destId="{A3991E47-AA0B-40C0-81AA-0CA452A12F91}" srcOrd="1" destOrd="0" parTransId="{E1E29432-4A1C-4F18-A80E-316C1E88DCF5}" sibTransId="{090F431D-8101-4BFE-A924-96A0FB6EE71C}"/>
+    <dgm:cxn modelId="{EA8486CE-E0C4-4773-8BDB-745709F64305}" type="presOf" srcId="{A70BE9CF-7FC3-4728-ABAC-D2F211416E26}" destId="{1CF4EFB8-1069-40BB-81F9-2BB7E1EA8098}" srcOrd="0" destOrd="0" presId="urn:microsoft.com/office/officeart/2005/8/layout/default"/>
+    <dgm:cxn modelId="{B96B23E9-862C-459D-A040-0F502A2136F1}" type="presOf" srcId="{3AA79373-6E81-4534-9BC4-0E4BD9EB7B41}" destId="{C6F34645-2819-48C4-A6B3-24D8EBC6BAD5}" srcOrd="0" destOrd="0" presId="urn:microsoft.com/office/officeart/2005/8/layout/default"/>
+    <dgm:cxn modelId="{0EFAFAF0-92B1-4798-98C3-2836F856B16E}" type="presOf" srcId="{44749E3A-1B85-42FE-9C60-ECBED08D5C74}" destId="{9D9F7CF5-A1B5-4F94-987E-87F281797020}" srcOrd="0" destOrd="0" presId="urn:microsoft.com/office/officeart/2005/8/layout/default"/>
+    <dgm:cxn modelId="{19EE11FE-45CE-4C7A-A3F2-2E3201B71C54}" srcId="{3AA79373-6E81-4534-9BC4-0E4BD9EB7B41}" destId="{44749E3A-1B85-42FE-9C60-ECBED08D5C74}" srcOrd="0" destOrd="0" parTransId="{7F6CB9B5-AB7E-44A4-A6E1-679533668C09}" sibTransId="{6F9F4AD6-503E-4390-8ED6-9FEAE80C646E}"/>
+    <dgm:cxn modelId="{7BD74E11-BCE3-4BDA-AC76-FAC52FA4047A}" type="presParOf" srcId="{C6F34645-2819-48C4-A6B3-24D8EBC6BAD5}" destId="{9D9F7CF5-A1B5-4F94-987E-87F281797020}" srcOrd="0" destOrd="0" presId="urn:microsoft.com/office/officeart/2005/8/layout/default"/>
+    <dgm:cxn modelId="{5DB17709-0042-4956-A617-652E09789092}" type="presParOf" srcId="{C6F34645-2819-48C4-A6B3-24D8EBC6BAD5}" destId="{E8D2FCA9-092F-444B-8D54-E2EBE339FB34}" srcOrd="1" destOrd="0" presId="urn:microsoft.com/office/officeart/2005/8/layout/default"/>
+    <dgm:cxn modelId="{D9DDBFFC-D78A-44B1-BF8C-5EC4B9B5A55A}" type="presParOf" srcId="{C6F34645-2819-48C4-A6B3-24D8EBC6BAD5}" destId="{26B60EB4-F063-4E2D-A6F9-5FE480B4F1BE}" srcOrd="2" destOrd="0" presId="urn:microsoft.com/office/officeart/2005/8/layout/default"/>
+    <dgm:cxn modelId="{9A9A295B-80CA-4216-A62C-F63D0B57B0CE}" type="presParOf" srcId="{C6F34645-2819-48C4-A6B3-24D8EBC6BAD5}" destId="{B7B79A1E-EE10-486C-B075-AD5A6937D0E8}" srcOrd="3" destOrd="0" presId="urn:microsoft.com/office/officeart/2005/8/layout/default"/>
+    <dgm:cxn modelId="{F0CC50C6-3D23-40A1-AEE6-857B0530DECD}" type="presParOf" srcId="{C6F34645-2819-48C4-A6B3-24D8EBC6BAD5}" destId="{707DEC3E-79CD-49EB-B903-5BF34A00C39F}" srcOrd="4" destOrd="0" presId="urn:microsoft.com/office/officeart/2005/8/layout/default"/>
+    <dgm:cxn modelId="{B04965CA-C161-4D91-B766-9F305099BF5E}" type="presParOf" srcId="{C6F34645-2819-48C4-A6B3-24D8EBC6BAD5}" destId="{03708E88-6073-4D88-82DF-3A560736A6B9}" srcOrd="5" destOrd="0" presId="urn:microsoft.com/office/officeart/2005/8/layout/default"/>
+    <dgm:cxn modelId="{2845BB35-201E-45A6-9EF5-CADA3FCBE707}" type="presParOf" srcId="{C6F34645-2819-48C4-A6B3-24D8EBC6BAD5}" destId="{80CD610F-504E-44E3-83A7-F9AAF223380B}" srcOrd="6" destOrd="0" presId="urn:microsoft.com/office/officeart/2005/8/layout/default"/>
+    <dgm:cxn modelId="{401E54F3-B959-4256-BA8E-9CCB46678591}" type="presParOf" srcId="{C6F34645-2819-48C4-A6B3-24D8EBC6BAD5}" destId="{5125E142-6412-460D-965F-BBEF95224A05}" srcOrd="7" destOrd="0" presId="urn:microsoft.com/office/officeart/2005/8/layout/default"/>
+    <dgm:cxn modelId="{68B8DC12-80C6-465F-BA14-937C4D1291FC}" type="presParOf" srcId="{C6F34645-2819-48C4-A6B3-24D8EBC6BAD5}" destId="{1CF4EFB8-1069-40BB-81F9-2BB7E1EA8098}" srcOrd="8" destOrd="0" presId="urn:microsoft.com/office/officeart/2005/8/layout/default"/>
+  </dgm:cxnLst>
+  <dgm:bg/>
+  <dgm:whole/>
+  <dgm:extLst>
+    <a:ext uri="http://schemas.microsoft.com/office/drawing/2008/diagram">
+      <dsp:dataModelExt xmlns:dsp="http://schemas.microsoft.com/office/drawing/2008/diagram" relId="rId7" minVer="http://schemas.openxmlformats.org/drawingml/2006/diagram"/>
+    </a:ext>
+  </dgm:extLst>
+</dgm:dataModel>
+</file>
+
+<file path=ppt/diagrams/drawing1.xml><?xml version="1.0" encoding="utf-8"?>
+<dsp:drawing xmlns:dgm="http://schemas.openxmlformats.org/drawingml/2006/diagram" xmlns:dsp="http://schemas.microsoft.com/office/drawing/2008/diagram" xmlns:a="http://schemas.openxmlformats.org/drawingml/2006/main">
+  <dsp:spTree>
+    <dsp:nvGrpSpPr>
+      <dsp:cNvPr id="0" name=""/>
+      <dsp:cNvGrpSpPr/>
+    </dsp:nvGrpSpPr>
+    <dsp:grpSpPr/>
+    <dsp:sp modelId="{9D9F7CF5-A1B5-4F94-987E-87F281797020}">
+      <dsp:nvSpPr>
+        <dsp:cNvPr id="0" name=""/>
+        <dsp:cNvSpPr/>
+      </dsp:nvSpPr>
+      <dsp:spPr>
+        <a:xfrm>
+          <a:off x="916483" y="1984"/>
+          <a:ext cx="2030015" cy="1218009"/>
+        </a:xfrm>
+        <a:prstGeom prst="rect">
+          <a:avLst/>
+        </a:prstGeom>
+        <a:solidFill>
+          <a:schemeClr val="accent1">
+            <a:hueOff val="0"/>
+            <a:satOff val="0"/>
+            <a:lumOff val="0"/>
+            <a:alphaOff val="0"/>
+          </a:schemeClr>
+        </a:solidFill>
+        <a:ln w="25400" cap="flat" cmpd="sng" algn="ctr">
+          <a:solidFill>
+            <a:schemeClr val="lt1">
+              <a:hueOff val="0"/>
+              <a:satOff val="0"/>
+              <a:lumOff val="0"/>
+              <a:alphaOff val="0"/>
+            </a:schemeClr>
+          </a:solidFill>
+          <a:prstDash val="solid"/>
+        </a:ln>
+        <a:effectLst/>
+      </dsp:spPr>
+      <dsp:style>
+        <a:lnRef idx="2">
+          <a:scrgbClr r="0" g="0" b="0"/>
+        </a:lnRef>
+        <a:fillRef idx="1">
+          <a:scrgbClr r="0" g="0" b="0"/>
+        </a:fillRef>
+        <a:effectRef idx="0">
+          <a:scrgbClr r="0" g="0" b="0"/>
+        </a:effectRef>
+        <a:fontRef idx="minor">
+          <a:schemeClr val="lt1"/>
+        </a:fontRef>
+      </dsp:style>
+      <dsp:txBody>
+        <a:bodyPr spcFirstLastPara="0" vert="horz" wrap="square" lIns="209550" tIns="209550" rIns="209550" bIns="209550" numCol="1" spcCol="1270" anchor="ctr" anchorCtr="0">
+          <a:noAutofit/>
+        </a:bodyPr>
+        <a:lstStyle/>
+        <a:p>
+          <a:pPr marL="0" lvl="0" indent="0" algn="ctr" defTabSz="2444750">
+            <a:lnSpc>
+              <a:spcPct val="90000"/>
+            </a:lnSpc>
+            <a:spcBef>
+              <a:spcPct val="0"/>
+            </a:spcBef>
+            <a:spcAft>
+              <a:spcPct val="35000"/>
+            </a:spcAft>
+            <a:buNone/>
+          </a:pPr>
+          <a:endParaRPr lang="en-US" sz="5500" kern="1200"/>
+        </a:p>
+      </dsp:txBody>
+      <dsp:txXfrm>
+        <a:off x="916483" y="1984"/>
+        <a:ext cx="2030015" cy="1218009"/>
+      </dsp:txXfrm>
+    </dsp:sp>
+    <dsp:sp modelId="{26B60EB4-F063-4E2D-A6F9-5FE480B4F1BE}">
+      <dsp:nvSpPr>
+        <dsp:cNvPr id="0" name=""/>
+        <dsp:cNvSpPr/>
+      </dsp:nvSpPr>
+      <dsp:spPr>
+        <a:xfrm>
+          <a:off x="3149500" y="1984"/>
+          <a:ext cx="2030015" cy="1218009"/>
+        </a:xfrm>
+        <a:prstGeom prst="rect">
+          <a:avLst/>
+        </a:prstGeom>
+        <a:solidFill>
+          <a:schemeClr val="accent1">
+            <a:hueOff val="0"/>
+            <a:satOff val="0"/>
+            <a:lumOff val="0"/>
+            <a:alphaOff val="0"/>
+          </a:schemeClr>
+        </a:solidFill>
+        <a:ln w="25400" cap="flat" cmpd="sng" algn="ctr">
+          <a:solidFill>
+            <a:schemeClr val="lt1">
+              <a:hueOff val="0"/>
+              <a:satOff val="0"/>
+              <a:lumOff val="0"/>
+              <a:alphaOff val="0"/>
+            </a:schemeClr>
+          </a:solidFill>
+          <a:prstDash val="solid"/>
+        </a:ln>
+        <a:effectLst/>
+      </dsp:spPr>
+      <dsp:style>
+        <a:lnRef idx="2">
+          <a:scrgbClr r="0" g="0" b="0"/>
+        </a:lnRef>
+        <a:fillRef idx="1">
+          <a:scrgbClr r="0" g="0" b="0"/>
+        </a:fillRef>
+        <a:effectRef idx="0">
+          <a:scrgbClr r="0" g="0" b="0"/>
+        </a:effectRef>
+        <a:fontRef idx="minor">
+          <a:schemeClr val="lt1"/>
+        </a:fontRef>
+      </dsp:style>
+      <dsp:txBody>
+        <a:bodyPr spcFirstLastPara="0" vert="horz" wrap="square" lIns="209550" tIns="209550" rIns="209550" bIns="209550" numCol="1" spcCol="1270" anchor="ctr" anchorCtr="0">
+          <a:noAutofit/>
+        </a:bodyPr>
+        <a:lstStyle/>
+        <a:p>
+          <a:pPr marL="0" lvl="0" indent="0" algn="ctr" defTabSz="2444750">
+            <a:lnSpc>
+              <a:spcPct val="90000"/>
+            </a:lnSpc>
+            <a:spcBef>
+              <a:spcPct val="0"/>
+            </a:spcBef>
+            <a:spcAft>
+              <a:spcPct val="35000"/>
+            </a:spcAft>
+            <a:buNone/>
+          </a:pPr>
+          <a:endParaRPr lang="en-US" sz="5500" kern="1200"/>
+        </a:p>
+      </dsp:txBody>
+      <dsp:txXfrm>
+        <a:off x="3149500" y="1984"/>
+        <a:ext cx="2030015" cy="1218009"/>
+      </dsp:txXfrm>
+    </dsp:sp>
+    <dsp:sp modelId="{707DEC3E-79CD-49EB-B903-5BF34A00C39F}">
+      <dsp:nvSpPr>
+        <dsp:cNvPr id="0" name=""/>
+        <dsp:cNvSpPr/>
+      </dsp:nvSpPr>
+      <dsp:spPr>
+        <a:xfrm>
+          <a:off x="916483" y="1422995"/>
+          <a:ext cx="2030015" cy="1218009"/>
+        </a:xfrm>
+        <a:prstGeom prst="rect">
+          <a:avLst/>
+        </a:prstGeom>
+        <a:solidFill>
+          <a:schemeClr val="accent1">
+            <a:hueOff val="0"/>
+            <a:satOff val="0"/>
+            <a:lumOff val="0"/>
+            <a:alphaOff val="0"/>
+          </a:schemeClr>
+        </a:solidFill>
+        <a:ln w="25400" cap="flat" cmpd="sng" algn="ctr">
+          <a:solidFill>
+            <a:schemeClr val="lt1">
+              <a:hueOff val="0"/>
+              <a:satOff val="0"/>
+              <a:lumOff val="0"/>
+              <a:alphaOff val="0"/>
+            </a:schemeClr>
+          </a:solidFill>
+          <a:prstDash val="solid"/>
+        </a:ln>
+        <a:effectLst/>
+      </dsp:spPr>
+      <dsp:style>
+        <a:lnRef idx="2">
+          <a:scrgbClr r="0" g="0" b="0"/>
+        </a:lnRef>
+        <a:fillRef idx="1">
+          <a:scrgbClr r="0" g="0" b="0"/>
+        </a:fillRef>
+        <a:effectRef idx="0">
+          <a:scrgbClr r="0" g="0" b="0"/>
+        </a:effectRef>
+        <a:fontRef idx="minor">
+          <a:schemeClr val="lt1"/>
+        </a:fontRef>
+      </dsp:style>
+      <dsp:txBody>
+        <a:bodyPr spcFirstLastPara="0" vert="horz" wrap="square" lIns="209550" tIns="209550" rIns="209550" bIns="209550" numCol="1" spcCol="1270" anchor="ctr" anchorCtr="0">
+          <a:noAutofit/>
+        </a:bodyPr>
+        <a:lstStyle/>
+        <a:p>
+          <a:pPr marL="0" lvl="0" indent="0" algn="ctr" defTabSz="2444750">
+            <a:lnSpc>
+              <a:spcPct val="90000"/>
+            </a:lnSpc>
+            <a:spcBef>
+              <a:spcPct val="0"/>
+            </a:spcBef>
+            <a:spcAft>
+              <a:spcPct val="35000"/>
+            </a:spcAft>
+            <a:buNone/>
+          </a:pPr>
+          <a:endParaRPr lang="en-US" sz="5500" kern="1200"/>
+        </a:p>
+      </dsp:txBody>
+      <dsp:txXfrm>
+        <a:off x="916483" y="1422995"/>
+        <a:ext cx="2030015" cy="1218009"/>
+      </dsp:txXfrm>
+    </dsp:sp>
+    <dsp:sp modelId="{80CD610F-504E-44E3-83A7-F9AAF223380B}">
+      <dsp:nvSpPr>
+        <dsp:cNvPr id="0" name=""/>
+        <dsp:cNvSpPr/>
+      </dsp:nvSpPr>
+      <dsp:spPr>
+        <a:xfrm>
+          <a:off x="3149500" y="1422995"/>
+          <a:ext cx="2030015" cy="1218009"/>
+        </a:xfrm>
+        <a:prstGeom prst="rect">
+          <a:avLst/>
+        </a:prstGeom>
+        <a:solidFill>
+          <a:schemeClr val="accent1">
+            <a:hueOff val="0"/>
+            <a:satOff val="0"/>
+            <a:lumOff val="0"/>
+            <a:alphaOff val="0"/>
+          </a:schemeClr>
+        </a:solidFill>
+        <a:ln w="25400" cap="flat" cmpd="sng" algn="ctr">
+          <a:solidFill>
+            <a:schemeClr val="lt1">
+              <a:hueOff val="0"/>
+              <a:satOff val="0"/>
+              <a:lumOff val="0"/>
+              <a:alphaOff val="0"/>
+            </a:schemeClr>
+          </a:solidFill>
+          <a:prstDash val="solid"/>
+        </a:ln>
+        <a:effectLst/>
+      </dsp:spPr>
+      <dsp:style>
+        <a:lnRef idx="2">
+          <a:scrgbClr r="0" g="0" b="0"/>
+        </a:lnRef>
+        <a:fillRef idx="1">
+          <a:scrgbClr r="0" g="0" b="0"/>
+        </a:fillRef>
+        <a:effectRef idx="0">
+          <a:scrgbClr r="0" g="0" b="0"/>
+        </a:effectRef>
+        <a:fontRef idx="minor">
+          <a:schemeClr val="lt1"/>
+        </a:fontRef>
+      </dsp:style>
+      <dsp:txBody>
+        <a:bodyPr spcFirstLastPara="0" vert="horz" wrap="square" lIns="209550" tIns="209550" rIns="209550" bIns="209550" numCol="1" spcCol="1270" anchor="ctr" anchorCtr="0">
+          <a:noAutofit/>
+        </a:bodyPr>
+        <a:lstStyle/>
+        <a:p>
+          <a:pPr marL="0" lvl="0" indent="0" algn="ctr" defTabSz="2444750">
+            <a:lnSpc>
+              <a:spcPct val="90000"/>
+            </a:lnSpc>
+            <a:spcBef>
+              <a:spcPct val="0"/>
+            </a:spcBef>
+            <a:spcAft>
+              <a:spcPct val="35000"/>
+            </a:spcAft>
+            <a:buNone/>
+          </a:pPr>
+          <a:endParaRPr lang="en-US" sz="5500" kern="1200"/>
+        </a:p>
+      </dsp:txBody>
+      <dsp:txXfrm>
+        <a:off x="3149500" y="1422995"/>
+        <a:ext cx="2030015" cy="1218009"/>
+      </dsp:txXfrm>
+    </dsp:sp>
+    <dsp:sp modelId="{1CF4EFB8-1069-40BB-81F9-2BB7E1EA8098}">
+      <dsp:nvSpPr>
+        <dsp:cNvPr id="0" name=""/>
+        <dsp:cNvSpPr/>
+      </dsp:nvSpPr>
+      <dsp:spPr>
+        <a:xfrm>
+          <a:off x="2032992" y="2844006"/>
+          <a:ext cx="2030015" cy="1218009"/>
+        </a:xfrm>
+        <a:prstGeom prst="rect">
+          <a:avLst/>
+        </a:prstGeom>
+        <a:solidFill>
+          <a:schemeClr val="accent1">
+            <a:hueOff val="0"/>
+            <a:satOff val="0"/>
+            <a:lumOff val="0"/>
+            <a:alphaOff val="0"/>
+          </a:schemeClr>
+        </a:solidFill>
+        <a:ln w="25400" cap="flat" cmpd="sng" algn="ctr">
+          <a:solidFill>
+            <a:schemeClr val="lt1">
+              <a:hueOff val="0"/>
+              <a:satOff val="0"/>
+              <a:lumOff val="0"/>
+              <a:alphaOff val="0"/>
+            </a:schemeClr>
+          </a:solidFill>
+          <a:prstDash val="solid"/>
+        </a:ln>
+        <a:effectLst/>
+      </dsp:spPr>
+      <dsp:style>
+        <a:lnRef idx="2">
+          <a:scrgbClr r="0" g="0" b="0"/>
+        </a:lnRef>
+        <a:fillRef idx="1">
+          <a:scrgbClr r="0" g="0" b="0"/>
+        </a:fillRef>
+        <a:effectRef idx="0">
+          <a:scrgbClr r="0" g="0" b="0"/>
+        </a:effectRef>
+        <a:fontRef idx="minor">
+          <a:schemeClr val="lt1"/>
+        </a:fontRef>
+      </dsp:style>
+      <dsp:txBody>
+        <a:bodyPr spcFirstLastPara="0" vert="horz" wrap="square" lIns="209550" tIns="209550" rIns="209550" bIns="209550" numCol="1" spcCol="1270" anchor="ctr" anchorCtr="0">
+          <a:noAutofit/>
+        </a:bodyPr>
+        <a:lstStyle/>
+        <a:p>
+          <a:pPr marL="0" lvl="0" indent="0" algn="ctr" defTabSz="2444750">
+            <a:lnSpc>
+              <a:spcPct val="90000"/>
+            </a:lnSpc>
+            <a:spcBef>
+              <a:spcPct val="0"/>
+            </a:spcBef>
+            <a:spcAft>
+              <a:spcPct val="35000"/>
+            </a:spcAft>
+            <a:buNone/>
+          </a:pPr>
+          <a:endParaRPr lang="en-US" sz="5500" kern="1200"/>
+        </a:p>
+      </dsp:txBody>
+      <dsp:txXfrm>
+        <a:off x="2032992" y="2844006"/>
+        <a:ext cx="2030015" cy="1218009"/>
+      </dsp:txXfrm>
+    </dsp:sp>
+  </dsp:spTree>
+</dsp:drawing>
+</file>
+
+<file path=ppt/diagrams/layout1.xml><?xml version="1.0" encoding="utf-8"?>
+<dgm:layoutDef xmlns:dgm="http://schemas.openxmlformats.org/drawingml/2006/diagram" xmlns:a="http://schemas.openxmlformats.org/drawingml/2006/main" uniqueId="urn:microsoft.com/office/officeart/2005/8/layout/default">
+  <dgm:title val=""/>
+  <dgm:desc val=""/>
+  <dgm:catLst>
+    <dgm:cat type="list" pri="400"/>
+  </dgm:catLst>
+  <dgm:sampData>
+    <dgm:dataModel>
+      <dgm:ptLst>
+        <dgm:pt modelId="0" type="doc"/>
+        <dgm:pt modelId="1">
+          <dgm:prSet phldr="1"/>
+        </dgm:pt>
+        <dgm:pt modelId="2">
+          <dgm:prSet phldr="1"/>
+        </dgm:pt>
+        <dgm:pt modelId="3">
+          <dgm:prSet phldr="1"/>
+        </dgm:pt>
+        <dgm:pt modelId="4">
+          <dgm:prSet phldr="1"/>
+        </dgm:pt>
+        <dgm:pt modelId="5">
+          <dgm:prSet phldr="1"/>
+        </dgm:pt>
+      </dgm:ptLst>
+      <dgm:cxnLst>
+        <dgm:cxn modelId="6" srcId="0" destId="1" srcOrd="0" destOrd="0"/>
+        <dgm:cxn modelId="7" srcId="0" destId="2" srcOrd="1" destOrd="0"/>
+        <dgm:cxn modelId="8" srcId="0" destId="3" srcOrd="2" destOrd="0"/>
+        <dgm:cxn modelId="9" srcId="0" destId="4" srcOrd="3" destOrd="0"/>
+        <dgm:cxn modelId="10" srcId="0" destId="5" srcOrd="4" destOrd="0"/>
+      </dgm:cxnLst>
+      <dgm:bg/>
+      <dgm:whole/>
+    </dgm:dataModel>
+  </dgm:sampData>
+  <dgm:styleData>
+    <dgm:dataModel>
+      <dgm:ptLst>
+        <dgm:pt modelId="0" type="doc"/>
+        <dgm:pt modelId="1"/>
+        <dgm:pt modelId="2"/>
+      </dgm:ptLst>
+      <dgm:cxnLst>
+        <dgm:cxn modelId="3" srcId="0" destId="1" srcOrd="0" destOrd="0"/>
+        <dgm:cxn modelId="4" srcId="0" destId="2" srcOrd="1" destOrd="0"/>
+      </dgm:cxnLst>
+      <dgm:bg/>
+      <dgm:whole/>
+    </dgm:dataModel>
+  </dgm:styleData>
+  <dgm:clrData>
+    <dgm:dataModel>
+      <dgm:ptLst>
+        <dgm:pt modelId="0" type="doc"/>
+        <dgm:pt modelId="1"/>
+        <dgm:pt modelId="2"/>
+        <dgm:pt modelId="3"/>
+        <dgm:pt modelId="4"/>
+        <dgm:pt modelId="5"/>
+        <dgm:pt modelId="6"/>
+      </dgm:ptLst>
+      <dgm:cxnLst>
+        <dgm:cxn modelId="7" srcId="0" destId="1" srcOrd="0" destOrd="0"/>
+        <dgm:cxn modelId="8" srcId="0" destId="2" srcOrd="1" destOrd="0"/>
+        <dgm:cxn modelId="9" srcId="0" destId="3" srcOrd="2" destOrd="0"/>
+        <dgm:cxn modelId="10" srcId="0" destId="4" srcOrd="3" destOrd="0"/>
+        <dgm:cxn modelId="11" srcId="0" destId="5" srcOrd="4" destOrd="0"/>
+        <dgm:cxn modelId="12" srcId="0" destId="6" srcOrd="5" destOrd="0"/>
+      </dgm:cxnLst>
+      <dgm:bg/>
+      <dgm:whole/>
+    </dgm:dataModel>
+  </dgm:clrData>
+  <dgm:layoutNode name="diagram">
+    <dgm:varLst>
+      <dgm:dir/>
+      <dgm:resizeHandles val="exact"/>
+    </dgm:varLst>
+    <dgm:choose name="Name0">
+      <dgm:if name="Name1" func="var" arg="dir" op="equ" val="norm">
+        <dgm:alg type="snake">
+          <dgm:param type="grDir" val="tL"/>
+          <dgm:param type="flowDir" val="row"/>
+          <dgm:param type="contDir" val="sameDir"/>
+          <dgm:param type="off" val="ctr"/>
+        </dgm:alg>
+      </dgm:if>
+      <dgm:else name="Name2">
+        <dgm:alg type="snake">
+          <dgm:param type="grDir" val="tR"/>
+          <dgm:param type="flowDir" val="row"/>
+          <dgm:param type="contDir" val="sameDir"/>
+          <dgm:param type="off" val="ctr"/>
+        </dgm:alg>
+      </dgm:else>
+    </dgm:choose>
+    <dgm:shape xmlns:r="http://schemas.openxmlformats.org/officeDocument/2006/relationships" r:blip="">
+      <dgm:adjLst/>
+    </dgm:shape>
+    <dgm:presOf/>
+    <dgm:constrLst>
+      <dgm:constr type="w" for="ch" forName="node" refType="w"/>
+      <dgm:constr type="h" for="ch" forName="node" refType="w" refFor="ch" refForName="node" fact="0.6"/>
+      <dgm:constr type="w" for="ch" forName="sibTrans" refType="w" refFor="ch" refForName="node" fact="0.1"/>
+      <dgm:constr type="sp" refType="w" refFor="ch" refForName="sibTrans"/>
+      <dgm:constr type="primFontSz" for="ch" forName="node" op="equ" val="65"/>
+    </dgm:constrLst>
+    <dgm:ruleLst/>
+    <dgm:forEach name="Name3" axis="ch" ptType="node">
+      <dgm:layoutNode name="node">
+        <dgm:varLst>
+          <dgm:bulletEnabled val="1"/>
+        </dgm:varLst>
+        <dgm:alg type="tx"/>
+        <dgm:shape xmlns:r="http://schemas.openxmlformats.org/officeDocument/2006/relationships" type="rect" r:blip="">
+          <dgm:adjLst/>
+        </dgm:shape>
+        <dgm:presOf axis="desOrSelf" ptType="node"/>
+        <dgm:constrLst>
+          <dgm:constr type="lMarg" refType="primFontSz" fact="0.3"/>
+          <dgm:constr type="rMarg" refType="primFontSz" fact="0.3"/>
+          <dgm:constr type="tMarg" refType="primFontSz" fact="0.3"/>
+          <dgm:constr type="bMarg" refType="primFontSz" fact="0.3"/>
+        </dgm:constrLst>
+        <dgm:ruleLst>
+          <dgm:rule type="primFontSz" val="5" fact="NaN" max="NaN"/>
+        </dgm:ruleLst>
+      </dgm:layoutNode>
+      <dgm:forEach name="Name4" axis="followSib" ptType="sibTrans" cnt="1">
+        <dgm:layoutNode name="sibTrans">
+          <dgm:alg type="sp"/>
+          <dgm:shape xmlns:r="http://schemas.openxmlformats.org/officeDocument/2006/relationships" r:blip="">
+            <dgm:adjLst/>
+          </dgm:shape>
+          <dgm:presOf/>
+          <dgm:constrLst/>
+          <dgm:ruleLst/>
+        </dgm:layoutNode>
+      </dgm:forEach>
+    </dgm:forEach>
+  </dgm:layoutNode>
+</dgm:layoutDef>
+</file>
+
+<file path=ppt/diagrams/quickStyle1.xml><?xml version="1.0" encoding="utf-8"?>
+<dgm:styleDef xmlns:dgm="http://schemas.openxmlformats.org/drawingml/2006/diagram" xmlns:a="http://schemas.openxmlformats.org/drawingml/2006/main" uniqueId="urn:microsoft.com/office/officeart/2005/8/quickstyle/simple1">
+  <dgm:title val=""/>
+  <dgm:desc val=""/>
+  <dgm:catLst>
+    <dgm:cat type="simple" pri="10100"/>
+  </dgm:catLst>
+  <dgm:scene3d>
+    <a:camera prst="orthographicFront"/>
+    <a:lightRig rig="threePt" dir="t"/>
+  </dgm:scene3d>
+  <dgm:styleLbl name="node0">
+    <dgm:scene3d>
+      <a:camera prst="orthographicFront"/>
+      <a:lightRig rig="threePt" dir="t"/>
+    </dgm:scene3d>
+    <dgm:sp3d/>
+    <dgm:txPr/>
+    <dgm:style>
+      <a:lnRef idx="2">
+        <a:scrgbClr r="0" g="0" b="0"/>
+      </a:lnRef>
+      <a:fillRef idx="1">
+        <a:scrgbClr r="0" g="0" b="0"/>
+      </a:fillRef>
+      <a:effectRef idx="0">
+        <a:scrgbClr r="0" g="0" b="0"/>
+      </a:effectRef>
+      <a:fontRef idx="minor">
+        <a:schemeClr val="lt1"/>
+      </a:fontRef>
+    </dgm:style>
+  </dgm:styleLbl>
+  <dgm:styleLbl name="lnNode1">
+    <dgm:scene3d>
+      <a:camera prst="orthographicFront"/>
+      <a:lightRig rig="threePt" dir="t"/>
+    </dgm:scene3d>
+    <dgm:sp3d/>
+    <dgm:txPr/>
+    <dgm:style>
+      <a:lnRef idx="2">
+        <a:scrgbClr r="0" g="0" b="0"/>
+      </a:lnRef>
+      <a:fillRef idx="1">
+        <a:scrgbClr r="0" g="0" b="0"/>
+      </a:fillRef>
+      <a:effectRef idx="0">
+        <a:scrgbClr r="0" g="0" b="0"/>
+      </a:effectRef>
+      <a:fontRef idx="minor">
+        <a:schemeClr val="lt1"/>
+      </a:fontRef>
+    </dgm:style>
+  </dgm:styleLbl>
+  <dgm:styleLbl name="vennNode1">
+    <dgm:scene3d>
+      <a:camera prst="orthographicFront"/>
+      <a:lightRig rig="threePt" dir="t"/>
+    </dgm:scene3d>
+    <dgm:sp3d/>
+    <dgm:txPr/>
+    <dgm:style>
+      <a:lnRef idx="2">
+        <a:scrgbClr r="0" g="0" b="0"/>
+      </a:lnRef>
+      <a:fillRef idx="1">
+        <a:scrgbClr r="0" g="0" b="0"/>
+      </a:fillRef>
+      <a:effectRef idx="0">
+        <a:scrgbClr r="0" g="0" b="0"/>
+      </a:effectRef>
+      <a:fontRef idx="minor">
+        <a:schemeClr val="tx1"/>
+      </a:fontRef>
+    </dgm:style>
+  </dgm:styleLbl>
+  <dgm:styleLbl name="alignNode1">
+    <dgm:scene3d>
+      <a:camera prst="orthographicFront"/>
+      <a:lightRig rig="threePt" dir="t"/>
+    </dgm:scene3d>
+    <dgm:sp3d/>
+    <dgm:txPr/>
+    <dgm:style>
+      <a:lnRef idx="2">
+        <a:scrgbClr r="0" g="0" b="0"/>
+      </a:lnRef>
+      <a:fillRef idx="1">
+        <a:scrgbClr r="0" g="0" b="0"/>
+      </a:fillRef>
+      <a:effectRef idx="0">
+        <a:scrgbClr r="0" g="0" b="0"/>
+      </a:effectRef>
+      <a:fontRef idx="minor">
+        <a:schemeClr val="lt1"/>
+      </a:fontRef>
+    </dgm:style>
+  </dgm:styleLbl>
+  <dgm:styleLbl name="node1">
+    <dgm:scene3d>
+      <a:camera prst="orthographicFront"/>
+      <a:lightRig rig="threePt" dir="t"/>
+    </dgm:scene3d>
+    <dgm:sp3d/>
+    <dgm:txPr/>
+    <dgm:style>
+      <a:lnRef idx="2">
+        <a:scrgbClr r="0" g="0" b="0"/>
+      </a:lnRef>
+      <a:fillRef idx="1">
+        <a:scrgbClr r="0" g="0" b="0"/>
+      </a:fillRef>
+      <a:effectRef idx="0">
+        <a:scrgbClr r="0" g="0" b="0"/>
+      </a:effectRef>
+      <a:fontRef idx="minor">
+        <a:schemeClr val="lt1"/>
+      </a:fontRef>
+    </dgm:style>
+  </dgm:styleLbl>
+  <dgm:styleLbl name="node2">
+    <dgm:scene3d>
+      <a:camera prst="orthographicFront"/>
+      <a:lightRig rig="threePt" dir="t"/>
+    </dgm:scene3d>
+    <dgm:sp3d/>
+    <dgm:txPr/>
+    <dgm:style>
+      <a:lnRef idx="2">
+        <a:scrgbClr r="0" g="0" b="0"/>
+      </a:lnRef>
+      <a:fillRef idx="1">
+        <a:scrgbClr r="0" g="0" b="0"/>
+      </a:fillRef>
+      <a:effectRef idx="0">
+        <a:scrgbClr r="0" g="0" b="0"/>
+      </a:effectRef>
+      <a:fontRef idx="minor">
+        <a:schemeClr val="lt1"/>
+      </a:fontRef>
+    </dgm:style>
+  </dgm:styleLbl>
+  <dgm:styleLbl name="node3">
+    <dgm:scene3d>
+      <a:camera prst="orthographicFront"/>
+      <a:lightRig rig="threePt" dir="t"/>
+    </dgm:scene3d>
+    <dgm:sp3d/>
+    <dgm:txPr/>
+    <dgm:style>
+      <a:lnRef idx="2">
+        <a:scrgbClr r="0" g="0" b="0"/>
+      </a:lnRef>
+      <a:fillRef idx="1">
+        <a:scrgbClr r="0" g="0" b="0"/>
+      </a:fillRef>
+      <a:effectRef idx="0">
+        <a:scrgbClr r="0" g="0" b="0"/>
+      </a:effectRef>
+      <a:fontRef idx="minor">
+        <a:schemeClr val="lt1"/>
+      </a:fontRef>
+    </dgm:style>
+  </dgm:styleLbl>
+  <dgm:styleLbl name="node4">
+    <dgm:scene3d>
+      <a:camera prst="orthographicFront"/>
+      <a:lightRig rig="threePt" dir="t"/>
+    </dgm:scene3d>
+    <dgm:sp3d/>
+    <dgm:txPr/>
+    <dgm:style>
+      <a:lnRef idx="2">
+        <a:scrgbClr r="0" g="0" b="0"/>
+      </a:lnRef>
+      <a:fillRef idx="1">
+        <a:scrgbClr r="0" g="0" b="0"/>
+      </a:fillRef>
+      <a:effectRef idx="0">
+        <a:scrgbClr r="0" g="0" b="0"/>
+      </a:effectRef>
+      <a:fontRef idx="minor">
+        <a:schemeClr val="lt1"/>
+      </a:fontRef>
+    </dgm:style>
+  </dgm:styleLbl>
+  <dgm:styleLbl name="fgImgPlace1">
+    <dgm:scene3d>
+      <a:camera prst="orthographicFront"/>
+      <a:lightRig rig="threePt" dir="t"/>
+    </dgm:scene3d>
+    <dgm:sp3d/>
+    <dgm:txPr/>
+    <dgm:style>
+      <a:lnRef idx="2">
+        <a:scrgbClr r="0" g="0" b="0"/>
+      </a:lnRef>
+      <a:fillRef idx="1">
+        <a:scrgbClr r="0" g="0" b="0"/>
+      </a:fillRef>
+      <a:effectRef idx="0">
+        <a:scrgbClr r="0" g="0" b="0"/>
+      </a:effectRef>
+      <a:fontRef idx="minor"/>
+    </dgm:style>
+  </dgm:styleLbl>
+  <dgm:styleLbl name="alignImgPlace1">
+    <dgm:scene3d>
+      <a:camera prst="orthographicFront"/>
+      <a:lightRig rig="threePt" dir="t"/>
+    </dgm:scene3d>
+    <dgm:sp3d/>
+    <dgm:txPr/>
+    <dgm:style>
+      <a:lnRef idx="2">
+        <a:scrgbClr r="0" g="0" b="0"/>
+      </a:lnRef>
+      <a:fillRef idx="1">
+        <a:scrgbClr r="0" g="0" b="0"/>
+      </a:fillRef>
+      <a:effectRef idx="0">
+        <a:scrgbClr r="0" g="0" b="0"/>
+      </a:effectRef>
+      <a:fontRef idx="minor"/>
+    </dgm:style>
+  </dgm:styleLbl>
+  <dgm:styleLbl name="bgImgPlace1">
+    <dgm:scene3d>
+      <a:camera prst="orthographicFront"/>
+      <a:lightRig rig="threePt" dir="t"/>
+    </dgm:scene3d>
+    <dgm:sp3d/>
+    <dgm:txPr/>
+    <dgm:style>
+      <a:lnRef idx="2">
+        <a:scrgbClr r="0" g="0" b="0"/>
+      </a:lnRef>
+      <a:fillRef idx="1">
+        <a:scrgbClr r="0" g="0" b="0"/>
+      </a:fillRef>
+      <a:effectRef idx="0">
+        <a:scrgbClr r="0" g="0" b="0"/>
+      </a:effectRef>
+      <a:fontRef idx="minor"/>
+    </dgm:style>
+  </dgm:styleLbl>
+  <dgm:styleLbl name="sibTrans2D1">
+    <dgm:scene3d>
+      <a:camera prst="orthographicFront"/>
+      <a:lightRig rig="threePt" dir="t"/>
+    </dgm:scene3d>
+    <dgm:sp3d/>
+    <dgm:txPr/>
+    <dgm:style>
+      <a:lnRef idx="0">
+        <a:scrgbClr r="0" g="0" b="0"/>
+      </a:lnRef>
+      <a:fillRef idx="1">
+        <a:scrgbClr r="0" g="0" b="0"/>
+      </a:fillRef>
+      <a:effectRef idx="0">
+        <a:scrgbClr r="0" g="0" b="0"/>
+      </a:effectRef>
+      <a:fontRef idx="minor">
+        <a:schemeClr val="lt1"/>
+      </a:fontRef>
+    </dgm:style>
+  </dgm:styleLbl>
+  <dgm:styleLbl name="fgSibTrans2D1">
+    <dgm:scene3d>
+      <a:camera prst="orthographicFront"/>
+      <a:lightRig rig="threePt" dir="t"/>
+    </dgm:scene3d>
+    <dgm:sp3d/>
+    <dgm:txPr/>
+    <dgm:style>
+      <a:lnRef idx="0">
+        <a:scrgbClr r="0" g="0" b="0"/>
+      </a:lnRef>
+      <a:fillRef idx="1">
+        <a:scrgbClr r="0" g="0" b="0"/>
+      </a:fillRef>
+      <a:effectRef idx="0">
+        <a:scrgbClr r="0" g="0" b="0"/>
+      </a:effectRef>
+      <a:fontRef idx="minor">
+        <a:schemeClr val="lt1"/>
+      </a:fontRef>
+    </dgm:style>
+  </dgm:styleLbl>
+  <dgm:styleLbl name="bgSibTrans2D1">
+    <dgm:scene3d>
+      <a:camera prst="orthographicFront"/>
+      <a:lightRig rig="threePt" dir="t"/>
+    </dgm:scene3d>
+    <dgm:sp3d/>
+    <dgm:txPr/>
+    <dgm:style>
+      <a:lnRef idx="0">
+        <a:scrgbClr r="0" g="0" b="0"/>
+      </a:lnRef>
+      <a:fillRef idx="1">
+        <a:scrgbClr r="0" g="0" b="0"/>
+      </a:fillRef>
+      <a:effectRef idx="0">
+        <a:scrgbClr r="0" g="0" b="0"/>
+      </a:effectRef>
+      <a:fontRef idx="minor">
+        <a:schemeClr val="lt1"/>
+      </a:fontRef>
+    </dgm:style>
+  </dgm:styleLbl>
+  <dgm:styleLbl name="sibTrans1D1">
+    <dgm:scene3d>
+      <a:camera prst="orthographicFront"/>
+      <a:lightRig rig="threePt" dir="t"/>
+    </dgm:scene3d>
+    <dgm:sp3d/>
+    <dgm:txPr/>
+    <dgm:style>
+      <a:lnRef idx="1">
+        <a:scrgbClr r="0" g="0" b="0"/>
+      </a:lnRef>
+      <a:fillRef idx="0">
+        <a:scrgbClr r="0" g="0" b="0"/>
+      </a:fillRef>
+      <a:effectRef idx="0">
+        <a:scrgbClr r="0" g="0" b="0"/>
+      </a:effectRef>
+      <a:fontRef idx="minor"/>
+    </dgm:style>
+  </dgm:styleLbl>
+  <dgm:styleLbl name="callout">
+    <dgm:scene3d>
+      <a:camera prst="orthographicFront"/>
+      <a:lightRig rig="threePt" dir="t"/>
+    </dgm:scene3d>
+    <dgm:sp3d/>
+    <dgm:txPr/>
+    <dgm:style>
+      <a:lnRef idx="2">
+        <a:scrgbClr r="0" g="0" b="0"/>
+      </a:lnRef>
+      <a:fillRef idx="1">
+        <a:scrgbClr r="0" g="0" b="0"/>
+      </a:fillRef>
+      <a:effectRef idx="0">
+        <a:scrgbClr r="0" g="0" b="0"/>
+      </a:effectRef>
+      <a:fontRef idx="minor"/>
+    </dgm:style>
+  </dgm:styleLbl>
+  <dgm:styleLbl name="asst0">
+    <dgm:scene3d>
+      <a:camera prst="orthographicFront"/>
+      <a:lightRig rig="threePt" dir="t"/>
+    </dgm:scene3d>
+    <dgm:sp3d/>
+    <dgm:txPr/>
+    <dgm:style>
+      <a:lnRef idx="2">
+        <a:scrgbClr r="0" g="0" b="0"/>
+      </a:lnRef>
+      <a:fillRef idx="1">
+        <a:scrgbClr r="0" g="0" b="0"/>
+      </a:fillRef>
+      <a:effectRef idx="0">
+        <a:scrgbClr r="0" g="0" b="0"/>
+      </a:effectRef>
+      <a:fontRef idx="minor">
+        <a:schemeClr val="lt1"/>
+      </a:fontRef>
+    </dgm:style>
+  </dgm:styleLbl>
+  <dgm:styleLbl name="asst1">
+    <dgm:scene3d>
+      <a:camera prst="orthographicFront"/>
+      <a:lightRig rig="threePt" dir="t"/>
+    </dgm:scene3d>
+    <dgm:sp3d/>
+    <dgm:txPr/>
+    <dgm:style>
+      <a:lnRef idx="2">
+        <a:scrgbClr r="0" g="0" b="0"/>
+      </a:lnRef>
+      <a:fillRef idx="1">
+        <a:scrgbClr r="0" g="0" b="0"/>
+      </a:fillRef>
+      <a:effectRef idx="0">
+        <a:scrgbClr r="0" g="0" b="0"/>
+      </a:effectRef>
+      <a:fontRef idx="minor">
+        <a:schemeClr val="lt1"/>
+      </a:fontRef>
+    </dgm:style>
+  </dgm:styleLbl>
+  <dgm:styleLbl name="asst2">
+    <dgm:scene3d>
+      <a:camera prst="orthographicFront"/>
+      <a:lightRig rig="threePt" dir="t"/>
+    </dgm:scene3d>
+    <dgm:sp3d/>
+    <dgm:txPr/>
+    <dgm:style>
+      <a:lnRef idx="2">
+        <a:scrgbClr r="0" g="0" b="0"/>
+      </a:lnRef>
+      <a:fillRef idx="1">
+        <a:scrgbClr r="0" g="0" b="0"/>
+      </a:fillRef>
+      <a:effectRef idx="0">
+        <a:scrgbClr r="0" g="0" b="0"/>
+      </a:effectRef>
+      <a:fontRef idx="minor">
+        <a:schemeClr val="lt1"/>
+      </a:fontRef>
+    </dgm:style>
+  </dgm:styleLbl>
+  <dgm:styleLbl name="asst3">
+    <dgm:scene3d>
+      <a:camera prst="orthographicFront"/>
+      <a:lightRig rig="threePt" dir="t"/>
+    </dgm:scene3d>
+    <dgm:sp3d/>
+    <dgm:txPr/>
+    <dgm:style>
+      <a:lnRef idx="2">
+        <a:scrgbClr r="0" g="0" b="0"/>
+      </a:lnRef>
+      <a:fillRef idx="1">
+        <a:scrgbClr r="0" g="0" b="0"/>
+      </a:fillRef>
+      <a:effectRef idx="0">
+        <a:scrgbClr r="0" g="0" b="0"/>
+      </a:effectRef>
+      <a:fontRef idx="minor">
+        <a:schemeClr val="lt1"/>
+      </a:fontRef>
+    </dgm:style>
+  </dgm:styleLbl>
+  <dgm:styleLbl name="asst4">
+    <dgm:scene3d>
+      <a:camera prst="orthographicFront"/>
+      <a:lightRig rig="threePt" dir="t"/>
+    </dgm:scene3d>
+    <dgm:sp3d/>
+    <dgm:txPr/>
+    <dgm:style>
+      <a:lnRef idx="2">
+        <a:scrgbClr r="0" g="0" b="0"/>
+      </a:lnRef>
+      <a:fillRef idx="1">
+        <a:scrgbClr r="0" g="0" b="0"/>
+      </a:fillRef>
+      <a:effectRef idx="0">
+        <a:scrgbClr r="0" g="0" b="0"/>
+      </a:effectRef>
+      <a:fontRef idx="minor">
+        <a:schemeClr val="lt1"/>
+      </a:fontRef>
+    </dgm:style>
+  </dgm:styleLbl>
+  <dgm:styleLbl name="parChTrans2D1">
+    <dgm:scene3d>
+      <a:camera prst="orthographicFront"/>
+      <a:lightRig rig="threePt" dir="t"/>
+    </dgm:scene3d>
+    <dgm:sp3d/>
+    <dgm:txPr/>
+    <dgm:style>
+      <a:lnRef idx="2">
+        <a:scrgbClr r="0" g="0" b="0"/>
+      </a:lnRef>
+      <a:fillRef idx="1">
+        <a:scrgbClr r="0" g="0" b="0"/>
+      </a:fillRef>
+      <a:effectRef idx="0">
+        <a:scrgbClr r="0" g="0" b="0"/>
+      </a:effectRef>
+      <a:fontRef idx="minor">
+        <a:schemeClr val="lt1"/>
+      </a:fontRef>
+    </dgm:style>
+  </dgm:styleLbl>
+  <dgm:styleLbl name="parChTrans2D2">
+    <dgm:scene3d>
+      <a:camera prst="orthographicFront"/>
+      <a:lightRig rig="threePt" dir="t"/>
+    </dgm:scene3d>
+    <dgm:sp3d/>
+    <dgm:txPr/>
+    <dgm:style>
+      <a:lnRef idx="2">
+        <a:scrgbClr r="0" g="0" b="0"/>
+      </a:lnRef>
+      <a:fillRef idx="1">
+        <a:scrgbClr r="0" g="0" b="0"/>
+      </a:fillRef>
+      <a:effectRef idx="0">
+        <a:scrgbClr r="0" g="0" b="0"/>
+      </a:effectRef>
+      <a:fontRef idx="minor">
+        <a:schemeClr val="lt1"/>
+      </a:fontRef>
+    </dgm:style>
+  </dgm:styleLbl>
+  <dgm:styleLbl name="parChTrans2D3">
+    <dgm:scene3d>
+      <a:camera prst="orthographicFront"/>
+      <a:lightRig rig="threePt" dir="t"/>
+    </dgm:scene3d>
+    <dgm:sp3d/>
+    <dgm:txPr/>
+    <dgm:style>
+      <a:lnRef idx="2">
+        <a:scrgbClr r="0" g="0" b="0"/>
+      </a:lnRef>
+      <a:fillRef idx="1">
+        <a:scrgbClr r="0" g="0" b="0"/>
+      </a:fillRef>
+      <a:effectRef idx="0">
+        <a:scrgbClr r="0" g="0" b="0"/>
+      </a:effectRef>
+      <a:fontRef idx="minor">
+        <a:schemeClr val="lt1"/>
+      </a:fontRef>
+    </dgm:style>
+  </dgm:styleLbl>
+  <dgm:styleLbl name="parChTrans2D4">
+    <dgm:scene3d>
+      <a:camera prst="orthographicFront"/>
+      <a:lightRig rig="threePt" dir="t"/>
+    </dgm:scene3d>
+    <dgm:sp3d/>
+    <dgm:txPr/>
+    <dgm:style>
+      <a:lnRef idx="2">
+        <a:scrgbClr r="0" g="0" b="0"/>
+      </a:lnRef>
+      <a:fillRef idx="1">
+        <a:scrgbClr r="0" g="0" b="0"/>
+      </a:fillRef>
+      <a:effectRef idx="0">
+        <a:scrgbClr r="0" g="0" b="0"/>
+      </a:effectRef>
+      <a:fontRef idx="minor">
+        <a:schemeClr val="lt1"/>
+      </a:fontRef>
+    </dgm:style>
+  </dgm:styleLbl>
+  <dgm:styleLbl name="parChTrans1D1">
+    <dgm:scene3d>
+      <a:camera prst="orthographicFront"/>
+      <a:lightRig rig="threePt" dir="t"/>
+    </dgm:scene3d>
+    <dgm:sp3d/>
+    <dgm:txPr/>
+    <dgm:style>
+      <a:lnRef idx="2">
+        <a:scrgbClr r="0" g="0" b="0"/>
+      </a:lnRef>
+      <a:fillRef idx="0">
+        <a:scrgbClr r="0" g="0" b="0"/>
+      </a:fillRef>
+      <a:effectRef idx="0">
+        <a:scrgbClr r="0" g="0" b="0"/>
+      </a:effectRef>
+      <a:fontRef idx="minor"/>
+    </dgm:style>
+  </dgm:styleLbl>
+  <dgm:styleLbl name="parChTrans1D2">
+    <dgm:scene3d>
+      <a:camera prst="orthographicFront"/>
+      <a:lightRig rig="threePt" dir="t"/>
+    </dgm:scene3d>
+    <dgm:sp3d/>
+    <dgm:txPr/>
+    <dgm:style>
+      <a:lnRef idx="2">
+        <a:scrgbClr r="0" g="0" b="0"/>
+      </a:lnRef>
+      <a:fillRef idx="0">
+        <a:scrgbClr r="0" g="0" b="0"/>
+      </a:fillRef>
+      <a:effectRef idx="0">
+        <a:scrgbClr r="0" g="0" b="0"/>
+      </a:effectRef>
+      <a:fontRef idx="minor"/>
+    </dgm:style>
+  </dgm:styleLbl>
+  <dgm:styleLbl name="parChTrans1D3">
+    <dgm:scene3d>
+      <a:camera prst="orthographicFront"/>
+      <a:lightRig rig="threePt" dir="t"/>
+    </dgm:scene3d>
+    <dgm:sp3d/>
+    <dgm:txPr/>
+    <dgm:style>
+      <a:lnRef idx="2">
+        <a:scrgbClr r="0" g="0" b="0"/>
+      </a:lnRef>
+      <a:fillRef idx="0">
+        <a:scrgbClr r="0" g="0" b="0"/>
+      </a:fillRef>
+      <a:effectRef idx="0">
+        <a:scrgbClr r="0" g="0" b="0"/>
+      </a:effectRef>
+      <a:fontRef idx="minor"/>
+    </dgm:style>
+  </dgm:styleLbl>
+  <dgm:styleLbl name="parChTrans1D4">
+    <dgm:scene3d>
+      <a:camera prst="orthographicFront"/>
+      <a:lightRig rig="threePt" dir="t"/>
+    </dgm:scene3d>
+    <dgm:sp3d/>
+    <dgm:txPr/>
+    <dgm:style>
+      <a:lnRef idx="2">
+        <a:scrgbClr r="0" g="0" b="0"/>
+      </a:lnRef>
+      <a:fillRef idx="0">
+        <a:scrgbClr r="0" g="0" b="0"/>
+      </a:fillRef>
+      <a:effectRef idx="0">
+        <a:scrgbClr r="0" g="0" b="0"/>
+      </a:effectRef>
+      <a:fontRef idx="minor"/>
+    </dgm:style>
+  </dgm:styleLbl>
+  <dgm:styleLbl name="fgAcc1">
+    <dgm:scene3d>
+      <a:camera prst="orthographicFront"/>
+      <a:lightRig rig="threePt" dir="t"/>
+    </dgm:scene3d>
+    <dgm:sp3d/>
+    <dgm:txPr/>
+    <dgm:style>
+      <a:lnRef idx="2">
+        <a:scrgbClr r="0" g="0" b="0"/>
+      </a:lnRef>
+      <a:fillRef idx="1">
+        <a:scrgbClr r="0" g="0" b="0"/>
+      </a:fillRef>
+      <a:effectRef idx="0">
+        <a:scrgbClr r="0" g="0" b="0"/>
+      </a:effectRef>
+      <a:fontRef idx="minor"/>
+    </dgm:style>
+  </dgm:styleLbl>
+  <dgm:styleLbl name="conFgAcc1">
+    <dgm:scene3d>
+      <a:camera prst="orthographicFront"/>
+      <a:lightRig rig="threePt" dir="t"/>
+    </dgm:scene3d>
+    <dgm:sp3d/>
+    <dgm:txPr/>
+    <dgm:style>
+      <a:lnRef idx="2">
+        <a:scrgbClr r="0" g="0" b="0"/>
+      </a:lnRef>
+      <a:fillRef idx="1">
+        <a:scrgbClr r="0" g="0" b="0"/>
+      </a:fillRef>
+      <a:effectRef idx="0">
+        <a:scrgbClr r="0" g="0" b="0"/>
+      </a:effectRef>
+      <a:fontRef idx="minor"/>
+    </dgm:style>
+  </dgm:styleLbl>
+  <dgm:styleLbl name="alignAcc1">
+    <dgm:scene3d>
+      <a:camera prst="orthographicFront"/>
+      <a:lightRig rig="threePt" dir="t"/>
+    </dgm:scene3d>
+    <dgm:sp3d/>
+    <dgm:txPr/>
+    <dgm:style>
+      <a:lnRef idx="2">
+        <a:scrgbClr r="0" g="0" b="0"/>
+      </a:lnRef>
+      <a:fillRef idx="1">
+        <a:scrgbClr r="0" g="0" b="0"/>
+      </a:fillRef>
+      <a:effectRef idx="0">
+        <a:scrgbClr r="0" g="0" b="0"/>
+      </a:effectRef>
+      <a:fontRef idx="minor"/>
+    </dgm:style>
+  </dgm:styleLbl>
+  <dgm:styleLbl name="trAlignAcc1">
+    <dgm:scene3d>
+      <a:camera prst="orthographicFront"/>
+      <a:lightRig rig="threePt" dir="t"/>
+    </dgm:scene3d>
+    <dgm:sp3d/>
+    <dgm:txPr/>
+    <dgm:style>
+      <a:lnRef idx="1">
+        <a:scrgbClr r="0" g="0" b="0"/>
+      </a:lnRef>
+      <a:fillRef idx="1">
+        <a:scrgbClr r="0" g="0" b="0"/>
+      </a:fillRef>
+      <a:effectRef idx="0">
+        <a:scrgbClr r="0" g="0" b="0"/>
+      </a:effectRef>
+      <a:fontRef idx="minor"/>
+    </dgm:style>
+  </dgm:styleLbl>
+  <dgm:styleLbl name="bgAcc1">
+    <dgm:scene3d>
+      <a:camera prst="orthographicFront"/>
+      <a:lightRig rig="threePt" dir="t"/>
+    </dgm:scene3d>
+    <dgm:sp3d/>
+    <dgm:txPr/>
+    <dgm:style>
+      <a:lnRef idx="2">
+        <a:scrgbClr r="0" g="0" b="0"/>
+      </a:lnRef>
+      <a:fillRef idx="1">
+        <a:scrgbClr r="0" g="0" b="0"/>
+      </a:fillRef>
+      <a:effectRef idx="0">
+        <a:scrgbClr r="0" g="0" b="0"/>
+      </a:effectRef>
+      <a:fontRef idx="minor"/>
+    </dgm:style>
+  </dgm:styleLbl>
+  <dgm:styleLbl name="solidFgAcc1">
+    <dgm:scene3d>
+      <a:camera prst="orthographicFront"/>
+      <a:lightRig rig="threePt" dir="t"/>
+    </dgm:scene3d>
+    <dgm:sp3d/>
+    <dgm:txPr/>
+    <dgm:style>
+      <a:lnRef idx="2">
+        <a:scrgbClr r="0" g="0" b="0"/>
+      </a:lnRef>
+      <a:fillRef idx="1">
+        <a:scrgbClr r="0" g="0" b="0"/>
+      </a:fillRef>
+      <a:effectRef idx="0">
+        <a:scrgbClr r="0" g="0" b="0"/>
+      </a:effectRef>
+      <a:fontRef idx="minor"/>
+    </dgm:style>
+  </dgm:styleLbl>
+  <dgm:styleLbl name="solidAlignAcc1">
+    <dgm:scene3d>
+      <a:camera prst="orthographicFront"/>
+      <a:lightRig rig="threePt" dir="t"/>
+    </dgm:scene3d>
+    <dgm:sp3d/>
+    <dgm:txPr/>
+    <dgm:style>
+      <a:lnRef idx="2">
+        <a:scrgbClr r="0" g="0" b="0"/>
+      </a:lnRef>
+      <a:fillRef idx="1">
+        <a:scrgbClr r="0" g="0" b="0"/>
+      </a:fillRef>
+      <a:effectRef idx="0">
+        <a:scrgbClr r="0" g="0" b="0"/>
+      </a:effectRef>
+      <a:fontRef idx="minor"/>
+    </dgm:style>
+  </dgm:styleLbl>
+  <dgm:styleLbl name="solidBgAcc1">
+    <dgm:scene3d>
+      <a:camera prst="orthographicFront"/>
+      <a:lightRig rig="threePt" dir="t"/>
+    </dgm:scene3d>
+    <dgm:sp3d/>
+    <dgm:txPr/>
+    <dgm:style>
+      <a:lnRef idx="2">
+        <a:scrgbClr r="0" g="0" b="0"/>
+      </a:lnRef>
+      <a:fillRef idx="1">
+        <a:scrgbClr r="0" g="0" b="0"/>
+      </a:fillRef>
+      <a:effectRef idx="0">
+        <a:scrgbClr r="0" g="0" b="0"/>
+      </a:effectRef>
+      <a:fontRef idx="minor"/>
+    </dgm:style>
+  </dgm:styleLbl>
+  <dgm:styleLbl name="fgAccFollowNode1">
+    <dgm:scene3d>
+      <a:camera prst="orthographicFront"/>
+      <a:lightRig rig="threePt" dir="t"/>
+    </dgm:scene3d>
+    <dgm:sp3d/>
+    <dgm:txPr/>
+    <dgm:style>
+      <a:lnRef idx="2">
+        <a:scrgbClr r="0" g="0" b="0"/>
+      </a:lnRef>
+      <a:fillRef idx="1">
+        <a:scrgbClr r="0" g="0" b="0"/>
+      </a:fillRef>
+      <a:effectRef idx="0">
+        <a:scrgbClr r="0" g="0" b="0"/>
+      </a:effectRef>
+      <a:fontRef idx="minor"/>
+    </dgm:style>
+  </dgm:styleLbl>
+  <dgm:styleLbl name="alignAccFollowNode1">
+    <dgm:scene3d>
+      <a:camera prst="orthographicFront"/>
+      <a:lightRig rig="threePt" dir="t"/>
+    </dgm:scene3d>
+    <dgm:sp3d/>
+    <dgm:txPr/>
+    <dgm:style>
+      <a:lnRef idx="2">
+        <a:scrgbClr r="0" g="0" b="0"/>
+      </a:lnRef>
+      <a:fillRef idx="1">
+        <a:scrgbClr r="0" g="0" b="0"/>
+      </a:fillRef>
+      <a:effectRef idx="0">
+        <a:scrgbClr r="0" g="0" b="0"/>
+      </a:effectRef>
+      <a:fontRef idx="minor"/>
+    </dgm:style>
+  </dgm:styleLbl>
+  <dgm:styleLbl name="bgAccFollowNode1">
+    <dgm:scene3d>
+      <a:camera prst="orthographicFront"/>
+      <a:lightRig rig="threePt" dir="t"/>
+    </dgm:scene3d>
+    <dgm:sp3d/>
+    <dgm:txPr/>
+    <dgm:style>
+      <a:lnRef idx="2">
+        <a:scrgbClr r="0" g="0" b="0"/>
+      </a:lnRef>
+      <a:fillRef idx="1">
+        <a:scrgbClr r="0" g="0" b="0"/>
+      </a:fillRef>
+      <a:effectRef idx="0">
+        <a:scrgbClr r="0" g="0" b="0"/>
+      </a:effectRef>
+      <a:fontRef idx="minor"/>
+    </dgm:style>
+  </dgm:styleLbl>
+  <dgm:styleLbl name="fgAcc0">
+    <dgm:scene3d>
+      <a:camera prst="orthographicFront"/>
+      <a:lightRig rig="threePt" dir="t"/>
+    </dgm:scene3d>
+    <dgm:sp3d/>
+    <dgm:txPr/>
+    <dgm:style>
+      <a:lnRef idx="2">
+        <a:scrgbClr r="0" g="0" b="0"/>
+      </a:lnRef>
+      <a:fillRef idx="1">
+        <a:scrgbClr r="0" g="0" b="0"/>
+      </a:fillRef>
+      <a:effectRef idx="0">
+        <a:scrgbClr r="0" g="0" b="0"/>
+      </a:effectRef>
+      <a:fontRef idx="minor"/>
+    </dgm:style>
+  </dgm:styleLbl>
+  <dgm:styleLbl name="fgAcc2">
+    <dgm:scene3d>
+      <a:camera prst="orthographicFront"/>
+      <a:lightRig rig="threePt" dir="t"/>
+    </dgm:scene3d>
+    <dgm:sp3d/>
+    <dgm:txPr/>
+    <dgm:style>
+      <a:lnRef idx="2">
+        <a:scrgbClr r="0" g="0" b="0"/>
+      </a:lnRef>
+      <a:fillRef idx="1">
+        <a:scrgbClr r="0" g="0" b="0"/>
+      </a:fillRef>
+      <a:effectRef idx="0">
+        <a:scrgbClr r="0" g="0" b="0"/>
+      </a:effectRef>
+      <a:fontRef idx="minor"/>
+    </dgm:style>
+  </dgm:styleLbl>
+  <dgm:styleLbl name="fgAcc3">
+    <dgm:scene3d>
+      <a:camera prst="orthographicFront"/>
+      <a:lightRig rig="threePt" dir="t"/>
+    </dgm:scene3d>
+    <dgm:sp3d/>
+    <dgm:txPr/>
+    <dgm:style>
+      <a:lnRef idx="2">
+        <a:scrgbClr r="0" g="0" b="0"/>
+      </a:lnRef>
+      <a:fillRef idx="1">
+        <a:scrgbClr r="0" g="0" b="0"/>
+      </a:fillRef>
+      <a:effectRef idx="0">
+        <a:scrgbClr r="0" g="0" b="0"/>
+      </a:effectRef>
+      <a:fontRef idx="minor"/>
+    </dgm:style>
+  </dgm:styleLbl>
+  <dgm:styleLbl name="fgAcc4">
+    <dgm:scene3d>
+      <a:camera prst="orthographicFront"/>
+      <a:lightRig rig="threePt" dir="t"/>
+    </dgm:scene3d>
+    <dgm:sp3d/>
+    <dgm:txPr/>
+    <dgm:style>
+      <a:lnRef idx="2">
+        <a:scrgbClr r="0" g="0" b="0"/>
+      </a:lnRef>
+      <a:fillRef idx="1">
+        <a:scrgbClr r="0" g="0" b="0"/>
+      </a:fillRef>
+      <a:effectRef idx="0">
+        <a:scrgbClr r="0" g="0" b="0"/>
+      </a:effectRef>
+      <a:fontRef idx="minor"/>
+    </dgm:style>
+  </dgm:styleLbl>
+  <dgm:styleLbl name="bgShp">
+    <dgm:scene3d>
+      <a:camera prst="orthographicFront"/>
+      <a:lightRig rig="threePt" dir="t"/>
+    </dgm:scene3d>
+    <dgm:sp3d/>
+    <dgm:txPr/>
+    <dgm:style>
+      <a:lnRef idx="0">
+        <a:scrgbClr r="0" g="0" b="0"/>
+      </a:lnRef>
+      <a:fillRef idx="1">
+        <a:scrgbClr r="0" g="0" b="0"/>
+      </a:fillRef>
+      <a:effectRef idx="0">
+        <a:scrgbClr r="0" g="0" b="0"/>
+      </a:effectRef>
+      <a:fontRef idx="minor"/>
+    </dgm:style>
+  </dgm:styleLbl>
+  <dgm:styleLbl name="dkBgShp">
+    <dgm:scene3d>
+      <a:camera prst="orthographicFront"/>
+      <a:lightRig rig="threePt" dir="t"/>
+    </dgm:scene3d>
+    <dgm:sp3d/>
+    <dgm:txPr/>
+    <dgm:style>
+      <a:lnRef idx="0">
+        <a:scrgbClr r="0" g="0" b="0"/>
+      </a:lnRef>
+      <a:fillRef idx="1">
+        <a:scrgbClr r="0" g="0" b="0"/>
+      </a:fillRef>
+      <a:effectRef idx="0">
+        <a:scrgbClr r="0" g="0" b="0"/>
+      </a:effectRef>
+      <a:fontRef idx="minor"/>
+    </dgm:style>
+  </dgm:styleLbl>
+  <dgm:styleLbl name="trBgShp">
+    <dgm:scene3d>
+      <a:camera prst="orthographicFront"/>
+      <a:lightRig rig="threePt" dir="t"/>
+    </dgm:scene3d>
+    <dgm:sp3d/>
+    <dgm:txPr/>
+    <dgm:style>
+      <a:lnRef idx="0">
+        <a:scrgbClr r="0" g="0" b="0"/>
+      </a:lnRef>
+      <a:fillRef idx="1">
+        <a:scrgbClr r="0" g="0" b="0"/>
+      </a:fillRef>
+      <a:effectRef idx="0">
+        <a:scrgbClr r="0" g="0" b="0"/>
+      </a:effectRef>
+      <a:fontRef idx="minor"/>
+    </dgm:style>
+  </dgm:styleLbl>
+  <dgm:styleLbl name="fgShp">
+    <dgm:scene3d>
+      <a:camera prst="orthographicFront"/>
+      <a:lightRig rig="threePt" dir="t"/>
+    </dgm:scene3d>
+    <dgm:sp3d/>
+    <dgm:txPr/>
+    <dgm:style>
+      <a:lnRef idx="2">
+        <a:scrgbClr r="0" g="0" b="0"/>
+      </a:lnRef>
+      <a:fillRef idx="1">
+        <a:scrgbClr r="0" g="0" b="0"/>
+      </a:fillRef>
+      <a:effectRef idx="0">
+        <a:scrgbClr r="0" g="0" b="0"/>
+      </a:effectRef>
+      <a:fontRef idx="minor"/>
+    </dgm:style>
+  </dgm:styleLbl>
+  <dgm:styleLbl name="revTx">
+    <dgm:scene3d>
+      <a:camera prst="orthographicFront"/>
+      <a:lightRig rig="threePt" dir="t"/>
+    </dgm:scene3d>
+    <dgm:sp3d/>
+    <dgm:txPr/>
+    <dgm:style>
+      <a:lnRef idx="0">
+        <a:scrgbClr r="0" g="0" b="0"/>
+      </a:lnRef>
+      <a:fillRef idx="0">
+        <a:scrgbClr r="0" g="0" b="0"/>
+      </a:fillRef>
+      <a:effectRef idx="0">
+        <a:scrgbClr r="0" g="0" b="0"/>
+      </a:effectRef>
+      <a:fontRef idx="minor"/>
+    </dgm:style>
+  </dgm:styleLbl>
+</dgm:styleDef>
+</file>
+
 <file path=ppt/notesMasters/notesMaster1.xml><?xml version="1.0" encoding="utf-8"?>
 <p:notesMaster xmlns:a="http://schemas.openxmlformats.org/drawingml/2006/main" xmlns:r="http://schemas.openxmlformats.org/officeDocument/2006/relationships" xmlns:p="http://schemas.openxmlformats.org/presentationml/2006/main">
   <p:cSld>
@@ -1320,7 +3909,7 @@
           <a:p>
             <a:fld id="{43E32005-3A63-48D2-8C73-BF5F95786EBD}" type="datetimeFigureOut">
               <a:rPr lang="en-US" smtClean="0"/>
-              <a:t>1/31/2018</a:t>
+              <a:t>3/21/2018</a:t>
             </a:fld>
             <a:endParaRPr lang="en-US"/>
           </a:p>
@@ -4959,6 +7548,93 @@
 </p:notes>
 </file>
 
+<file path=ppt/notesSlides/notesSlide39.xml><?xml version="1.0" encoding="utf-8"?>
+<p:notes xmlns:a="http://schemas.openxmlformats.org/drawingml/2006/main" xmlns:r="http://schemas.openxmlformats.org/officeDocument/2006/relationships" xmlns:p="http://schemas.openxmlformats.org/presentationml/2006/main">
+  <p:cSld>
+    <p:spTree>
+      <p:nvGrpSpPr>
+        <p:cNvPr id="1" name=""/>
+        <p:cNvGrpSpPr/>
+        <p:nvPr/>
+      </p:nvGrpSpPr>
+      <p:grpSpPr>
+        <a:xfrm>
+          <a:off x="0" y="0"/>
+          <a:ext cx="0" cy="0"/>
+          <a:chOff x="0" y="0"/>
+          <a:chExt cx="0" cy="0"/>
+        </a:xfrm>
+      </p:grpSpPr>
+      <p:sp>
+        <p:nvSpPr>
+          <p:cNvPr id="2" name="Slide Image Placeholder 1"/>
+          <p:cNvSpPr>
+            <a:spLocks noGrp="1" noRot="1" noChangeAspect="1"/>
+          </p:cNvSpPr>
+          <p:nvPr>
+            <p:ph type="sldImg"/>
+          </p:nvPr>
+        </p:nvSpPr>
+        <p:spPr/>
+      </p:sp>
+      <p:sp>
+        <p:nvSpPr>
+          <p:cNvPr id="3" name="Notes Placeholder 2"/>
+          <p:cNvSpPr>
+            <a:spLocks noGrp="1"/>
+          </p:cNvSpPr>
+          <p:nvPr>
+            <p:ph type="body" idx="1"/>
+          </p:nvPr>
+        </p:nvSpPr>
+        <p:spPr/>
+        <p:txBody>
+          <a:bodyPr/>
+          <a:lstStyle/>
+          <a:p>
+            <a:r>
+              <a:rPr lang="en-US" dirty="0"/>
+              <a:t>SmartArt</a:t>
+            </a:r>
+          </a:p>
+        </p:txBody>
+      </p:sp>
+      <p:sp>
+        <p:nvSpPr>
+          <p:cNvPr id="4" name="Slide Number Placeholder 3"/>
+          <p:cNvSpPr>
+            <a:spLocks noGrp="1"/>
+          </p:cNvSpPr>
+          <p:nvPr>
+            <p:ph type="sldNum" sz="quarter" idx="10"/>
+          </p:nvPr>
+        </p:nvSpPr>
+        <p:spPr/>
+        <p:txBody>
+          <a:bodyPr/>
+          <a:lstStyle/>
+          <a:p>
+            <a:fld id="{0FE7C38A-472B-4221-8E00-509E1DA863EC}" type="slidenum">
+              <a:rPr lang="en-US" smtClean="0"/>
+              <a:t>47</a:t>
+            </a:fld>
+            <a:endParaRPr lang="en-US"/>
+          </a:p>
+        </p:txBody>
+      </p:sp>
+    </p:spTree>
+    <p:extLst>
+      <p:ext uri="{BB962C8B-B14F-4D97-AF65-F5344CB8AC3E}">
+        <p14:creationId xmlns:p14="http://schemas.microsoft.com/office/powerpoint/2010/main" val="2636897301"/>
+      </p:ext>
+    </p:extLst>
+  </p:cSld>
+  <p:clrMapOvr>
+    <a:masterClrMapping/>
+  </p:clrMapOvr>
+</p:notes>
+</file>
+
 <file path=ppt/notesSlides/notesSlide4.xml><?xml version="1.0" encoding="utf-8"?>
 <p:notes xmlns:a="http://schemas.openxmlformats.org/drawingml/2006/main" xmlns:r="http://schemas.openxmlformats.org/officeDocument/2006/relationships" xmlns:p="http://schemas.openxmlformats.org/presentationml/2006/main">
   <p:cSld>
@@ -5905,7 +8581,7 @@
           <a:p>
             <a:fld id="{699DC775-C286-4358-8C92-D7E584E969B3}" type="datetimeFigureOut">
               <a:rPr lang="en-US" smtClean="0"/>
-              <a:t>1/31/2018</a:t>
+              <a:t>3/21/2018</a:t>
             </a:fld>
             <a:endParaRPr lang="en-US"/>
           </a:p>
@@ -6073,7 +8749,7 @@
           <a:p>
             <a:fld id="{699DC775-C286-4358-8C92-D7E584E969B3}" type="datetimeFigureOut">
               <a:rPr lang="en-US" smtClean="0"/>
-              <a:t>1/31/2018</a:t>
+              <a:t>3/21/2018</a:t>
             </a:fld>
             <a:endParaRPr lang="en-US"/>
           </a:p>
@@ -6251,7 +8927,7 @@
           <a:p>
             <a:fld id="{699DC775-C286-4358-8C92-D7E584E969B3}" type="datetimeFigureOut">
               <a:rPr lang="en-US" smtClean="0"/>
-              <a:t>1/31/2018</a:t>
+              <a:t>3/21/2018</a:t>
             </a:fld>
             <a:endParaRPr lang="en-US"/>
           </a:p>
@@ -6491,7 +9167,7 @@
           <a:p>
             <a:fld id="{699DC775-C286-4358-8C92-D7E584E969B3}" type="datetimeFigureOut">
               <a:rPr lang="en-US" smtClean="0"/>
-              <a:t>1/31/2018</a:t>
+              <a:t>3/21/2018</a:t>
             </a:fld>
             <a:endParaRPr lang="en-US"/>
           </a:p>
@@ -6659,7 +9335,7 @@
           <a:p>
             <a:fld id="{699DC775-C286-4358-8C92-D7E584E969B3}" type="datetimeFigureOut">
               <a:rPr lang="en-US" smtClean="0"/>
-              <a:t>1/31/2018</a:t>
+              <a:t>3/21/2018</a:t>
             </a:fld>
             <a:endParaRPr lang="en-US"/>
           </a:p>
@@ -6904,7 +9580,7 @@
           <a:p>
             <a:fld id="{699DC775-C286-4358-8C92-D7E584E969B3}" type="datetimeFigureOut">
               <a:rPr lang="en-US" smtClean="0"/>
-              <a:t>1/31/2018</a:t>
+              <a:t>3/21/2018</a:t>
             </a:fld>
             <a:endParaRPr lang="en-US"/>
           </a:p>
@@ -7189,7 +9865,7 @@
           <a:p>
             <a:fld id="{699DC775-C286-4358-8C92-D7E584E969B3}" type="datetimeFigureOut">
               <a:rPr lang="en-US" smtClean="0"/>
-              <a:t>1/31/2018</a:t>
+              <a:t>3/21/2018</a:t>
             </a:fld>
             <a:endParaRPr lang="en-US"/>
           </a:p>
@@ -7608,7 +10284,7 @@
           <a:p>
             <a:fld id="{699DC775-C286-4358-8C92-D7E584E969B3}" type="datetimeFigureOut">
               <a:rPr lang="en-US" smtClean="0"/>
-              <a:t>1/31/2018</a:t>
+              <a:t>3/21/2018</a:t>
             </a:fld>
             <a:endParaRPr lang="en-US"/>
           </a:p>
@@ -7725,7 +10401,7 @@
           <a:p>
             <a:fld id="{699DC775-C286-4358-8C92-D7E584E969B3}" type="datetimeFigureOut">
               <a:rPr lang="en-US" smtClean="0"/>
-              <a:t>1/31/2018</a:t>
+              <a:t>3/21/2018</a:t>
             </a:fld>
             <a:endParaRPr lang="en-US"/>
           </a:p>
@@ -7820,7 +10496,7 @@
           <a:p>
             <a:fld id="{699DC775-C286-4358-8C92-D7E584E969B3}" type="datetimeFigureOut">
               <a:rPr lang="en-US" smtClean="0"/>
-              <a:t>1/31/2018</a:t>
+              <a:t>3/21/2018</a:t>
             </a:fld>
             <a:endParaRPr lang="en-US"/>
           </a:p>
@@ -8095,7 +10771,7 @@
           <a:p>
             <a:fld id="{699DC775-C286-4358-8C92-D7E584E969B3}" type="datetimeFigureOut">
               <a:rPr lang="en-US" smtClean="0"/>
-              <a:t>1/31/2018</a:t>
+              <a:t>3/21/2018</a:t>
             </a:fld>
             <a:endParaRPr lang="en-US"/>
           </a:p>
@@ -8263,7 +10939,7 @@
           <a:p>
             <a:fld id="{699DC775-C286-4358-8C92-D7E584E969B3}" type="datetimeFigureOut">
               <a:rPr lang="en-US" smtClean="0"/>
-              <a:t>1/31/2018</a:t>
+              <a:t>3/21/2018</a:t>
             </a:fld>
             <a:endParaRPr lang="en-US"/>
           </a:p>
@@ -8515,7 +11191,7 @@
           <a:p>
             <a:fld id="{699DC775-C286-4358-8C92-D7E584E969B3}" type="datetimeFigureOut">
               <a:rPr lang="en-US" smtClean="0"/>
-              <a:t>1/31/2018</a:t>
+              <a:t>3/21/2018</a:t>
             </a:fld>
             <a:endParaRPr lang="en-US"/>
           </a:p>
@@ -8683,7 +11359,7 @@
           <a:p>
             <a:fld id="{699DC775-C286-4358-8C92-D7E584E969B3}" type="datetimeFigureOut">
               <a:rPr lang="en-US" smtClean="0"/>
-              <a:t>1/31/2018</a:t>
+              <a:t>3/21/2018</a:t>
             </a:fld>
             <a:endParaRPr lang="en-US"/>
           </a:p>
@@ -8861,7 +11537,7 @@
           <a:p>
             <a:fld id="{699DC775-C286-4358-8C92-D7E584E969B3}" type="datetimeFigureOut">
               <a:rPr lang="en-US" smtClean="0"/>
-              <a:t>1/31/2018</a:t>
+              <a:t>3/21/2018</a:t>
             </a:fld>
             <a:endParaRPr lang="en-US"/>
           </a:p>
@@ -9109,7 +11785,7 @@
           <a:p>
             <a:fld id="{699DC775-C286-4358-8C92-D7E584E969B3}" type="datetimeFigureOut">
               <a:rPr lang="en-US" smtClean="0"/>
-              <a:t>1/31/2018</a:t>
+              <a:t>3/21/2018</a:t>
             </a:fld>
             <a:endParaRPr lang="en-US"/>
           </a:p>
@@ -9285,7 +11961,7 @@
           <a:p>
             <a:fld id="{699DC775-C286-4358-8C92-D7E584E969B3}" type="datetimeFigureOut">
               <a:rPr lang="en-US" smtClean="0"/>
-              <a:t>1/31/2018</a:t>
+              <a:t>3/21/2018</a:t>
             </a:fld>
             <a:endParaRPr lang="en-US"/>
           </a:p>
@@ -9538,7 +12214,7 @@
           <a:p>
             <a:fld id="{699DC775-C286-4358-8C92-D7E584E969B3}" type="datetimeFigureOut">
               <a:rPr lang="en-US" smtClean="0"/>
-              <a:t>1/31/2018</a:t>
+              <a:t>3/21/2018</a:t>
             </a:fld>
             <a:endParaRPr lang="en-US"/>
           </a:p>
@@ -9831,7 +12507,7 @@
           <a:p>
             <a:fld id="{699DC775-C286-4358-8C92-D7E584E969B3}" type="datetimeFigureOut">
               <a:rPr lang="en-US" smtClean="0"/>
-              <a:t>1/31/2018</a:t>
+              <a:t>3/21/2018</a:t>
             </a:fld>
             <a:endParaRPr lang="en-US"/>
           </a:p>
@@ -10258,7 +12934,7 @@
           <a:p>
             <a:fld id="{699DC775-C286-4358-8C92-D7E584E969B3}" type="datetimeFigureOut">
               <a:rPr lang="en-US" smtClean="0"/>
-              <a:t>1/31/2018</a:t>
+              <a:t>3/21/2018</a:t>
             </a:fld>
             <a:endParaRPr lang="en-US"/>
           </a:p>
@@ -10383,7 +13059,7 @@
           <a:p>
             <a:fld id="{699DC775-C286-4358-8C92-D7E584E969B3}" type="datetimeFigureOut">
               <a:rPr lang="en-US" smtClean="0"/>
-              <a:t>1/31/2018</a:t>
+              <a:t>3/21/2018</a:t>
             </a:fld>
             <a:endParaRPr lang="en-US"/>
           </a:p>
@@ -10486,7 +13162,7 @@
           <a:p>
             <a:fld id="{699DC775-C286-4358-8C92-D7E584E969B3}" type="datetimeFigureOut">
               <a:rPr lang="en-US" smtClean="0"/>
-              <a:t>1/31/2018</a:t>
+              <a:t>3/21/2018</a:t>
             </a:fld>
             <a:endParaRPr lang="en-US"/>
           </a:p>
@@ -10731,7 +13407,7 @@
           <a:p>
             <a:fld id="{699DC775-C286-4358-8C92-D7E584E969B3}" type="datetimeFigureOut">
               <a:rPr lang="en-US" smtClean="0"/>
-              <a:t>1/31/2018</a:t>
+              <a:t>3/21/2018</a:t>
             </a:fld>
             <a:endParaRPr lang="en-US"/>
           </a:p>
@@ -11014,7 +13690,7 @@
           <a:p>
             <a:fld id="{699DC775-C286-4358-8C92-D7E584E969B3}" type="datetimeFigureOut">
               <a:rPr lang="en-US" smtClean="0"/>
-              <a:t>1/31/2018</a:t>
+              <a:t>3/21/2018</a:t>
             </a:fld>
             <a:endParaRPr lang="en-US"/>
           </a:p>
@@ -11274,7 +13950,7 @@
           <a:p>
             <a:fld id="{699DC775-C286-4358-8C92-D7E584E969B3}" type="datetimeFigureOut">
               <a:rPr lang="en-US" smtClean="0"/>
-              <a:t>1/31/2018</a:t>
+              <a:t>3/21/2018</a:t>
             </a:fld>
             <a:endParaRPr lang="en-US"/>
           </a:p>
@@ -11450,7 +14126,7 @@
           <a:p>
             <a:fld id="{699DC775-C286-4358-8C92-D7E584E969B3}" type="datetimeFigureOut">
               <a:rPr lang="en-US" smtClean="0"/>
-              <a:t>1/31/2018</a:t>
+              <a:t>3/21/2018</a:t>
             </a:fld>
             <a:endParaRPr lang="en-US"/>
           </a:p>
@@ -11636,7 +14312,7 @@
           <a:p>
             <a:fld id="{699DC775-C286-4358-8C92-D7E584E969B3}" type="datetimeFigureOut">
               <a:rPr lang="en-US" smtClean="0"/>
-              <a:t>1/31/2018</a:t>
+              <a:t>3/21/2018</a:t>
             </a:fld>
             <a:endParaRPr lang="en-US"/>
           </a:p>
@@ -11826,7 +14502,7 @@
           <a:p>
             <a:fld id="{45696B32-6A70-48EC-8939-9D142D9557CD}" type="datetimeFigureOut">
               <a:rPr lang="en-US" smtClean="0"/>
-              <a:t>1/31/2018</a:t>
+              <a:t>3/21/2018</a:t>
             </a:fld>
             <a:endParaRPr lang="en-US"/>
           </a:p>
@@ -12140,7 +14816,7 @@
           <a:p>
             <a:fld id="{45696B32-6A70-48EC-8939-9D142D9557CD}" type="datetimeFigureOut">
               <a:rPr lang="en-US" smtClean="0"/>
-              <a:t>1/31/2018</a:t>
+              <a:t>3/21/2018</a:t>
             </a:fld>
             <a:endParaRPr lang="en-US"/>
           </a:p>
@@ -12385,7 +15061,7 @@
           <a:p>
             <a:fld id="{45696B32-6A70-48EC-8939-9D142D9557CD}" type="datetimeFigureOut">
               <a:rPr lang="en-US" smtClean="0"/>
-              <a:t>1/31/2018</a:t>
+              <a:t>3/21/2018</a:t>
             </a:fld>
             <a:endParaRPr lang="en-US"/>
           </a:p>
@@ -12614,7 +15290,7 @@
           <a:p>
             <a:fld id="{45696B32-6A70-48EC-8939-9D142D9557CD}" type="datetimeFigureOut">
               <a:rPr lang="en-US" smtClean="0"/>
-              <a:t>1/31/2018</a:t>
+              <a:t>3/21/2018</a:t>
             </a:fld>
             <a:endParaRPr lang="en-US"/>
           </a:p>
@@ -12978,7 +15654,7 @@
           <a:p>
             <a:fld id="{45696B32-6A70-48EC-8939-9D142D9557CD}" type="datetimeFigureOut">
               <a:rPr lang="en-US" smtClean="0"/>
-              <a:t>1/31/2018</a:t>
+              <a:t>3/21/2018</a:t>
             </a:fld>
             <a:endParaRPr lang="en-US"/>
           </a:p>
@@ -13095,7 +15771,7 @@
           <a:p>
             <a:fld id="{45696B32-6A70-48EC-8939-9D142D9557CD}" type="datetimeFigureOut">
               <a:rPr lang="en-US" smtClean="0"/>
-              <a:t>1/31/2018</a:t>
+              <a:t>3/21/2018</a:t>
             </a:fld>
             <a:endParaRPr lang="en-US"/>
           </a:p>
@@ -13380,7 +16056,7 @@
           <a:p>
             <a:fld id="{699DC775-C286-4358-8C92-D7E584E969B3}" type="datetimeFigureOut">
               <a:rPr lang="en-US" smtClean="0"/>
-              <a:t>1/31/2018</a:t>
+              <a:t>3/21/2018</a:t>
             </a:fld>
             <a:endParaRPr lang="en-US"/>
           </a:p>
@@ -13475,7 +16151,7 @@
           <a:p>
             <a:fld id="{45696B32-6A70-48EC-8939-9D142D9557CD}" type="datetimeFigureOut">
               <a:rPr lang="en-US" smtClean="0"/>
-              <a:t>1/31/2018</a:t>
+              <a:t>3/21/2018</a:t>
             </a:fld>
             <a:endParaRPr lang="en-US"/>
           </a:p>
@@ -13750,7 +16426,7 @@
           <a:p>
             <a:fld id="{45696B32-6A70-48EC-8939-9D142D9557CD}" type="datetimeFigureOut">
               <a:rPr lang="en-US" smtClean="0"/>
-              <a:t>1/31/2018</a:t>
+              <a:t>3/21/2018</a:t>
             </a:fld>
             <a:endParaRPr lang="en-US"/>
           </a:p>
@@ -14002,7 +16678,7 @@
           <a:p>
             <a:fld id="{45696B32-6A70-48EC-8939-9D142D9557CD}" type="datetimeFigureOut">
               <a:rPr lang="en-US" smtClean="0"/>
-              <a:t>1/31/2018</a:t>
+              <a:t>3/21/2018</a:t>
             </a:fld>
             <a:endParaRPr lang="en-US"/>
           </a:p>
@@ -14170,7 +16846,7 @@
           <a:p>
             <a:fld id="{45696B32-6A70-48EC-8939-9D142D9557CD}" type="datetimeFigureOut">
               <a:rPr lang="en-US" smtClean="0"/>
-              <a:t>1/31/2018</a:t>
+              <a:t>3/21/2018</a:t>
             </a:fld>
             <a:endParaRPr lang="en-US"/>
           </a:p>
@@ -14348,7 +17024,7 @@
           <a:p>
             <a:fld id="{45696B32-6A70-48EC-8939-9D142D9557CD}" type="datetimeFigureOut">
               <a:rPr lang="en-US" smtClean="0"/>
-              <a:t>1/31/2018</a:t>
+              <a:t>3/21/2018</a:t>
             </a:fld>
             <a:endParaRPr lang="en-US"/>
           </a:p>
@@ -14767,7 +17443,7 @@
           <a:p>
             <a:fld id="{699DC775-C286-4358-8C92-D7E584E969B3}" type="datetimeFigureOut">
               <a:rPr lang="en-US" smtClean="0"/>
-              <a:t>1/31/2018</a:t>
+              <a:t>3/21/2018</a:t>
             </a:fld>
             <a:endParaRPr lang="en-US"/>
           </a:p>
@@ -14884,7 +17560,7 @@
           <a:p>
             <a:fld id="{699DC775-C286-4358-8C92-D7E584E969B3}" type="datetimeFigureOut">
               <a:rPr lang="en-US" smtClean="0"/>
-              <a:t>1/31/2018</a:t>
+              <a:t>3/21/2018</a:t>
             </a:fld>
             <a:endParaRPr lang="en-US"/>
           </a:p>
@@ -14979,7 +17655,7 @@
           <a:p>
             <a:fld id="{699DC775-C286-4358-8C92-D7E584E969B3}" type="datetimeFigureOut">
               <a:rPr lang="en-US" smtClean="0"/>
-              <a:t>1/31/2018</a:t>
+              <a:t>3/21/2018</a:t>
             </a:fld>
             <a:endParaRPr lang="en-US"/>
           </a:p>
@@ -15254,7 +17930,7 @@
           <a:p>
             <a:fld id="{699DC775-C286-4358-8C92-D7E584E969B3}" type="datetimeFigureOut">
               <a:rPr lang="en-US" smtClean="0"/>
-              <a:t>1/31/2018</a:t>
+              <a:t>3/21/2018</a:t>
             </a:fld>
             <a:endParaRPr lang="en-US"/>
           </a:p>
@@ -15506,7 +18182,7 @@
           <a:p>
             <a:fld id="{699DC775-C286-4358-8C92-D7E584E969B3}" type="datetimeFigureOut">
               <a:rPr lang="en-US" smtClean="0"/>
-              <a:t>1/31/2018</a:t>
+              <a:t>3/21/2018</a:t>
             </a:fld>
             <a:endParaRPr lang="en-US"/>
           </a:p>
@@ -15717,7 +18393,7 @@
           <a:p>
             <a:fld id="{699DC775-C286-4358-8C92-D7E584E969B3}" type="datetimeFigureOut">
               <a:rPr lang="en-US" smtClean="0"/>
-              <a:t>1/31/2018</a:t>
+              <a:t>3/21/2018</a:t>
             </a:fld>
             <a:endParaRPr lang="en-US"/>
           </a:p>
@@ -16230,7 +18906,7 @@
           <a:p>
             <a:fld id="{699DC775-C286-4358-8C92-D7E584E969B3}" type="datetimeFigureOut">
               <a:rPr lang="en-US" smtClean="0"/>
-              <a:t>1/31/2018</a:t>
+              <a:t>3/21/2018</a:t>
             </a:fld>
             <a:endParaRPr lang="en-US"/>
           </a:p>
@@ -16741,7 +19417,7 @@
           <a:p>
             <a:fld id="{699DC775-C286-4358-8C92-D7E584E969B3}" type="datetimeFigureOut">
               <a:rPr lang="en-US" smtClean="0"/>
-              <a:t>1/31/2018</a:t>
+              <a:t>3/21/2018</a:t>
             </a:fld>
             <a:endParaRPr lang="en-US"/>
           </a:p>
@@ -17249,7 +19925,7 @@
           <a:p>
             <a:fld id="{45696B32-6A70-48EC-8939-9D142D9557CD}" type="datetimeFigureOut">
               <a:rPr lang="en-US" smtClean="0"/>
-              <a:t>1/31/2018</a:t>
+              <a:t>3/21/2018</a:t>
             </a:fld>
             <a:endParaRPr lang="en-US"/>
           </a:p>
@@ -30868,6 +33544,64 @@
     <p:extLst>
       <p:ext uri="{BB962C8B-B14F-4D97-AF65-F5344CB8AC3E}">
         <p14:creationId xmlns:p14="http://schemas.microsoft.com/office/powerpoint/2010/main" val="2343974947"/>
+      </p:ext>
+    </p:extLst>
+  </p:cSld>
+  <p:clrMapOvr>
+    <a:masterClrMapping/>
+  </p:clrMapOvr>
+</p:sld>
+</file>
+
+<file path=ppt/slides/slide47.xml><?xml version="1.0" encoding="utf-8"?>
+<p:sld xmlns:a="http://schemas.openxmlformats.org/drawingml/2006/main" xmlns:r="http://schemas.openxmlformats.org/officeDocument/2006/relationships" xmlns:p="http://schemas.openxmlformats.org/presentationml/2006/main">
+  <p:cSld>
+    <p:spTree>
+      <p:nvGrpSpPr>
+        <p:cNvPr id="1" name=""/>
+        <p:cNvGrpSpPr/>
+        <p:nvPr/>
+      </p:nvGrpSpPr>
+      <p:grpSpPr>
+        <a:xfrm>
+          <a:off x="0" y="0"/>
+          <a:ext cx="0" cy="0"/>
+          <a:chOff x="0" y="0"/>
+          <a:chExt cx="0" cy="0"/>
+        </a:xfrm>
+      </p:grpSpPr>
+      <p:graphicFrame>
+        <p:nvGraphicFramePr>
+          <p:cNvPr id="4" name="SmartArt 1">
+            <a:extLst>
+              <a:ext uri="{FF2B5EF4-FFF2-40B4-BE49-F238E27FC236}">
+                <a16:creationId xmlns:a16="http://schemas.microsoft.com/office/drawing/2014/main" id="{F1081CDD-D1ED-41CF-9914-9E09978430F0}"/>
+              </a:ext>
+            </a:extLst>
+          </p:cNvPr>
+          <p:cNvGraphicFramePr/>
+          <p:nvPr>
+            <p:extLst>
+              <p:ext uri="{D42A27DB-BD31-4B8C-83A1-F6EECF244321}">
+                <p14:modId xmlns:p14="http://schemas.microsoft.com/office/powerpoint/2010/main" val="1724723330"/>
+              </p:ext>
+            </p:extLst>
+          </p:nvPr>
+        </p:nvGraphicFramePr>
+        <p:xfrm>
+          <a:off x="1524000" y="1397000"/>
+          <a:ext cx="6096000" cy="4064000"/>
+        </p:xfrm>
+        <a:graphic>
+          <a:graphicData uri="http://schemas.openxmlformats.org/drawingml/2006/diagram">
+            <dgm:relIds xmlns:dgm="http://schemas.openxmlformats.org/drawingml/2006/diagram" xmlns:r="http://schemas.openxmlformats.org/officeDocument/2006/relationships" r:dm="rId3" r:lo="rId4" r:qs="rId5" r:cs="rId6"/>
+          </a:graphicData>
+        </a:graphic>
+      </p:graphicFrame>
+    </p:spTree>
+    <p:extLst>
+      <p:ext uri="{BB962C8B-B14F-4D97-AF65-F5344CB8AC3E}">
+        <p14:creationId xmlns:p14="http://schemas.microsoft.com/office/powerpoint/2010/main" val="3323667291"/>
       </p:ext>
     </p:extLst>
   </p:cSld>

--- a/doc/test/SyncLab/SyncLab.pptx
+++ b/doc/test/SyncLab/SyncLab.pptx
@@ -8,7 +8,7 @@
     <p:sldMasterId id="2147483684" r:id="rId4"/>
   </p:sldMasterIdLst>
   <p:notesMasterIdLst>
-    <p:notesMasterId r:id="rId52"/>
+    <p:notesMasterId r:id="rId53"/>
   </p:notesMasterIdLst>
   <p:sldIdLst>
     <p:sldId id="287" r:id="rId5"/>
@@ -58,6 +58,7 @@
     <p:sldId id="417" r:id="rId49"/>
     <p:sldId id="418" r:id="rId50"/>
     <p:sldId id="419" r:id="rId51"/>
+    <p:sldId id="420" r:id="rId52"/>
   </p:sldIdLst>
   <p:sldSz cx="9144000" cy="6858000" type="screen4x3"/>
   <p:notesSz cx="6858000" cy="9144000"/>
@@ -232,6 +233,7 @@
             <p14:sldId id="417"/>
             <p14:sldId id="418"/>
             <p14:sldId id="419"/>
+            <p14:sldId id="420"/>
           </p14:sldIdLst>
         </p14:section>
       </p14:sectionLst>
@@ -2338,7 +2340,7 @@
             </a:spcAft>
             <a:buNone/>
           </a:pPr>
-          <a:endParaRPr lang="en-US" sz="5500" kern="1200"/>
+          <a:endParaRPr lang="en-US" sz="5500" kern="1200" dirty="0"/>
         </a:p>
       </dsp:txBody>
       <dsp:txXfrm>
@@ -3909,7 +3911,7 @@
           <a:p>
             <a:fld id="{43E32005-3A63-48D2-8C73-BF5F95786EBD}" type="datetimeFigureOut">
               <a:rPr lang="en-US" smtClean="0"/>
-              <a:t>3/21/2018</a:t>
+              <a:t>4/11/2018</a:t>
             </a:fld>
             <a:endParaRPr lang="en-US"/>
           </a:p>
@@ -7754,6 +7756,93 @@
 </p:notes>
 </file>
 
+<file path=ppt/notesSlides/notesSlide40.xml><?xml version="1.0" encoding="utf-8"?>
+<p:notes xmlns:a="http://schemas.openxmlformats.org/drawingml/2006/main" xmlns:r="http://schemas.openxmlformats.org/officeDocument/2006/relationships" xmlns:p="http://schemas.openxmlformats.org/presentationml/2006/main">
+  <p:cSld>
+    <p:spTree>
+      <p:nvGrpSpPr>
+        <p:cNvPr id="1" name=""/>
+        <p:cNvGrpSpPr/>
+        <p:nvPr/>
+      </p:nvGrpSpPr>
+      <p:grpSpPr>
+        <a:xfrm>
+          <a:off x="0" y="0"/>
+          <a:ext cx="0" cy="0"/>
+          <a:chOff x="0" y="0"/>
+          <a:chExt cx="0" cy="0"/>
+        </a:xfrm>
+      </p:grpSpPr>
+      <p:sp>
+        <p:nvSpPr>
+          <p:cNvPr id="2" name="Slide Image Placeholder 1"/>
+          <p:cNvSpPr>
+            <a:spLocks noGrp="1" noRot="1" noChangeAspect="1"/>
+          </p:cNvSpPr>
+          <p:nvPr>
+            <p:ph type="sldImg"/>
+          </p:nvPr>
+        </p:nvSpPr>
+        <p:spPr/>
+      </p:sp>
+      <p:sp>
+        <p:nvSpPr>
+          <p:cNvPr id="3" name="Notes Placeholder 2"/>
+          <p:cNvSpPr>
+            <a:spLocks noGrp="1"/>
+          </p:cNvSpPr>
+          <p:nvPr>
+            <p:ph type="body" idx="1"/>
+          </p:nvPr>
+        </p:nvSpPr>
+        <p:spPr/>
+        <p:txBody>
+          <a:bodyPr/>
+          <a:lstStyle/>
+          <a:p>
+            <a:r>
+              <a:rPr lang="en-US" dirty="0"/>
+              <a:t>SmartArt</a:t>
+            </a:r>
+          </a:p>
+        </p:txBody>
+      </p:sp>
+      <p:sp>
+        <p:nvSpPr>
+          <p:cNvPr id="4" name="Slide Number Placeholder 3"/>
+          <p:cNvSpPr>
+            <a:spLocks noGrp="1"/>
+          </p:cNvSpPr>
+          <p:nvPr>
+            <p:ph type="sldNum" sz="quarter" idx="10"/>
+          </p:nvPr>
+        </p:nvSpPr>
+        <p:spPr/>
+        <p:txBody>
+          <a:bodyPr/>
+          <a:lstStyle/>
+          <a:p>
+            <a:fld id="{0FE7C38A-472B-4221-8E00-509E1DA863EC}" type="slidenum">
+              <a:rPr lang="en-US" smtClean="0"/>
+              <a:t>48</a:t>
+            </a:fld>
+            <a:endParaRPr lang="en-US"/>
+          </a:p>
+        </p:txBody>
+      </p:sp>
+    </p:spTree>
+    <p:extLst>
+      <p:ext uri="{BB962C8B-B14F-4D97-AF65-F5344CB8AC3E}">
+        <p14:creationId xmlns:p14="http://schemas.microsoft.com/office/powerpoint/2010/main" val="3672517908"/>
+      </p:ext>
+    </p:extLst>
+  </p:cSld>
+  <p:clrMapOvr>
+    <a:masterClrMapping/>
+  </p:clrMapOvr>
+</p:notes>
+</file>
+
 <file path=ppt/notesSlides/notesSlide5.xml><?xml version="1.0" encoding="utf-8"?>
 <p:notes xmlns:a="http://schemas.openxmlformats.org/drawingml/2006/main" xmlns:r="http://schemas.openxmlformats.org/officeDocument/2006/relationships" xmlns:p="http://schemas.openxmlformats.org/presentationml/2006/main">
   <p:cSld>
@@ -8581,7 +8670,7 @@
           <a:p>
             <a:fld id="{699DC775-C286-4358-8C92-D7E584E969B3}" type="datetimeFigureOut">
               <a:rPr lang="en-US" smtClean="0"/>
-              <a:t>3/21/2018</a:t>
+              <a:t>4/11/2018</a:t>
             </a:fld>
             <a:endParaRPr lang="en-US"/>
           </a:p>
@@ -8749,7 +8838,7 @@
           <a:p>
             <a:fld id="{699DC775-C286-4358-8C92-D7E584E969B3}" type="datetimeFigureOut">
               <a:rPr lang="en-US" smtClean="0"/>
-              <a:t>3/21/2018</a:t>
+              <a:t>4/11/2018</a:t>
             </a:fld>
             <a:endParaRPr lang="en-US"/>
           </a:p>
@@ -8927,7 +9016,7 @@
           <a:p>
             <a:fld id="{699DC775-C286-4358-8C92-D7E584E969B3}" type="datetimeFigureOut">
               <a:rPr lang="en-US" smtClean="0"/>
-              <a:t>3/21/2018</a:t>
+              <a:t>4/11/2018</a:t>
             </a:fld>
             <a:endParaRPr lang="en-US"/>
           </a:p>
@@ -9167,7 +9256,7 @@
           <a:p>
             <a:fld id="{699DC775-C286-4358-8C92-D7E584E969B3}" type="datetimeFigureOut">
               <a:rPr lang="en-US" smtClean="0"/>
-              <a:t>3/21/2018</a:t>
+              <a:t>4/11/2018</a:t>
             </a:fld>
             <a:endParaRPr lang="en-US"/>
           </a:p>
@@ -9335,7 +9424,7 @@
           <a:p>
             <a:fld id="{699DC775-C286-4358-8C92-D7E584E969B3}" type="datetimeFigureOut">
               <a:rPr lang="en-US" smtClean="0"/>
-              <a:t>3/21/2018</a:t>
+              <a:t>4/11/2018</a:t>
             </a:fld>
             <a:endParaRPr lang="en-US"/>
           </a:p>
@@ -9580,7 +9669,7 @@
           <a:p>
             <a:fld id="{699DC775-C286-4358-8C92-D7E584E969B3}" type="datetimeFigureOut">
               <a:rPr lang="en-US" smtClean="0"/>
-              <a:t>3/21/2018</a:t>
+              <a:t>4/11/2018</a:t>
             </a:fld>
             <a:endParaRPr lang="en-US"/>
           </a:p>
@@ -9865,7 +9954,7 @@
           <a:p>
             <a:fld id="{699DC775-C286-4358-8C92-D7E584E969B3}" type="datetimeFigureOut">
               <a:rPr lang="en-US" smtClean="0"/>
-              <a:t>3/21/2018</a:t>
+              <a:t>4/11/2018</a:t>
             </a:fld>
             <a:endParaRPr lang="en-US"/>
           </a:p>
@@ -10284,7 +10373,7 @@
           <a:p>
             <a:fld id="{699DC775-C286-4358-8C92-D7E584E969B3}" type="datetimeFigureOut">
               <a:rPr lang="en-US" smtClean="0"/>
-              <a:t>3/21/2018</a:t>
+              <a:t>4/11/2018</a:t>
             </a:fld>
             <a:endParaRPr lang="en-US"/>
           </a:p>
@@ -10401,7 +10490,7 @@
           <a:p>
             <a:fld id="{699DC775-C286-4358-8C92-D7E584E969B3}" type="datetimeFigureOut">
               <a:rPr lang="en-US" smtClean="0"/>
-              <a:t>3/21/2018</a:t>
+              <a:t>4/11/2018</a:t>
             </a:fld>
             <a:endParaRPr lang="en-US"/>
           </a:p>
@@ -10496,7 +10585,7 @@
           <a:p>
             <a:fld id="{699DC775-C286-4358-8C92-D7E584E969B3}" type="datetimeFigureOut">
               <a:rPr lang="en-US" smtClean="0"/>
-              <a:t>3/21/2018</a:t>
+              <a:t>4/11/2018</a:t>
             </a:fld>
             <a:endParaRPr lang="en-US"/>
           </a:p>
@@ -10771,7 +10860,7 @@
           <a:p>
             <a:fld id="{699DC775-C286-4358-8C92-D7E584E969B3}" type="datetimeFigureOut">
               <a:rPr lang="en-US" smtClean="0"/>
-              <a:t>3/21/2018</a:t>
+              <a:t>4/11/2018</a:t>
             </a:fld>
             <a:endParaRPr lang="en-US"/>
           </a:p>
@@ -10939,7 +11028,7 @@
           <a:p>
             <a:fld id="{699DC775-C286-4358-8C92-D7E584E969B3}" type="datetimeFigureOut">
               <a:rPr lang="en-US" smtClean="0"/>
-              <a:t>3/21/2018</a:t>
+              <a:t>4/11/2018</a:t>
             </a:fld>
             <a:endParaRPr lang="en-US"/>
           </a:p>
@@ -11191,7 +11280,7 @@
           <a:p>
             <a:fld id="{699DC775-C286-4358-8C92-D7E584E969B3}" type="datetimeFigureOut">
               <a:rPr lang="en-US" smtClean="0"/>
-              <a:t>3/21/2018</a:t>
+              <a:t>4/11/2018</a:t>
             </a:fld>
             <a:endParaRPr lang="en-US"/>
           </a:p>
@@ -11359,7 +11448,7 @@
           <a:p>
             <a:fld id="{699DC775-C286-4358-8C92-D7E584E969B3}" type="datetimeFigureOut">
               <a:rPr lang="en-US" smtClean="0"/>
-              <a:t>3/21/2018</a:t>
+              <a:t>4/11/2018</a:t>
             </a:fld>
             <a:endParaRPr lang="en-US"/>
           </a:p>
@@ -11537,7 +11626,7 @@
           <a:p>
             <a:fld id="{699DC775-C286-4358-8C92-D7E584E969B3}" type="datetimeFigureOut">
               <a:rPr lang="en-US" smtClean="0"/>
-              <a:t>3/21/2018</a:t>
+              <a:t>4/11/2018</a:t>
             </a:fld>
             <a:endParaRPr lang="en-US"/>
           </a:p>
@@ -11785,7 +11874,7 @@
           <a:p>
             <a:fld id="{699DC775-C286-4358-8C92-D7E584E969B3}" type="datetimeFigureOut">
               <a:rPr lang="en-US" smtClean="0"/>
-              <a:t>3/21/2018</a:t>
+              <a:t>4/11/2018</a:t>
             </a:fld>
             <a:endParaRPr lang="en-US"/>
           </a:p>
@@ -11961,7 +12050,7 @@
           <a:p>
             <a:fld id="{699DC775-C286-4358-8C92-D7E584E969B3}" type="datetimeFigureOut">
               <a:rPr lang="en-US" smtClean="0"/>
-              <a:t>3/21/2018</a:t>
+              <a:t>4/11/2018</a:t>
             </a:fld>
             <a:endParaRPr lang="en-US"/>
           </a:p>
@@ -12214,7 +12303,7 @@
           <a:p>
             <a:fld id="{699DC775-C286-4358-8C92-D7E584E969B3}" type="datetimeFigureOut">
               <a:rPr lang="en-US" smtClean="0"/>
-              <a:t>3/21/2018</a:t>
+              <a:t>4/11/2018</a:t>
             </a:fld>
             <a:endParaRPr lang="en-US"/>
           </a:p>
@@ -12507,7 +12596,7 @@
           <a:p>
             <a:fld id="{699DC775-C286-4358-8C92-D7E584E969B3}" type="datetimeFigureOut">
               <a:rPr lang="en-US" smtClean="0"/>
-              <a:t>3/21/2018</a:t>
+              <a:t>4/11/2018</a:t>
             </a:fld>
             <a:endParaRPr lang="en-US"/>
           </a:p>
@@ -12934,7 +13023,7 @@
           <a:p>
             <a:fld id="{699DC775-C286-4358-8C92-D7E584E969B3}" type="datetimeFigureOut">
               <a:rPr lang="en-US" smtClean="0"/>
-              <a:t>3/21/2018</a:t>
+              <a:t>4/11/2018</a:t>
             </a:fld>
             <a:endParaRPr lang="en-US"/>
           </a:p>
@@ -13059,7 +13148,7 @@
           <a:p>
             <a:fld id="{699DC775-C286-4358-8C92-D7E584E969B3}" type="datetimeFigureOut">
               <a:rPr lang="en-US" smtClean="0"/>
-              <a:t>3/21/2018</a:t>
+              <a:t>4/11/2018</a:t>
             </a:fld>
             <a:endParaRPr lang="en-US"/>
           </a:p>
@@ -13162,7 +13251,7 @@
           <a:p>
             <a:fld id="{699DC775-C286-4358-8C92-D7E584E969B3}" type="datetimeFigureOut">
               <a:rPr lang="en-US" smtClean="0"/>
-              <a:t>3/21/2018</a:t>
+              <a:t>4/11/2018</a:t>
             </a:fld>
             <a:endParaRPr lang="en-US"/>
           </a:p>
@@ -13407,7 +13496,7 @@
           <a:p>
             <a:fld id="{699DC775-C286-4358-8C92-D7E584E969B3}" type="datetimeFigureOut">
               <a:rPr lang="en-US" smtClean="0"/>
-              <a:t>3/21/2018</a:t>
+              <a:t>4/11/2018</a:t>
             </a:fld>
             <a:endParaRPr lang="en-US"/>
           </a:p>
@@ -13690,7 +13779,7 @@
           <a:p>
             <a:fld id="{699DC775-C286-4358-8C92-D7E584E969B3}" type="datetimeFigureOut">
               <a:rPr lang="en-US" smtClean="0"/>
-              <a:t>3/21/2018</a:t>
+              <a:t>4/11/2018</a:t>
             </a:fld>
             <a:endParaRPr lang="en-US"/>
           </a:p>
@@ -13950,7 +14039,7 @@
           <a:p>
             <a:fld id="{699DC775-C286-4358-8C92-D7E584E969B3}" type="datetimeFigureOut">
               <a:rPr lang="en-US" smtClean="0"/>
-              <a:t>3/21/2018</a:t>
+              <a:t>4/11/2018</a:t>
             </a:fld>
             <a:endParaRPr lang="en-US"/>
           </a:p>
@@ -14126,7 +14215,7 @@
           <a:p>
             <a:fld id="{699DC775-C286-4358-8C92-D7E584E969B3}" type="datetimeFigureOut">
               <a:rPr lang="en-US" smtClean="0"/>
-              <a:t>3/21/2018</a:t>
+              <a:t>4/11/2018</a:t>
             </a:fld>
             <a:endParaRPr lang="en-US"/>
           </a:p>
@@ -14312,7 +14401,7 @@
           <a:p>
             <a:fld id="{699DC775-C286-4358-8C92-D7E584E969B3}" type="datetimeFigureOut">
               <a:rPr lang="en-US" smtClean="0"/>
-              <a:t>3/21/2018</a:t>
+              <a:t>4/11/2018</a:t>
             </a:fld>
             <a:endParaRPr lang="en-US"/>
           </a:p>
@@ -14502,7 +14591,7 @@
           <a:p>
             <a:fld id="{45696B32-6A70-48EC-8939-9D142D9557CD}" type="datetimeFigureOut">
               <a:rPr lang="en-US" smtClean="0"/>
-              <a:t>3/21/2018</a:t>
+              <a:t>4/11/2018</a:t>
             </a:fld>
             <a:endParaRPr lang="en-US"/>
           </a:p>
@@ -14816,7 +14905,7 @@
           <a:p>
             <a:fld id="{45696B32-6A70-48EC-8939-9D142D9557CD}" type="datetimeFigureOut">
               <a:rPr lang="en-US" smtClean="0"/>
-              <a:t>3/21/2018</a:t>
+              <a:t>4/11/2018</a:t>
             </a:fld>
             <a:endParaRPr lang="en-US"/>
           </a:p>
@@ -15061,7 +15150,7 @@
           <a:p>
             <a:fld id="{45696B32-6A70-48EC-8939-9D142D9557CD}" type="datetimeFigureOut">
               <a:rPr lang="en-US" smtClean="0"/>
-              <a:t>3/21/2018</a:t>
+              <a:t>4/11/2018</a:t>
             </a:fld>
             <a:endParaRPr lang="en-US"/>
           </a:p>
@@ -15290,7 +15379,7 @@
           <a:p>
             <a:fld id="{45696B32-6A70-48EC-8939-9D142D9557CD}" type="datetimeFigureOut">
               <a:rPr lang="en-US" smtClean="0"/>
-              <a:t>3/21/2018</a:t>
+              <a:t>4/11/2018</a:t>
             </a:fld>
             <a:endParaRPr lang="en-US"/>
           </a:p>
@@ -15654,7 +15743,7 @@
           <a:p>
             <a:fld id="{45696B32-6A70-48EC-8939-9D142D9557CD}" type="datetimeFigureOut">
               <a:rPr lang="en-US" smtClean="0"/>
-              <a:t>3/21/2018</a:t>
+              <a:t>4/11/2018</a:t>
             </a:fld>
             <a:endParaRPr lang="en-US"/>
           </a:p>
@@ -15771,7 +15860,7 @@
           <a:p>
             <a:fld id="{45696B32-6A70-48EC-8939-9D142D9557CD}" type="datetimeFigureOut">
               <a:rPr lang="en-US" smtClean="0"/>
-              <a:t>3/21/2018</a:t>
+              <a:t>4/11/2018</a:t>
             </a:fld>
             <a:endParaRPr lang="en-US"/>
           </a:p>
@@ -16056,7 +16145,7 @@
           <a:p>
             <a:fld id="{699DC775-C286-4358-8C92-D7E584E969B3}" type="datetimeFigureOut">
               <a:rPr lang="en-US" smtClean="0"/>
-              <a:t>3/21/2018</a:t>
+              <a:t>4/11/2018</a:t>
             </a:fld>
             <a:endParaRPr lang="en-US"/>
           </a:p>
@@ -16151,7 +16240,7 @@
           <a:p>
             <a:fld id="{45696B32-6A70-48EC-8939-9D142D9557CD}" type="datetimeFigureOut">
               <a:rPr lang="en-US" smtClean="0"/>
-              <a:t>3/21/2018</a:t>
+              <a:t>4/11/2018</a:t>
             </a:fld>
             <a:endParaRPr lang="en-US"/>
           </a:p>
@@ -16426,7 +16515,7 @@
           <a:p>
             <a:fld id="{45696B32-6A70-48EC-8939-9D142D9557CD}" type="datetimeFigureOut">
               <a:rPr lang="en-US" smtClean="0"/>
-              <a:t>3/21/2018</a:t>
+              <a:t>4/11/2018</a:t>
             </a:fld>
             <a:endParaRPr lang="en-US"/>
           </a:p>
@@ -16678,7 +16767,7 @@
           <a:p>
             <a:fld id="{45696B32-6A70-48EC-8939-9D142D9557CD}" type="datetimeFigureOut">
               <a:rPr lang="en-US" smtClean="0"/>
-              <a:t>3/21/2018</a:t>
+              <a:t>4/11/2018</a:t>
             </a:fld>
             <a:endParaRPr lang="en-US"/>
           </a:p>
@@ -16846,7 +16935,7 @@
           <a:p>
             <a:fld id="{45696B32-6A70-48EC-8939-9D142D9557CD}" type="datetimeFigureOut">
               <a:rPr lang="en-US" smtClean="0"/>
-              <a:t>3/21/2018</a:t>
+              <a:t>4/11/2018</a:t>
             </a:fld>
             <a:endParaRPr lang="en-US"/>
           </a:p>
@@ -17024,7 +17113,7 @@
           <a:p>
             <a:fld id="{45696B32-6A70-48EC-8939-9D142D9557CD}" type="datetimeFigureOut">
               <a:rPr lang="en-US" smtClean="0"/>
-              <a:t>3/21/2018</a:t>
+              <a:t>4/11/2018</a:t>
             </a:fld>
             <a:endParaRPr lang="en-US"/>
           </a:p>
@@ -17443,7 +17532,7 @@
           <a:p>
             <a:fld id="{699DC775-C286-4358-8C92-D7E584E969B3}" type="datetimeFigureOut">
               <a:rPr lang="en-US" smtClean="0"/>
-              <a:t>3/21/2018</a:t>
+              <a:t>4/11/2018</a:t>
             </a:fld>
             <a:endParaRPr lang="en-US"/>
           </a:p>
@@ -17560,7 +17649,7 @@
           <a:p>
             <a:fld id="{699DC775-C286-4358-8C92-D7E584E969B3}" type="datetimeFigureOut">
               <a:rPr lang="en-US" smtClean="0"/>
-              <a:t>3/21/2018</a:t>
+              <a:t>4/11/2018</a:t>
             </a:fld>
             <a:endParaRPr lang="en-US"/>
           </a:p>
@@ -17655,7 +17744,7 @@
           <a:p>
             <a:fld id="{699DC775-C286-4358-8C92-D7E584E969B3}" type="datetimeFigureOut">
               <a:rPr lang="en-US" smtClean="0"/>
-              <a:t>3/21/2018</a:t>
+              <a:t>4/11/2018</a:t>
             </a:fld>
             <a:endParaRPr lang="en-US"/>
           </a:p>
@@ -17930,7 +18019,7 @@
           <a:p>
             <a:fld id="{699DC775-C286-4358-8C92-D7E584E969B3}" type="datetimeFigureOut">
               <a:rPr lang="en-US" smtClean="0"/>
-              <a:t>3/21/2018</a:t>
+              <a:t>4/11/2018</a:t>
             </a:fld>
             <a:endParaRPr lang="en-US"/>
           </a:p>
@@ -18182,7 +18271,7 @@
           <a:p>
             <a:fld id="{699DC775-C286-4358-8C92-D7E584E969B3}" type="datetimeFigureOut">
               <a:rPr lang="en-US" smtClean="0"/>
-              <a:t>3/21/2018</a:t>
+              <a:t>4/11/2018</a:t>
             </a:fld>
             <a:endParaRPr lang="en-US"/>
           </a:p>
@@ -18393,7 +18482,7 @@
           <a:p>
             <a:fld id="{699DC775-C286-4358-8C92-D7E584E969B3}" type="datetimeFigureOut">
               <a:rPr lang="en-US" smtClean="0"/>
-              <a:t>3/21/2018</a:t>
+              <a:t>4/11/2018</a:t>
             </a:fld>
             <a:endParaRPr lang="en-US"/>
           </a:p>
@@ -18906,7 +18995,7 @@
           <a:p>
             <a:fld id="{699DC775-C286-4358-8C92-D7E584E969B3}" type="datetimeFigureOut">
               <a:rPr lang="en-US" smtClean="0"/>
-              <a:t>3/21/2018</a:t>
+              <a:t>4/11/2018</a:t>
             </a:fld>
             <a:endParaRPr lang="en-US"/>
           </a:p>
@@ -19417,7 +19506,7 @@
           <a:p>
             <a:fld id="{699DC775-C286-4358-8C92-D7E584E969B3}" type="datetimeFigureOut">
               <a:rPr lang="en-US" smtClean="0"/>
-              <a:t>3/21/2018</a:t>
+              <a:t>4/11/2018</a:t>
             </a:fld>
             <a:endParaRPr lang="en-US"/>
           </a:p>
@@ -19925,7 +20014,7 @@
           <a:p>
             <a:fld id="{45696B32-6A70-48EC-8939-9D142D9557CD}" type="datetimeFigureOut">
               <a:rPr lang="en-US" smtClean="0"/>
-              <a:t>3/21/2018</a:t>
+              <a:t>4/11/2018</a:t>
             </a:fld>
             <a:endParaRPr lang="en-US"/>
           </a:p>
@@ -33602,6 +33691,89 @@
     <p:extLst>
       <p:ext uri="{BB962C8B-B14F-4D97-AF65-F5344CB8AC3E}">
         <p14:creationId xmlns:p14="http://schemas.microsoft.com/office/powerpoint/2010/main" val="3323667291"/>
+      </p:ext>
+    </p:extLst>
+  </p:cSld>
+  <p:clrMapOvr>
+    <a:masterClrMapping/>
+  </p:clrMapOvr>
+</p:sld>
+</file>
+
+<file path=ppt/slides/slide48.xml><?xml version="1.0" encoding="utf-8"?>
+<p:sld xmlns:a="http://schemas.openxmlformats.org/drawingml/2006/main" xmlns:r="http://schemas.openxmlformats.org/officeDocument/2006/relationships" xmlns:p="http://schemas.openxmlformats.org/presentationml/2006/main">
+  <p:cSld>
+    <p:spTree>
+      <p:nvGrpSpPr>
+        <p:cNvPr id="1" name=""/>
+        <p:cNvGrpSpPr/>
+        <p:nvPr/>
+      </p:nvGrpSpPr>
+      <p:grpSpPr>
+        <a:xfrm>
+          <a:off x="0" y="0"/>
+          <a:ext cx="0" cy="0"/>
+          <a:chOff x="0" y="0"/>
+          <a:chExt cx="0" cy="0"/>
+        </a:xfrm>
+      </p:grpSpPr>
+      <p:sp>
+        <p:nvSpPr>
+          <p:cNvPr id="2" name="Custom Perspective Shadow">
+            <a:extLst>
+              <a:ext uri="{FF2B5EF4-FFF2-40B4-BE49-F238E27FC236}">
+                <a16:creationId xmlns:a16="http://schemas.microsoft.com/office/drawing/2014/main" id="{CDFCE54E-FE43-4EB3-B003-1BC51DC2F375}"/>
+              </a:ext>
+            </a:extLst>
+          </p:cNvPr>
+          <p:cNvSpPr/>
+          <p:nvPr/>
+        </p:nvSpPr>
+        <p:spPr>
+          <a:xfrm>
+            <a:off x="2667000" y="1447800"/>
+            <a:ext cx="3505200" cy="3733800"/>
+          </a:xfrm>
+          <a:prstGeom prst="rect">
+            <a:avLst/>
+          </a:prstGeom>
+          <a:effectLst>
+            <a:outerShdw blurRad="76200" dist="1244600" dir="7980000" sy="23000" kx="-1200000" algn="bl" rotWithShape="0">
+              <a:prstClr val="black">
+                <a:alpha val="20000"/>
+              </a:prstClr>
+            </a:outerShdw>
+          </a:effectLst>
+        </p:spPr>
+        <p:style>
+          <a:lnRef idx="2">
+            <a:schemeClr val="accent1">
+              <a:shade val="50000"/>
+            </a:schemeClr>
+          </a:lnRef>
+          <a:fillRef idx="1">
+            <a:schemeClr val="accent1"/>
+          </a:fillRef>
+          <a:effectRef idx="0">
+            <a:schemeClr val="accent1"/>
+          </a:effectRef>
+          <a:fontRef idx="minor">
+            <a:schemeClr val="lt1"/>
+          </a:fontRef>
+        </p:style>
+        <p:txBody>
+          <a:bodyPr rtlCol="0" anchor="ctr"/>
+          <a:lstStyle/>
+          <a:p>
+            <a:pPr algn="ctr"/>
+            <a:endParaRPr lang="en-US" dirty="0"/>
+          </a:p>
+        </p:txBody>
+      </p:sp>
+    </p:spTree>
+    <p:extLst>
+      <p:ext uri="{BB962C8B-B14F-4D97-AF65-F5344CB8AC3E}">
+        <p14:creationId xmlns:p14="http://schemas.microsoft.com/office/powerpoint/2010/main" val="4144271423"/>
       </p:ext>
     </p:extLst>
   </p:cSld>

--- a/doc/test/SyncLab/SyncLab.pptx
+++ b/doc/test/SyncLab/SyncLab.pptx
@@ -8,7 +8,7 @@
     <p:sldMasterId id="2147483684" r:id="rId4"/>
   </p:sldMasterIdLst>
   <p:notesMasterIdLst>
-    <p:notesMasterId r:id="rId51"/>
+    <p:notesMasterId r:id="rId53"/>
   </p:notesMasterIdLst>
   <p:sldIdLst>
     <p:sldId id="287" r:id="rId5"/>
@@ -57,6 +57,8 @@
     <p:sldId id="416" r:id="rId48"/>
     <p:sldId id="417" r:id="rId49"/>
     <p:sldId id="418" r:id="rId50"/>
+    <p:sldId id="419" r:id="rId51"/>
+    <p:sldId id="420" r:id="rId52"/>
   </p:sldIdLst>
   <p:sldSz cx="9144000" cy="6858000" type="screen4x3"/>
   <p:notesSz cx="6858000" cy="9144000"/>
@@ -230,6 +232,8 @@
             <p14:sldId id="416"/>
             <p14:sldId id="417"/>
             <p14:sldId id="418"/>
+            <p14:sldId id="419"/>
+            <p14:sldId id="420"/>
           </p14:sldIdLst>
         </p14:section>
       </p14:sectionLst>
@@ -1238,6 +1242,2593 @@
 </cs:chartStyle>
 </file>
 
+<file path=ppt/diagrams/colors1.xml><?xml version="1.0" encoding="utf-8"?>
+<dgm:colorsDef xmlns:dgm="http://schemas.openxmlformats.org/drawingml/2006/diagram" xmlns:a="http://schemas.openxmlformats.org/drawingml/2006/main" uniqueId="urn:microsoft.com/office/officeart/2005/8/colors/accent1_2">
+  <dgm:title val=""/>
+  <dgm:desc val=""/>
+  <dgm:catLst>
+    <dgm:cat type="accent1" pri="11200"/>
+  </dgm:catLst>
+  <dgm:styleLbl name="node0">
+    <dgm:fillClrLst meth="repeat">
+      <a:schemeClr val="accent1"/>
+    </dgm:fillClrLst>
+    <dgm:linClrLst meth="repeat">
+      <a:schemeClr val="lt1"/>
+    </dgm:linClrLst>
+    <dgm:effectClrLst/>
+    <dgm:txLinClrLst/>
+    <dgm:txFillClrLst/>
+    <dgm:txEffectClrLst/>
+  </dgm:styleLbl>
+  <dgm:styleLbl name="alignNode1">
+    <dgm:fillClrLst meth="repeat">
+      <a:schemeClr val="accent1"/>
+    </dgm:fillClrLst>
+    <dgm:linClrLst meth="repeat">
+      <a:schemeClr val="accent1"/>
+    </dgm:linClrLst>
+    <dgm:effectClrLst/>
+    <dgm:txLinClrLst/>
+    <dgm:txFillClrLst/>
+    <dgm:txEffectClrLst/>
+  </dgm:styleLbl>
+  <dgm:styleLbl name="node1">
+    <dgm:fillClrLst meth="repeat">
+      <a:schemeClr val="accent1"/>
+    </dgm:fillClrLst>
+    <dgm:linClrLst meth="repeat">
+      <a:schemeClr val="lt1"/>
+    </dgm:linClrLst>
+    <dgm:effectClrLst/>
+    <dgm:txLinClrLst/>
+    <dgm:txFillClrLst/>
+    <dgm:txEffectClrLst/>
+  </dgm:styleLbl>
+  <dgm:styleLbl name="lnNode1">
+    <dgm:fillClrLst meth="repeat">
+      <a:schemeClr val="accent1"/>
+    </dgm:fillClrLst>
+    <dgm:linClrLst meth="repeat">
+      <a:schemeClr val="lt1"/>
+    </dgm:linClrLst>
+    <dgm:effectClrLst/>
+    <dgm:txLinClrLst/>
+    <dgm:txFillClrLst/>
+    <dgm:txEffectClrLst/>
+  </dgm:styleLbl>
+  <dgm:styleLbl name="vennNode1">
+    <dgm:fillClrLst meth="repeat">
+      <a:schemeClr val="accent1">
+        <a:alpha val="50000"/>
+      </a:schemeClr>
+    </dgm:fillClrLst>
+    <dgm:linClrLst meth="repeat">
+      <a:schemeClr val="lt1"/>
+    </dgm:linClrLst>
+    <dgm:effectClrLst/>
+    <dgm:txLinClrLst/>
+    <dgm:txFillClrLst/>
+    <dgm:txEffectClrLst/>
+  </dgm:styleLbl>
+  <dgm:styleLbl name="node2">
+    <dgm:fillClrLst meth="repeat">
+      <a:schemeClr val="accent1"/>
+    </dgm:fillClrLst>
+    <dgm:linClrLst meth="repeat">
+      <a:schemeClr val="lt1"/>
+    </dgm:linClrLst>
+    <dgm:effectClrLst/>
+    <dgm:txLinClrLst/>
+    <dgm:txFillClrLst/>
+    <dgm:txEffectClrLst/>
+  </dgm:styleLbl>
+  <dgm:styleLbl name="node3">
+    <dgm:fillClrLst meth="repeat">
+      <a:schemeClr val="accent1"/>
+    </dgm:fillClrLst>
+    <dgm:linClrLst meth="repeat">
+      <a:schemeClr val="lt1"/>
+    </dgm:linClrLst>
+    <dgm:effectClrLst/>
+    <dgm:txLinClrLst/>
+    <dgm:txFillClrLst/>
+    <dgm:txEffectClrLst/>
+  </dgm:styleLbl>
+  <dgm:styleLbl name="node4">
+    <dgm:fillClrLst meth="repeat">
+      <a:schemeClr val="accent1"/>
+    </dgm:fillClrLst>
+    <dgm:linClrLst meth="repeat">
+      <a:schemeClr val="lt1"/>
+    </dgm:linClrLst>
+    <dgm:effectClrLst/>
+    <dgm:txLinClrLst/>
+    <dgm:txFillClrLst/>
+    <dgm:txEffectClrLst/>
+  </dgm:styleLbl>
+  <dgm:styleLbl name="fgImgPlace1">
+    <dgm:fillClrLst meth="repeat">
+      <a:schemeClr val="accent1">
+        <a:tint val="50000"/>
+      </a:schemeClr>
+    </dgm:fillClrLst>
+    <dgm:linClrLst meth="repeat">
+      <a:schemeClr val="lt1"/>
+    </dgm:linClrLst>
+    <dgm:effectClrLst/>
+    <dgm:txLinClrLst/>
+    <dgm:txFillClrLst meth="repeat">
+      <a:schemeClr val="lt1"/>
+    </dgm:txFillClrLst>
+    <dgm:txEffectClrLst/>
+  </dgm:styleLbl>
+  <dgm:styleLbl name="alignImgPlace1">
+    <dgm:fillClrLst meth="repeat">
+      <a:schemeClr val="accent1">
+        <a:tint val="50000"/>
+      </a:schemeClr>
+    </dgm:fillClrLst>
+    <dgm:linClrLst meth="repeat">
+      <a:schemeClr val="lt1"/>
+    </dgm:linClrLst>
+    <dgm:effectClrLst/>
+    <dgm:txLinClrLst/>
+    <dgm:txFillClrLst meth="repeat">
+      <a:schemeClr val="lt1"/>
+    </dgm:txFillClrLst>
+    <dgm:txEffectClrLst/>
+  </dgm:styleLbl>
+  <dgm:styleLbl name="bgImgPlace1">
+    <dgm:fillClrLst meth="repeat">
+      <a:schemeClr val="accent1">
+        <a:tint val="50000"/>
+      </a:schemeClr>
+    </dgm:fillClrLst>
+    <dgm:linClrLst meth="repeat">
+      <a:schemeClr val="lt1"/>
+    </dgm:linClrLst>
+    <dgm:effectClrLst/>
+    <dgm:txLinClrLst/>
+    <dgm:txFillClrLst meth="repeat">
+      <a:schemeClr val="lt1"/>
+    </dgm:txFillClrLst>
+    <dgm:txEffectClrLst/>
+  </dgm:styleLbl>
+  <dgm:styleLbl name="sibTrans2D1">
+    <dgm:fillClrLst meth="repeat">
+      <a:schemeClr val="accent1">
+        <a:tint val="60000"/>
+      </a:schemeClr>
+    </dgm:fillClrLst>
+    <dgm:linClrLst meth="repeat">
+      <a:schemeClr val="accent1">
+        <a:tint val="60000"/>
+      </a:schemeClr>
+    </dgm:linClrLst>
+    <dgm:effectClrLst/>
+    <dgm:txLinClrLst/>
+    <dgm:txFillClrLst/>
+    <dgm:txEffectClrLst/>
+  </dgm:styleLbl>
+  <dgm:styleLbl name="fgSibTrans2D1">
+    <dgm:fillClrLst meth="repeat">
+      <a:schemeClr val="accent1">
+        <a:tint val="60000"/>
+      </a:schemeClr>
+    </dgm:fillClrLst>
+    <dgm:linClrLst meth="repeat">
+      <a:schemeClr val="accent1">
+        <a:tint val="60000"/>
+      </a:schemeClr>
+    </dgm:linClrLst>
+    <dgm:effectClrLst/>
+    <dgm:txLinClrLst/>
+    <dgm:txFillClrLst/>
+    <dgm:txEffectClrLst/>
+  </dgm:styleLbl>
+  <dgm:styleLbl name="bgSibTrans2D1">
+    <dgm:fillClrLst meth="repeat">
+      <a:schemeClr val="accent1">
+        <a:tint val="60000"/>
+      </a:schemeClr>
+    </dgm:fillClrLst>
+    <dgm:linClrLst meth="repeat">
+      <a:schemeClr val="accent1">
+        <a:tint val="60000"/>
+      </a:schemeClr>
+    </dgm:linClrLst>
+    <dgm:effectClrLst/>
+    <dgm:txLinClrLst/>
+    <dgm:txFillClrLst/>
+    <dgm:txEffectClrLst/>
+  </dgm:styleLbl>
+  <dgm:styleLbl name="sibTrans1D1">
+    <dgm:fillClrLst meth="repeat">
+      <a:schemeClr val="accent1"/>
+    </dgm:fillClrLst>
+    <dgm:linClrLst meth="repeat">
+      <a:schemeClr val="accent1"/>
+    </dgm:linClrLst>
+    <dgm:effectClrLst/>
+    <dgm:txLinClrLst/>
+    <dgm:txFillClrLst meth="repeat">
+      <a:schemeClr val="tx1"/>
+    </dgm:txFillClrLst>
+    <dgm:txEffectClrLst/>
+  </dgm:styleLbl>
+  <dgm:styleLbl name="callout">
+    <dgm:fillClrLst meth="repeat">
+      <a:schemeClr val="accent1"/>
+    </dgm:fillClrLst>
+    <dgm:linClrLst meth="repeat">
+      <a:schemeClr val="accent1">
+        <a:tint val="50000"/>
+      </a:schemeClr>
+    </dgm:linClrLst>
+    <dgm:effectClrLst/>
+    <dgm:txLinClrLst/>
+    <dgm:txFillClrLst meth="repeat">
+      <a:schemeClr val="tx1"/>
+    </dgm:txFillClrLst>
+    <dgm:txEffectClrLst/>
+  </dgm:styleLbl>
+  <dgm:styleLbl name="asst0">
+    <dgm:fillClrLst meth="repeat">
+      <a:schemeClr val="accent1"/>
+    </dgm:fillClrLst>
+    <dgm:linClrLst meth="repeat">
+      <a:schemeClr val="lt1"/>
+    </dgm:linClrLst>
+    <dgm:effectClrLst/>
+    <dgm:txLinClrLst/>
+    <dgm:txFillClrLst/>
+    <dgm:txEffectClrLst/>
+  </dgm:styleLbl>
+  <dgm:styleLbl name="asst1">
+    <dgm:fillClrLst meth="repeat">
+      <a:schemeClr val="accent1"/>
+    </dgm:fillClrLst>
+    <dgm:linClrLst meth="repeat">
+      <a:schemeClr val="lt1"/>
+    </dgm:linClrLst>
+    <dgm:effectClrLst/>
+    <dgm:txLinClrLst/>
+    <dgm:txFillClrLst/>
+    <dgm:txEffectClrLst/>
+  </dgm:styleLbl>
+  <dgm:styleLbl name="asst2">
+    <dgm:fillClrLst meth="repeat">
+      <a:schemeClr val="accent1"/>
+    </dgm:fillClrLst>
+    <dgm:linClrLst meth="repeat">
+      <a:schemeClr val="lt1"/>
+    </dgm:linClrLst>
+    <dgm:effectClrLst/>
+    <dgm:txLinClrLst/>
+    <dgm:txFillClrLst/>
+    <dgm:txEffectClrLst/>
+  </dgm:styleLbl>
+  <dgm:styleLbl name="asst3">
+    <dgm:fillClrLst meth="repeat">
+      <a:schemeClr val="accent1"/>
+    </dgm:fillClrLst>
+    <dgm:linClrLst meth="repeat">
+      <a:schemeClr val="lt1"/>
+    </dgm:linClrLst>
+    <dgm:effectClrLst/>
+    <dgm:txLinClrLst/>
+    <dgm:txFillClrLst/>
+    <dgm:txEffectClrLst/>
+  </dgm:styleLbl>
+  <dgm:styleLbl name="asst4">
+    <dgm:fillClrLst meth="repeat">
+      <a:schemeClr val="accent1"/>
+    </dgm:fillClrLst>
+    <dgm:linClrLst meth="repeat">
+      <a:schemeClr val="lt1"/>
+    </dgm:linClrLst>
+    <dgm:effectClrLst/>
+    <dgm:txLinClrLst/>
+    <dgm:txFillClrLst/>
+    <dgm:txEffectClrLst/>
+  </dgm:styleLbl>
+  <dgm:styleLbl name="parChTrans2D1">
+    <dgm:fillClrLst meth="repeat">
+      <a:schemeClr val="accent1">
+        <a:tint val="60000"/>
+      </a:schemeClr>
+    </dgm:fillClrLst>
+    <dgm:linClrLst meth="repeat">
+      <a:schemeClr val="accent1">
+        <a:tint val="60000"/>
+      </a:schemeClr>
+    </dgm:linClrLst>
+    <dgm:effectClrLst/>
+    <dgm:txLinClrLst/>
+    <dgm:txFillClrLst meth="repeat">
+      <a:schemeClr val="lt1"/>
+    </dgm:txFillClrLst>
+    <dgm:txEffectClrLst/>
+  </dgm:styleLbl>
+  <dgm:styleLbl name="parChTrans2D2">
+    <dgm:fillClrLst meth="repeat">
+      <a:schemeClr val="accent1"/>
+    </dgm:fillClrLst>
+    <dgm:linClrLst meth="repeat">
+      <a:schemeClr val="accent1"/>
+    </dgm:linClrLst>
+    <dgm:effectClrLst/>
+    <dgm:txLinClrLst/>
+    <dgm:txFillClrLst meth="repeat">
+      <a:schemeClr val="lt1"/>
+    </dgm:txFillClrLst>
+    <dgm:txEffectClrLst/>
+  </dgm:styleLbl>
+  <dgm:styleLbl name="parChTrans2D3">
+    <dgm:fillClrLst meth="repeat">
+      <a:schemeClr val="accent1"/>
+    </dgm:fillClrLst>
+    <dgm:linClrLst meth="repeat">
+      <a:schemeClr val="accent1"/>
+    </dgm:linClrLst>
+    <dgm:effectClrLst/>
+    <dgm:txLinClrLst/>
+    <dgm:txFillClrLst meth="repeat">
+      <a:schemeClr val="lt1"/>
+    </dgm:txFillClrLst>
+    <dgm:txEffectClrLst/>
+  </dgm:styleLbl>
+  <dgm:styleLbl name="parChTrans2D4">
+    <dgm:fillClrLst meth="repeat">
+      <a:schemeClr val="accent1"/>
+    </dgm:fillClrLst>
+    <dgm:linClrLst meth="repeat">
+      <a:schemeClr val="accent1"/>
+    </dgm:linClrLst>
+    <dgm:effectClrLst/>
+    <dgm:txLinClrLst/>
+    <dgm:txFillClrLst meth="repeat">
+      <a:schemeClr val="lt1"/>
+    </dgm:txFillClrLst>
+    <dgm:txEffectClrLst/>
+  </dgm:styleLbl>
+  <dgm:styleLbl name="parChTrans1D1">
+    <dgm:fillClrLst meth="repeat">
+      <a:schemeClr val="accent1"/>
+    </dgm:fillClrLst>
+    <dgm:linClrLst meth="repeat">
+      <a:schemeClr val="accent1">
+        <a:shade val="60000"/>
+      </a:schemeClr>
+    </dgm:linClrLst>
+    <dgm:effectClrLst/>
+    <dgm:txLinClrLst/>
+    <dgm:txFillClrLst meth="repeat">
+      <a:schemeClr val="tx1"/>
+    </dgm:txFillClrLst>
+    <dgm:txEffectClrLst/>
+  </dgm:styleLbl>
+  <dgm:styleLbl name="parChTrans1D2">
+    <dgm:fillClrLst meth="repeat">
+      <a:schemeClr val="accent1"/>
+    </dgm:fillClrLst>
+    <dgm:linClrLst meth="repeat">
+      <a:schemeClr val="accent1">
+        <a:shade val="60000"/>
+      </a:schemeClr>
+    </dgm:linClrLst>
+    <dgm:effectClrLst/>
+    <dgm:txLinClrLst/>
+    <dgm:txFillClrLst meth="repeat">
+      <a:schemeClr val="tx1"/>
+    </dgm:txFillClrLst>
+    <dgm:txEffectClrLst/>
+  </dgm:styleLbl>
+  <dgm:styleLbl name="parChTrans1D3">
+    <dgm:fillClrLst meth="repeat">
+      <a:schemeClr val="accent1"/>
+    </dgm:fillClrLst>
+    <dgm:linClrLst meth="repeat">
+      <a:schemeClr val="accent1">
+        <a:shade val="80000"/>
+      </a:schemeClr>
+    </dgm:linClrLst>
+    <dgm:effectClrLst/>
+    <dgm:txLinClrLst/>
+    <dgm:txFillClrLst meth="repeat">
+      <a:schemeClr val="tx1"/>
+    </dgm:txFillClrLst>
+    <dgm:txEffectClrLst/>
+  </dgm:styleLbl>
+  <dgm:styleLbl name="parChTrans1D4">
+    <dgm:fillClrLst meth="repeat">
+      <a:schemeClr val="accent1"/>
+    </dgm:fillClrLst>
+    <dgm:linClrLst meth="repeat">
+      <a:schemeClr val="accent1">
+        <a:shade val="80000"/>
+      </a:schemeClr>
+    </dgm:linClrLst>
+    <dgm:effectClrLst/>
+    <dgm:txLinClrLst/>
+    <dgm:txFillClrLst meth="repeat">
+      <a:schemeClr val="tx1"/>
+    </dgm:txFillClrLst>
+    <dgm:txEffectClrLst/>
+  </dgm:styleLbl>
+  <dgm:styleLbl name="fgAcc1">
+    <dgm:fillClrLst meth="repeat">
+      <a:schemeClr val="lt1">
+        <a:alpha val="90000"/>
+      </a:schemeClr>
+    </dgm:fillClrLst>
+    <dgm:linClrLst meth="repeat">
+      <a:schemeClr val="accent1"/>
+    </dgm:linClrLst>
+    <dgm:effectClrLst/>
+    <dgm:txLinClrLst/>
+    <dgm:txFillClrLst meth="repeat">
+      <a:schemeClr val="dk1"/>
+    </dgm:txFillClrLst>
+    <dgm:txEffectClrLst/>
+  </dgm:styleLbl>
+  <dgm:styleLbl name="conFgAcc1">
+    <dgm:fillClrLst meth="repeat">
+      <a:schemeClr val="lt1">
+        <a:alpha val="90000"/>
+      </a:schemeClr>
+    </dgm:fillClrLst>
+    <dgm:linClrLst meth="repeat">
+      <a:schemeClr val="accent1"/>
+    </dgm:linClrLst>
+    <dgm:effectClrLst/>
+    <dgm:txLinClrLst/>
+    <dgm:txFillClrLst meth="repeat">
+      <a:schemeClr val="dk1"/>
+    </dgm:txFillClrLst>
+    <dgm:txEffectClrLst/>
+  </dgm:styleLbl>
+  <dgm:styleLbl name="alignAcc1">
+    <dgm:fillClrLst meth="repeat">
+      <a:schemeClr val="lt1">
+        <a:alpha val="90000"/>
+      </a:schemeClr>
+    </dgm:fillClrLst>
+    <dgm:linClrLst meth="repeat">
+      <a:schemeClr val="accent1"/>
+    </dgm:linClrLst>
+    <dgm:effectClrLst/>
+    <dgm:txLinClrLst/>
+    <dgm:txFillClrLst meth="repeat">
+      <a:schemeClr val="dk1"/>
+    </dgm:txFillClrLst>
+    <dgm:txEffectClrLst/>
+  </dgm:styleLbl>
+  <dgm:styleLbl name="trAlignAcc1">
+    <dgm:fillClrLst meth="repeat">
+      <a:schemeClr val="lt1">
+        <a:alpha val="40000"/>
+      </a:schemeClr>
+    </dgm:fillClrLst>
+    <dgm:linClrLst meth="repeat">
+      <a:schemeClr val="accent1"/>
+    </dgm:linClrLst>
+    <dgm:effectClrLst/>
+    <dgm:txLinClrLst/>
+    <dgm:txFillClrLst meth="repeat">
+      <a:schemeClr val="dk1"/>
+    </dgm:txFillClrLst>
+    <dgm:txEffectClrLst/>
+  </dgm:styleLbl>
+  <dgm:styleLbl name="bgAcc1">
+    <dgm:fillClrLst meth="repeat">
+      <a:schemeClr val="lt1">
+        <a:alpha val="90000"/>
+      </a:schemeClr>
+    </dgm:fillClrLst>
+    <dgm:linClrLst meth="repeat">
+      <a:schemeClr val="accent1"/>
+    </dgm:linClrLst>
+    <dgm:effectClrLst/>
+    <dgm:txLinClrLst/>
+    <dgm:txFillClrLst meth="repeat">
+      <a:schemeClr val="dk1"/>
+    </dgm:txFillClrLst>
+    <dgm:txEffectClrLst/>
+  </dgm:styleLbl>
+  <dgm:styleLbl name="solidFgAcc1">
+    <dgm:fillClrLst meth="repeat">
+      <a:schemeClr val="lt1"/>
+    </dgm:fillClrLst>
+    <dgm:linClrLst meth="repeat">
+      <a:schemeClr val="accent1"/>
+    </dgm:linClrLst>
+    <dgm:effectClrLst/>
+    <dgm:txLinClrLst/>
+    <dgm:txFillClrLst meth="repeat">
+      <a:schemeClr val="dk1"/>
+    </dgm:txFillClrLst>
+    <dgm:txEffectClrLst/>
+  </dgm:styleLbl>
+  <dgm:styleLbl name="solidAlignAcc1">
+    <dgm:fillClrLst meth="repeat">
+      <a:schemeClr val="lt1"/>
+    </dgm:fillClrLst>
+    <dgm:linClrLst meth="repeat">
+      <a:schemeClr val="accent1"/>
+    </dgm:linClrLst>
+    <dgm:effectClrLst/>
+    <dgm:txLinClrLst/>
+    <dgm:txFillClrLst meth="repeat">
+      <a:schemeClr val="dk1"/>
+    </dgm:txFillClrLst>
+    <dgm:txEffectClrLst/>
+  </dgm:styleLbl>
+  <dgm:styleLbl name="solidBgAcc1">
+    <dgm:fillClrLst meth="repeat">
+      <a:schemeClr val="lt1"/>
+    </dgm:fillClrLst>
+    <dgm:linClrLst meth="repeat">
+      <a:schemeClr val="accent1"/>
+    </dgm:linClrLst>
+    <dgm:effectClrLst/>
+    <dgm:txLinClrLst/>
+    <dgm:txFillClrLst meth="repeat">
+      <a:schemeClr val="dk1"/>
+    </dgm:txFillClrLst>
+    <dgm:txEffectClrLst/>
+  </dgm:styleLbl>
+  <dgm:styleLbl name="fgAccFollowNode1">
+    <dgm:fillClrLst meth="repeat">
+      <a:schemeClr val="accent1">
+        <a:alpha val="90000"/>
+        <a:tint val="40000"/>
+      </a:schemeClr>
+    </dgm:fillClrLst>
+    <dgm:linClrLst meth="repeat">
+      <a:schemeClr val="accent1">
+        <a:alpha val="90000"/>
+        <a:tint val="40000"/>
+      </a:schemeClr>
+    </dgm:linClrLst>
+    <dgm:effectClrLst/>
+    <dgm:txLinClrLst/>
+    <dgm:txFillClrLst meth="repeat">
+      <a:schemeClr val="dk1"/>
+    </dgm:txFillClrLst>
+    <dgm:txEffectClrLst/>
+  </dgm:styleLbl>
+  <dgm:styleLbl name="alignAccFollowNode1">
+    <dgm:fillClrLst meth="repeat">
+      <a:schemeClr val="accent1">
+        <a:alpha val="90000"/>
+        <a:tint val="40000"/>
+      </a:schemeClr>
+    </dgm:fillClrLst>
+    <dgm:linClrLst meth="repeat">
+      <a:schemeClr val="accent1">
+        <a:alpha val="90000"/>
+        <a:tint val="40000"/>
+      </a:schemeClr>
+    </dgm:linClrLst>
+    <dgm:effectClrLst/>
+    <dgm:txLinClrLst/>
+    <dgm:txFillClrLst meth="repeat">
+      <a:schemeClr val="dk1"/>
+    </dgm:txFillClrLst>
+    <dgm:txEffectClrLst/>
+  </dgm:styleLbl>
+  <dgm:styleLbl name="bgAccFollowNode1">
+    <dgm:fillClrLst meth="repeat">
+      <a:schemeClr val="accent1">
+        <a:alpha val="90000"/>
+        <a:tint val="40000"/>
+      </a:schemeClr>
+    </dgm:fillClrLst>
+    <dgm:linClrLst meth="repeat">
+      <a:schemeClr val="accent1">
+        <a:alpha val="90000"/>
+        <a:tint val="40000"/>
+      </a:schemeClr>
+    </dgm:linClrLst>
+    <dgm:effectClrLst/>
+    <dgm:txLinClrLst/>
+    <dgm:txFillClrLst meth="repeat">
+      <a:schemeClr val="dk1"/>
+    </dgm:txFillClrLst>
+    <dgm:txEffectClrLst/>
+  </dgm:styleLbl>
+  <dgm:styleLbl name="fgAcc0">
+    <dgm:fillClrLst meth="repeat">
+      <a:schemeClr val="lt1">
+        <a:alpha val="90000"/>
+      </a:schemeClr>
+    </dgm:fillClrLst>
+    <dgm:linClrLst meth="repeat">
+      <a:schemeClr val="accent1"/>
+    </dgm:linClrLst>
+    <dgm:effectClrLst/>
+    <dgm:txLinClrLst/>
+    <dgm:txFillClrLst meth="repeat">
+      <a:schemeClr val="dk1"/>
+    </dgm:txFillClrLst>
+    <dgm:txEffectClrLst/>
+  </dgm:styleLbl>
+  <dgm:styleLbl name="fgAcc2">
+    <dgm:fillClrLst meth="repeat">
+      <a:schemeClr val="lt1">
+        <a:alpha val="90000"/>
+      </a:schemeClr>
+    </dgm:fillClrLst>
+    <dgm:linClrLst meth="repeat">
+      <a:schemeClr val="accent1"/>
+    </dgm:linClrLst>
+    <dgm:effectClrLst/>
+    <dgm:txLinClrLst/>
+    <dgm:txFillClrLst meth="repeat">
+      <a:schemeClr val="dk1"/>
+    </dgm:txFillClrLst>
+    <dgm:txEffectClrLst/>
+  </dgm:styleLbl>
+  <dgm:styleLbl name="fgAcc3">
+    <dgm:fillClrLst meth="repeat">
+      <a:schemeClr val="lt1">
+        <a:alpha val="90000"/>
+      </a:schemeClr>
+    </dgm:fillClrLst>
+    <dgm:linClrLst meth="repeat">
+      <a:schemeClr val="accent1"/>
+    </dgm:linClrLst>
+    <dgm:effectClrLst/>
+    <dgm:txLinClrLst/>
+    <dgm:txFillClrLst meth="repeat">
+      <a:schemeClr val="dk1"/>
+    </dgm:txFillClrLst>
+    <dgm:txEffectClrLst/>
+  </dgm:styleLbl>
+  <dgm:styleLbl name="fgAcc4">
+    <dgm:fillClrLst meth="repeat">
+      <a:schemeClr val="lt1">
+        <a:alpha val="90000"/>
+      </a:schemeClr>
+    </dgm:fillClrLst>
+    <dgm:linClrLst meth="repeat">
+      <a:schemeClr val="accent1"/>
+    </dgm:linClrLst>
+    <dgm:effectClrLst/>
+    <dgm:txLinClrLst/>
+    <dgm:txFillClrLst meth="repeat">
+      <a:schemeClr val="dk1"/>
+    </dgm:txFillClrLst>
+    <dgm:txEffectClrLst/>
+  </dgm:styleLbl>
+  <dgm:styleLbl name="bgShp">
+    <dgm:fillClrLst meth="repeat">
+      <a:schemeClr val="accent1">
+        <a:tint val="40000"/>
+      </a:schemeClr>
+    </dgm:fillClrLst>
+    <dgm:linClrLst meth="repeat">
+      <a:schemeClr val="accent1"/>
+    </dgm:linClrLst>
+    <dgm:effectClrLst/>
+    <dgm:txLinClrLst/>
+    <dgm:txFillClrLst meth="repeat">
+      <a:schemeClr val="dk1"/>
+    </dgm:txFillClrLst>
+    <dgm:txEffectClrLst/>
+  </dgm:styleLbl>
+  <dgm:styleLbl name="dkBgShp">
+    <dgm:fillClrLst meth="repeat">
+      <a:schemeClr val="accent1">
+        <a:shade val="80000"/>
+      </a:schemeClr>
+    </dgm:fillClrLst>
+    <dgm:linClrLst meth="repeat">
+      <a:schemeClr val="accent1"/>
+    </dgm:linClrLst>
+    <dgm:effectClrLst/>
+    <dgm:txLinClrLst/>
+    <dgm:txFillClrLst meth="repeat">
+      <a:schemeClr val="lt1"/>
+    </dgm:txFillClrLst>
+    <dgm:txEffectClrLst/>
+  </dgm:styleLbl>
+  <dgm:styleLbl name="trBgShp">
+    <dgm:fillClrLst meth="repeat">
+      <a:schemeClr val="accent1">
+        <a:tint val="50000"/>
+        <a:alpha val="40000"/>
+      </a:schemeClr>
+    </dgm:fillClrLst>
+    <dgm:linClrLst meth="repeat">
+      <a:schemeClr val="accent1"/>
+    </dgm:linClrLst>
+    <dgm:effectClrLst/>
+    <dgm:txLinClrLst/>
+    <dgm:txFillClrLst meth="repeat">
+      <a:schemeClr val="lt1"/>
+    </dgm:txFillClrLst>
+    <dgm:txEffectClrLst/>
+  </dgm:styleLbl>
+  <dgm:styleLbl name="fgShp">
+    <dgm:fillClrLst meth="repeat">
+      <a:schemeClr val="accent1">
+        <a:tint val="60000"/>
+      </a:schemeClr>
+    </dgm:fillClrLst>
+    <dgm:linClrLst meth="repeat">
+      <a:schemeClr val="lt1"/>
+    </dgm:linClrLst>
+    <dgm:effectClrLst/>
+    <dgm:txLinClrLst/>
+    <dgm:txFillClrLst meth="repeat">
+      <a:schemeClr val="dk1"/>
+    </dgm:txFillClrLst>
+    <dgm:txEffectClrLst/>
+  </dgm:styleLbl>
+  <dgm:styleLbl name="revTx">
+    <dgm:fillClrLst meth="repeat">
+      <a:schemeClr val="lt1">
+        <a:alpha val="0"/>
+      </a:schemeClr>
+    </dgm:fillClrLst>
+    <dgm:linClrLst meth="repeat">
+      <a:schemeClr val="dk1">
+        <a:alpha val="0"/>
+      </a:schemeClr>
+    </dgm:linClrLst>
+    <dgm:effectClrLst/>
+    <dgm:txLinClrLst/>
+    <dgm:txFillClrLst meth="repeat">
+      <a:schemeClr val="tx1"/>
+    </dgm:txFillClrLst>
+    <dgm:txEffectClrLst/>
+  </dgm:styleLbl>
+</dgm:colorsDef>
+</file>
+
+<file path=ppt/diagrams/data1.xml><?xml version="1.0" encoding="utf-8"?>
+<dgm:dataModel xmlns:dgm="http://schemas.openxmlformats.org/drawingml/2006/diagram" xmlns:a="http://schemas.openxmlformats.org/drawingml/2006/main">
+  <dgm:ptLst>
+    <dgm:pt modelId="{3AA79373-6E81-4534-9BC4-0E4BD9EB7B41}" type="doc">
+      <dgm:prSet loTypeId="urn:microsoft.com/office/officeart/2005/8/layout/default" loCatId="list" qsTypeId="urn:microsoft.com/office/officeart/2005/8/quickstyle/simple1" qsCatId="simple" csTypeId="urn:microsoft.com/office/officeart/2005/8/colors/accent1_2" csCatId="accent1" phldr="0"/>
+      <dgm:spPr/>
+      <dgm:t>
+        <a:bodyPr/>
+        <a:lstStyle/>
+        <a:p>
+          <a:endParaRPr lang="en-US"/>
+        </a:p>
+      </dgm:t>
+    </dgm:pt>
+    <dgm:pt modelId="{44749E3A-1B85-42FE-9C60-ECBED08D5C74}">
+      <dgm:prSet phldrT="[Text]" phldr="1"/>
+      <dgm:spPr/>
+      <dgm:t>
+        <a:bodyPr/>
+        <a:lstStyle/>
+        <a:p>
+          <a:endParaRPr lang="en-US" dirty="0"/>
+        </a:p>
+      </dgm:t>
+    </dgm:pt>
+    <dgm:pt modelId="{7F6CB9B5-AB7E-44A4-A6E1-679533668C09}" type="parTrans" cxnId="{19EE11FE-45CE-4C7A-A3F2-2E3201B71C54}">
+      <dgm:prSet/>
+      <dgm:spPr/>
+      <dgm:t>
+        <a:bodyPr/>
+        <a:lstStyle/>
+        <a:p>
+          <a:endParaRPr lang="en-US"/>
+        </a:p>
+      </dgm:t>
+    </dgm:pt>
+    <dgm:pt modelId="{6F9F4AD6-503E-4390-8ED6-9FEAE80C646E}" type="sibTrans" cxnId="{19EE11FE-45CE-4C7A-A3F2-2E3201B71C54}">
+      <dgm:prSet/>
+      <dgm:spPr/>
+      <dgm:t>
+        <a:bodyPr/>
+        <a:lstStyle/>
+        <a:p>
+          <a:endParaRPr lang="en-US"/>
+        </a:p>
+      </dgm:t>
+    </dgm:pt>
+    <dgm:pt modelId="{A3991E47-AA0B-40C0-81AA-0CA452A12F91}">
+      <dgm:prSet phldrT="[Text]" phldr="1"/>
+      <dgm:spPr/>
+      <dgm:t>
+        <a:bodyPr/>
+        <a:lstStyle/>
+        <a:p>
+          <a:endParaRPr lang="en-US"/>
+        </a:p>
+      </dgm:t>
+    </dgm:pt>
+    <dgm:pt modelId="{E1E29432-4A1C-4F18-A80E-316C1E88DCF5}" type="parTrans" cxnId="{63D745BB-EB86-4DF2-ADDA-1D50E462FE4C}">
+      <dgm:prSet/>
+      <dgm:spPr/>
+      <dgm:t>
+        <a:bodyPr/>
+        <a:lstStyle/>
+        <a:p>
+          <a:endParaRPr lang="en-US"/>
+        </a:p>
+      </dgm:t>
+    </dgm:pt>
+    <dgm:pt modelId="{090F431D-8101-4BFE-A924-96A0FB6EE71C}" type="sibTrans" cxnId="{63D745BB-EB86-4DF2-ADDA-1D50E462FE4C}">
+      <dgm:prSet/>
+      <dgm:spPr/>
+      <dgm:t>
+        <a:bodyPr/>
+        <a:lstStyle/>
+        <a:p>
+          <a:endParaRPr lang="en-US"/>
+        </a:p>
+      </dgm:t>
+    </dgm:pt>
+    <dgm:pt modelId="{E9A8A44E-02A2-43B2-8C1E-97FDC4D69F94}">
+      <dgm:prSet phldrT="[Text]" phldr="1"/>
+      <dgm:spPr/>
+      <dgm:t>
+        <a:bodyPr/>
+        <a:lstStyle/>
+        <a:p>
+          <a:endParaRPr lang="en-US"/>
+        </a:p>
+      </dgm:t>
+    </dgm:pt>
+    <dgm:pt modelId="{231326C7-EA2E-4096-AE27-9025B8AD71A1}" type="parTrans" cxnId="{6F1D360B-EC3F-4D66-B6FF-00D2E8233DBF}">
+      <dgm:prSet/>
+      <dgm:spPr/>
+      <dgm:t>
+        <a:bodyPr/>
+        <a:lstStyle/>
+        <a:p>
+          <a:endParaRPr lang="en-US"/>
+        </a:p>
+      </dgm:t>
+    </dgm:pt>
+    <dgm:pt modelId="{C1404E0B-15B7-4FFC-9D5F-2D553D606503}" type="sibTrans" cxnId="{6F1D360B-EC3F-4D66-B6FF-00D2E8233DBF}">
+      <dgm:prSet/>
+      <dgm:spPr/>
+      <dgm:t>
+        <a:bodyPr/>
+        <a:lstStyle/>
+        <a:p>
+          <a:endParaRPr lang="en-US"/>
+        </a:p>
+      </dgm:t>
+    </dgm:pt>
+    <dgm:pt modelId="{02ADB1D9-3693-483D-BF17-950EF0C68011}">
+      <dgm:prSet phldrT="[Text]" phldr="1"/>
+      <dgm:spPr/>
+      <dgm:t>
+        <a:bodyPr/>
+        <a:lstStyle/>
+        <a:p>
+          <a:endParaRPr lang="en-US"/>
+        </a:p>
+      </dgm:t>
+    </dgm:pt>
+    <dgm:pt modelId="{F0D941E6-329D-4878-992C-EB0A87AC5C27}" type="parTrans" cxnId="{4E80B540-67F5-4191-A41D-57615EA160EA}">
+      <dgm:prSet/>
+      <dgm:spPr/>
+      <dgm:t>
+        <a:bodyPr/>
+        <a:lstStyle/>
+        <a:p>
+          <a:endParaRPr lang="en-US"/>
+        </a:p>
+      </dgm:t>
+    </dgm:pt>
+    <dgm:pt modelId="{24E83D83-3A1D-4B11-9B38-F3DE33223896}" type="sibTrans" cxnId="{4E80B540-67F5-4191-A41D-57615EA160EA}">
+      <dgm:prSet/>
+      <dgm:spPr/>
+      <dgm:t>
+        <a:bodyPr/>
+        <a:lstStyle/>
+        <a:p>
+          <a:endParaRPr lang="en-US"/>
+        </a:p>
+      </dgm:t>
+    </dgm:pt>
+    <dgm:pt modelId="{A70BE9CF-7FC3-4728-ABAC-D2F211416E26}">
+      <dgm:prSet phldrT="[Text]" phldr="1"/>
+      <dgm:spPr/>
+      <dgm:t>
+        <a:bodyPr/>
+        <a:lstStyle/>
+        <a:p>
+          <a:endParaRPr lang="en-US"/>
+        </a:p>
+      </dgm:t>
+    </dgm:pt>
+    <dgm:pt modelId="{0FBBDD03-F302-417F-8175-9E7A4DC9802A}" type="parTrans" cxnId="{473C0760-D55B-44F7-9FBA-4588D6E1AA01}">
+      <dgm:prSet/>
+      <dgm:spPr/>
+      <dgm:t>
+        <a:bodyPr/>
+        <a:lstStyle/>
+        <a:p>
+          <a:endParaRPr lang="en-US"/>
+        </a:p>
+      </dgm:t>
+    </dgm:pt>
+    <dgm:pt modelId="{FF96BA45-0123-408C-9E2C-B2487A5BC4CC}" type="sibTrans" cxnId="{473C0760-D55B-44F7-9FBA-4588D6E1AA01}">
+      <dgm:prSet/>
+      <dgm:spPr/>
+      <dgm:t>
+        <a:bodyPr/>
+        <a:lstStyle/>
+        <a:p>
+          <a:endParaRPr lang="en-US"/>
+        </a:p>
+      </dgm:t>
+    </dgm:pt>
+    <dgm:pt modelId="{C6F34645-2819-48C4-A6B3-24D8EBC6BAD5}" type="pres">
+      <dgm:prSet presAssocID="{3AA79373-6E81-4534-9BC4-0E4BD9EB7B41}" presName="diagram" presStyleCnt="0">
+        <dgm:presLayoutVars>
+          <dgm:dir/>
+          <dgm:resizeHandles val="exact"/>
+        </dgm:presLayoutVars>
+      </dgm:prSet>
+      <dgm:spPr/>
+    </dgm:pt>
+    <dgm:pt modelId="{9D9F7CF5-A1B5-4F94-987E-87F281797020}" type="pres">
+      <dgm:prSet presAssocID="{44749E3A-1B85-42FE-9C60-ECBED08D5C74}" presName="node" presStyleLbl="node1" presStyleIdx="0" presStyleCnt="5">
+        <dgm:presLayoutVars>
+          <dgm:bulletEnabled val="1"/>
+        </dgm:presLayoutVars>
+      </dgm:prSet>
+      <dgm:spPr/>
+    </dgm:pt>
+    <dgm:pt modelId="{E8D2FCA9-092F-444B-8D54-E2EBE339FB34}" type="pres">
+      <dgm:prSet presAssocID="{6F9F4AD6-503E-4390-8ED6-9FEAE80C646E}" presName="sibTrans" presStyleCnt="0"/>
+      <dgm:spPr/>
+    </dgm:pt>
+    <dgm:pt modelId="{26B60EB4-F063-4E2D-A6F9-5FE480B4F1BE}" type="pres">
+      <dgm:prSet presAssocID="{A3991E47-AA0B-40C0-81AA-0CA452A12F91}" presName="node" presStyleLbl="node1" presStyleIdx="1" presStyleCnt="5">
+        <dgm:presLayoutVars>
+          <dgm:bulletEnabled val="1"/>
+        </dgm:presLayoutVars>
+      </dgm:prSet>
+      <dgm:spPr/>
+    </dgm:pt>
+    <dgm:pt modelId="{B7B79A1E-EE10-486C-B075-AD5A6937D0E8}" type="pres">
+      <dgm:prSet presAssocID="{090F431D-8101-4BFE-A924-96A0FB6EE71C}" presName="sibTrans" presStyleCnt="0"/>
+      <dgm:spPr/>
+    </dgm:pt>
+    <dgm:pt modelId="{707DEC3E-79CD-49EB-B903-5BF34A00C39F}" type="pres">
+      <dgm:prSet presAssocID="{E9A8A44E-02A2-43B2-8C1E-97FDC4D69F94}" presName="node" presStyleLbl="node1" presStyleIdx="2" presStyleCnt="5">
+        <dgm:presLayoutVars>
+          <dgm:bulletEnabled val="1"/>
+        </dgm:presLayoutVars>
+      </dgm:prSet>
+      <dgm:spPr/>
+    </dgm:pt>
+    <dgm:pt modelId="{03708E88-6073-4D88-82DF-3A560736A6B9}" type="pres">
+      <dgm:prSet presAssocID="{C1404E0B-15B7-4FFC-9D5F-2D553D606503}" presName="sibTrans" presStyleCnt="0"/>
+      <dgm:spPr/>
+    </dgm:pt>
+    <dgm:pt modelId="{80CD610F-504E-44E3-83A7-F9AAF223380B}" type="pres">
+      <dgm:prSet presAssocID="{02ADB1D9-3693-483D-BF17-950EF0C68011}" presName="node" presStyleLbl="node1" presStyleIdx="3" presStyleCnt="5">
+        <dgm:presLayoutVars>
+          <dgm:bulletEnabled val="1"/>
+        </dgm:presLayoutVars>
+      </dgm:prSet>
+      <dgm:spPr/>
+    </dgm:pt>
+    <dgm:pt modelId="{5125E142-6412-460D-965F-BBEF95224A05}" type="pres">
+      <dgm:prSet presAssocID="{24E83D83-3A1D-4B11-9B38-F3DE33223896}" presName="sibTrans" presStyleCnt="0"/>
+      <dgm:spPr/>
+    </dgm:pt>
+    <dgm:pt modelId="{1CF4EFB8-1069-40BB-81F9-2BB7E1EA8098}" type="pres">
+      <dgm:prSet presAssocID="{A70BE9CF-7FC3-4728-ABAC-D2F211416E26}" presName="node" presStyleLbl="node1" presStyleIdx="4" presStyleCnt="5">
+        <dgm:presLayoutVars>
+          <dgm:bulletEnabled val="1"/>
+        </dgm:presLayoutVars>
+      </dgm:prSet>
+      <dgm:spPr/>
+    </dgm:pt>
+  </dgm:ptLst>
+  <dgm:cxnLst>
+    <dgm:cxn modelId="{6F1D360B-EC3F-4D66-B6FF-00D2E8233DBF}" srcId="{3AA79373-6E81-4534-9BC4-0E4BD9EB7B41}" destId="{E9A8A44E-02A2-43B2-8C1E-97FDC4D69F94}" srcOrd="2" destOrd="0" parTransId="{231326C7-EA2E-4096-AE27-9025B8AD71A1}" sibTransId="{C1404E0B-15B7-4FFC-9D5F-2D553D606503}"/>
+    <dgm:cxn modelId="{04372138-48FB-4918-866B-C5DFC54A0A7B}" type="presOf" srcId="{A3991E47-AA0B-40C0-81AA-0CA452A12F91}" destId="{26B60EB4-F063-4E2D-A6F9-5FE480B4F1BE}" srcOrd="0" destOrd="0" presId="urn:microsoft.com/office/officeart/2005/8/layout/default"/>
+    <dgm:cxn modelId="{3AA4823A-1501-48F0-AE91-2C7338307B93}" type="presOf" srcId="{02ADB1D9-3693-483D-BF17-950EF0C68011}" destId="{80CD610F-504E-44E3-83A7-F9AAF223380B}" srcOrd="0" destOrd="0" presId="urn:microsoft.com/office/officeart/2005/8/layout/default"/>
+    <dgm:cxn modelId="{4E80B540-67F5-4191-A41D-57615EA160EA}" srcId="{3AA79373-6E81-4534-9BC4-0E4BD9EB7B41}" destId="{02ADB1D9-3693-483D-BF17-950EF0C68011}" srcOrd="3" destOrd="0" parTransId="{F0D941E6-329D-4878-992C-EB0A87AC5C27}" sibTransId="{24E83D83-3A1D-4B11-9B38-F3DE33223896}"/>
+    <dgm:cxn modelId="{473C0760-D55B-44F7-9FBA-4588D6E1AA01}" srcId="{3AA79373-6E81-4534-9BC4-0E4BD9EB7B41}" destId="{A70BE9CF-7FC3-4728-ABAC-D2F211416E26}" srcOrd="4" destOrd="0" parTransId="{0FBBDD03-F302-417F-8175-9E7A4DC9802A}" sibTransId="{FF96BA45-0123-408C-9E2C-B2487A5BC4CC}"/>
+    <dgm:cxn modelId="{D51AC351-D023-41D6-A65D-799624DD04BD}" type="presOf" srcId="{E9A8A44E-02A2-43B2-8C1E-97FDC4D69F94}" destId="{707DEC3E-79CD-49EB-B903-5BF34A00C39F}" srcOrd="0" destOrd="0" presId="urn:microsoft.com/office/officeart/2005/8/layout/default"/>
+    <dgm:cxn modelId="{63D745BB-EB86-4DF2-ADDA-1D50E462FE4C}" srcId="{3AA79373-6E81-4534-9BC4-0E4BD9EB7B41}" destId="{A3991E47-AA0B-40C0-81AA-0CA452A12F91}" srcOrd="1" destOrd="0" parTransId="{E1E29432-4A1C-4F18-A80E-316C1E88DCF5}" sibTransId="{090F431D-8101-4BFE-A924-96A0FB6EE71C}"/>
+    <dgm:cxn modelId="{EA8486CE-E0C4-4773-8BDB-745709F64305}" type="presOf" srcId="{A70BE9CF-7FC3-4728-ABAC-D2F211416E26}" destId="{1CF4EFB8-1069-40BB-81F9-2BB7E1EA8098}" srcOrd="0" destOrd="0" presId="urn:microsoft.com/office/officeart/2005/8/layout/default"/>
+    <dgm:cxn modelId="{B96B23E9-862C-459D-A040-0F502A2136F1}" type="presOf" srcId="{3AA79373-6E81-4534-9BC4-0E4BD9EB7B41}" destId="{C6F34645-2819-48C4-A6B3-24D8EBC6BAD5}" srcOrd="0" destOrd="0" presId="urn:microsoft.com/office/officeart/2005/8/layout/default"/>
+    <dgm:cxn modelId="{0EFAFAF0-92B1-4798-98C3-2836F856B16E}" type="presOf" srcId="{44749E3A-1B85-42FE-9C60-ECBED08D5C74}" destId="{9D9F7CF5-A1B5-4F94-987E-87F281797020}" srcOrd="0" destOrd="0" presId="urn:microsoft.com/office/officeart/2005/8/layout/default"/>
+    <dgm:cxn modelId="{19EE11FE-45CE-4C7A-A3F2-2E3201B71C54}" srcId="{3AA79373-6E81-4534-9BC4-0E4BD9EB7B41}" destId="{44749E3A-1B85-42FE-9C60-ECBED08D5C74}" srcOrd="0" destOrd="0" parTransId="{7F6CB9B5-AB7E-44A4-A6E1-679533668C09}" sibTransId="{6F9F4AD6-503E-4390-8ED6-9FEAE80C646E}"/>
+    <dgm:cxn modelId="{7BD74E11-BCE3-4BDA-AC76-FAC52FA4047A}" type="presParOf" srcId="{C6F34645-2819-48C4-A6B3-24D8EBC6BAD5}" destId="{9D9F7CF5-A1B5-4F94-987E-87F281797020}" srcOrd="0" destOrd="0" presId="urn:microsoft.com/office/officeart/2005/8/layout/default"/>
+    <dgm:cxn modelId="{5DB17709-0042-4956-A617-652E09789092}" type="presParOf" srcId="{C6F34645-2819-48C4-A6B3-24D8EBC6BAD5}" destId="{E8D2FCA9-092F-444B-8D54-E2EBE339FB34}" srcOrd="1" destOrd="0" presId="urn:microsoft.com/office/officeart/2005/8/layout/default"/>
+    <dgm:cxn modelId="{D9DDBFFC-D78A-44B1-BF8C-5EC4B9B5A55A}" type="presParOf" srcId="{C6F34645-2819-48C4-A6B3-24D8EBC6BAD5}" destId="{26B60EB4-F063-4E2D-A6F9-5FE480B4F1BE}" srcOrd="2" destOrd="0" presId="urn:microsoft.com/office/officeart/2005/8/layout/default"/>
+    <dgm:cxn modelId="{9A9A295B-80CA-4216-A62C-F63D0B57B0CE}" type="presParOf" srcId="{C6F34645-2819-48C4-A6B3-24D8EBC6BAD5}" destId="{B7B79A1E-EE10-486C-B075-AD5A6937D0E8}" srcOrd="3" destOrd="0" presId="urn:microsoft.com/office/officeart/2005/8/layout/default"/>
+    <dgm:cxn modelId="{F0CC50C6-3D23-40A1-AEE6-857B0530DECD}" type="presParOf" srcId="{C6F34645-2819-48C4-A6B3-24D8EBC6BAD5}" destId="{707DEC3E-79CD-49EB-B903-5BF34A00C39F}" srcOrd="4" destOrd="0" presId="urn:microsoft.com/office/officeart/2005/8/layout/default"/>
+    <dgm:cxn modelId="{B04965CA-C161-4D91-B766-9F305099BF5E}" type="presParOf" srcId="{C6F34645-2819-48C4-A6B3-24D8EBC6BAD5}" destId="{03708E88-6073-4D88-82DF-3A560736A6B9}" srcOrd="5" destOrd="0" presId="urn:microsoft.com/office/officeart/2005/8/layout/default"/>
+    <dgm:cxn modelId="{2845BB35-201E-45A6-9EF5-CADA3FCBE707}" type="presParOf" srcId="{C6F34645-2819-48C4-A6B3-24D8EBC6BAD5}" destId="{80CD610F-504E-44E3-83A7-F9AAF223380B}" srcOrd="6" destOrd="0" presId="urn:microsoft.com/office/officeart/2005/8/layout/default"/>
+    <dgm:cxn modelId="{401E54F3-B959-4256-BA8E-9CCB46678591}" type="presParOf" srcId="{C6F34645-2819-48C4-A6B3-24D8EBC6BAD5}" destId="{5125E142-6412-460D-965F-BBEF95224A05}" srcOrd="7" destOrd="0" presId="urn:microsoft.com/office/officeart/2005/8/layout/default"/>
+    <dgm:cxn modelId="{68B8DC12-80C6-465F-BA14-937C4D1291FC}" type="presParOf" srcId="{C6F34645-2819-48C4-A6B3-24D8EBC6BAD5}" destId="{1CF4EFB8-1069-40BB-81F9-2BB7E1EA8098}" srcOrd="8" destOrd="0" presId="urn:microsoft.com/office/officeart/2005/8/layout/default"/>
+  </dgm:cxnLst>
+  <dgm:bg/>
+  <dgm:whole/>
+  <dgm:extLst>
+    <a:ext uri="http://schemas.microsoft.com/office/drawing/2008/diagram">
+      <dsp:dataModelExt xmlns:dsp="http://schemas.microsoft.com/office/drawing/2008/diagram" relId="rId7" minVer="http://schemas.openxmlformats.org/drawingml/2006/diagram"/>
+    </a:ext>
+  </dgm:extLst>
+</dgm:dataModel>
+</file>
+
+<file path=ppt/diagrams/drawing1.xml><?xml version="1.0" encoding="utf-8"?>
+<dsp:drawing xmlns:dgm="http://schemas.openxmlformats.org/drawingml/2006/diagram" xmlns:dsp="http://schemas.microsoft.com/office/drawing/2008/diagram" xmlns:a="http://schemas.openxmlformats.org/drawingml/2006/main">
+  <dsp:spTree>
+    <dsp:nvGrpSpPr>
+      <dsp:cNvPr id="0" name=""/>
+      <dsp:cNvGrpSpPr/>
+    </dsp:nvGrpSpPr>
+    <dsp:grpSpPr/>
+    <dsp:sp modelId="{9D9F7CF5-A1B5-4F94-987E-87F281797020}">
+      <dsp:nvSpPr>
+        <dsp:cNvPr id="0" name=""/>
+        <dsp:cNvSpPr/>
+      </dsp:nvSpPr>
+      <dsp:spPr>
+        <a:xfrm>
+          <a:off x="916483" y="1984"/>
+          <a:ext cx="2030015" cy="1218009"/>
+        </a:xfrm>
+        <a:prstGeom prst="rect">
+          <a:avLst/>
+        </a:prstGeom>
+        <a:solidFill>
+          <a:schemeClr val="accent1">
+            <a:hueOff val="0"/>
+            <a:satOff val="0"/>
+            <a:lumOff val="0"/>
+            <a:alphaOff val="0"/>
+          </a:schemeClr>
+        </a:solidFill>
+        <a:ln w="25400" cap="flat" cmpd="sng" algn="ctr">
+          <a:solidFill>
+            <a:schemeClr val="lt1">
+              <a:hueOff val="0"/>
+              <a:satOff val="0"/>
+              <a:lumOff val="0"/>
+              <a:alphaOff val="0"/>
+            </a:schemeClr>
+          </a:solidFill>
+          <a:prstDash val="solid"/>
+        </a:ln>
+        <a:effectLst/>
+      </dsp:spPr>
+      <dsp:style>
+        <a:lnRef idx="2">
+          <a:scrgbClr r="0" g="0" b="0"/>
+        </a:lnRef>
+        <a:fillRef idx="1">
+          <a:scrgbClr r="0" g="0" b="0"/>
+        </a:fillRef>
+        <a:effectRef idx="0">
+          <a:scrgbClr r="0" g="0" b="0"/>
+        </a:effectRef>
+        <a:fontRef idx="minor">
+          <a:schemeClr val="lt1"/>
+        </a:fontRef>
+      </dsp:style>
+      <dsp:txBody>
+        <a:bodyPr spcFirstLastPara="0" vert="horz" wrap="square" lIns="209550" tIns="209550" rIns="209550" bIns="209550" numCol="1" spcCol="1270" anchor="ctr" anchorCtr="0">
+          <a:noAutofit/>
+        </a:bodyPr>
+        <a:lstStyle/>
+        <a:p>
+          <a:pPr marL="0" lvl="0" indent="0" algn="ctr" defTabSz="2444750">
+            <a:lnSpc>
+              <a:spcPct val="90000"/>
+            </a:lnSpc>
+            <a:spcBef>
+              <a:spcPct val="0"/>
+            </a:spcBef>
+            <a:spcAft>
+              <a:spcPct val="35000"/>
+            </a:spcAft>
+            <a:buNone/>
+          </a:pPr>
+          <a:endParaRPr lang="en-US" sz="5500" kern="1200" dirty="0"/>
+        </a:p>
+      </dsp:txBody>
+      <dsp:txXfrm>
+        <a:off x="916483" y="1984"/>
+        <a:ext cx="2030015" cy="1218009"/>
+      </dsp:txXfrm>
+    </dsp:sp>
+    <dsp:sp modelId="{26B60EB4-F063-4E2D-A6F9-5FE480B4F1BE}">
+      <dsp:nvSpPr>
+        <dsp:cNvPr id="0" name=""/>
+        <dsp:cNvSpPr/>
+      </dsp:nvSpPr>
+      <dsp:spPr>
+        <a:xfrm>
+          <a:off x="3149500" y="1984"/>
+          <a:ext cx="2030015" cy="1218009"/>
+        </a:xfrm>
+        <a:prstGeom prst="rect">
+          <a:avLst/>
+        </a:prstGeom>
+        <a:solidFill>
+          <a:schemeClr val="accent1">
+            <a:hueOff val="0"/>
+            <a:satOff val="0"/>
+            <a:lumOff val="0"/>
+            <a:alphaOff val="0"/>
+          </a:schemeClr>
+        </a:solidFill>
+        <a:ln w="25400" cap="flat" cmpd="sng" algn="ctr">
+          <a:solidFill>
+            <a:schemeClr val="lt1">
+              <a:hueOff val="0"/>
+              <a:satOff val="0"/>
+              <a:lumOff val="0"/>
+              <a:alphaOff val="0"/>
+            </a:schemeClr>
+          </a:solidFill>
+          <a:prstDash val="solid"/>
+        </a:ln>
+        <a:effectLst/>
+      </dsp:spPr>
+      <dsp:style>
+        <a:lnRef idx="2">
+          <a:scrgbClr r="0" g="0" b="0"/>
+        </a:lnRef>
+        <a:fillRef idx="1">
+          <a:scrgbClr r="0" g="0" b="0"/>
+        </a:fillRef>
+        <a:effectRef idx="0">
+          <a:scrgbClr r="0" g="0" b="0"/>
+        </a:effectRef>
+        <a:fontRef idx="minor">
+          <a:schemeClr val="lt1"/>
+        </a:fontRef>
+      </dsp:style>
+      <dsp:txBody>
+        <a:bodyPr spcFirstLastPara="0" vert="horz" wrap="square" lIns="209550" tIns="209550" rIns="209550" bIns="209550" numCol="1" spcCol="1270" anchor="ctr" anchorCtr="0">
+          <a:noAutofit/>
+        </a:bodyPr>
+        <a:lstStyle/>
+        <a:p>
+          <a:pPr marL="0" lvl="0" indent="0" algn="ctr" defTabSz="2444750">
+            <a:lnSpc>
+              <a:spcPct val="90000"/>
+            </a:lnSpc>
+            <a:spcBef>
+              <a:spcPct val="0"/>
+            </a:spcBef>
+            <a:spcAft>
+              <a:spcPct val="35000"/>
+            </a:spcAft>
+            <a:buNone/>
+          </a:pPr>
+          <a:endParaRPr lang="en-US" sz="5500" kern="1200"/>
+        </a:p>
+      </dsp:txBody>
+      <dsp:txXfrm>
+        <a:off x="3149500" y="1984"/>
+        <a:ext cx="2030015" cy="1218009"/>
+      </dsp:txXfrm>
+    </dsp:sp>
+    <dsp:sp modelId="{707DEC3E-79CD-49EB-B903-5BF34A00C39F}">
+      <dsp:nvSpPr>
+        <dsp:cNvPr id="0" name=""/>
+        <dsp:cNvSpPr/>
+      </dsp:nvSpPr>
+      <dsp:spPr>
+        <a:xfrm>
+          <a:off x="916483" y="1422995"/>
+          <a:ext cx="2030015" cy="1218009"/>
+        </a:xfrm>
+        <a:prstGeom prst="rect">
+          <a:avLst/>
+        </a:prstGeom>
+        <a:solidFill>
+          <a:schemeClr val="accent1">
+            <a:hueOff val="0"/>
+            <a:satOff val="0"/>
+            <a:lumOff val="0"/>
+            <a:alphaOff val="0"/>
+          </a:schemeClr>
+        </a:solidFill>
+        <a:ln w="25400" cap="flat" cmpd="sng" algn="ctr">
+          <a:solidFill>
+            <a:schemeClr val="lt1">
+              <a:hueOff val="0"/>
+              <a:satOff val="0"/>
+              <a:lumOff val="0"/>
+              <a:alphaOff val="0"/>
+            </a:schemeClr>
+          </a:solidFill>
+          <a:prstDash val="solid"/>
+        </a:ln>
+        <a:effectLst/>
+      </dsp:spPr>
+      <dsp:style>
+        <a:lnRef idx="2">
+          <a:scrgbClr r="0" g="0" b="0"/>
+        </a:lnRef>
+        <a:fillRef idx="1">
+          <a:scrgbClr r="0" g="0" b="0"/>
+        </a:fillRef>
+        <a:effectRef idx="0">
+          <a:scrgbClr r="0" g="0" b="0"/>
+        </a:effectRef>
+        <a:fontRef idx="minor">
+          <a:schemeClr val="lt1"/>
+        </a:fontRef>
+      </dsp:style>
+      <dsp:txBody>
+        <a:bodyPr spcFirstLastPara="0" vert="horz" wrap="square" lIns="209550" tIns="209550" rIns="209550" bIns="209550" numCol="1" spcCol="1270" anchor="ctr" anchorCtr="0">
+          <a:noAutofit/>
+        </a:bodyPr>
+        <a:lstStyle/>
+        <a:p>
+          <a:pPr marL="0" lvl="0" indent="0" algn="ctr" defTabSz="2444750">
+            <a:lnSpc>
+              <a:spcPct val="90000"/>
+            </a:lnSpc>
+            <a:spcBef>
+              <a:spcPct val="0"/>
+            </a:spcBef>
+            <a:spcAft>
+              <a:spcPct val="35000"/>
+            </a:spcAft>
+            <a:buNone/>
+          </a:pPr>
+          <a:endParaRPr lang="en-US" sz="5500" kern="1200"/>
+        </a:p>
+      </dsp:txBody>
+      <dsp:txXfrm>
+        <a:off x="916483" y="1422995"/>
+        <a:ext cx="2030015" cy="1218009"/>
+      </dsp:txXfrm>
+    </dsp:sp>
+    <dsp:sp modelId="{80CD610F-504E-44E3-83A7-F9AAF223380B}">
+      <dsp:nvSpPr>
+        <dsp:cNvPr id="0" name=""/>
+        <dsp:cNvSpPr/>
+      </dsp:nvSpPr>
+      <dsp:spPr>
+        <a:xfrm>
+          <a:off x="3149500" y="1422995"/>
+          <a:ext cx="2030015" cy="1218009"/>
+        </a:xfrm>
+        <a:prstGeom prst="rect">
+          <a:avLst/>
+        </a:prstGeom>
+        <a:solidFill>
+          <a:schemeClr val="accent1">
+            <a:hueOff val="0"/>
+            <a:satOff val="0"/>
+            <a:lumOff val="0"/>
+            <a:alphaOff val="0"/>
+          </a:schemeClr>
+        </a:solidFill>
+        <a:ln w="25400" cap="flat" cmpd="sng" algn="ctr">
+          <a:solidFill>
+            <a:schemeClr val="lt1">
+              <a:hueOff val="0"/>
+              <a:satOff val="0"/>
+              <a:lumOff val="0"/>
+              <a:alphaOff val="0"/>
+            </a:schemeClr>
+          </a:solidFill>
+          <a:prstDash val="solid"/>
+        </a:ln>
+        <a:effectLst/>
+      </dsp:spPr>
+      <dsp:style>
+        <a:lnRef idx="2">
+          <a:scrgbClr r="0" g="0" b="0"/>
+        </a:lnRef>
+        <a:fillRef idx="1">
+          <a:scrgbClr r="0" g="0" b="0"/>
+        </a:fillRef>
+        <a:effectRef idx="0">
+          <a:scrgbClr r="0" g="0" b="0"/>
+        </a:effectRef>
+        <a:fontRef idx="minor">
+          <a:schemeClr val="lt1"/>
+        </a:fontRef>
+      </dsp:style>
+      <dsp:txBody>
+        <a:bodyPr spcFirstLastPara="0" vert="horz" wrap="square" lIns="209550" tIns="209550" rIns="209550" bIns="209550" numCol="1" spcCol="1270" anchor="ctr" anchorCtr="0">
+          <a:noAutofit/>
+        </a:bodyPr>
+        <a:lstStyle/>
+        <a:p>
+          <a:pPr marL="0" lvl="0" indent="0" algn="ctr" defTabSz="2444750">
+            <a:lnSpc>
+              <a:spcPct val="90000"/>
+            </a:lnSpc>
+            <a:spcBef>
+              <a:spcPct val="0"/>
+            </a:spcBef>
+            <a:spcAft>
+              <a:spcPct val="35000"/>
+            </a:spcAft>
+            <a:buNone/>
+          </a:pPr>
+          <a:endParaRPr lang="en-US" sz="5500" kern="1200"/>
+        </a:p>
+      </dsp:txBody>
+      <dsp:txXfrm>
+        <a:off x="3149500" y="1422995"/>
+        <a:ext cx="2030015" cy="1218009"/>
+      </dsp:txXfrm>
+    </dsp:sp>
+    <dsp:sp modelId="{1CF4EFB8-1069-40BB-81F9-2BB7E1EA8098}">
+      <dsp:nvSpPr>
+        <dsp:cNvPr id="0" name=""/>
+        <dsp:cNvSpPr/>
+      </dsp:nvSpPr>
+      <dsp:spPr>
+        <a:xfrm>
+          <a:off x="2032992" y="2844006"/>
+          <a:ext cx="2030015" cy="1218009"/>
+        </a:xfrm>
+        <a:prstGeom prst="rect">
+          <a:avLst/>
+        </a:prstGeom>
+        <a:solidFill>
+          <a:schemeClr val="accent1">
+            <a:hueOff val="0"/>
+            <a:satOff val="0"/>
+            <a:lumOff val="0"/>
+            <a:alphaOff val="0"/>
+          </a:schemeClr>
+        </a:solidFill>
+        <a:ln w="25400" cap="flat" cmpd="sng" algn="ctr">
+          <a:solidFill>
+            <a:schemeClr val="lt1">
+              <a:hueOff val="0"/>
+              <a:satOff val="0"/>
+              <a:lumOff val="0"/>
+              <a:alphaOff val="0"/>
+            </a:schemeClr>
+          </a:solidFill>
+          <a:prstDash val="solid"/>
+        </a:ln>
+        <a:effectLst/>
+      </dsp:spPr>
+      <dsp:style>
+        <a:lnRef idx="2">
+          <a:scrgbClr r="0" g="0" b="0"/>
+        </a:lnRef>
+        <a:fillRef idx="1">
+          <a:scrgbClr r="0" g="0" b="0"/>
+        </a:fillRef>
+        <a:effectRef idx="0">
+          <a:scrgbClr r="0" g="0" b="0"/>
+        </a:effectRef>
+        <a:fontRef idx="minor">
+          <a:schemeClr val="lt1"/>
+        </a:fontRef>
+      </dsp:style>
+      <dsp:txBody>
+        <a:bodyPr spcFirstLastPara="0" vert="horz" wrap="square" lIns="209550" tIns="209550" rIns="209550" bIns="209550" numCol="1" spcCol="1270" anchor="ctr" anchorCtr="0">
+          <a:noAutofit/>
+        </a:bodyPr>
+        <a:lstStyle/>
+        <a:p>
+          <a:pPr marL="0" lvl="0" indent="0" algn="ctr" defTabSz="2444750">
+            <a:lnSpc>
+              <a:spcPct val="90000"/>
+            </a:lnSpc>
+            <a:spcBef>
+              <a:spcPct val="0"/>
+            </a:spcBef>
+            <a:spcAft>
+              <a:spcPct val="35000"/>
+            </a:spcAft>
+            <a:buNone/>
+          </a:pPr>
+          <a:endParaRPr lang="en-US" sz="5500" kern="1200"/>
+        </a:p>
+      </dsp:txBody>
+      <dsp:txXfrm>
+        <a:off x="2032992" y="2844006"/>
+        <a:ext cx="2030015" cy="1218009"/>
+      </dsp:txXfrm>
+    </dsp:sp>
+  </dsp:spTree>
+</dsp:drawing>
+</file>
+
+<file path=ppt/diagrams/layout1.xml><?xml version="1.0" encoding="utf-8"?>
+<dgm:layoutDef xmlns:dgm="http://schemas.openxmlformats.org/drawingml/2006/diagram" xmlns:a="http://schemas.openxmlformats.org/drawingml/2006/main" uniqueId="urn:microsoft.com/office/officeart/2005/8/layout/default">
+  <dgm:title val=""/>
+  <dgm:desc val=""/>
+  <dgm:catLst>
+    <dgm:cat type="list" pri="400"/>
+  </dgm:catLst>
+  <dgm:sampData>
+    <dgm:dataModel>
+      <dgm:ptLst>
+        <dgm:pt modelId="0" type="doc"/>
+        <dgm:pt modelId="1">
+          <dgm:prSet phldr="1"/>
+        </dgm:pt>
+        <dgm:pt modelId="2">
+          <dgm:prSet phldr="1"/>
+        </dgm:pt>
+        <dgm:pt modelId="3">
+          <dgm:prSet phldr="1"/>
+        </dgm:pt>
+        <dgm:pt modelId="4">
+          <dgm:prSet phldr="1"/>
+        </dgm:pt>
+        <dgm:pt modelId="5">
+          <dgm:prSet phldr="1"/>
+        </dgm:pt>
+      </dgm:ptLst>
+      <dgm:cxnLst>
+        <dgm:cxn modelId="6" srcId="0" destId="1" srcOrd="0" destOrd="0"/>
+        <dgm:cxn modelId="7" srcId="0" destId="2" srcOrd="1" destOrd="0"/>
+        <dgm:cxn modelId="8" srcId="0" destId="3" srcOrd="2" destOrd="0"/>
+        <dgm:cxn modelId="9" srcId="0" destId="4" srcOrd="3" destOrd="0"/>
+        <dgm:cxn modelId="10" srcId="0" destId="5" srcOrd="4" destOrd="0"/>
+      </dgm:cxnLst>
+      <dgm:bg/>
+      <dgm:whole/>
+    </dgm:dataModel>
+  </dgm:sampData>
+  <dgm:styleData>
+    <dgm:dataModel>
+      <dgm:ptLst>
+        <dgm:pt modelId="0" type="doc"/>
+        <dgm:pt modelId="1"/>
+        <dgm:pt modelId="2"/>
+      </dgm:ptLst>
+      <dgm:cxnLst>
+        <dgm:cxn modelId="3" srcId="0" destId="1" srcOrd="0" destOrd="0"/>
+        <dgm:cxn modelId="4" srcId="0" destId="2" srcOrd="1" destOrd="0"/>
+      </dgm:cxnLst>
+      <dgm:bg/>
+      <dgm:whole/>
+    </dgm:dataModel>
+  </dgm:styleData>
+  <dgm:clrData>
+    <dgm:dataModel>
+      <dgm:ptLst>
+        <dgm:pt modelId="0" type="doc"/>
+        <dgm:pt modelId="1"/>
+        <dgm:pt modelId="2"/>
+        <dgm:pt modelId="3"/>
+        <dgm:pt modelId="4"/>
+        <dgm:pt modelId="5"/>
+        <dgm:pt modelId="6"/>
+      </dgm:ptLst>
+      <dgm:cxnLst>
+        <dgm:cxn modelId="7" srcId="0" destId="1" srcOrd="0" destOrd="0"/>
+        <dgm:cxn modelId="8" srcId="0" destId="2" srcOrd="1" destOrd="0"/>
+        <dgm:cxn modelId="9" srcId="0" destId="3" srcOrd="2" destOrd="0"/>
+        <dgm:cxn modelId="10" srcId="0" destId="4" srcOrd="3" destOrd="0"/>
+        <dgm:cxn modelId="11" srcId="0" destId="5" srcOrd="4" destOrd="0"/>
+        <dgm:cxn modelId="12" srcId="0" destId="6" srcOrd="5" destOrd="0"/>
+      </dgm:cxnLst>
+      <dgm:bg/>
+      <dgm:whole/>
+    </dgm:dataModel>
+  </dgm:clrData>
+  <dgm:layoutNode name="diagram">
+    <dgm:varLst>
+      <dgm:dir/>
+      <dgm:resizeHandles val="exact"/>
+    </dgm:varLst>
+    <dgm:choose name="Name0">
+      <dgm:if name="Name1" func="var" arg="dir" op="equ" val="norm">
+        <dgm:alg type="snake">
+          <dgm:param type="grDir" val="tL"/>
+          <dgm:param type="flowDir" val="row"/>
+          <dgm:param type="contDir" val="sameDir"/>
+          <dgm:param type="off" val="ctr"/>
+        </dgm:alg>
+      </dgm:if>
+      <dgm:else name="Name2">
+        <dgm:alg type="snake">
+          <dgm:param type="grDir" val="tR"/>
+          <dgm:param type="flowDir" val="row"/>
+          <dgm:param type="contDir" val="sameDir"/>
+          <dgm:param type="off" val="ctr"/>
+        </dgm:alg>
+      </dgm:else>
+    </dgm:choose>
+    <dgm:shape xmlns:r="http://schemas.openxmlformats.org/officeDocument/2006/relationships" r:blip="">
+      <dgm:adjLst/>
+    </dgm:shape>
+    <dgm:presOf/>
+    <dgm:constrLst>
+      <dgm:constr type="w" for="ch" forName="node" refType="w"/>
+      <dgm:constr type="h" for="ch" forName="node" refType="w" refFor="ch" refForName="node" fact="0.6"/>
+      <dgm:constr type="w" for="ch" forName="sibTrans" refType="w" refFor="ch" refForName="node" fact="0.1"/>
+      <dgm:constr type="sp" refType="w" refFor="ch" refForName="sibTrans"/>
+      <dgm:constr type="primFontSz" for="ch" forName="node" op="equ" val="65"/>
+    </dgm:constrLst>
+    <dgm:ruleLst/>
+    <dgm:forEach name="Name3" axis="ch" ptType="node">
+      <dgm:layoutNode name="node">
+        <dgm:varLst>
+          <dgm:bulletEnabled val="1"/>
+        </dgm:varLst>
+        <dgm:alg type="tx"/>
+        <dgm:shape xmlns:r="http://schemas.openxmlformats.org/officeDocument/2006/relationships" type="rect" r:blip="">
+          <dgm:adjLst/>
+        </dgm:shape>
+        <dgm:presOf axis="desOrSelf" ptType="node"/>
+        <dgm:constrLst>
+          <dgm:constr type="lMarg" refType="primFontSz" fact="0.3"/>
+          <dgm:constr type="rMarg" refType="primFontSz" fact="0.3"/>
+          <dgm:constr type="tMarg" refType="primFontSz" fact="0.3"/>
+          <dgm:constr type="bMarg" refType="primFontSz" fact="0.3"/>
+        </dgm:constrLst>
+        <dgm:ruleLst>
+          <dgm:rule type="primFontSz" val="5" fact="NaN" max="NaN"/>
+        </dgm:ruleLst>
+      </dgm:layoutNode>
+      <dgm:forEach name="Name4" axis="followSib" ptType="sibTrans" cnt="1">
+        <dgm:layoutNode name="sibTrans">
+          <dgm:alg type="sp"/>
+          <dgm:shape xmlns:r="http://schemas.openxmlformats.org/officeDocument/2006/relationships" r:blip="">
+            <dgm:adjLst/>
+          </dgm:shape>
+          <dgm:presOf/>
+          <dgm:constrLst/>
+          <dgm:ruleLst/>
+        </dgm:layoutNode>
+      </dgm:forEach>
+    </dgm:forEach>
+  </dgm:layoutNode>
+</dgm:layoutDef>
+</file>
+
+<file path=ppt/diagrams/quickStyle1.xml><?xml version="1.0" encoding="utf-8"?>
+<dgm:styleDef xmlns:dgm="http://schemas.openxmlformats.org/drawingml/2006/diagram" xmlns:a="http://schemas.openxmlformats.org/drawingml/2006/main" uniqueId="urn:microsoft.com/office/officeart/2005/8/quickstyle/simple1">
+  <dgm:title val=""/>
+  <dgm:desc val=""/>
+  <dgm:catLst>
+    <dgm:cat type="simple" pri="10100"/>
+  </dgm:catLst>
+  <dgm:scene3d>
+    <a:camera prst="orthographicFront"/>
+    <a:lightRig rig="threePt" dir="t"/>
+  </dgm:scene3d>
+  <dgm:styleLbl name="node0">
+    <dgm:scene3d>
+      <a:camera prst="orthographicFront"/>
+      <a:lightRig rig="threePt" dir="t"/>
+    </dgm:scene3d>
+    <dgm:sp3d/>
+    <dgm:txPr/>
+    <dgm:style>
+      <a:lnRef idx="2">
+        <a:scrgbClr r="0" g="0" b="0"/>
+      </a:lnRef>
+      <a:fillRef idx="1">
+        <a:scrgbClr r="0" g="0" b="0"/>
+      </a:fillRef>
+      <a:effectRef idx="0">
+        <a:scrgbClr r="0" g="0" b="0"/>
+      </a:effectRef>
+      <a:fontRef idx="minor">
+        <a:schemeClr val="lt1"/>
+      </a:fontRef>
+    </dgm:style>
+  </dgm:styleLbl>
+  <dgm:styleLbl name="lnNode1">
+    <dgm:scene3d>
+      <a:camera prst="orthographicFront"/>
+      <a:lightRig rig="threePt" dir="t"/>
+    </dgm:scene3d>
+    <dgm:sp3d/>
+    <dgm:txPr/>
+    <dgm:style>
+      <a:lnRef idx="2">
+        <a:scrgbClr r="0" g="0" b="0"/>
+      </a:lnRef>
+      <a:fillRef idx="1">
+        <a:scrgbClr r="0" g="0" b="0"/>
+      </a:fillRef>
+      <a:effectRef idx="0">
+        <a:scrgbClr r="0" g="0" b="0"/>
+      </a:effectRef>
+      <a:fontRef idx="minor">
+        <a:schemeClr val="lt1"/>
+      </a:fontRef>
+    </dgm:style>
+  </dgm:styleLbl>
+  <dgm:styleLbl name="vennNode1">
+    <dgm:scene3d>
+      <a:camera prst="orthographicFront"/>
+      <a:lightRig rig="threePt" dir="t"/>
+    </dgm:scene3d>
+    <dgm:sp3d/>
+    <dgm:txPr/>
+    <dgm:style>
+      <a:lnRef idx="2">
+        <a:scrgbClr r="0" g="0" b="0"/>
+      </a:lnRef>
+      <a:fillRef idx="1">
+        <a:scrgbClr r="0" g="0" b="0"/>
+      </a:fillRef>
+      <a:effectRef idx="0">
+        <a:scrgbClr r="0" g="0" b="0"/>
+      </a:effectRef>
+      <a:fontRef idx="minor">
+        <a:schemeClr val="tx1"/>
+      </a:fontRef>
+    </dgm:style>
+  </dgm:styleLbl>
+  <dgm:styleLbl name="alignNode1">
+    <dgm:scene3d>
+      <a:camera prst="orthographicFront"/>
+      <a:lightRig rig="threePt" dir="t"/>
+    </dgm:scene3d>
+    <dgm:sp3d/>
+    <dgm:txPr/>
+    <dgm:style>
+      <a:lnRef idx="2">
+        <a:scrgbClr r="0" g="0" b="0"/>
+      </a:lnRef>
+      <a:fillRef idx="1">
+        <a:scrgbClr r="0" g="0" b="0"/>
+      </a:fillRef>
+      <a:effectRef idx="0">
+        <a:scrgbClr r="0" g="0" b="0"/>
+      </a:effectRef>
+      <a:fontRef idx="minor">
+        <a:schemeClr val="lt1"/>
+      </a:fontRef>
+    </dgm:style>
+  </dgm:styleLbl>
+  <dgm:styleLbl name="node1">
+    <dgm:scene3d>
+      <a:camera prst="orthographicFront"/>
+      <a:lightRig rig="threePt" dir="t"/>
+    </dgm:scene3d>
+    <dgm:sp3d/>
+    <dgm:txPr/>
+    <dgm:style>
+      <a:lnRef idx="2">
+        <a:scrgbClr r="0" g="0" b="0"/>
+      </a:lnRef>
+      <a:fillRef idx="1">
+        <a:scrgbClr r="0" g="0" b="0"/>
+      </a:fillRef>
+      <a:effectRef idx="0">
+        <a:scrgbClr r="0" g="0" b="0"/>
+      </a:effectRef>
+      <a:fontRef idx="minor">
+        <a:schemeClr val="lt1"/>
+      </a:fontRef>
+    </dgm:style>
+  </dgm:styleLbl>
+  <dgm:styleLbl name="node2">
+    <dgm:scene3d>
+      <a:camera prst="orthographicFront"/>
+      <a:lightRig rig="threePt" dir="t"/>
+    </dgm:scene3d>
+    <dgm:sp3d/>
+    <dgm:txPr/>
+    <dgm:style>
+      <a:lnRef idx="2">
+        <a:scrgbClr r="0" g="0" b="0"/>
+      </a:lnRef>
+      <a:fillRef idx="1">
+        <a:scrgbClr r="0" g="0" b="0"/>
+      </a:fillRef>
+      <a:effectRef idx="0">
+        <a:scrgbClr r="0" g="0" b="0"/>
+      </a:effectRef>
+      <a:fontRef idx="minor">
+        <a:schemeClr val="lt1"/>
+      </a:fontRef>
+    </dgm:style>
+  </dgm:styleLbl>
+  <dgm:styleLbl name="node3">
+    <dgm:scene3d>
+      <a:camera prst="orthographicFront"/>
+      <a:lightRig rig="threePt" dir="t"/>
+    </dgm:scene3d>
+    <dgm:sp3d/>
+    <dgm:txPr/>
+    <dgm:style>
+      <a:lnRef idx="2">
+        <a:scrgbClr r="0" g="0" b="0"/>
+      </a:lnRef>
+      <a:fillRef idx="1">
+        <a:scrgbClr r="0" g="0" b="0"/>
+      </a:fillRef>
+      <a:effectRef idx="0">
+        <a:scrgbClr r="0" g="0" b="0"/>
+      </a:effectRef>
+      <a:fontRef idx="minor">
+        <a:schemeClr val="lt1"/>
+      </a:fontRef>
+    </dgm:style>
+  </dgm:styleLbl>
+  <dgm:styleLbl name="node4">
+    <dgm:scene3d>
+      <a:camera prst="orthographicFront"/>
+      <a:lightRig rig="threePt" dir="t"/>
+    </dgm:scene3d>
+    <dgm:sp3d/>
+    <dgm:txPr/>
+    <dgm:style>
+      <a:lnRef idx="2">
+        <a:scrgbClr r="0" g="0" b="0"/>
+      </a:lnRef>
+      <a:fillRef idx="1">
+        <a:scrgbClr r="0" g="0" b="0"/>
+      </a:fillRef>
+      <a:effectRef idx="0">
+        <a:scrgbClr r="0" g="0" b="0"/>
+      </a:effectRef>
+      <a:fontRef idx="minor">
+        <a:schemeClr val="lt1"/>
+      </a:fontRef>
+    </dgm:style>
+  </dgm:styleLbl>
+  <dgm:styleLbl name="fgImgPlace1">
+    <dgm:scene3d>
+      <a:camera prst="orthographicFront"/>
+      <a:lightRig rig="threePt" dir="t"/>
+    </dgm:scene3d>
+    <dgm:sp3d/>
+    <dgm:txPr/>
+    <dgm:style>
+      <a:lnRef idx="2">
+        <a:scrgbClr r="0" g="0" b="0"/>
+      </a:lnRef>
+      <a:fillRef idx="1">
+        <a:scrgbClr r="0" g="0" b="0"/>
+      </a:fillRef>
+      <a:effectRef idx="0">
+        <a:scrgbClr r="0" g="0" b="0"/>
+      </a:effectRef>
+      <a:fontRef idx="minor"/>
+    </dgm:style>
+  </dgm:styleLbl>
+  <dgm:styleLbl name="alignImgPlace1">
+    <dgm:scene3d>
+      <a:camera prst="orthographicFront"/>
+      <a:lightRig rig="threePt" dir="t"/>
+    </dgm:scene3d>
+    <dgm:sp3d/>
+    <dgm:txPr/>
+    <dgm:style>
+      <a:lnRef idx="2">
+        <a:scrgbClr r="0" g="0" b="0"/>
+      </a:lnRef>
+      <a:fillRef idx="1">
+        <a:scrgbClr r="0" g="0" b="0"/>
+      </a:fillRef>
+      <a:effectRef idx="0">
+        <a:scrgbClr r="0" g="0" b="0"/>
+      </a:effectRef>
+      <a:fontRef idx="minor"/>
+    </dgm:style>
+  </dgm:styleLbl>
+  <dgm:styleLbl name="bgImgPlace1">
+    <dgm:scene3d>
+      <a:camera prst="orthographicFront"/>
+      <a:lightRig rig="threePt" dir="t"/>
+    </dgm:scene3d>
+    <dgm:sp3d/>
+    <dgm:txPr/>
+    <dgm:style>
+      <a:lnRef idx="2">
+        <a:scrgbClr r="0" g="0" b="0"/>
+      </a:lnRef>
+      <a:fillRef idx="1">
+        <a:scrgbClr r="0" g="0" b="0"/>
+      </a:fillRef>
+      <a:effectRef idx="0">
+        <a:scrgbClr r="0" g="0" b="0"/>
+      </a:effectRef>
+      <a:fontRef idx="minor"/>
+    </dgm:style>
+  </dgm:styleLbl>
+  <dgm:styleLbl name="sibTrans2D1">
+    <dgm:scene3d>
+      <a:camera prst="orthographicFront"/>
+      <a:lightRig rig="threePt" dir="t"/>
+    </dgm:scene3d>
+    <dgm:sp3d/>
+    <dgm:txPr/>
+    <dgm:style>
+      <a:lnRef idx="0">
+        <a:scrgbClr r="0" g="0" b="0"/>
+      </a:lnRef>
+      <a:fillRef idx="1">
+        <a:scrgbClr r="0" g="0" b="0"/>
+      </a:fillRef>
+      <a:effectRef idx="0">
+        <a:scrgbClr r="0" g="0" b="0"/>
+      </a:effectRef>
+      <a:fontRef idx="minor">
+        <a:schemeClr val="lt1"/>
+      </a:fontRef>
+    </dgm:style>
+  </dgm:styleLbl>
+  <dgm:styleLbl name="fgSibTrans2D1">
+    <dgm:scene3d>
+      <a:camera prst="orthographicFront"/>
+      <a:lightRig rig="threePt" dir="t"/>
+    </dgm:scene3d>
+    <dgm:sp3d/>
+    <dgm:txPr/>
+    <dgm:style>
+      <a:lnRef idx="0">
+        <a:scrgbClr r="0" g="0" b="0"/>
+      </a:lnRef>
+      <a:fillRef idx="1">
+        <a:scrgbClr r="0" g="0" b="0"/>
+      </a:fillRef>
+      <a:effectRef idx="0">
+        <a:scrgbClr r="0" g="0" b="0"/>
+      </a:effectRef>
+      <a:fontRef idx="minor">
+        <a:schemeClr val="lt1"/>
+      </a:fontRef>
+    </dgm:style>
+  </dgm:styleLbl>
+  <dgm:styleLbl name="bgSibTrans2D1">
+    <dgm:scene3d>
+      <a:camera prst="orthographicFront"/>
+      <a:lightRig rig="threePt" dir="t"/>
+    </dgm:scene3d>
+    <dgm:sp3d/>
+    <dgm:txPr/>
+    <dgm:style>
+      <a:lnRef idx="0">
+        <a:scrgbClr r="0" g="0" b="0"/>
+      </a:lnRef>
+      <a:fillRef idx="1">
+        <a:scrgbClr r="0" g="0" b="0"/>
+      </a:fillRef>
+      <a:effectRef idx="0">
+        <a:scrgbClr r="0" g="0" b="0"/>
+      </a:effectRef>
+      <a:fontRef idx="minor">
+        <a:schemeClr val="lt1"/>
+      </a:fontRef>
+    </dgm:style>
+  </dgm:styleLbl>
+  <dgm:styleLbl name="sibTrans1D1">
+    <dgm:scene3d>
+      <a:camera prst="orthographicFront"/>
+      <a:lightRig rig="threePt" dir="t"/>
+    </dgm:scene3d>
+    <dgm:sp3d/>
+    <dgm:txPr/>
+    <dgm:style>
+      <a:lnRef idx="1">
+        <a:scrgbClr r="0" g="0" b="0"/>
+      </a:lnRef>
+      <a:fillRef idx="0">
+        <a:scrgbClr r="0" g="0" b="0"/>
+      </a:fillRef>
+      <a:effectRef idx="0">
+        <a:scrgbClr r="0" g="0" b="0"/>
+      </a:effectRef>
+      <a:fontRef idx="minor"/>
+    </dgm:style>
+  </dgm:styleLbl>
+  <dgm:styleLbl name="callout">
+    <dgm:scene3d>
+      <a:camera prst="orthographicFront"/>
+      <a:lightRig rig="threePt" dir="t"/>
+    </dgm:scene3d>
+    <dgm:sp3d/>
+    <dgm:txPr/>
+    <dgm:style>
+      <a:lnRef idx="2">
+        <a:scrgbClr r="0" g="0" b="0"/>
+      </a:lnRef>
+      <a:fillRef idx="1">
+        <a:scrgbClr r="0" g="0" b="0"/>
+      </a:fillRef>
+      <a:effectRef idx="0">
+        <a:scrgbClr r="0" g="0" b="0"/>
+      </a:effectRef>
+      <a:fontRef idx="minor"/>
+    </dgm:style>
+  </dgm:styleLbl>
+  <dgm:styleLbl name="asst0">
+    <dgm:scene3d>
+      <a:camera prst="orthographicFront"/>
+      <a:lightRig rig="threePt" dir="t"/>
+    </dgm:scene3d>
+    <dgm:sp3d/>
+    <dgm:txPr/>
+    <dgm:style>
+      <a:lnRef idx="2">
+        <a:scrgbClr r="0" g="0" b="0"/>
+      </a:lnRef>
+      <a:fillRef idx="1">
+        <a:scrgbClr r="0" g="0" b="0"/>
+      </a:fillRef>
+      <a:effectRef idx="0">
+        <a:scrgbClr r="0" g="0" b="0"/>
+      </a:effectRef>
+      <a:fontRef idx="minor">
+        <a:schemeClr val="lt1"/>
+      </a:fontRef>
+    </dgm:style>
+  </dgm:styleLbl>
+  <dgm:styleLbl name="asst1">
+    <dgm:scene3d>
+      <a:camera prst="orthographicFront"/>
+      <a:lightRig rig="threePt" dir="t"/>
+    </dgm:scene3d>
+    <dgm:sp3d/>
+    <dgm:txPr/>
+    <dgm:style>
+      <a:lnRef idx="2">
+        <a:scrgbClr r="0" g="0" b="0"/>
+      </a:lnRef>
+      <a:fillRef idx="1">
+        <a:scrgbClr r="0" g="0" b="0"/>
+      </a:fillRef>
+      <a:effectRef idx="0">
+        <a:scrgbClr r="0" g="0" b="0"/>
+      </a:effectRef>
+      <a:fontRef idx="minor">
+        <a:schemeClr val="lt1"/>
+      </a:fontRef>
+    </dgm:style>
+  </dgm:styleLbl>
+  <dgm:styleLbl name="asst2">
+    <dgm:scene3d>
+      <a:camera prst="orthographicFront"/>
+      <a:lightRig rig="threePt" dir="t"/>
+    </dgm:scene3d>
+    <dgm:sp3d/>
+    <dgm:txPr/>
+    <dgm:style>
+      <a:lnRef idx="2">
+        <a:scrgbClr r="0" g="0" b="0"/>
+      </a:lnRef>
+      <a:fillRef idx="1">
+        <a:scrgbClr r="0" g="0" b="0"/>
+      </a:fillRef>
+      <a:effectRef idx="0">
+        <a:scrgbClr r="0" g="0" b="0"/>
+      </a:effectRef>
+      <a:fontRef idx="minor">
+        <a:schemeClr val="lt1"/>
+      </a:fontRef>
+    </dgm:style>
+  </dgm:styleLbl>
+  <dgm:styleLbl name="asst3">
+    <dgm:scene3d>
+      <a:camera prst="orthographicFront"/>
+      <a:lightRig rig="threePt" dir="t"/>
+    </dgm:scene3d>
+    <dgm:sp3d/>
+    <dgm:txPr/>
+    <dgm:style>
+      <a:lnRef idx="2">
+        <a:scrgbClr r="0" g="0" b="0"/>
+      </a:lnRef>
+      <a:fillRef idx="1">
+        <a:scrgbClr r="0" g="0" b="0"/>
+      </a:fillRef>
+      <a:effectRef idx="0">
+        <a:scrgbClr r="0" g="0" b="0"/>
+      </a:effectRef>
+      <a:fontRef idx="minor">
+        <a:schemeClr val="lt1"/>
+      </a:fontRef>
+    </dgm:style>
+  </dgm:styleLbl>
+  <dgm:styleLbl name="asst4">
+    <dgm:scene3d>
+      <a:camera prst="orthographicFront"/>
+      <a:lightRig rig="threePt" dir="t"/>
+    </dgm:scene3d>
+    <dgm:sp3d/>
+    <dgm:txPr/>
+    <dgm:style>
+      <a:lnRef idx="2">
+        <a:scrgbClr r="0" g="0" b="0"/>
+      </a:lnRef>
+      <a:fillRef idx="1">
+        <a:scrgbClr r="0" g="0" b="0"/>
+      </a:fillRef>
+      <a:effectRef idx="0">
+        <a:scrgbClr r="0" g="0" b="0"/>
+      </a:effectRef>
+      <a:fontRef idx="minor">
+        <a:schemeClr val="lt1"/>
+      </a:fontRef>
+    </dgm:style>
+  </dgm:styleLbl>
+  <dgm:styleLbl name="parChTrans2D1">
+    <dgm:scene3d>
+      <a:camera prst="orthographicFront"/>
+      <a:lightRig rig="threePt" dir="t"/>
+    </dgm:scene3d>
+    <dgm:sp3d/>
+    <dgm:txPr/>
+    <dgm:style>
+      <a:lnRef idx="2">
+        <a:scrgbClr r="0" g="0" b="0"/>
+      </a:lnRef>
+      <a:fillRef idx="1">
+        <a:scrgbClr r="0" g="0" b="0"/>
+      </a:fillRef>
+      <a:effectRef idx="0">
+        <a:scrgbClr r="0" g="0" b="0"/>
+      </a:effectRef>
+      <a:fontRef idx="minor">
+        <a:schemeClr val="lt1"/>
+      </a:fontRef>
+    </dgm:style>
+  </dgm:styleLbl>
+  <dgm:styleLbl name="parChTrans2D2">
+    <dgm:scene3d>
+      <a:camera prst="orthographicFront"/>
+      <a:lightRig rig="threePt" dir="t"/>
+    </dgm:scene3d>
+    <dgm:sp3d/>
+    <dgm:txPr/>
+    <dgm:style>
+      <a:lnRef idx="2">
+        <a:scrgbClr r="0" g="0" b="0"/>
+      </a:lnRef>
+      <a:fillRef idx="1">
+        <a:scrgbClr r="0" g="0" b="0"/>
+      </a:fillRef>
+      <a:effectRef idx="0">
+        <a:scrgbClr r="0" g="0" b="0"/>
+      </a:effectRef>
+      <a:fontRef idx="minor">
+        <a:schemeClr val="lt1"/>
+      </a:fontRef>
+    </dgm:style>
+  </dgm:styleLbl>
+  <dgm:styleLbl name="parChTrans2D3">
+    <dgm:scene3d>
+      <a:camera prst="orthographicFront"/>
+      <a:lightRig rig="threePt" dir="t"/>
+    </dgm:scene3d>
+    <dgm:sp3d/>
+    <dgm:txPr/>
+    <dgm:style>
+      <a:lnRef idx="2">
+        <a:scrgbClr r="0" g="0" b="0"/>
+      </a:lnRef>
+      <a:fillRef idx="1">
+        <a:scrgbClr r="0" g="0" b="0"/>
+      </a:fillRef>
+      <a:effectRef idx="0">
+        <a:scrgbClr r="0" g="0" b="0"/>
+      </a:effectRef>
+      <a:fontRef idx="minor">
+        <a:schemeClr val="lt1"/>
+      </a:fontRef>
+    </dgm:style>
+  </dgm:styleLbl>
+  <dgm:styleLbl name="parChTrans2D4">
+    <dgm:scene3d>
+      <a:camera prst="orthographicFront"/>
+      <a:lightRig rig="threePt" dir="t"/>
+    </dgm:scene3d>
+    <dgm:sp3d/>
+    <dgm:txPr/>
+    <dgm:style>
+      <a:lnRef idx="2">
+        <a:scrgbClr r="0" g="0" b="0"/>
+      </a:lnRef>
+      <a:fillRef idx="1">
+        <a:scrgbClr r="0" g="0" b="0"/>
+      </a:fillRef>
+      <a:effectRef idx="0">
+        <a:scrgbClr r="0" g="0" b="0"/>
+      </a:effectRef>
+      <a:fontRef idx="minor">
+        <a:schemeClr val="lt1"/>
+      </a:fontRef>
+    </dgm:style>
+  </dgm:styleLbl>
+  <dgm:styleLbl name="parChTrans1D1">
+    <dgm:scene3d>
+      <a:camera prst="orthographicFront"/>
+      <a:lightRig rig="threePt" dir="t"/>
+    </dgm:scene3d>
+    <dgm:sp3d/>
+    <dgm:txPr/>
+    <dgm:style>
+      <a:lnRef idx="2">
+        <a:scrgbClr r="0" g="0" b="0"/>
+      </a:lnRef>
+      <a:fillRef idx="0">
+        <a:scrgbClr r="0" g="0" b="0"/>
+      </a:fillRef>
+      <a:effectRef idx="0">
+        <a:scrgbClr r="0" g="0" b="0"/>
+      </a:effectRef>
+      <a:fontRef idx="minor"/>
+    </dgm:style>
+  </dgm:styleLbl>
+  <dgm:styleLbl name="parChTrans1D2">
+    <dgm:scene3d>
+      <a:camera prst="orthographicFront"/>
+      <a:lightRig rig="threePt" dir="t"/>
+    </dgm:scene3d>
+    <dgm:sp3d/>
+    <dgm:txPr/>
+    <dgm:style>
+      <a:lnRef idx="2">
+        <a:scrgbClr r="0" g="0" b="0"/>
+      </a:lnRef>
+      <a:fillRef idx="0">
+        <a:scrgbClr r="0" g="0" b="0"/>
+      </a:fillRef>
+      <a:effectRef idx="0">
+        <a:scrgbClr r="0" g="0" b="0"/>
+      </a:effectRef>
+      <a:fontRef idx="minor"/>
+    </dgm:style>
+  </dgm:styleLbl>
+  <dgm:styleLbl name="parChTrans1D3">
+    <dgm:scene3d>
+      <a:camera prst="orthographicFront"/>
+      <a:lightRig rig="threePt" dir="t"/>
+    </dgm:scene3d>
+    <dgm:sp3d/>
+    <dgm:txPr/>
+    <dgm:style>
+      <a:lnRef idx="2">
+        <a:scrgbClr r="0" g="0" b="0"/>
+      </a:lnRef>
+      <a:fillRef idx="0">
+        <a:scrgbClr r="0" g="0" b="0"/>
+      </a:fillRef>
+      <a:effectRef idx="0">
+        <a:scrgbClr r="0" g="0" b="0"/>
+      </a:effectRef>
+      <a:fontRef idx="minor"/>
+    </dgm:style>
+  </dgm:styleLbl>
+  <dgm:styleLbl name="parChTrans1D4">
+    <dgm:scene3d>
+      <a:camera prst="orthographicFront"/>
+      <a:lightRig rig="threePt" dir="t"/>
+    </dgm:scene3d>
+    <dgm:sp3d/>
+    <dgm:txPr/>
+    <dgm:style>
+      <a:lnRef idx="2">
+        <a:scrgbClr r="0" g="0" b="0"/>
+      </a:lnRef>
+      <a:fillRef idx="0">
+        <a:scrgbClr r="0" g="0" b="0"/>
+      </a:fillRef>
+      <a:effectRef idx="0">
+        <a:scrgbClr r="0" g="0" b="0"/>
+      </a:effectRef>
+      <a:fontRef idx="minor"/>
+    </dgm:style>
+  </dgm:styleLbl>
+  <dgm:styleLbl name="fgAcc1">
+    <dgm:scene3d>
+      <a:camera prst="orthographicFront"/>
+      <a:lightRig rig="threePt" dir="t"/>
+    </dgm:scene3d>
+    <dgm:sp3d/>
+    <dgm:txPr/>
+    <dgm:style>
+      <a:lnRef idx="2">
+        <a:scrgbClr r="0" g="0" b="0"/>
+      </a:lnRef>
+      <a:fillRef idx="1">
+        <a:scrgbClr r="0" g="0" b="0"/>
+      </a:fillRef>
+      <a:effectRef idx="0">
+        <a:scrgbClr r="0" g="0" b="0"/>
+      </a:effectRef>
+      <a:fontRef idx="minor"/>
+    </dgm:style>
+  </dgm:styleLbl>
+  <dgm:styleLbl name="conFgAcc1">
+    <dgm:scene3d>
+      <a:camera prst="orthographicFront"/>
+      <a:lightRig rig="threePt" dir="t"/>
+    </dgm:scene3d>
+    <dgm:sp3d/>
+    <dgm:txPr/>
+    <dgm:style>
+      <a:lnRef idx="2">
+        <a:scrgbClr r="0" g="0" b="0"/>
+      </a:lnRef>
+      <a:fillRef idx="1">
+        <a:scrgbClr r="0" g="0" b="0"/>
+      </a:fillRef>
+      <a:effectRef idx="0">
+        <a:scrgbClr r="0" g="0" b="0"/>
+      </a:effectRef>
+      <a:fontRef idx="minor"/>
+    </dgm:style>
+  </dgm:styleLbl>
+  <dgm:styleLbl name="alignAcc1">
+    <dgm:scene3d>
+      <a:camera prst="orthographicFront"/>
+      <a:lightRig rig="threePt" dir="t"/>
+    </dgm:scene3d>
+    <dgm:sp3d/>
+    <dgm:txPr/>
+    <dgm:style>
+      <a:lnRef idx="2">
+        <a:scrgbClr r="0" g="0" b="0"/>
+      </a:lnRef>
+      <a:fillRef idx="1">
+        <a:scrgbClr r="0" g="0" b="0"/>
+      </a:fillRef>
+      <a:effectRef idx="0">
+        <a:scrgbClr r="0" g="0" b="0"/>
+      </a:effectRef>
+      <a:fontRef idx="minor"/>
+    </dgm:style>
+  </dgm:styleLbl>
+  <dgm:styleLbl name="trAlignAcc1">
+    <dgm:scene3d>
+      <a:camera prst="orthographicFront"/>
+      <a:lightRig rig="threePt" dir="t"/>
+    </dgm:scene3d>
+    <dgm:sp3d/>
+    <dgm:txPr/>
+    <dgm:style>
+      <a:lnRef idx="1">
+        <a:scrgbClr r="0" g="0" b="0"/>
+      </a:lnRef>
+      <a:fillRef idx="1">
+        <a:scrgbClr r="0" g="0" b="0"/>
+      </a:fillRef>
+      <a:effectRef idx="0">
+        <a:scrgbClr r="0" g="0" b="0"/>
+      </a:effectRef>
+      <a:fontRef idx="minor"/>
+    </dgm:style>
+  </dgm:styleLbl>
+  <dgm:styleLbl name="bgAcc1">
+    <dgm:scene3d>
+      <a:camera prst="orthographicFront"/>
+      <a:lightRig rig="threePt" dir="t"/>
+    </dgm:scene3d>
+    <dgm:sp3d/>
+    <dgm:txPr/>
+    <dgm:style>
+      <a:lnRef idx="2">
+        <a:scrgbClr r="0" g="0" b="0"/>
+      </a:lnRef>
+      <a:fillRef idx="1">
+        <a:scrgbClr r="0" g="0" b="0"/>
+      </a:fillRef>
+      <a:effectRef idx="0">
+        <a:scrgbClr r="0" g="0" b="0"/>
+      </a:effectRef>
+      <a:fontRef idx="minor"/>
+    </dgm:style>
+  </dgm:styleLbl>
+  <dgm:styleLbl name="solidFgAcc1">
+    <dgm:scene3d>
+      <a:camera prst="orthographicFront"/>
+      <a:lightRig rig="threePt" dir="t"/>
+    </dgm:scene3d>
+    <dgm:sp3d/>
+    <dgm:txPr/>
+    <dgm:style>
+      <a:lnRef idx="2">
+        <a:scrgbClr r="0" g="0" b="0"/>
+      </a:lnRef>
+      <a:fillRef idx="1">
+        <a:scrgbClr r="0" g="0" b="0"/>
+      </a:fillRef>
+      <a:effectRef idx="0">
+        <a:scrgbClr r="0" g="0" b="0"/>
+      </a:effectRef>
+      <a:fontRef idx="minor"/>
+    </dgm:style>
+  </dgm:styleLbl>
+  <dgm:styleLbl name="solidAlignAcc1">
+    <dgm:scene3d>
+      <a:camera prst="orthographicFront"/>
+      <a:lightRig rig="threePt" dir="t"/>
+    </dgm:scene3d>
+    <dgm:sp3d/>
+    <dgm:txPr/>
+    <dgm:style>
+      <a:lnRef idx="2">
+        <a:scrgbClr r="0" g="0" b="0"/>
+      </a:lnRef>
+      <a:fillRef idx="1">
+        <a:scrgbClr r="0" g="0" b="0"/>
+      </a:fillRef>
+      <a:effectRef idx="0">
+        <a:scrgbClr r="0" g="0" b="0"/>
+      </a:effectRef>
+      <a:fontRef idx="minor"/>
+    </dgm:style>
+  </dgm:styleLbl>
+  <dgm:styleLbl name="solidBgAcc1">
+    <dgm:scene3d>
+      <a:camera prst="orthographicFront"/>
+      <a:lightRig rig="threePt" dir="t"/>
+    </dgm:scene3d>
+    <dgm:sp3d/>
+    <dgm:txPr/>
+    <dgm:style>
+      <a:lnRef idx="2">
+        <a:scrgbClr r="0" g="0" b="0"/>
+      </a:lnRef>
+      <a:fillRef idx="1">
+        <a:scrgbClr r="0" g="0" b="0"/>
+      </a:fillRef>
+      <a:effectRef idx="0">
+        <a:scrgbClr r="0" g="0" b="0"/>
+      </a:effectRef>
+      <a:fontRef idx="minor"/>
+    </dgm:style>
+  </dgm:styleLbl>
+  <dgm:styleLbl name="fgAccFollowNode1">
+    <dgm:scene3d>
+      <a:camera prst="orthographicFront"/>
+      <a:lightRig rig="threePt" dir="t"/>
+    </dgm:scene3d>
+    <dgm:sp3d/>
+    <dgm:txPr/>
+    <dgm:style>
+      <a:lnRef idx="2">
+        <a:scrgbClr r="0" g="0" b="0"/>
+      </a:lnRef>
+      <a:fillRef idx="1">
+        <a:scrgbClr r="0" g="0" b="0"/>
+      </a:fillRef>
+      <a:effectRef idx="0">
+        <a:scrgbClr r="0" g="0" b="0"/>
+      </a:effectRef>
+      <a:fontRef idx="minor"/>
+    </dgm:style>
+  </dgm:styleLbl>
+  <dgm:styleLbl name="alignAccFollowNode1">
+    <dgm:scene3d>
+      <a:camera prst="orthographicFront"/>
+      <a:lightRig rig="threePt" dir="t"/>
+    </dgm:scene3d>
+    <dgm:sp3d/>
+    <dgm:txPr/>
+    <dgm:style>
+      <a:lnRef idx="2">
+        <a:scrgbClr r="0" g="0" b="0"/>
+      </a:lnRef>
+      <a:fillRef idx="1">
+        <a:scrgbClr r="0" g="0" b="0"/>
+      </a:fillRef>
+      <a:effectRef idx="0">
+        <a:scrgbClr r="0" g="0" b="0"/>
+      </a:effectRef>
+      <a:fontRef idx="minor"/>
+    </dgm:style>
+  </dgm:styleLbl>
+  <dgm:styleLbl name="bgAccFollowNode1">
+    <dgm:scene3d>
+      <a:camera prst="orthographicFront"/>
+      <a:lightRig rig="threePt" dir="t"/>
+    </dgm:scene3d>
+    <dgm:sp3d/>
+    <dgm:txPr/>
+    <dgm:style>
+      <a:lnRef idx="2">
+        <a:scrgbClr r="0" g="0" b="0"/>
+      </a:lnRef>
+      <a:fillRef idx="1">
+        <a:scrgbClr r="0" g="0" b="0"/>
+      </a:fillRef>
+      <a:effectRef idx="0">
+        <a:scrgbClr r="0" g="0" b="0"/>
+      </a:effectRef>
+      <a:fontRef idx="minor"/>
+    </dgm:style>
+  </dgm:styleLbl>
+  <dgm:styleLbl name="fgAcc0">
+    <dgm:scene3d>
+      <a:camera prst="orthographicFront"/>
+      <a:lightRig rig="threePt" dir="t"/>
+    </dgm:scene3d>
+    <dgm:sp3d/>
+    <dgm:txPr/>
+    <dgm:style>
+      <a:lnRef idx="2">
+        <a:scrgbClr r="0" g="0" b="0"/>
+      </a:lnRef>
+      <a:fillRef idx="1">
+        <a:scrgbClr r="0" g="0" b="0"/>
+      </a:fillRef>
+      <a:effectRef idx="0">
+        <a:scrgbClr r="0" g="0" b="0"/>
+      </a:effectRef>
+      <a:fontRef idx="minor"/>
+    </dgm:style>
+  </dgm:styleLbl>
+  <dgm:styleLbl name="fgAcc2">
+    <dgm:scene3d>
+      <a:camera prst="orthographicFront"/>
+      <a:lightRig rig="threePt" dir="t"/>
+    </dgm:scene3d>
+    <dgm:sp3d/>
+    <dgm:txPr/>
+    <dgm:style>
+      <a:lnRef idx="2">
+        <a:scrgbClr r="0" g="0" b="0"/>
+      </a:lnRef>
+      <a:fillRef idx="1">
+        <a:scrgbClr r="0" g="0" b="0"/>
+      </a:fillRef>
+      <a:effectRef idx="0">
+        <a:scrgbClr r="0" g="0" b="0"/>
+      </a:effectRef>
+      <a:fontRef idx="minor"/>
+    </dgm:style>
+  </dgm:styleLbl>
+  <dgm:styleLbl name="fgAcc3">
+    <dgm:scene3d>
+      <a:camera prst="orthographicFront"/>
+      <a:lightRig rig="threePt" dir="t"/>
+    </dgm:scene3d>
+    <dgm:sp3d/>
+    <dgm:txPr/>
+    <dgm:style>
+      <a:lnRef idx="2">
+        <a:scrgbClr r="0" g="0" b="0"/>
+      </a:lnRef>
+      <a:fillRef idx="1">
+        <a:scrgbClr r="0" g="0" b="0"/>
+      </a:fillRef>
+      <a:effectRef idx="0">
+        <a:scrgbClr r="0" g="0" b="0"/>
+      </a:effectRef>
+      <a:fontRef idx="minor"/>
+    </dgm:style>
+  </dgm:styleLbl>
+  <dgm:styleLbl name="fgAcc4">
+    <dgm:scene3d>
+      <a:camera prst="orthographicFront"/>
+      <a:lightRig rig="threePt" dir="t"/>
+    </dgm:scene3d>
+    <dgm:sp3d/>
+    <dgm:txPr/>
+    <dgm:style>
+      <a:lnRef idx="2">
+        <a:scrgbClr r="0" g="0" b="0"/>
+      </a:lnRef>
+      <a:fillRef idx="1">
+        <a:scrgbClr r="0" g="0" b="0"/>
+      </a:fillRef>
+      <a:effectRef idx="0">
+        <a:scrgbClr r="0" g="0" b="0"/>
+      </a:effectRef>
+      <a:fontRef idx="minor"/>
+    </dgm:style>
+  </dgm:styleLbl>
+  <dgm:styleLbl name="bgShp">
+    <dgm:scene3d>
+      <a:camera prst="orthographicFront"/>
+      <a:lightRig rig="threePt" dir="t"/>
+    </dgm:scene3d>
+    <dgm:sp3d/>
+    <dgm:txPr/>
+    <dgm:style>
+      <a:lnRef idx="0">
+        <a:scrgbClr r="0" g="0" b="0"/>
+      </a:lnRef>
+      <a:fillRef idx="1">
+        <a:scrgbClr r="0" g="0" b="0"/>
+      </a:fillRef>
+      <a:effectRef idx="0">
+        <a:scrgbClr r="0" g="0" b="0"/>
+      </a:effectRef>
+      <a:fontRef idx="minor"/>
+    </dgm:style>
+  </dgm:styleLbl>
+  <dgm:styleLbl name="dkBgShp">
+    <dgm:scene3d>
+      <a:camera prst="orthographicFront"/>
+      <a:lightRig rig="threePt" dir="t"/>
+    </dgm:scene3d>
+    <dgm:sp3d/>
+    <dgm:txPr/>
+    <dgm:style>
+      <a:lnRef idx="0">
+        <a:scrgbClr r="0" g="0" b="0"/>
+      </a:lnRef>
+      <a:fillRef idx="1">
+        <a:scrgbClr r="0" g="0" b="0"/>
+      </a:fillRef>
+      <a:effectRef idx="0">
+        <a:scrgbClr r="0" g="0" b="0"/>
+      </a:effectRef>
+      <a:fontRef idx="minor"/>
+    </dgm:style>
+  </dgm:styleLbl>
+  <dgm:styleLbl name="trBgShp">
+    <dgm:scene3d>
+      <a:camera prst="orthographicFront"/>
+      <a:lightRig rig="threePt" dir="t"/>
+    </dgm:scene3d>
+    <dgm:sp3d/>
+    <dgm:txPr/>
+    <dgm:style>
+      <a:lnRef idx="0">
+        <a:scrgbClr r="0" g="0" b="0"/>
+      </a:lnRef>
+      <a:fillRef idx="1">
+        <a:scrgbClr r="0" g="0" b="0"/>
+      </a:fillRef>
+      <a:effectRef idx="0">
+        <a:scrgbClr r="0" g="0" b="0"/>
+      </a:effectRef>
+      <a:fontRef idx="minor"/>
+    </dgm:style>
+  </dgm:styleLbl>
+  <dgm:styleLbl name="fgShp">
+    <dgm:scene3d>
+      <a:camera prst="orthographicFront"/>
+      <a:lightRig rig="threePt" dir="t"/>
+    </dgm:scene3d>
+    <dgm:sp3d/>
+    <dgm:txPr/>
+    <dgm:style>
+      <a:lnRef idx="2">
+        <a:scrgbClr r="0" g="0" b="0"/>
+      </a:lnRef>
+      <a:fillRef idx="1">
+        <a:scrgbClr r="0" g="0" b="0"/>
+      </a:fillRef>
+      <a:effectRef idx="0">
+        <a:scrgbClr r="0" g="0" b="0"/>
+      </a:effectRef>
+      <a:fontRef idx="minor"/>
+    </dgm:style>
+  </dgm:styleLbl>
+  <dgm:styleLbl name="revTx">
+    <dgm:scene3d>
+      <a:camera prst="orthographicFront"/>
+      <a:lightRig rig="threePt" dir="t"/>
+    </dgm:scene3d>
+    <dgm:sp3d/>
+    <dgm:txPr/>
+    <dgm:style>
+      <a:lnRef idx="0">
+        <a:scrgbClr r="0" g="0" b="0"/>
+      </a:lnRef>
+      <a:fillRef idx="0">
+        <a:scrgbClr r="0" g="0" b="0"/>
+      </a:fillRef>
+      <a:effectRef idx="0">
+        <a:scrgbClr r="0" g="0" b="0"/>
+      </a:effectRef>
+      <a:fontRef idx="minor"/>
+    </dgm:style>
+  </dgm:styleLbl>
+</dgm:styleDef>
+</file>
+
 <file path=ppt/notesMasters/notesMaster1.xml><?xml version="1.0" encoding="utf-8"?>
 <p:notesMaster xmlns:a="http://schemas.openxmlformats.org/drawingml/2006/main" xmlns:r="http://schemas.openxmlformats.org/officeDocument/2006/relationships" xmlns:p="http://schemas.openxmlformats.org/presentationml/2006/main">
   <p:cSld>
@@ -1320,7 +3911,7 @@
           <a:p>
             <a:fld id="{43E32005-3A63-48D2-8C73-BF5F95786EBD}" type="datetimeFigureOut">
               <a:rPr lang="en-US" smtClean="0"/>
-              <a:t>1/31/2018</a:t>
+              <a:t>4/11/2018</a:t>
             </a:fld>
             <a:endParaRPr lang="en-US"/>
           </a:p>
@@ -4959,6 +7550,93 @@
 </p:notes>
 </file>
 
+<file path=ppt/notesSlides/notesSlide39.xml><?xml version="1.0" encoding="utf-8"?>
+<p:notes xmlns:a="http://schemas.openxmlformats.org/drawingml/2006/main" xmlns:r="http://schemas.openxmlformats.org/officeDocument/2006/relationships" xmlns:p="http://schemas.openxmlformats.org/presentationml/2006/main">
+  <p:cSld>
+    <p:spTree>
+      <p:nvGrpSpPr>
+        <p:cNvPr id="1" name=""/>
+        <p:cNvGrpSpPr/>
+        <p:nvPr/>
+      </p:nvGrpSpPr>
+      <p:grpSpPr>
+        <a:xfrm>
+          <a:off x="0" y="0"/>
+          <a:ext cx="0" cy="0"/>
+          <a:chOff x="0" y="0"/>
+          <a:chExt cx="0" cy="0"/>
+        </a:xfrm>
+      </p:grpSpPr>
+      <p:sp>
+        <p:nvSpPr>
+          <p:cNvPr id="2" name="Slide Image Placeholder 1"/>
+          <p:cNvSpPr>
+            <a:spLocks noGrp="1" noRot="1" noChangeAspect="1"/>
+          </p:cNvSpPr>
+          <p:nvPr>
+            <p:ph type="sldImg"/>
+          </p:nvPr>
+        </p:nvSpPr>
+        <p:spPr/>
+      </p:sp>
+      <p:sp>
+        <p:nvSpPr>
+          <p:cNvPr id="3" name="Notes Placeholder 2"/>
+          <p:cNvSpPr>
+            <a:spLocks noGrp="1"/>
+          </p:cNvSpPr>
+          <p:nvPr>
+            <p:ph type="body" idx="1"/>
+          </p:nvPr>
+        </p:nvSpPr>
+        <p:spPr/>
+        <p:txBody>
+          <a:bodyPr/>
+          <a:lstStyle/>
+          <a:p>
+            <a:r>
+              <a:rPr lang="en-US" dirty="0"/>
+              <a:t>SmartArt</a:t>
+            </a:r>
+          </a:p>
+        </p:txBody>
+      </p:sp>
+      <p:sp>
+        <p:nvSpPr>
+          <p:cNvPr id="4" name="Slide Number Placeholder 3"/>
+          <p:cNvSpPr>
+            <a:spLocks noGrp="1"/>
+          </p:cNvSpPr>
+          <p:nvPr>
+            <p:ph type="sldNum" sz="quarter" idx="10"/>
+          </p:nvPr>
+        </p:nvSpPr>
+        <p:spPr/>
+        <p:txBody>
+          <a:bodyPr/>
+          <a:lstStyle/>
+          <a:p>
+            <a:fld id="{0FE7C38A-472B-4221-8E00-509E1DA863EC}" type="slidenum">
+              <a:rPr lang="en-US" smtClean="0"/>
+              <a:t>47</a:t>
+            </a:fld>
+            <a:endParaRPr lang="en-US"/>
+          </a:p>
+        </p:txBody>
+      </p:sp>
+    </p:spTree>
+    <p:extLst>
+      <p:ext uri="{BB962C8B-B14F-4D97-AF65-F5344CB8AC3E}">
+        <p14:creationId xmlns:p14="http://schemas.microsoft.com/office/powerpoint/2010/main" val="2636897301"/>
+      </p:ext>
+    </p:extLst>
+  </p:cSld>
+  <p:clrMapOvr>
+    <a:masterClrMapping/>
+  </p:clrMapOvr>
+</p:notes>
+</file>
+
 <file path=ppt/notesSlides/notesSlide4.xml><?xml version="1.0" encoding="utf-8"?>
 <p:notes xmlns:a="http://schemas.openxmlformats.org/drawingml/2006/main" xmlns:r="http://schemas.openxmlformats.org/officeDocument/2006/relationships" xmlns:p="http://schemas.openxmlformats.org/presentationml/2006/main">
   <p:cSld>
@@ -5069,6 +7747,93 @@
     <p:extLst>
       <p:ext uri="{BB962C8B-B14F-4D97-AF65-F5344CB8AC3E}">
         <p14:creationId xmlns:p14="http://schemas.microsoft.com/office/powerpoint/2010/main" val="239638019"/>
+      </p:ext>
+    </p:extLst>
+  </p:cSld>
+  <p:clrMapOvr>
+    <a:masterClrMapping/>
+  </p:clrMapOvr>
+</p:notes>
+</file>
+
+<file path=ppt/notesSlides/notesSlide40.xml><?xml version="1.0" encoding="utf-8"?>
+<p:notes xmlns:a="http://schemas.openxmlformats.org/drawingml/2006/main" xmlns:r="http://schemas.openxmlformats.org/officeDocument/2006/relationships" xmlns:p="http://schemas.openxmlformats.org/presentationml/2006/main">
+  <p:cSld>
+    <p:spTree>
+      <p:nvGrpSpPr>
+        <p:cNvPr id="1" name=""/>
+        <p:cNvGrpSpPr/>
+        <p:nvPr/>
+      </p:nvGrpSpPr>
+      <p:grpSpPr>
+        <a:xfrm>
+          <a:off x="0" y="0"/>
+          <a:ext cx="0" cy="0"/>
+          <a:chOff x="0" y="0"/>
+          <a:chExt cx="0" cy="0"/>
+        </a:xfrm>
+      </p:grpSpPr>
+      <p:sp>
+        <p:nvSpPr>
+          <p:cNvPr id="2" name="Slide Image Placeholder 1"/>
+          <p:cNvSpPr>
+            <a:spLocks noGrp="1" noRot="1" noChangeAspect="1"/>
+          </p:cNvSpPr>
+          <p:nvPr>
+            <p:ph type="sldImg"/>
+          </p:nvPr>
+        </p:nvSpPr>
+        <p:spPr/>
+      </p:sp>
+      <p:sp>
+        <p:nvSpPr>
+          <p:cNvPr id="3" name="Notes Placeholder 2"/>
+          <p:cNvSpPr>
+            <a:spLocks noGrp="1"/>
+          </p:cNvSpPr>
+          <p:nvPr>
+            <p:ph type="body" idx="1"/>
+          </p:nvPr>
+        </p:nvSpPr>
+        <p:spPr/>
+        <p:txBody>
+          <a:bodyPr/>
+          <a:lstStyle/>
+          <a:p>
+            <a:r>
+              <a:rPr lang="en-US" dirty="0"/>
+              <a:t>SmartArt</a:t>
+            </a:r>
+          </a:p>
+        </p:txBody>
+      </p:sp>
+      <p:sp>
+        <p:nvSpPr>
+          <p:cNvPr id="4" name="Slide Number Placeholder 3"/>
+          <p:cNvSpPr>
+            <a:spLocks noGrp="1"/>
+          </p:cNvSpPr>
+          <p:nvPr>
+            <p:ph type="sldNum" sz="quarter" idx="10"/>
+          </p:nvPr>
+        </p:nvSpPr>
+        <p:spPr/>
+        <p:txBody>
+          <a:bodyPr/>
+          <a:lstStyle/>
+          <a:p>
+            <a:fld id="{0FE7C38A-472B-4221-8E00-509E1DA863EC}" type="slidenum">
+              <a:rPr lang="en-US" smtClean="0"/>
+              <a:t>48</a:t>
+            </a:fld>
+            <a:endParaRPr lang="en-US"/>
+          </a:p>
+        </p:txBody>
+      </p:sp>
+    </p:spTree>
+    <p:extLst>
+      <p:ext uri="{BB962C8B-B14F-4D97-AF65-F5344CB8AC3E}">
+        <p14:creationId xmlns:p14="http://schemas.microsoft.com/office/powerpoint/2010/main" val="3672517908"/>
       </p:ext>
     </p:extLst>
   </p:cSld>
@@ -5905,7 +8670,7 @@
           <a:p>
             <a:fld id="{699DC775-C286-4358-8C92-D7E584E969B3}" type="datetimeFigureOut">
               <a:rPr lang="en-US" smtClean="0"/>
-              <a:t>1/31/2018</a:t>
+              <a:t>4/11/2018</a:t>
             </a:fld>
             <a:endParaRPr lang="en-US"/>
           </a:p>
@@ -6073,7 +8838,7 @@
           <a:p>
             <a:fld id="{699DC775-C286-4358-8C92-D7E584E969B3}" type="datetimeFigureOut">
               <a:rPr lang="en-US" smtClean="0"/>
-              <a:t>1/31/2018</a:t>
+              <a:t>4/11/2018</a:t>
             </a:fld>
             <a:endParaRPr lang="en-US"/>
           </a:p>
@@ -6251,7 +9016,7 @@
           <a:p>
             <a:fld id="{699DC775-C286-4358-8C92-D7E584E969B3}" type="datetimeFigureOut">
               <a:rPr lang="en-US" smtClean="0"/>
-              <a:t>1/31/2018</a:t>
+              <a:t>4/11/2018</a:t>
             </a:fld>
             <a:endParaRPr lang="en-US"/>
           </a:p>
@@ -6491,7 +9256,7 @@
           <a:p>
             <a:fld id="{699DC775-C286-4358-8C92-D7E584E969B3}" type="datetimeFigureOut">
               <a:rPr lang="en-US" smtClean="0"/>
-              <a:t>1/31/2018</a:t>
+              <a:t>4/11/2018</a:t>
             </a:fld>
             <a:endParaRPr lang="en-US"/>
           </a:p>
@@ -6659,7 +9424,7 @@
           <a:p>
             <a:fld id="{699DC775-C286-4358-8C92-D7E584E969B3}" type="datetimeFigureOut">
               <a:rPr lang="en-US" smtClean="0"/>
-              <a:t>1/31/2018</a:t>
+              <a:t>4/11/2018</a:t>
             </a:fld>
             <a:endParaRPr lang="en-US"/>
           </a:p>
@@ -6904,7 +9669,7 @@
           <a:p>
             <a:fld id="{699DC775-C286-4358-8C92-D7E584E969B3}" type="datetimeFigureOut">
               <a:rPr lang="en-US" smtClean="0"/>
-              <a:t>1/31/2018</a:t>
+              <a:t>4/11/2018</a:t>
             </a:fld>
             <a:endParaRPr lang="en-US"/>
           </a:p>
@@ -7189,7 +9954,7 @@
           <a:p>
             <a:fld id="{699DC775-C286-4358-8C92-D7E584E969B3}" type="datetimeFigureOut">
               <a:rPr lang="en-US" smtClean="0"/>
-              <a:t>1/31/2018</a:t>
+              <a:t>4/11/2018</a:t>
             </a:fld>
             <a:endParaRPr lang="en-US"/>
           </a:p>
@@ -7608,7 +10373,7 @@
           <a:p>
             <a:fld id="{699DC775-C286-4358-8C92-D7E584E969B3}" type="datetimeFigureOut">
               <a:rPr lang="en-US" smtClean="0"/>
-              <a:t>1/31/2018</a:t>
+              <a:t>4/11/2018</a:t>
             </a:fld>
             <a:endParaRPr lang="en-US"/>
           </a:p>
@@ -7725,7 +10490,7 @@
           <a:p>
             <a:fld id="{699DC775-C286-4358-8C92-D7E584E969B3}" type="datetimeFigureOut">
               <a:rPr lang="en-US" smtClean="0"/>
-              <a:t>1/31/2018</a:t>
+              <a:t>4/11/2018</a:t>
             </a:fld>
             <a:endParaRPr lang="en-US"/>
           </a:p>
@@ -7820,7 +10585,7 @@
           <a:p>
             <a:fld id="{699DC775-C286-4358-8C92-D7E584E969B3}" type="datetimeFigureOut">
               <a:rPr lang="en-US" smtClean="0"/>
-              <a:t>1/31/2018</a:t>
+              <a:t>4/11/2018</a:t>
             </a:fld>
             <a:endParaRPr lang="en-US"/>
           </a:p>
@@ -8095,7 +10860,7 @@
           <a:p>
             <a:fld id="{699DC775-C286-4358-8C92-D7E584E969B3}" type="datetimeFigureOut">
               <a:rPr lang="en-US" smtClean="0"/>
-              <a:t>1/31/2018</a:t>
+              <a:t>4/11/2018</a:t>
             </a:fld>
             <a:endParaRPr lang="en-US"/>
           </a:p>
@@ -8263,7 +11028,7 @@
           <a:p>
             <a:fld id="{699DC775-C286-4358-8C92-D7E584E969B3}" type="datetimeFigureOut">
               <a:rPr lang="en-US" smtClean="0"/>
-              <a:t>1/31/2018</a:t>
+              <a:t>4/11/2018</a:t>
             </a:fld>
             <a:endParaRPr lang="en-US"/>
           </a:p>
@@ -8515,7 +11280,7 @@
           <a:p>
             <a:fld id="{699DC775-C286-4358-8C92-D7E584E969B3}" type="datetimeFigureOut">
               <a:rPr lang="en-US" smtClean="0"/>
-              <a:t>1/31/2018</a:t>
+              <a:t>4/11/2018</a:t>
             </a:fld>
             <a:endParaRPr lang="en-US"/>
           </a:p>
@@ -8683,7 +11448,7 @@
           <a:p>
             <a:fld id="{699DC775-C286-4358-8C92-D7E584E969B3}" type="datetimeFigureOut">
               <a:rPr lang="en-US" smtClean="0"/>
-              <a:t>1/31/2018</a:t>
+              <a:t>4/11/2018</a:t>
             </a:fld>
             <a:endParaRPr lang="en-US"/>
           </a:p>
@@ -8861,7 +11626,7 @@
           <a:p>
             <a:fld id="{699DC775-C286-4358-8C92-D7E584E969B3}" type="datetimeFigureOut">
               <a:rPr lang="en-US" smtClean="0"/>
-              <a:t>1/31/2018</a:t>
+              <a:t>4/11/2018</a:t>
             </a:fld>
             <a:endParaRPr lang="en-US"/>
           </a:p>
@@ -9109,7 +11874,7 @@
           <a:p>
             <a:fld id="{699DC775-C286-4358-8C92-D7E584E969B3}" type="datetimeFigureOut">
               <a:rPr lang="en-US" smtClean="0"/>
-              <a:t>1/31/2018</a:t>
+              <a:t>4/11/2018</a:t>
             </a:fld>
             <a:endParaRPr lang="en-US"/>
           </a:p>
@@ -9285,7 +12050,7 @@
           <a:p>
             <a:fld id="{699DC775-C286-4358-8C92-D7E584E969B3}" type="datetimeFigureOut">
               <a:rPr lang="en-US" smtClean="0"/>
-              <a:t>1/31/2018</a:t>
+              <a:t>4/11/2018</a:t>
             </a:fld>
             <a:endParaRPr lang="en-US"/>
           </a:p>
@@ -9538,7 +12303,7 @@
           <a:p>
             <a:fld id="{699DC775-C286-4358-8C92-D7E584E969B3}" type="datetimeFigureOut">
               <a:rPr lang="en-US" smtClean="0"/>
-              <a:t>1/31/2018</a:t>
+              <a:t>4/11/2018</a:t>
             </a:fld>
             <a:endParaRPr lang="en-US"/>
           </a:p>
@@ -9831,7 +12596,7 @@
           <a:p>
             <a:fld id="{699DC775-C286-4358-8C92-D7E584E969B3}" type="datetimeFigureOut">
               <a:rPr lang="en-US" smtClean="0"/>
-              <a:t>1/31/2018</a:t>
+              <a:t>4/11/2018</a:t>
             </a:fld>
             <a:endParaRPr lang="en-US"/>
           </a:p>
@@ -10258,7 +13023,7 @@
           <a:p>
             <a:fld id="{699DC775-C286-4358-8C92-D7E584E969B3}" type="datetimeFigureOut">
               <a:rPr lang="en-US" smtClean="0"/>
-              <a:t>1/31/2018</a:t>
+              <a:t>4/11/2018</a:t>
             </a:fld>
             <a:endParaRPr lang="en-US"/>
           </a:p>
@@ -10383,7 +13148,7 @@
           <a:p>
             <a:fld id="{699DC775-C286-4358-8C92-D7E584E969B3}" type="datetimeFigureOut">
               <a:rPr lang="en-US" smtClean="0"/>
-              <a:t>1/31/2018</a:t>
+              <a:t>4/11/2018</a:t>
             </a:fld>
             <a:endParaRPr lang="en-US"/>
           </a:p>
@@ -10486,7 +13251,7 @@
           <a:p>
             <a:fld id="{699DC775-C286-4358-8C92-D7E584E969B3}" type="datetimeFigureOut">
               <a:rPr lang="en-US" smtClean="0"/>
-              <a:t>1/31/2018</a:t>
+              <a:t>4/11/2018</a:t>
             </a:fld>
             <a:endParaRPr lang="en-US"/>
           </a:p>
@@ -10731,7 +13496,7 @@
           <a:p>
             <a:fld id="{699DC775-C286-4358-8C92-D7E584E969B3}" type="datetimeFigureOut">
               <a:rPr lang="en-US" smtClean="0"/>
-              <a:t>1/31/2018</a:t>
+              <a:t>4/11/2018</a:t>
             </a:fld>
             <a:endParaRPr lang="en-US"/>
           </a:p>
@@ -11014,7 +13779,7 @@
           <a:p>
             <a:fld id="{699DC775-C286-4358-8C92-D7E584E969B3}" type="datetimeFigureOut">
               <a:rPr lang="en-US" smtClean="0"/>
-              <a:t>1/31/2018</a:t>
+              <a:t>4/11/2018</a:t>
             </a:fld>
             <a:endParaRPr lang="en-US"/>
           </a:p>
@@ -11274,7 +14039,7 @@
           <a:p>
             <a:fld id="{699DC775-C286-4358-8C92-D7E584E969B3}" type="datetimeFigureOut">
               <a:rPr lang="en-US" smtClean="0"/>
-              <a:t>1/31/2018</a:t>
+              <a:t>4/11/2018</a:t>
             </a:fld>
             <a:endParaRPr lang="en-US"/>
           </a:p>
@@ -11450,7 +14215,7 @@
           <a:p>
             <a:fld id="{699DC775-C286-4358-8C92-D7E584E969B3}" type="datetimeFigureOut">
               <a:rPr lang="en-US" smtClean="0"/>
-              <a:t>1/31/2018</a:t>
+              <a:t>4/11/2018</a:t>
             </a:fld>
             <a:endParaRPr lang="en-US"/>
           </a:p>
@@ -11636,7 +14401,7 @@
           <a:p>
             <a:fld id="{699DC775-C286-4358-8C92-D7E584E969B3}" type="datetimeFigureOut">
               <a:rPr lang="en-US" smtClean="0"/>
-              <a:t>1/31/2018</a:t>
+              <a:t>4/11/2018</a:t>
             </a:fld>
             <a:endParaRPr lang="en-US"/>
           </a:p>
@@ -11826,7 +14591,7 @@
           <a:p>
             <a:fld id="{45696B32-6A70-48EC-8939-9D142D9557CD}" type="datetimeFigureOut">
               <a:rPr lang="en-US" smtClean="0"/>
-              <a:t>1/31/2018</a:t>
+              <a:t>4/11/2018</a:t>
             </a:fld>
             <a:endParaRPr lang="en-US"/>
           </a:p>
@@ -12140,7 +14905,7 @@
           <a:p>
             <a:fld id="{45696B32-6A70-48EC-8939-9D142D9557CD}" type="datetimeFigureOut">
               <a:rPr lang="en-US" smtClean="0"/>
-              <a:t>1/31/2018</a:t>
+              <a:t>4/11/2018</a:t>
             </a:fld>
             <a:endParaRPr lang="en-US"/>
           </a:p>
@@ -12385,7 +15150,7 @@
           <a:p>
             <a:fld id="{45696B32-6A70-48EC-8939-9D142D9557CD}" type="datetimeFigureOut">
               <a:rPr lang="en-US" smtClean="0"/>
-              <a:t>1/31/2018</a:t>
+              <a:t>4/11/2018</a:t>
             </a:fld>
             <a:endParaRPr lang="en-US"/>
           </a:p>
@@ -12614,7 +15379,7 @@
           <a:p>
             <a:fld id="{45696B32-6A70-48EC-8939-9D142D9557CD}" type="datetimeFigureOut">
               <a:rPr lang="en-US" smtClean="0"/>
-              <a:t>1/31/2018</a:t>
+              <a:t>4/11/2018</a:t>
             </a:fld>
             <a:endParaRPr lang="en-US"/>
           </a:p>
@@ -12978,7 +15743,7 @@
           <a:p>
             <a:fld id="{45696B32-6A70-48EC-8939-9D142D9557CD}" type="datetimeFigureOut">
               <a:rPr lang="en-US" smtClean="0"/>
-              <a:t>1/31/2018</a:t>
+              <a:t>4/11/2018</a:t>
             </a:fld>
             <a:endParaRPr lang="en-US"/>
           </a:p>
@@ -13095,7 +15860,7 @@
           <a:p>
             <a:fld id="{45696B32-6A70-48EC-8939-9D142D9557CD}" type="datetimeFigureOut">
               <a:rPr lang="en-US" smtClean="0"/>
-              <a:t>1/31/2018</a:t>
+              <a:t>4/11/2018</a:t>
             </a:fld>
             <a:endParaRPr lang="en-US"/>
           </a:p>
@@ -13380,7 +16145,7 @@
           <a:p>
             <a:fld id="{699DC775-C286-4358-8C92-D7E584E969B3}" type="datetimeFigureOut">
               <a:rPr lang="en-US" smtClean="0"/>
-              <a:t>1/31/2018</a:t>
+              <a:t>4/11/2018</a:t>
             </a:fld>
             <a:endParaRPr lang="en-US"/>
           </a:p>
@@ -13475,7 +16240,7 @@
           <a:p>
             <a:fld id="{45696B32-6A70-48EC-8939-9D142D9557CD}" type="datetimeFigureOut">
               <a:rPr lang="en-US" smtClean="0"/>
-              <a:t>1/31/2018</a:t>
+              <a:t>4/11/2018</a:t>
             </a:fld>
             <a:endParaRPr lang="en-US"/>
           </a:p>
@@ -13750,7 +16515,7 @@
           <a:p>
             <a:fld id="{45696B32-6A70-48EC-8939-9D142D9557CD}" type="datetimeFigureOut">
               <a:rPr lang="en-US" smtClean="0"/>
-              <a:t>1/31/2018</a:t>
+              <a:t>4/11/2018</a:t>
             </a:fld>
             <a:endParaRPr lang="en-US"/>
           </a:p>
@@ -14002,7 +16767,7 @@
           <a:p>
             <a:fld id="{45696B32-6A70-48EC-8939-9D142D9557CD}" type="datetimeFigureOut">
               <a:rPr lang="en-US" smtClean="0"/>
-              <a:t>1/31/2018</a:t>
+              <a:t>4/11/2018</a:t>
             </a:fld>
             <a:endParaRPr lang="en-US"/>
           </a:p>
@@ -14170,7 +16935,7 @@
           <a:p>
             <a:fld id="{45696B32-6A70-48EC-8939-9D142D9557CD}" type="datetimeFigureOut">
               <a:rPr lang="en-US" smtClean="0"/>
-              <a:t>1/31/2018</a:t>
+              <a:t>4/11/2018</a:t>
             </a:fld>
             <a:endParaRPr lang="en-US"/>
           </a:p>
@@ -14348,7 +17113,7 @@
           <a:p>
             <a:fld id="{45696B32-6A70-48EC-8939-9D142D9557CD}" type="datetimeFigureOut">
               <a:rPr lang="en-US" smtClean="0"/>
-              <a:t>1/31/2018</a:t>
+              <a:t>4/11/2018</a:t>
             </a:fld>
             <a:endParaRPr lang="en-US"/>
           </a:p>
@@ -14767,7 +17532,7 @@
           <a:p>
             <a:fld id="{699DC775-C286-4358-8C92-D7E584E969B3}" type="datetimeFigureOut">
               <a:rPr lang="en-US" smtClean="0"/>
-              <a:t>1/31/2018</a:t>
+              <a:t>4/11/2018</a:t>
             </a:fld>
             <a:endParaRPr lang="en-US"/>
           </a:p>
@@ -14884,7 +17649,7 @@
           <a:p>
             <a:fld id="{699DC775-C286-4358-8C92-D7E584E969B3}" type="datetimeFigureOut">
               <a:rPr lang="en-US" smtClean="0"/>
-              <a:t>1/31/2018</a:t>
+              <a:t>4/11/2018</a:t>
             </a:fld>
             <a:endParaRPr lang="en-US"/>
           </a:p>
@@ -14979,7 +17744,7 @@
           <a:p>
             <a:fld id="{699DC775-C286-4358-8C92-D7E584E969B3}" type="datetimeFigureOut">
               <a:rPr lang="en-US" smtClean="0"/>
-              <a:t>1/31/2018</a:t>
+              <a:t>4/11/2018</a:t>
             </a:fld>
             <a:endParaRPr lang="en-US"/>
           </a:p>
@@ -15254,7 +18019,7 @@
           <a:p>
             <a:fld id="{699DC775-C286-4358-8C92-D7E584E969B3}" type="datetimeFigureOut">
               <a:rPr lang="en-US" smtClean="0"/>
-              <a:t>1/31/2018</a:t>
+              <a:t>4/11/2018</a:t>
             </a:fld>
             <a:endParaRPr lang="en-US"/>
           </a:p>
@@ -15506,7 +18271,7 @@
           <a:p>
             <a:fld id="{699DC775-C286-4358-8C92-D7E584E969B3}" type="datetimeFigureOut">
               <a:rPr lang="en-US" smtClean="0"/>
-              <a:t>1/31/2018</a:t>
+              <a:t>4/11/2018</a:t>
             </a:fld>
             <a:endParaRPr lang="en-US"/>
           </a:p>
@@ -15717,7 +18482,7 @@
           <a:p>
             <a:fld id="{699DC775-C286-4358-8C92-D7E584E969B3}" type="datetimeFigureOut">
               <a:rPr lang="en-US" smtClean="0"/>
-              <a:t>1/31/2018</a:t>
+              <a:t>4/11/2018</a:t>
             </a:fld>
             <a:endParaRPr lang="en-US"/>
           </a:p>
@@ -16230,7 +18995,7 @@
           <a:p>
             <a:fld id="{699DC775-C286-4358-8C92-D7E584E969B3}" type="datetimeFigureOut">
               <a:rPr lang="en-US" smtClean="0"/>
-              <a:t>1/31/2018</a:t>
+              <a:t>4/11/2018</a:t>
             </a:fld>
             <a:endParaRPr lang="en-US"/>
           </a:p>
@@ -16741,7 +19506,7 @@
           <a:p>
             <a:fld id="{699DC775-C286-4358-8C92-D7E584E969B3}" type="datetimeFigureOut">
               <a:rPr lang="en-US" smtClean="0"/>
-              <a:t>1/31/2018</a:t>
+              <a:t>4/11/2018</a:t>
             </a:fld>
             <a:endParaRPr lang="en-US"/>
           </a:p>
@@ -17249,7 +20014,7 @@
           <a:p>
             <a:fld id="{45696B32-6A70-48EC-8939-9D142D9557CD}" type="datetimeFigureOut">
               <a:rPr lang="en-US" smtClean="0"/>
-              <a:t>1/31/2018</a:t>
+              <a:t>4/11/2018</a:t>
             </a:fld>
             <a:endParaRPr lang="en-US"/>
           </a:p>
@@ -30868,6 +33633,147 @@
     <p:extLst>
       <p:ext uri="{BB962C8B-B14F-4D97-AF65-F5344CB8AC3E}">
         <p14:creationId xmlns:p14="http://schemas.microsoft.com/office/powerpoint/2010/main" val="2343974947"/>
+      </p:ext>
+    </p:extLst>
+  </p:cSld>
+  <p:clrMapOvr>
+    <a:masterClrMapping/>
+  </p:clrMapOvr>
+</p:sld>
+</file>
+
+<file path=ppt/slides/slide47.xml><?xml version="1.0" encoding="utf-8"?>
+<p:sld xmlns:a="http://schemas.openxmlformats.org/drawingml/2006/main" xmlns:r="http://schemas.openxmlformats.org/officeDocument/2006/relationships" xmlns:p="http://schemas.openxmlformats.org/presentationml/2006/main">
+  <p:cSld>
+    <p:spTree>
+      <p:nvGrpSpPr>
+        <p:cNvPr id="1" name=""/>
+        <p:cNvGrpSpPr/>
+        <p:nvPr/>
+      </p:nvGrpSpPr>
+      <p:grpSpPr>
+        <a:xfrm>
+          <a:off x="0" y="0"/>
+          <a:ext cx="0" cy="0"/>
+          <a:chOff x="0" y="0"/>
+          <a:chExt cx="0" cy="0"/>
+        </a:xfrm>
+      </p:grpSpPr>
+      <p:graphicFrame>
+        <p:nvGraphicFramePr>
+          <p:cNvPr id="4" name="SmartArt 1">
+            <a:extLst>
+              <a:ext uri="{FF2B5EF4-FFF2-40B4-BE49-F238E27FC236}">
+                <a16:creationId xmlns:a16="http://schemas.microsoft.com/office/drawing/2014/main" id="{F1081CDD-D1ED-41CF-9914-9E09978430F0}"/>
+              </a:ext>
+            </a:extLst>
+          </p:cNvPr>
+          <p:cNvGraphicFramePr/>
+          <p:nvPr>
+            <p:extLst>
+              <p:ext uri="{D42A27DB-BD31-4B8C-83A1-F6EECF244321}">
+                <p14:modId xmlns:p14="http://schemas.microsoft.com/office/powerpoint/2010/main" val="1724723330"/>
+              </p:ext>
+            </p:extLst>
+          </p:nvPr>
+        </p:nvGraphicFramePr>
+        <p:xfrm>
+          <a:off x="1524000" y="1397000"/>
+          <a:ext cx="6096000" cy="4064000"/>
+        </p:xfrm>
+        <a:graphic>
+          <a:graphicData uri="http://schemas.openxmlformats.org/drawingml/2006/diagram">
+            <dgm:relIds xmlns:dgm="http://schemas.openxmlformats.org/drawingml/2006/diagram" xmlns:r="http://schemas.openxmlformats.org/officeDocument/2006/relationships" r:dm="rId3" r:lo="rId4" r:qs="rId5" r:cs="rId6"/>
+          </a:graphicData>
+        </a:graphic>
+      </p:graphicFrame>
+    </p:spTree>
+    <p:extLst>
+      <p:ext uri="{BB962C8B-B14F-4D97-AF65-F5344CB8AC3E}">
+        <p14:creationId xmlns:p14="http://schemas.microsoft.com/office/powerpoint/2010/main" val="3323667291"/>
+      </p:ext>
+    </p:extLst>
+  </p:cSld>
+  <p:clrMapOvr>
+    <a:masterClrMapping/>
+  </p:clrMapOvr>
+</p:sld>
+</file>
+
+<file path=ppt/slides/slide48.xml><?xml version="1.0" encoding="utf-8"?>
+<p:sld xmlns:a="http://schemas.openxmlformats.org/drawingml/2006/main" xmlns:r="http://schemas.openxmlformats.org/officeDocument/2006/relationships" xmlns:p="http://schemas.openxmlformats.org/presentationml/2006/main">
+  <p:cSld>
+    <p:spTree>
+      <p:nvGrpSpPr>
+        <p:cNvPr id="1" name=""/>
+        <p:cNvGrpSpPr/>
+        <p:nvPr/>
+      </p:nvGrpSpPr>
+      <p:grpSpPr>
+        <a:xfrm>
+          <a:off x="0" y="0"/>
+          <a:ext cx="0" cy="0"/>
+          <a:chOff x="0" y="0"/>
+          <a:chExt cx="0" cy="0"/>
+        </a:xfrm>
+      </p:grpSpPr>
+      <p:sp>
+        <p:nvSpPr>
+          <p:cNvPr id="2" name="Custom Perspective Shadow">
+            <a:extLst>
+              <a:ext uri="{FF2B5EF4-FFF2-40B4-BE49-F238E27FC236}">
+                <a16:creationId xmlns:a16="http://schemas.microsoft.com/office/drawing/2014/main" id="{CDFCE54E-FE43-4EB3-B003-1BC51DC2F375}"/>
+              </a:ext>
+            </a:extLst>
+          </p:cNvPr>
+          <p:cNvSpPr/>
+          <p:nvPr/>
+        </p:nvSpPr>
+        <p:spPr>
+          <a:xfrm>
+            <a:off x="2667000" y="1447800"/>
+            <a:ext cx="3505200" cy="3733800"/>
+          </a:xfrm>
+          <a:prstGeom prst="rect">
+            <a:avLst/>
+          </a:prstGeom>
+          <a:effectLst>
+            <a:outerShdw blurRad="76200" dist="1244600" dir="7980000" sy="23000" kx="-1200000" algn="bl" rotWithShape="0">
+              <a:prstClr val="black">
+                <a:alpha val="20000"/>
+              </a:prstClr>
+            </a:outerShdw>
+          </a:effectLst>
+        </p:spPr>
+        <p:style>
+          <a:lnRef idx="2">
+            <a:schemeClr val="accent1">
+              <a:shade val="50000"/>
+            </a:schemeClr>
+          </a:lnRef>
+          <a:fillRef idx="1">
+            <a:schemeClr val="accent1"/>
+          </a:fillRef>
+          <a:effectRef idx="0">
+            <a:schemeClr val="accent1"/>
+          </a:effectRef>
+          <a:fontRef idx="minor">
+            <a:schemeClr val="lt1"/>
+          </a:fontRef>
+        </p:style>
+        <p:txBody>
+          <a:bodyPr rtlCol="0" anchor="ctr"/>
+          <a:lstStyle/>
+          <a:p>
+            <a:pPr algn="ctr"/>
+            <a:endParaRPr lang="en-US" dirty="0"/>
+          </a:p>
+        </p:txBody>
+      </p:sp>
+    </p:spTree>
+    <p:extLst>
+      <p:ext uri="{BB962C8B-B14F-4D97-AF65-F5344CB8AC3E}">
+        <p14:creationId xmlns:p14="http://schemas.microsoft.com/office/powerpoint/2010/main" val="4144271423"/>
       </p:ext>
     </p:extLst>
   </p:cSld>
